--- a/Google V8引擎.pptx
+++ b/Google V8引擎.pptx
@@ -6,6 +6,8 @@
   </p:sldMasterIdLst>
   <p:sldIdLst>
     <p:sldId id="256" r:id="rId2"/>
+    <p:sldId id="257" r:id="rId3"/>
+    <p:sldId id="258" r:id="rId4"/>
   </p:sldIdLst>
   <p:sldSz cx="12192000" cy="6858000"/>
   <p:notesSz cx="6858000" cy="9144000"/>
@@ -104,6 +106,11 @@
       </a:defRPr>
     </a:lvl9pPr>
   </p:defaultTextStyle>
+  <p:extLst>
+    <p:ext uri="{EFAFB233-063F-42B5-8137-9DF3F51BA10A}">
+      <p15:sldGuideLst xmlns:p15="http://schemas.microsoft.com/office/powerpoint/2012/main"/>
+    </p:ext>
+  </p:extLst>
 </p:presentation>
 </file>
 
@@ -7673,7 +7680,7 @@
           <a:bodyPr/>
           <a:lstStyle/>
           <a:p>
-            <a:endParaRPr lang="zh-CN" altLang="en-US"/>
+            <a:endParaRPr lang="zh-CN" altLang="en-US" dirty="0"/>
           </a:p>
         </p:txBody>
       </p:sp>
@@ -7681,6 +7688,276 @@
     <p:extLst>
       <p:ext uri="{BB962C8B-B14F-4D97-AF65-F5344CB8AC3E}">
         <p14:creationId xmlns:p14="http://schemas.microsoft.com/office/powerpoint/2010/main" val="3759589319"/>
+      </p:ext>
+    </p:extLst>
+  </p:cSld>
+  <p:clrMapOvr>
+    <a:masterClrMapping/>
+  </p:clrMapOvr>
+</p:sld>
+</file>
+
+<file path=ppt/slides/slide2.xml><?xml version="1.0" encoding="utf-8"?>
+<p:sld xmlns:a="http://schemas.openxmlformats.org/drawingml/2006/main" xmlns:r="http://schemas.openxmlformats.org/officeDocument/2006/relationships" xmlns:p="http://schemas.openxmlformats.org/presentationml/2006/main">
+  <p:cSld>
+    <p:spTree>
+      <p:nvGrpSpPr>
+        <p:cNvPr id="1" name=""/>
+        <p:cNvGrpSpPr/>
+        <p:nvPr/>
+      </p:nvGrpSpPr>
+      <p:grpSpPr>
+        <a:xfrm>
+          <a:off x="0" y="0"/>
+          <a:ext cx="0" cy="0"/>
+          <a:chOff x="0" y="0"/>
+          <a:chExt cx="0" cy="0"/>
+        </a:xfrm>
+      </p:grpSpPr>
+      <p:sp>
+        <p:nvSpPr>
+          <p:cNvPr id="2" name="标题 1">
+            <a:extLst>
+              <a:ext uri="{FF2B5EF4-FFF2-40B4-BE49-F238E27FC236}">
+                <a16:creationId xmlns:a16="http://schemas.microsoft.com/office/drawing/2014/main" id="{F513552E-7518-47FC-B5DE-B37B2FFD22E4}"/>
+              </a:ext>
+            </a:extLst>
+          </p:cNvPr>
+          <p:cNvSpPr>
+            <a:spLocks noGrp="1"/>
+          </p:cNvSpPr>
+          <p:nvPr>
+            <p:ph type="title"/>
+          </p:nvPr>
+        </p:nvSpPr>
+        <p:spPr>
+          <a:xfrm>
+            <a:off x="177103" y="-1"/>
+            <a:ext cx="8675349" cy="543339"/>
+          </a:xfrm>
+          <a:solidFill>
+            <a:schemeClr val="accent5">
+              <a:lumMod val="40000"/>
+              <a:lumOff val="60000"/>
+            </a:schemeClr>
+          </a:solidFill>
+        </p:spPr>
+        <p:txBody>
+          <a:bodyPr>
+            <a:noAutofit/>
+          </a:bodyPr>
+          <a:lstStyle/>
+          <a:p>
+            <a:r>
+              <a:rPr lang="zh-CN" altLang="en-US" sz="2400" b="1" dirty="0"/>
+              <a:t>渲染引擎</a:t>
+            </a:r>
+          </a:p>
+        </p:txBody>
+      </p:sp>
+      <p:graphicFrame>
+        <p:nvGraphicFramePr>
+          <p:cNvPr id="4" name="内容占位符 3">
+            <a:extLst>
+              <a:ext uri="{FF2B5EF4-FFF2-40B4-BE49-F238E27FC236}">
+                <a16:creationId xmlns:a16="http://schemas.microsoft.com/office/drawing/2014/main" id="{49A0031B-CF95-41CF-8F5F-5F8A5A05C751}"/>
+              </a:ext>
+            </a:extLst>
+          </p:cNvPr>
+          <p:cNvGraphicFramePr>
+            <a:graphicFrameLocks noGrp="1" noChangeAspect="1"/>
+          </p:cNvGraphicFramePr>
+          <p:nvPr>
+            <p:ph idx="1"/>
+            <p:extLst>
+              <p:ext uri="{D42A27DB-BD31-4B8C-83A1-F6EECF244321}">
+                <p14:modId xmlns:p14="http://schemas.microsoft.com/office/powerpoint/2010/main" val="368153641"/>
+              </p:ext>
+            </p:extLst>
+          </p:nvPr>
+        </p:nvGraphicFramePr>
+        <p:xfrm>
+          <a:off x="1717778" y="337928"/>
+          <a:ext cx="8809451" cy="6781806"/>
+        </p:xfrm>
+        <a:graphic>
+          <a:graphicData uri="http://schemas.openxmlformats.org/presentationml/2006/ole">
+            <mc:AlternateContent xmlns:mc="http://schemas.openxmlformats.org/markup-compatibility/2006">
+              <mc:Choice xmlns:v="urn:schemas-microsoft-com:vml" Requires="v">
+                <p:oleObj spid="_x0000_s1033" name="Visio" r:id="rId3" imgW="5876913" imgH="4524430" progId="Visio.Drawing.11">
+                  <p:embed/>
+                </p:oleObj>
+              </mc:Choice>
+              <mc:Fallback>
+                <p:oleObj name="Visio" r:id="rId3" imgW="5876913" imgH="4524430" progId="Visio.Drawing.11">
+                  <p:embed/>
+                  <p:pic>
+                    <p:nvPicPr>
+                      <p:cNvPr id="0" name=""/>
+                      <p:cNvPicPr/>
+                      <p:nvPr/>
+                    </p:nvPicPr>
+                    <p:blipFill>
+                      <a:blip r:embed="rId4"/>
+                      <a:stretch>
+                        <a:fillRect/>
+                      </a:stretch>
+                    </p:blipFill>
+                    <p:spPr>
+                      <a:xfrm>
+                        <a:off x="1717778" y="337928"/>
+                        <a:ext cx="8809451" cy="6781806"/>
+                      </a:xfrm>
+                      <a:prstGeom prst="rect">
+                        <a:avLst/>
+                      </a:prstGeom>
+                    </p:spPr>
+                  </p:pic>
+                </p:oleObj>
+              </mc:Fallback>
+            </mc:AlternateContent>
+          </a:graphicData>
+        </a:graphic>
+      </p:graphicFrame>
+    </p:spTree>
+    <p:extLst>
+      <p:ext uri="{BB962C8B-B14F-4D97-AF65-F5344CB8AC3E}">
+        <p14:creationId xmlns:p14="http://schemas.microsoft.com/office/powerpoint/2010/main" val="3333951351"/>
+      </p:ext>
+    </p:extLst>
+  </p:cSld>
+  <p:clrMapOvr>
+    <a:masterClrMapping/>
+  </p:clrMapOvr>
+</p:sld>
+</file>
+
+<file path=ppt/slides/slide3.xml><?xml version="1.0" encoding="utf-8"?>
+<p:sld xmlns:a="http://schemas.openxmlformats.org/drawingml/2006/main" xmlns:r="http://schemas.openxmlformats.org/officeDocument/2006/relationships" xmlns:p="http://schemas.openxmlformats.org/presentationml/2006/main">
+  <p:cSld>
+    <p:spTree>
+      <p:nvGrpSpPr>
+        <p:cNvPr id="1" name=""/>
+        <p:cNvGrpSpPr/>
+        <p:nvPr/>
+      </p:nvGrpSpPr>
+      <p:grpSpPr>
+        <a:xfrm>
+          <a:off x="0" y="0"/>
+          <a:ext cx="0" cy="0"/>
+          <a:chOff x="0" y="0"/>
+          <a:chExt cx="0" cy="0"/>
+        </a:xfrm>
+      </p:grpSpPr>
+      <p:sp>
+        <p:nvSpPr>
+          <p:cNvPr id="4" name="标题 1">
+            <a:extLst>
+              <a:ext uri="{FF2B5EF4-FFF2-40B4-BE49-F238E27FC236}">
+                <a16:creationId xmlns:a16="http://schemas.microsoft.com/office/drawing/2014/main" id="{D6865D77-F26B-49D0-B320-300C701490C7}"/>
+              </a:ext>
+            </a:extLst>
+          </p:cNvPr>
+          <p:cNvSpPr>
+            <a:spLocks noGrp="1"/>
+          </p:cNvSpPr>
+          <p:nvPr>
+            <p:ph type="title"/>
+          </p:nvPr>
+        </p:nvSpPr>
+        <p:spPr>
+          <a:xfrm>
+            <a:off x="177103" y="-1"/>
+            <a:ext cx="8675349" cy="543339"/>
+          </a:xfrm>
+          <a:solidFill>
+            <a:schemeClr val="accent5">
+              <a:lumMod val="40000"/>
+              <a:lumOff val="60000"/>
+            </a:schemeClr>
+          </a:solidFill>
+        </p:spPr>
+        <p:txBody>
+          <a:bodyPr>
+            <a:noAutofit/>
+          </a:bodyPr>
+          <a:lstStyle/>
+          <a:p>
+            <a:r>
+              <a:rPr lang="zh-CN" altLang="en-US" sz="2400" b="1" dirty="0"/>
+              <a:t>渲染流程</a:t>
+            </a:r>
+          </a:p>
+        </p:txBody>
+      </p:sp>
+      <p:graphicFrame>
+        <p:nvGraphicFramePr>
+          <p:cNvPr id="5" name="内容占位符 4">
+            <a:extLst>
+              <a:ext uri="{FF2B5EF4-FFF2-40B4-BE49-F238E27FC236}">
+                <a16:creationId xmlns:a16="http://schemas.microsoft.com/office/drawing/2014/main" id="{116A7ABF-E85A-4E77-BBF5-8B5C6B57C9AE}"/>
+              </a:ext>
+            </a:extLst>
+          </p:cNvPr>
+          <p:cNvGraphicFramePr>
+            <a:graphicFrameLocks noGrp="1" noChangeAspect="1"/>
+          </p:cNvGraphicFramePr>
+          <p:nvPr>
+            <p:ph idx="1"/>
+            <p:extLst>
+              <p:ext uri="{D42A27DB-BD31-4B8C-83A1-F6EECF244321}">
+                <p14:modId xmlns:p14="http://schemas.microsoft.com/office/powerpoint/2010/main" val="3613020592"/>
+              </p:ext>
+            </p:extLst>
+          </p:nvPr>
+        </p:nvGraphicFramePr>
+        <p:xfrm>
+          <a:off x="-246902" y="1105530"/>
+          <a:ext cx="12685805" cy="8457976"/>
+        </p:xfrm>
+        <a:graphic>
+          <a:graphicData uri="http://schemas.openxmlformats.org/presentationml/2006/ole">
+            <mc:AlternateContent xmlns:mc="http://schemas.openxmlformats.org/markup-compatibility/2006">
+              <mc:Choice xmlns:v="urn:schemas-microsoft-com:vml" Requires="v">
+                <p:oleObj spid="_x0000_s2052" name="Visio" r:id="rId3" imgW="8143969" imgH="5429316" progId="Visio.Drawing.11">
+                  <p:embed/>
+                </p:oleObj>
+              </mc:Choice>
+              <mc:Fallback>
+                <p:oleObj name="Visio" r:id="rId3" imgW="8143969" imgH="5429316" progId="Visio.Drawing.11">
+                  <p:embed/>
+                  <p:pic>
+                    <p:nvPicPr>
+                      <p:cNvPr id="0" name=""/>
+                      <p:cNvPicPr/>
+                      <p:nvPr/>
+                    </p:nvPicPr>
+                    <p:blipFill>
+                      <a:blip r:embed="rId4"/>
+                      <a:stretch>
+                        <a:fillRect/>
+                      </a:stretch>
+                    </p:blipFill>
+                    <p:spPr>
+                      <a:xfrm>
+                        <a:off x="-246902" y="1105530"/>
+                        <a:ext cx="12685805" cy="8457976"/>
+                      </a:xfrm>
+                      <a:prstGeom prst="rect">
+                        <a:avLst/>
+                      </a:prstGeom>
+                    </p:spPr>
+                  </p:pic>
+                </p:oleObj>
+              </mc:Fallback>
+            </mc:AlternateContent>
+          </a:graphicData>
+        </a:graphic>
+      </p:graphicFrame>
+    </p:spTree>
+    <p:extLst>
+      <p:ext uri="{BB962C8B-B14F-4D97-AF65-F5344CB8AC3E}">
+        <p14:creationId xmlns:p14="http://schemas.microsoft.com/office/powerpoint/2010/main" val="833326297"/>
       </p:ext>
     </p:extLst>
   </p:cSld>

--- a/Google V8引擎.pptx
+++ b/Google V8引擎.pptx
@@ -8,6 +8,9 @@
     <p:sldId id="256" r:id="rId2"/>
     <p:sldId id="257" r:id="rId3"/>
     <p:sldId id="258" r:id="rId4"/>
+    <p:sldId id="259" r:id="rId5"/>
+    <p:sldId id="260" r:id="rId6"/>
+    <p:sldId id="261" r:id="rId7"/>
   </p:sldIdLst>
   <p:sldSz cx="12192000" cy="6858000"/>
   <p:notesSz cx="6858000" cy="9144000"/>
@@ -112,6 +115,3143 @@
     </p:ext>
   </p:extLst>
 </p:presentation>
+</file>
+
+<file path=ppt/diagrams/colors1.xml><?xml version="1.0" encoding="utf-8"?>
+<dgm:colorsDef xmlns:dgm="http://schemas.openxmlformats.org/drawingml/2006/diagram" xmlns:a="http://schemas.openxmlformats.org/drawingml/2006/main" uniqueId="urn:microsoft.com/office/officeart/2005/8/colors/accent1_2">
+  <dgm:title val=""/>
+  <dgm:desc val=""/>
+  <dgm:catLst>
+    <dgm:cat type="accent1" pri="11200"/>
+  </dgm:catLst>
+  <dgm:styleLbl name="node0">
+    <dgm:fillClrLst meth="repeat">
+      <a:schemeClr val="accent1"/>
+    </dgm:fillClrLst>
+    <dgm:linClrLst meth="repeat">
+      <a:schemeClr val="lt1"/>
+    </dgm:linClrLst>
+    <dgm:effectClrLst/>
+    <dgm:txLinClrLst/>
+    <dgm:txFillClrLst/>
+    <dgm:txEffectClrLst/>
+  </dgm:styleLbl>
+  <dgm:styleLbl name="alignNode1">
+    <dgm:fillClrLst meth="repeat">
+      <a:schemeClr val="accent1"/>
+    </dgm:fillClrLst>
+    <dgm:linClrLst meth="repeat">
+      <a:schemeClr val="accent1"/>
+    </dgm:linClrLst>
+    <dgm:effectClrLst/>
+    <dgm:txLinClrLst/>
+    <dgm:txFillClrLst/>
+    <dgm:txEffectClrLst/>
+  </dgm:styleLbl>
+  <dgm:styleLbl name="node1">
+    <dgm:fillClrLst meth="repeat">
+      <a:schemeClr val="accent1"/>
+    </dgm:fillClrLst>
+    <dgm:linClrLst meth="repeat">
+      <a:schemeClr val="lt1"/>
+    </dgm:linClrLst>
+    <dgm:effectClrLst/>
+    <dgm:txLinClrLst/>
+    <dgm:txFillClrLst/>
+    <dgm:txEffectClrLst/>
+  </dgm:styleLbl>
+  <dgm:styleLbl name="lnNode1">
+    <dgm:fillClrLst meth="repeat">
+      <a:schemeClr val="accent1"/>
+    </dgm:fillClrLst>
+    <dgm:linClrLst meth="repeat">
+      <a:schemeClr val="lt1"/>
+    </dgm:linClrLst>
+    <dgm:effectClrLst/>
+    <dgm:txLinClrLst/>
+    <dgm:txFillClrLst/>
+    <dgm:txEffectClrLst/>
+  </dgm:styleLbl>
+  <dgm:styleLbl name="vennNode1">
+    <dgm:fillClrLst meth="repeat">
+      <a:schemeClr val="accent1">
+        <a:alpha val="50000"/>
+      </a:schemeClr>
+    </dgm:fillClrLst>
+    <dgm:linClrLst meth="repeat">
+      <a:schemeClr val="lt1"/>
+    </dgm:linClrLst>
+    <dgm:effectClrLst/>
+    <dgm:txLinClrLst/>
+    <dgm:txFillClrLst/>
+    <dgm:txEffectClrLst/>
+  </dgm:styleLbl>
+  <dgm:styleLbl name="node2">
+    <dgm:fillClrLst meth="repeat">
+      <a:schemeClr val="accent1"/>
+    </dgm:fillClrLst>
+    <dgm:linClrLst meth="repeat">
+      <a:schemeClr val="lt1"/>
+    </dgm:linClrLst>
+    <dgm:effectClrLst/>
+    <dgm:txLinClrLst/>
+    <dgm:txFillClrLst/>
+    <dgm:txEffectClrLst/>
+  </dgm:styleLbl>
+  <dgm:styleLbl name="node3">
+    <dgm:fillClrLst meth="repeat">
+      <a:schemeClr val="accent1"/>
+    </dgm:fillClrLst>
+    <dgm:linClrLst meth="repeat">
+      <a:schemeClr val="lt1"/>
+    </dgm:linClrLst>
+    <dgm:effectClrLst/>
+    <dgm:txLinClrLst/>
+    <dgm:txFillClrLst/>
+    <dgm:txEffectClrLst/>
+  </dgm:styleLbl>
+  <dgm:styleLbl name="node4">
+    <dgm:fillClrLst meth="repeat">
+      <a:schemeClr val="accent1"/>
+    </dgm:fillClrLst>
+    <dgm:linClrLst meth="repeat">
+      <a:schemeClr val="lt1"/>
+    </dgm:linClrLst>
+    <dgm:effectClrLst/>
+    <dgm:txLinClrLst/>
+    <dgm:txFillClrLst/>
+    <dgm:txEffectClrLst/>
+  </dgm:styleLbl>
+  <dgm:styleLbl name="fgImgPlace1">
+    <dgm:fillClrLst meth="repeat">
+      <a:schemeClr val="accent1">
+        <a:tint val="50000"/>
+      </a:schemeClr>
+    </dgm:fillClrLst>
+    <dgm:linClrLst meth="repeat">
+      <a:schemeClr val="lt1"/>
+    </dgm:linClrLst>
+    <dgm:effectClrLst/>
+    <dgm:txLinClrLst/>
+    <dgm:txFillClrLst meth="repeat">
+      <a:schemeClr val="lt1"/>
+    </dgm:txFillClrLst>
+    <dgm:txEffectClrLst/>
+  </dgm:styleLbl>
+  <dgm:styleLbl name="alignImgPlace1">
+    <dgm:fillClrLst meth="repeat">
+      <a:schemeClr val="accent1">
+        <a:tint val="50000"/>
+      </a:schemeClr>
+    </dgm:fillClrLst>
+    <dgm:linClrLst meth="repeat">
+      <a:schemeClr val="lt1"/>
+    </dgm:linClrLst>
+    <dgm:effectClrLst/>
+    <dgm:txLinClrLst/>
+    <dgm:txFillClrLst meth="repeat">
+      <a:schemeClr val="lt1"/>
+    </dgm:txFillClrLst>
+    <dgm:txEffectClrLst/>
+  </dgm:styleLbl>
+  <dgm:styleLbl name="bgImgPlace1">
+    <dgm:fillClrLst meth="repeat">
+      <a:schemeClr val="accent1">
+        <a:tint val="50000"/>
+      </a:schemeClr>
+    </dgm:fillClrLst>
+    <dgm:linClrLst meth="repeat">
+      <a:schemeClr val="lt1"/>
+    </dgm:linClrLst>
+    <dgm:effectClrLst/>
+    <dgm:txLinClrLst/>
+    <dgm:txFillClrLst meth="repeat">
+      <a:schemeClr val="lt1"/>
+    </dgm:txFillClrLst>
+    <dgm:txEffectClrLst/>
+  </dgm:styleLbl>
+  <dgm:styleLbl name="sibTrans2D1">
+    <dgm:fillClrLst meth="repeat">
+      <a:schemeClr val="accent1">
+        <a:tint val="60000"/>
+      </a:schemeClr>
+    </dgm:fillClrLst>
+    <dgm:linClrLst meth="repeat">
+      <a:schemeClr val="accent1">
+        <a:tint val="60000"/>
+      </a:schemeClr>
+    </dgm:linClrLst>
+    <dgm:effectClrLst/>
+    <dgm:txLinClrLst/>
+    <dgm:txFillClrLst/>
+    <dgm:txEffectClrLst/>
+  </dgm:styleLbl>
+  <dgm:styleLbl name="fgSibTrans2D1">
+    <dgm:fillClrLst meth="repeat">
+      <a:schemeClr val="accent1">
+        <a:tint val="60000"/>
+      </a:schemeClr>
+    </dgm:fillClrLst>
+    <dgm:linClrLst meth="repeat">
+      <a:schemeClr val="accent1">
+        <a:tint val="60000"/>
+      </a:schemeClr>
+    </dgm:linClrLst>
+    <dgm:effectClrLst/>
+    <dgm:txLinClrLst/>
+    <dgm:txFillClrLst/>
+    <dgm:txEffectClrLst/>
+  </dgm:styleLbl>
+  <dgm:styleLbl name="bgSibTrans2D1">
+    <dgm:fillClrLst meth="repeat">
+      <a:schemeClr val="accent1">
+        <a:tint val="60000"/>
+      </a:schemeClr>
+    </dgm:fillClrLst>
+    <dgm:linClrLst meth="repeat">
+      <a:schemeClr val="accent1">
+        <a:tint val="60000"/>
+      </a:schemeClr>
+    </dgm:linClrLst>
+    <dgm:effectClrLst/>
+    <dgm:txLinClrLst/>
+    <dgm:txFillClrLst/>
+    <dgm:txEffectClrLst/>
+  </dgm:styleLbl>
+  <dgm:styleLbl name="sibTrans1D1">
+    <dgm:fillClrLst meth="repeat">
+      <a:schemeClr val="accent1"/>
+    </dgm:fillClrLst>
+    <dgm:linClrLst meth="repeat">
+      <a:schemeClr val="accent1"/>
+    </dgm:linClrLst>
+    <dgm:effectClrLst/>
+    <dgm:txLinClrLst/>
+    <dgm:txFillClrLst meth="repeat">
+      <a:schemeClr val="tx1"/>
+    </dgm:txFillClrLst>
+    <dgm:txEffectClrLst/>
+  </dgm:styleLbl>
+  <dgm:styleLbl name="callout">
+    <dgm:fillClrLst meth="repeat">
+      <a:schemeClr val="accent1"/>
+    </dgm:fillClrLst>
+    <dgm:linClrLst meth="repeat">
+      <a:schemeClr val="accent1">
+        <a:tint val="50000"/>
+      </a:schemeClr>
+    </dgm:linClrLst>
+    <dgm:effectClrLst/>
+    <dgm:txLinClrLst/>
+    <dgm:txFillClrLst meth="repeat">
+      <a:schemeClr val="tx1"/>
+    </dgm:txFillClrLst>
+    <dgm:txEffectClrLst/>
+  </dgm:styleLbl>
+  <dgm:styleLbl name="asst0">
+    <dgm:fillClrLst meth="repeat">
+      <a:schemeClr val="accent1"/>
+    </dgm:fillClrLst>
+    <dgm:linClrLst meth="repeat">
+      <a:schemeClr val="lt1"/>
+    </dgm:linClrLst>
+    <dgm:effectClrLst/>
+    <dgm:txLinClrLst/>
+    <dgm:txFillClrLst/>
+    <dgm:txEffectClrLst/>
+  </dgm:styleLbl>
+  <dgm:styleLbl name="asst1">
+    <dgm:fillClrLst meth="repeat">
+      <a:schemeClr val="accent1"/>
+    </dgm:fillClrLst>
+    <dgm:linClrLst meth="repeat">
+      <a:schemeClr val="lt1"/>
+    </dgm:linClrLst>
+    <dgm:effectClrLst/>
+    <dgm:txLinClrLst/>
+    <dgm:txFillClrLst/>
+    <dgm:txEffectClrLst/>
+  </dgm:styleLbl>
+  <dgm:styleLbl name="asst2">
+    <dgm:fillClrLst meth="repeat">
+      <a:schemeClr val="accent1"/>
+    </dgm:fillClrLst>
+    <dgm:linClrLst meth="repeat">
+      <a:schemeClr val="lt1"/>
+    </dgm:linClrLst>
+    <dgm:effectClrLst/>
+    <dgm:txLinClrLst/>
+    <dgm:txFillClrLst/>
+    <dgm:txEffectClrLst/>
+  </dgm:styleLbl>
+  <dgm:styleLbl name="asst3">
+    <dgm:fillClrLst meth="repeat">
+      <a:schemeClr val="accent1"/>
+    </dgm:fillClrLst>
+    <dgm:linClrLst meth="repeat">
+      <a:schemeClr val="lt1"/>
+    </dgm:linClrLst>
+    <dgm:effectClrLst/>
+    <dgm:txLinClrLst/>
+    <dgm:txFillClrLst/>
+    <dgm:txEffectClrLst/>
+  </dgm:styleLbl>
+  <dgm:styleLbl name="asst4">
+    <dgm:fillClrLst meth="repeat">
+      <a:schemeClr val="accent1"/>
+    </dgm:fillClrLst>
+    <dgm:linClrLst meth="repeat">
+      <a:schemeClr val="lt1"/>
+    </dgm:linClrLst>
+    <dgm:effectClrLst/>
+    <dgm:txLinClrLst/>
+    <dgm:txFillClrLst/>
+    <dgm:txEffectClrLst/>
+  </dgm:styleLbl>
+  <dgm:styleLbl name="parChTrans2D1">
+    <dgm:fillClrLst meth="repeat">
+      <a:schemeClr val="accent1">
+        <a:tint val="60000"/>
+      </a:schemeClr>
+    </dgm:fillClrLst>
+    <dgm:linClrLst meth="repeat">
+      <a:schemeClr val="accent1">
+        <a:tint val="60000"/>
+      </a:schemeClr>
+    </dgm:linClrLst>
+    <dgm:effectClrLst/>
+    <dgm:txLinClrLst/>
+    <dgm:txFillClrLst meth="repeat">
+      <a:schemeClr val="lt1"/>
+    </dgm:txFillClrLst>
+    <dgm:txEffectClrLst/>
+  </dgm:styleLbl>
+  <dgm:styleLbl name="parChTrans2D2">
+    <dgm:fillClrLst meth="repeat">
+      <a:schemeClr val="accent1"/>
+    </dgm:fillClrLst>
+    <dgm:linClrLst meth="repeat">
+      <a:schemeClr val="accent1"/>
+    </dgm:linClrLst>
+    <dgm:effectClrLst/>
+    <dgm:txLinClrLst/>
+    <dgm:txFillClrLst meth="repeat">
+      <a:schemeClr val="lt1"/>
+    </dgm:txFillClrLst>
+    <dgm:txEffectClrLst/>
+  </dgm:styleLbl>
+  <dgm:styleLbl name="parChTrans2D3">
+    <dgm:fillClrLst meth="repeat">
+      <a:schemeClr val="accent1"/>
+    </dgm:fillClrLst>
+    <dgm:linClrLst meth="repeat">
+      <a:schemeClr val="accent1"/>
+    </dgm:linClrLst>
+    <dgm:effectClrLst/>
+    <dgm:txLinClrLst/>
+    <dgm:txFillClrLst meth="repeat">
+      <a:schemeClr val="lt1"/>
+    </dgm:txFillClrLst>
+    <dgm:txEffectClrLst/>
+  </dgm:styleLbl>
+  <dgm:styleLbl name="parChTrans2D4">
+    <dgm:fillClrLst meth="repeat">
+      <a:schemeClr val="accent1"/>
+    </dgm:fillClrLst>
+    <dgm:linClrLst meth="repeat">
+      <a:schemeClr val="accent1"/>
+    </dgm:linClrLst>
+    <dgm:effectClrLst/>
+    <dgm:txLinClrLst/>
+    <dgm:txFillClrLst meth="repeat">
+      <a:schemeClr val="lt1"/>
+    </dgm:txFillClrLst>
+    <dgm:txEffectClrLst/>
+  </dgm:styleLbl>
+  <dgm:styleLbl name="parChTrans1D1">
+    <dgm:fillClrLst meth="repeat">
+      <a:schemeClr val="accent1"/>
+    </dgm:fillClrLst>
+    <dgm:linClrLst meth="repeat">
+      <a:schemeClr val="accent1">
+        <a:shade val="60000"/>
+      </a:schemeClr>
+    </dgm:linClrLst>
+    <dgm:effectClrLst/>
+    <dgm:txLinClrLst/>
+    <dgm:txFillClrLst meth="repeat">
+      <a:schemeClr val="tx1"/>
+    </dgm:txFillClrLst>
+    <dgm:txEffectClrLst/>
+  </dgm:styleLbl>
+  <dgm:styleLbl name="parChTrans1D2">
+    <dgm:fillClrLst meth="repeat">
+      <a:schemeClr val="accent1"/>
+    </dgm:fillClrLst>
+    <dgm:linClrLst meth="repeat">
+      <a:schemeClr val="accent1">
+        <a:shade val="60000"/>
+      </a:schemeClr>
+    </dgm:linClrLst>
+    <dgm:effectClrLst/>
+    <dgm:txLinClrLst/>
+    <dgm:txFillClrLst meth="repeat">
+      <a:schemeClr val="tx1"/>
+    </dgm:txFillClrLst>
+    <dgm:txEffectClrLst/>
+  </dgm:styleLbl>
+  <dgm:styleLbl name="parChTrans1D3">
+    <dgm:fillClrLst meth="repeat">
+      <a:schemeClr val="accent1"/>
+    </dgm:fillClrLst>
+    <dgm:linClrLst meth="repeat">
+      <a:schemeClr val="accent1">
+        <a:shade val="80000"/>
+      </a:schemeClr>
+    </dgm:linClrLst>
+    <dgm:effectClrLst/>
+    <dgm:txLinClrLst/>
+    <dgm:txFillClrLst meth="repeat">
+      <a:schemeClr val="tx1"/>
+    </dgm:txFillClrLst>
+    <dgm:txEffectClrLst/>
+  </dgm:styleLbl>
+  <dgm:styleLbl name="parChTrans1D4">
+    <dgm:fillClrLst meth="repeat">
+      <a:schemeClr val="accent1"/>
+    </dgm:fillClrLst>
+    <dgm:linClrLst meth="repeat">
+      <a:schemeClr val="accent1">
+        <a:shade val="80000"/>
+      </a:schemeClr>
+    </dgm:linClrLst>
+    <dgm:effectClrLst/>
+    <dgm:txLinClrLst/>
+    <dgm:txFillClrLst meth="repeat">
+      <a:schemeClr val="tx1"/>
+    </dgm:txFillClrLst>
+    <dgm:txEffectClrLst/>
+  </dgm:styleLbl>
+  <dgm:styleLbl name="fgAcc1">
+    <dgm:fillClrLst meth="repeat">
+      <a:schemeClr val="lt1">
+        <a:alpha val="90000"/>
+      </a:schemeClr>
+    </dgm:fillClrLst>
+    <dgm:linClrLst meth="repeat">
+      <a:schemeClr val="accent1"/>
+    </dgm:linClrLst>
+    <dgm:effectClrLst/>
+    <dgm:txLinClrLst/>
+    <dgm:txFillClrLst meth="repeat">
+      <a:schemeClr val="dk1"/>
+    </dgm:txFillClrLst>
+    <dgm:txEffectClrLst/>
+  </dgm:styleLbl>
+  <dgm:styleLbl name="conFgAcc1">
+    <dgm:fillClrLst meth="repeat">
+      <a:schemeClr val="lt1">
+        <a:alpha val="90000"/>
+      </a:schemeClr>
+    </dgm:fillClrLst>
+    <dgm:linClrLst meth="repeat">
+      <a:schemeClr val="accent1"/>
+    </dgm:linClrLst>
+    <dgm:effectClrLst/>
+    <dgm:txLinClrLst/>
+    <dgm:txFillClrLst meth="repeat">
+      <a:schemeClr val="dk1"/>
+    </dgm:txFillClrLst>
+    <dgm:txEffectClrLst/>
+  </dgm:styleLbl>
+  <dgm:styleLbl name="alignAcc1">
+    <dgm:fillClrLst meth="repeat">
+      <a:schemeClr val="lt1">
+        <a:alpha val="90000"/>
+      </a:schemeClr>
+    </dgm:fillClrLst>
+    <dgm:linClrLst meth="repeat">
+      <a:schemeClr val="accent1"/>
+    </dgm:linClrLst>
+    <dgm:effectClrLst/>
+    <dgm:txLinClrLst/>
+    <dgm:txFillClrLst meth="repeat">
+      <a:schemeClr val="dk1"/>
+    </dgm:txFillClrLst>
+    <dgm:txEffectClrLst/>
+  </dgm:styleLbl>
+  <dgm:styleLbl name="trAlignAcc1">
+    <dgm:fillClrLst meth="repeat">
+      <a:schemeClr val="lt1">
+        <a:alpha val="40000"/>
+      </a:schemeClr>
+    </dgm:fillClrLst>
+    <dgm:linClrLst meth="repeat">
+      <a:schemeClr val="accent1"/>
+    </dgm:linClrLst>
+    <dgm:effectClrLst/>
+    <dgm:txLinClrLst/>
+    <dgm:txFillClrLst meth="repeat">
+      <a:schemeClr val="dk1"/>
+    </dgm:txFillClrLst>
+    <dgm:txEffectClrLst/>
+  </dgm:styleLbl>
+  <dgm:styleLbl name="bgAcc1">
+    <dgm:fillClrLst meth="repeat">
+      <a:schemeClr val="lt1">
+        <a:alpha val="90000"/>
+      </a:schemeClr>
+    </dgm:fillClrLst>
+    <dgm:linClrLst meth="repeat">
+      <a:schemeClr val="accent1"/>
+    </dgm:linClrLst>
+    <dgm:effectClrLst/>
+    <dgm:txLinClrLst/>
+    <dgm:txFillClrLst meth="repeat">
+      <a:schemeClr val="dk1"/>
+    </dgm:txFillClrLst>
+    <dgm:txEffectClrLst/>
+  </dgm:styleLbl>
+  <dgm:styleLbl name="solidFgAcc1">
+    <dgm:fillClrLst meth="repeat">
+      <a:schemeClr val="lt1"/>
+    </dgm:fillClrLst>
+    <dgm:linClrLst meth="repeat">
+      <a:schemeClr val="accent1"/>
+    </dgm:linClrLst>
+    <dgm:effectClrLst/>
+    <dgm:txLinClrLst/>
+    <dgm:txFillClrLst meth="repeat">
+      <a:schemeClr val="dk1"/>
+    </dgm:txFillClrLst>
+    <dgm:txEffectClrLst/>
+  </dgm:styleLbl>
+  <dgm:styleLbl name="solidAlignAcc1">
+    <dgm:fillClrLst meth="repeat">
+      <a:schemeClr val="lt1"/>
+    </dgm:fillClrLst>
+    <dgm:linClrLst meth="repeat">
+      <a:schemeClr val="accent1"/>
+    </dgm:linClrLst>
+    <dgm:effectClrLst/>
+    <dgm:txLinClrLst/>
+    <dgm:txFillClrLst meth="repeat">
+      <a:schemeClr val="dk1"/>
+    </dgm:txFillClrLst>
+    <dgm:txEffectClrLst/>
+  </dgm:styleLbl>
+  <dgm:styleLbl name="solidBgAcc1">
+    <dgm:fillClrLst meth="repeat">
+      <a:schemeClr val="lt1"/>
+    </dgm:fillClrLst>
+    <dgm:linClrLst meth="repeat">
+      <a:schemeClr val="accent1"/>
+    </dgm:linClrLst>
+    <dgm:effectClrLst/>
+    <dgm:txLinClrLst/>
+    <dgm:txFillClrLst meth="repeat">
+      <a:schemeClr val="dk1"/>
+    </dgm:txFillClrLst>
+    <dgm:txEffectClrLst/>
+  </dgm:styleLbl>
+  <dgm:styleLbl name="fgAccFollowNode1">
+    <dgm:fillClrLst meth="repeat">
+      <a:schemeClr val="accent1">
+        <a:alpha val="90000"/>
+        <a:tint val="40000"/>
+      </a:schemeClr>
+    </dgm:fillClrLst>
+    <dgm:linClrLst meth="repeat">
+      <a:schemeClr val="accent1">
+        <a:alpha val="90000"/>
+        <a:tint val="40000"/>
+      </a:schemeClr>
+    </dgm:linClrLst>
+    <dgm:effectClrLst/>
+    <dgm:txLinClrLst/>
+    <dgm:txFillClrLst meth="repeat">
+      <a:schemeClr val="dk1"/>
+    </dgm:txFillClrLst>
+    <dgm:txEffectClrLst/>
+  </dgm:styleLbl>
+  <dgm:styleLbl name="alignAccFollowNode1">
+    <dgm:fillClrLst meth="repeat">
+      <a:schemeClr val="accent1">
+        <a:alpha val="90000"/>
+        <a:tint val="40000"/>
+      </a:schemeClr>
+    </dgm:fillClrLst>
+    <dgm:linClrLst meth="repeat">
+      <a:schemeClr val="accent1">
+        <a:alpha val="90000"/>
+        <a:tint val="40000"/>
+      </a:schemeClr>
+    </dgm:linClrLst>
+    <dgm:effectClrLst/>
+    <dgm:txLinClrLst/>
+    <dgm:txFillClrLst meth="repeat">
+      <a:schemeClr val="dk1"/>
+    </dgm:txFillClrLst>
+    <dgm:txEffectClrLst/>
+  </dgm:styleLbl>
+  <dgm:styleLbl name="bgAccFollowNode1">
+    <dgm:fillClrLst meth="repeat">
+      <a:schemeClr val="accent1">
+        <a:alpha val="90000"/>
+        <a:tint val="40000"/>
+      </a:schemeClr>
+    </dgm:fillClrLst>
+    <dgm:linClrLst meth="repeat">
+      <a:schemeClr val="accent1">
+        <a:alpha val="90000"/>
+        <a:tint val="40000"/>
+      </a:schemeClr>
+    </dgm:linClrLst>
+    <dgm:effectClrLst/>
+    <dgm:txLinClrLst/>
+    <dgm:txFillClrLst meth="repeat">
+      <a:schemeClr val="dk1"/>
+    </dgm:txFillClrLst>
+    <dgm:txEffectClrLst/>
+  </dgm:styleLbl>
+  <dgm:styleLbl name="fgAcc0">
+    <dgm:fillClrLst meth="repeat">
+      <a:schemeClr val="lt1">
+        <a:alpha val="90000"/>
+      </a:schemeClr>
+    </dgm:fillClrLst>
+    <dgm:linClrLst meth="repeat">
+      <a:schemeClr val="accent1"/>
+    </dgm:linClrLst>
+    <dgm:effectClrLst/>
+    <dgm:txLinClrLst/>
+    <dgm:txFillClrLst meth="repeat">
+      <a:schemeClr val="dk1"/>
+    </dgm:txFillClrLst>
+    <dgm:txEffectClrLst/>
+  </dgm:styleLbl>
+  <dgm:styleLbl name="fgAcc2">
+    <dgm:fillClrLst meth="repeat">
+      <a:schemeClr val="lt1">
+        <a:alpha val="90000"/>
+      </a:schemeClr>
+    </dgm:fillClrLst>
+    <dgm:linClrLst meth="repeat">
+      <a:schemeClr val="accent1"/>
+    </dgm:linClrLst>
+    <dgm:effectClrLst/>
+    <dgm:txLinClrLst/>
+    <dgm:txFillClrLst meth="repeat">
+      <a:schemeClr val="dk1"/>
+    </dgm:txFillClrLst>
+    <dgm:txEffectClrLst/>
+  </dgm:styleLbl>
+  <dgm:styleLbl name="fgAcc3">
+    <dgm:fillClrLst meth="repeat">
+      <a:schemeClr val="lt1">
+        <a:alpha val="90000"/>
+      </a:schemeClr>
+    </dgm:fillClrLst>
+    <dgm:linClrLst meth="repeat">
+      <a:schemeClr val="accent1"/>
+    </dgm:linClrLst>
+    <dgm:effectClrLst/>
+    <dgm:txLinClrLst/>
+    <dgm:txFillClrLst meth="repeat">
+      <a:schemeClr val="dk1"/>
+    </dgm:txFillClrLst>
+    <dgm:txEffectClrLst/>
+  </dgm:styleLbl>
+  <dgm:styleLbl name="fgAcc4">
+    <dgm:fillClrLst meth="repeat">
+      <a:schemeClr val="lt1">
+        <a:alpha val="90000"/>
+      </a:schemeClr>
+    </dgm:fillClrLst>
+    <dgm:linClrLst meth="repeat">
+      <a:schemeClr val="accent1"/>
+    </dgm:linClrLst>
+    <dgm:effectClrLst/>
+    <dgm:txLinClrLst/>
+    <dgm:txFillClrLst meth="repeat">
+      <a:schemeClr val="dk1"/>
+    </dgm:txFillClrLst>
+    <dgm:txEffectClrLst/>
+  </dgm:styleLbl>
+  <dgm:styleLbl name="bgShp">
+    <dgm:fillClrLst meth="repeat">
+      <a:schemeClr val="accent1">
+        <a:tint val="40000"/>
+      </a:schemeClr>
+    </dgm:fillClrLst>
+    <dgm:linClrLst meth="repeat">
+      <a:schemeClr val="accent1"/>
+    </dgm:linClrLst>
+    <dgm:effectClrLst/>
+    <dgm:txLinClrLst/>
+    <dgm:txFillClrLst meth="repeat">
+      <a:schemeClr val="dk1"/>
+    </dgm:txFillClrLst>
+    <dgm:txEffectClrLst/>
+  </dgm:styleLbl>
+  <dgm:styleLbl name="dkBgShp">
+    <dgm:fillClrLst meth="repeat">
+      <a:schemeClr val="accent1">
+        <a:shade val="80000"/>
+      </a:schemeClr>
+    </dgm:fillClrLst>
+    <dgm:linClrLst meth="repeat">
+      <a:schemeClr val="accent1"/>
+    </dgm:linClrLst>
+    <dgm:effectClrLst/>
+    <dgm:txLinClrLst/>
+    <dgm:txFillClrLst meth="repeat">
+      <a:schemeClr val="lt1"/>
+    </dgm:txFillClrLst>
+    <dgm:txEffectClrLst/>
+  </dgm:styleLbl>
+  <dgm:styleLbl name="trBgShp">
+    <dgm:fillClrLst meth="repeat">
+      <a:schemeClr val="accent1">
+        <a:tint val="50000"/>
+        <a:alpha val="40000"/>
+      </a:schemeClr>
+    </dgm:fillClrLst>
+    <dgm:linClrLst meth="repeat">
+      <a:schemeClr val="accent1"/>
+    </dgm:linClrLst>
+    <dgm:effectClrLst/>
+    <dgm:txLinClrLst/>
+    <dgm:txFillClrLst meth="repeat">
+      <a:schemeClr val="lt1"/>
+    </dgm:txFillClrLst>
+    <dgm:txEffectClrLst/>
+  </dgm:styleLbl>
+  <dgm:styleLbl name="fgShp">
+    <dgm:fillClrLst meth="repeat">
+      <a:schemeClr val="accent1">
+        <a:tint val="60000"/>
+      </a:schemeClr>
+    </dgm:fillClrLst>
+    <dgm:linClrLst meth="repeat">
+      <a:schemeClr val="lt1"/>
+    </dgm:linClrLst>
+    <dgm:effectClrLst/>
+    <dgm:txLinClrLst/>
+    <dgm:txFillClrLst meth="repeat">
+      <a:schemeClr val="dk1"/>
+    </dgm:txFillClrLst>
+    <dgm:txEffectClrLst/>
+  </dgm:styleLbl>
+  <dgm:styleLbl name="revTx">
+    <dgm:fillClrLst meth="repeat">
+      <a:schemeClr val="lt1">
+        <a:alpha val="0"/>
+      </a:schemeClr>
+    </dgm:fillClrLst>
+    <dgm:linClrLst meth="repeat">
+      <a:schemeClr val="dk1">
+        <a:alpha val="0"/>
+      </a:schemeClr>
+    </dgm:linClrLst>
+    <dgm:effectClrLst/>
+    <dgm:txLinClrLst/>
+    <dgm:txFillClrLst meth="repeat">
+      <a:schemeClr val="tx1"/>
+    </dgm:txFillClrLst>
+    <dgm:txEffectClrLst/>
+  </dgm:styleLbl>
+</dgm:colorsDef>
+</file>
+
+<file path=ppt/diagrams/data1.xml><?xml version="1.0" encoding="utf-8"?>
+<dgm:dataModel xmlns:dgm="http://schemas.openxmlformats.org/drawingml/2006/diagram" xmlns:a="http://schemas.openxmlformats.org/drawingml/2006/main">
+  <dgm:ptLst>
+    <dgm:pt modelId="{28034F0E-C3E1-49F0-8D4E-3EEC5CA1A12C}" type="doc">
+      <dgm:prSet loTypeId="urn:microsoft.com/office/officeart/2005/8/layout/process1" loCatId="process" qsTypeId="urn:microsoft.com/office/officeart/2005/8/quickstyle/simple1" qsCatId="simple" csTypeId="urn:microsoft.com/office/officeart/2005/8/colors/accent1_2" csCatId="accent1" phldr="1"/>
+      <dgm:spPr/>
+    </dgm:pt>
+    <dgm:pt modelId="{ABE43D22-91F3-44BB-902B-E21879A03EB8}">
+      <dgm:prSet phldrT="[文本]"/>
+      <dgm:spPr/>
+      <dgm:t>
+        <a:bodyPr/>
+        <a:lstStyle/>
+        <a:p>
+          <a:r>
+            <a:rPr lang="zh-CN" altLang="en-US" dirty="0"/>
+            <a:t>词法分析</a:t>
+          </a:r>
+        </a:p>
+      </dgm:t>
+    </dgm:pt>
+    <dgm:pt modelId="{B4F686EA-3601-4C67-B723-69D8B35E4E43}" type="parTrans" cxnId="{D5854DCE-535B-4F57-92FA-29CF930565AB}">
+      <dgm:prSet/>
+      <dgm:spPr/>
+      <dgm:t>
+        <a:bodyPr/>
+        <a:lstStyle/>
+        <a:p>
+          <a:endParaRPr lang="zh-CN" altLang="en-US"/>
+        </a:p>
+      </dgm:t>
+    </dgm:pt>
+    <dgm:pt modelId="{A60681F6-DD58-46F7-94F3-497484130878}" type="sibTrans" cxnId="{D5854DCE-535B-4F57-92FA-29CF930565AB}">
+      <dgm:prSet/>
+      <dgm:spPr/>
+      <dgm:t>
+        <a:bodyPr/>
+        <a:lstStyle/>
+        <a:p>
+          <a:endParaRPr lang="zh-CN" altLang="en-US"/>
+        </a:p>
+      </dgm:t>
+    </dgm:pt>
+    <dgm:pt modelId="{CADF909D-6F1B-4804-A66B-D4E4E929B26B}">
+      <dgm:prSet phldrT="[文本]"/>
+      <dgm:spPr/>
+      <dgm:t>
+        <a:bodyPr/>
+        <a:lstStyle/>
+        <a:p>
+          <a:r>
+            <a:rPr lang="zh-CN" altLang="en-US" dirty="0"/>
+            <a:t>语法分析</a:t>
+          </a:r>
+        </a:p>
+      </dgm:t>
+    </dgm:pt>
+    <dgm:pt modelId="{57FCC7D9-FCC5-45FB-9FCF-437AFC46B55E}" type="parTrans" cxnId="{A05D7C38-3003-4BD5-8CAB-ADE700678340}">
+      <dgm:prSet/>
+      <dgm:spPr/>
+      <dgm:t>
+        <a:bodyPr/>
+        <a:lstStyle/>
+        <a:p>
+          <a:endParaRPr lang="zh-CN" altLang="en-US"/>
+        </a:p>
+      </dgm:t>
+    </dgm:pt>
+    <dgm:pt modelId="{1FEC6FBD-0EA8-4528-A7F9-408B657D9095}" type="sibTrans" cxnId="{A05D7C38-3003-4BD5-8CAB-ADE700678340}">
+      <dgm:prSet/>
+      <dgm:spPr/>
+      <dgm:t>
+        <a:bodyPr/>
+        <a:lstStyle/>
+        <a:p>
+          <a:endParaRPr lang="zh-CN" altLang="en-US"/>
+        </a:p>
+      </dgm:t>
+    </dgm:pt>
+    <dgm:pt modelId="{D5CB44E5-7342-410D-BB5F-761832733E66}">
+      <dgm:prSet phldrT="[文本]"/>
+      <dgm:spPr/>
+      <dgm:t>
+        <a:bodyPr/>
+        <a:lstStyle/>
+        <a:p>
+          <a:r>
+            <a:rPr lang="zh-CN" altLang="en-US" dirty="0"/>
+            <a:t>作用域分析</a:t>
+          </a:r>
+        </a:p>
+      </dgm:t>
+    </dgm:pt>
+    <dgm:pt modelId="{094372BD-D5CA-4A50-98BB-991071CD11C4}" type="parTrans" cxnId="{DABD4DA2-772D-42BE-BD34-92CEB141ED22}">
+      <dgm:prSet/>
+      <dgm:spPr/>
+      <dgm:t>
+        <a:bodyPr/>
+        <a:lstStyle/>
+        <a:p>
+          <a:endParaRPr lang="zh-CN" altLang="en-US"/>
+        </a:p>
+      </dgm:t>
+    </dgm:pt>
+    <dgm:pt modelId="{64153B03-A017-459B-9A73-39F63151E9F1}" type="sibTrans" cxnId="{DABD4DA2-772D-42BE-BD34-92CEB141ED22}">
+      <dgm:prSet/>
+      <dgm:spPr/>
+      <dgm:t>
+        <a:bodyPr/>
+        <a:lstStyle/>
+        <a:p>
+          <a:endParaRPr lang="zh-CN" altLang="en-US"/>
+        </a:p>
+      </dgm:t>
+    </dgm:pt>
+    <dgm:pt modelId="{C339FBDC-90E6-48B8-8104-7071C33DDC4B}">
+      <dgm:prSet/>
+      <dgm:spPr/>
+      <dgm:t>
+        <a:bodyPr/>
+        <a:lstStyle/>
+        <a:p>
+          <a:r>
+            <a:rPr lang="zh-CN" altLang="en-US" dirty="0"/>
+            <a:t>抽象语法树</a:t>
+          </a:r>
+        </a:p>
+      </dgm:t>
+    </dgm:pt>
+    <dgm:pt modelId="{F129E2A0-25FD-45CD-B7E3-3EC26C6A76D2}" type="parTrans" cxnId="{5D9C73FC-C38E-453D-92D1-9771E52060E0}">
+      <dgm:prSet/>
+      <dgm:spPr/>
+      <dgm:t>
+        <a:bodyPr/>
+        <a:lstStyle/>
+        <a:p>
+          <a:endParaRPr lang="zh-CN" altLang="en-US"/>
+        </a:p>
+      </dgm:t>
+    </dgm:pt>
+    <dgm:pt modelId="{39EEDBF1-254A-4959-A8E6-9EFB9D7A701F}" type="sibTrans" cxnId="{5D9C73FC-C38E-453D-92D1-9771E52060E0}">
+      <dgm:prSet/>
+      <dgm:spPr/>
+      <dgm:t>
+        <a:bodyPr/>
+        <a:lstStyle/>
+        <a:p>
+          <a:endParaRPr lang="zh-CN" altLang="en-US"/>
+        </a:p>
+      </dgm:t>
+    </dgm:pt>
+    <dgm:pt modelId="{E8DAE00B-5D54-4CE9-B4AF-B9BE3583D6DF}">
+      <dgm:prSet/>
+      <dgm:spPr/>
+      <dgm:t>
+        <a:bodyPr/>
+        <a:lstStyle/>
+        <a:p>
+          <a:r>
+            <a:rPr lang="en-US" altLang="zh-CN" dirty="0"/>
+            <a:t>JIT</a:t>
+          </a:r>
+          <a:endParaRPr lang="zh-CN" altLang="en-US" dirty="0"/>
+        </a:p>
+      </dgm:t>
+    </dgm:pt>
+    <dgm:pt modelId="{156FD1D7-5DB7-4C1C-B160-AD9552B11EE0}" type="parTrans" cxnId="{86B96276-58CE-4B5B-B578-1F8A24756CAF}">
+      <dgm:prSet/>
+      <dgm:spPr/>
+      <dgm:t>
+        <a:bodyPr/>
+        <a:lstStyle/>
+        <a:p>
+          <a:endParaRPr lang="zh-CN" altLang="en-US"/>
+        </a:p>
+      </dgm:t>
+    </dgm:pt>
+    <dgm:pt modelId="{82A8CCC7-1A9C-4078-8AD8-A139B3990619}" type="sibTrans" cxnId="{86B96276-58CE-4B5B-B578-1F8A24756CAF}">
+      <dgm:prSet/>
+      <dgm:spPr/>
+      <dgm:t>
+        <a:bodyPr/>
+        <a:lstStyle/>
+        <a:p>
+          <a:endParaRPr lang="zh-CN" altLang="en-US"/>
+        </a:p>
+      </dgm:t>
+    </dgm:pt>
+    <dgm:pt modelId="{15777C26-C6DC-4A15-AD11-D8A47DC9CA3F}">
+      <dgm:prSet/>
+      <dgm:spPr/>
+      <dgm:t>
+        <a:bodyPr/>
+        <a:lstStyle/>
+        <a:p>
+          <a:r>
+            <a:rPr lang="zh-CN" altLang="en-US" dirty="0"/>
+            <a:t>本地代码</a:t>
+          </a:r>
+        </a:p>
+      </dgm:t>
+    </dgm:pt>
+    <dgm:pt modelId="{9F79ACA7-95F0-4270-85E1-CB45BEE96663}" type="parTrans" cxnId="{69EF1F2B-F6D9-45FD-9CEE-1539D9B2E294}">
+      <dgm:prSet/>
+      <dgm:spPr/>
+      <dgm:t>
+        <a:bodyPr/>
+        <a:lstStyle/>
+        <a:p>
+          <a:endParaRPr lang="zh-CN" altLang="en-US"/>
+        </a:p>
+      </dgm:t>
+    </dgm:pt>
+    <dgm:pt modelId="{75A29F5D-307B-40BC-88C4-F23545CE2A1B}" type="sibTrans" cxnId="{69EF1F2B-F6D9-45FD-9CEE-1539D9B2E294}">
+      <dgm:prSet/>
+      <dgm:spPr/>
+      <dgm:t>
+        <a:bodyPr/>
+        <a:lstStyle/>
+        <a:p>
+          <a:endParaRPr lang="zh-CN" altLang="en-US"/>
+        </a:p>
+      </dgm:t>
+    </dgm:pt>
+    <dgm:pt modelId="{4A41E8BD-B6E3-4847-857B-D1FB6A047942}" type="pres">
+      <dgm:prSet presAssocID="{28034F0E-C3E1-49F0-8D4E-3EEC5CA1A12C}" presName="Name0" presStyleCnt="0">
+        <dgm:presLayoutVars>
+          <dgm:dir/>
+          <dgm:resizeHandles val="exact"/>
+        </dgm:presLayoutVars>
+      </dgm:prSet>
+      <dgm:spPr/>
+    </dgm:pt>
+    <dgm:pt modelId="{E05C94DC-13E7-467D-9D87-2EC8FC6D96FF}" type="pres">
+      <dgm:prSet presAssocID="{ABE43D22-91F3-44BB-902B-E21879A03EB8}" presName="node" presStyleLbl="node1" presStyleIdx="0" presStyleCnt="6" custScaleX="152291" custScaleY="125648" custLinFactY="-64563" custLinFactNeighborX="20401" custLinFactNeighborY="-100000">
+        <dgm:presLayoutVars>
+          <dgm:bulletEnabled val="1"/>
+        </dgm:presLayoutVars>
+      </dgm:prSet>
+      <dgm:spPr/>
+    </dgm:pt>
+    <dgm:pt modelId="{0E43107C-F2BA-4231-809B-2ED8EFB7EEF5}" type="pres">
+      <dgm:prSet presAssocID="{A60681F6-DD58-46F7-94F3-497484130878}" presName="sibTrans" presStyleLbl="sibTrans2D1" presStyleIdx="0" presStyleCnt="5"/>
+      <dgm:spPr/>
+    </dgm:pt>
+    <dgm:pt modelId="{4173816C-0CB9-4B98-A21E-973400A2A983}" type="pres">
+      <dgm:prSet presAssocID="{A60681F6-DD58-46F7-94F3-497484130878}" presName="connectorText" presStyleLbl="sibTrans2D1" presStyleIdx="0" presStyleCnt="5"/>
+      <dgm:spPr/>
+    </dgm:pt>
+    <dgm:pt modelId="{B291574C-C1BD-409D-B518-AA80910BF4D8}" type="pres">
+      <dgm:prSet presAssocID="{CADF909D-6F1B-4804-A66B-D4E4E929B26B}" presName="node" presStyleLbl="node1" presStyleIdx="1" presStyleCnt="6" custScaleX="158572" custScaleY="129684" custLinFactY="-64563" custLinFactNeighborX="20401" custLinFactNeighborY="-100000">
+        <dgm:presLayoutVars>
+          <dgm:bulletEnabled val="1"/>
+        </dgm:presLayoutVars>
+      </dgm:prSet>
+      <dgm:spPr/>
+    </dgm:pt>
+    <dgm:pt modelId="{A5264863-9615-45BD-BC80-DFBF3FB512B4}" type="pres">
+      <dgm:prSet presAssocID="{1FEC6FBD-0EA8-4528-A7F9-408B657D9095}" presName="sibTrans" presStyleLbl="sibTrans2D1" presStyleIdx="1" presStyleCnt="5"/>
+      <dgm:spPr/>
+    </dgm:pt>
+    <dgm:pt modelId="{3D08A56D-3BDA-4E03-9464-0C732E9FE782}" type="pres">
+      <dgm:prSet presAssocID="{1FEC6FBD-0EA8-4528-A7F9-408B657D9095}" presName="connectorText" presStyleLbl="sibTrans2D1" presStyleIdx="1" presStyleCnt="5"/>
+      <dgm:spPr/>
+    </dgm:pt>
+    <dgm:pt modelId="{20154AB6-A649-440F-80B6-A97FAA34CD53}" type="pres">
+      <dgm:prSet presAssocID="{D5CB44E5-7342-410D-BB5F-761832733E66}" presName="node" presStyleLbl="node1" presStyleIdx="2" presStyleCnt="6" custScaleX="170551" custScaleY="129246" custLinFactY="-64563" custLinFactNeighborX="20401" custLinFactNeighborY="-100000">
+        <dgm:presLayoutVars>
+          <dgm:bulletEnabled val="1"/>
+        </dgm:presLayoutVars>
+      </dgm:prSet>
+      <dgm:spPr/>
+    </dgm:pt>
+    <dgm:pt modelId="{EE94EF87-EB94-4BBF-9D07-37C8D0779BA1}" type="pres">
+      <dgm:prSet presAssocID="{64153B03-A017-459B-9A73-39F63151E9F1}" presName="sibTrans" presStyleLbl="sibTrans2D1" presStyleIdx="2" presStyleCnt="5"/>
+      <dgm:spPr/>
+    </dgm:pt>
+    <dgm:pt modelId="{BA8CF6B7-AA92-420A-BDFA-A8A68B853520}" type="pres">
+      <dgm:prSet presAssocID="{64153B03-A017-459B-9A73-39F63151E9F1}" presName="connectorText" presStyleLbl="sibTrans2D1" presStyleIdx="2" presStyleCnt="5"/>
+      <dgm:spPr/>
+    </dgm:pt>
+    <dgm:pt modelId="{38E889B0-9C9D-46DD-AFD3-5A16AE6A3835}" type="pres">
+      <dgm:prSet presAssocID="{C339FBDC-90E6-48B8-8104-7071C33DDC4B}" presName="node" presStyleLbl="node1" presStyleIdx="3" presStyleCnt="6" custScaleX="168372" custScaleY="112414" custLinFactX="-119589" custLinFactNeighborX="-200000" custLinFactNeighborY="1235">
+        <dgm:presLayoutVars>
+          <dgm:bulletEnabled val="1"/>
+        </dgm:presLayoutVars>
+      </dgm:prSet>
+      <dgm:spPr/>
+    </dgm:pt>
+    <dgm:pt modelId="{4984F496-28F9-463F-9418-2AC8A196F802}" type="pres">
+      <dgm:prSet presAssocID="{39EEDBF1-254A-4959-A8E6-9EFB9D7A701F}" presName="sibTrans" presStyleLbl="sibTrans2D1" presStyleIdx="3" presStyleCnt="5"/>
+      <dgm:spPr/>
+    </dgm:pt>
+    <dgm:pt modelId="{CB1C2C37-574D-453B-80F4-342A9A8F788B}" type="pres">
+      <dgm:prSet presAssocID="{39EEDBF1-254A-4959-A8E6-9EFB9D7A701F}" presName="connectorText" presStyleLbl="sibTrans2D1" presStyleIdx="3" presStyleCnt="5"/>
+      <dgm:spPr/>
+    </dgm:pt>
+    <dgm:pt modelId="{67BC98C4-9376-4E48-B604-87C5CDEDDCE3}" type="pres">
+      <dgm:prSet presAssocID="{E8DAE00B-5D54-4CE9-B4AF-B9BE3583D6DF}" presName="node" presStyleLbl="node1" presStyleIdx="4" presStyleCnt="6" custScaleX="203199" custScaleY="112414" custLinFactX="-100000" custLinFactNeighborX="-164373" custLinFactNeighborY="3342">
+        <dgm:presLayoutVars>
+          <dgm:bulletEnabled val="1"/>
+        </dgm:presLayoutVars>
+      </dgm:prSet>
+      <dgm:spPr/>
+    </dgm:pt>
+    <dgm:pt modelId="{63127DAC-C9B0-4024-ACB1-AD87B0CA6045}" type="pres">
+      <dgm:prSet presAssocID="{82A8CCC7-1A9C-4078-8AD8-A139B3990619}" presName="sibTrans" presStyleLbl="sibTrans2D1" presStyleIdx="4" presStyleCnt="5"/>
+      <dgm:spPr/>
+    </dgm:pt>
+    <dgm:pt modelId="{EF93B48A-6797-4487-8AE2-CFAC045D6A99}" type="pres">
+      <dgm:prSet presAssocID="{82A8CCC7-1A9C-4078-8AD8-A139B3990619}" presName="connectorText" presStyleLbl="sibTrans2D1" presStyleIdx="4" presStyleCnt="5"/>
+      <dgm:spPr/>
+    </dgm:pt>
+    <dgm:pt modelId="{40C18F29-8459-4215-A8CB-491DE55D414A}" type="pres">
+      <dgm:prSet presAssocID="{15777C26-C6DC-4A15-AD11-D8A47DC9CA3F}" presName="node" presStyleLbl="node1" presStyleIdx="5" presStyleCnt="6" custScaleX="225063" custScaleY="120686" custLinFactX="-100000" custLinFactNeighborX="-112444" custLinFactNeighborY="-2511">
+        <dgm:presLayoutVars>
+          <dgm:bulletEnabled val="1"/>
+        </dgm:presLayoutVars>
+      </dgm:prSet>
+      <dgm:spPr/>
+    </dgm:pt>
+  </dgm:ptLst>
+  <dgm:cxnLst>
+    <dgm:cxn modelId="{46B60E05-359F-4534-8F49-F5604998F0C7}" type="presOf" srcId="{ABE43D22-91F3-44BB-902B-E21879A03EB8}" destId="{E05C94DC-13E7-467D-9D87-2EC8FC6D96FF}" srcOrd="0" destOrd="0" presId="urn:microsoft.com/office/officeart/2005/8/layout/process1"/>
+    <dgm:cxn modelId="{69CE0D07-75D2-4691-903D-9B0F820A06DB}" type="presOf" srcId="{A60681F6-DD58-46F7-94F3-497484130878}" destId="{4173816C-0CB9-4B98-A21E-973400A2A983}" srcOrd="1" destOrd="0" presId="urn:microsoft.com/office/officeart/2005/8/layout/process1"/>
+    <dgm:cxn modelId="{C778B026-4C1C-4491-9FDE-6BBE9FE9609E}" type="presOf" srcId="{A60681F6-DD58-46F7-94F3-497484130878}" destId="{0E43107C-F2BA-4231-809B-2ED8EFB7EEF5}" srcOrd="0" destOrd="0" presId="urn:microsoft.com/office/officeart/2005/8/layout/process1"/>
+    <dgm:cxn modelId="{69EF1F2B-F6D9-45FD-9CEE-1539D9B2E294}" srcId="{28034F0E-C3E1-49F0-8D4E-3EEC5CA1A12C}" destId="{15777C26-C6DC-4A15-AD11-D8A47DC9CA3F}" srcOrd="5" destOrd="0" parTransId="{9F79ACA7-95F0-4270-85E1-CB45BEE96663}" sibTransId="{75A29F5D-307B-40BC-88C4-F23545CE2A1B}"/>
+    <dgm:cxn modelId="{A05D7C38-3003-4BD5-8CAB-ADE700678340}" srcId="{28034F0E-C3E1-49F0-8D4E-3EEC5CA1A12C}" destId="{CADF909D-6F1B-4804-A66B-D4E4E929B26B}" srcOrd="1" destOrd="0" parTransId="{57FCC7D9-FCC5-45FB-9FCF-437AFC46B55E}" sibTransId="{1FEC6FBD-0EA8-4528-A7F9-408B657D9095}"/>
+    <dgm:cxn modelId="{D6C0426A-E70C-4F43-AF15-7F7D33E31A47}" type="presOf" srcId="{82A8CCC7-1A9C-4078-8AD8-A139B3990619}" destId="{EF93B48A-6797-4487-8AE2-CFAC045D6A99}" srcOrd="1" destOrd="0" presId="urn:microsoft.com/office/officeart/2005/8/layout/process1"/>
+    <dgm:cxn modelId="{BAE6614B-C30E-4505-A2D1-6C8431101E51}" type="presOf" srcId="{1FEC6FBD-0EA8-4528-A7F9-408B657D9095}" destId="{A5264863-9615-45BD-BC80-DFBF3FB512B4}" srcOrd="0" destOrd="0" presId="urn:microsoft.com/office/officeart/2005/8/layout/process1"/>
+    <dgm:cxn modelId="{86B96276-58CE-4B5B-B578-1F8A24756CAF}" srcId="{28034F0E-C3E1-49F0-8D4E-3EEC5CA1A12C}" destId="{E8DAE00B-5D54-4CE9-B4AF-B9BE3583D6DF}" srcOrd="4" destOrd="0" parTransId="{156FD1D7-5DB7-4C1C-B160-AD9552B11EE0}" sibTransId="{82A8CCC7-1A9C-4078-8AD8-A139B3990619}"/>
+    <dgm:cxn modelId="{77D1507D-0C74-4938-B1FC-BF7DB73F9338}" type="presOf" srcId="{CADF909D-6F1B-4804-A66B-D4E4E929B26B}" destId="{B291574C-C1BD-409D-B518-AA80910BF4D8}" srcOrd="0" destOrd="0" presId="urn:microsoft.com/office/officeart/2005/8/layout/process1"/>
+    <dgm:cxn modelId="{83816A88-DDD2-4263-BE65-6AAB75072091}" type="presOf" srcId="{E8DAE00B-5D54-4CE9-B4AF-B9BE3583D6DF}" destId="{67BC98C4-9376-4E48-B604-87C5CDEDDCE3}" srcOrd="0" destOrd="0" presId="urn:microsoft.com/office/officeart/2005/8/layout/process1"/>
+    <dgm:cxn modelId="{CDEFFF8B-7FD6-49A3-95AE-8A7FC8B60EFE}" type="presOf" srcId="{15777C26-C6DC-4A15-AD11-D8A47DC9CA3F}" destId="{40C18F29-8459-4215-A8CB-491DE55D414A}" srcOrd="0" destOrd="0" presId="urn:microsoft.com/office/officeart/2005/8/layout/process1"/>
+    <dgm:cxn modelId="{A40C9D8E-74E8-4EAD-9D3C-8326D49BA013}" type="presOf" srcId="{1FEC6FBD-0EA8-4528-A7F9-408B657D9095}" destId="{3D08A56D-3BDA-4E03-9464-0C732E9FE782}" srcOrd="1" destOrd="0" presId="urn:microsoft.com/office/officeart/2005/8/layout/process1"/>
+    <dgm:cxn modelId="{057C38A0-8A2A-456C-AFCD-CE5D069238A7}" type="presOf" srcId="{39EEDBF1-254A-4959-A8E6-9EFB9D7A701F}" destId="{CB1C2C37-574D-453B-80F4-342A9A8F788B}" srcOrd="1" destOrd="0" presId="urn:microsoft.com/office/officeart/2005/8/layout/process1"/>
+    <dgm:cxn modelId="{DABD4DA2-772D-42BE-BD34-92CEB141ED22}" srcId="{28034F0E-C3E1-49F0-8D4E-3EEC5CA1A12C}" destId="{D5CB44E5-7342-410D-BB5F-761832733E66}" srcOrd="2" destOrd="0" parTransId="{094372BD-D5CA-4A50-98BB-991071CD11C4}" sibTransId="{64153B03-A017-459B-9A73-39F63151E9F1}"/>
+    <dgm:cxn modelId="{267804AA-FB72-4F9D-9D4E-AB25D09A70A4}" type="presOf" srcId="{39EEDBF1-254A-4959-A8E6-9EFB9D7A701F}" destId="{4984F496-28F9-463F-9418-2AC8A196F802}" srcOrd="0" destOrd="0" presId="urn:microsoft.com/office/officeart/2005/8/layout/process1"/>
+    <dgm:cxn modelId="{C2697BBB-D9EE-45BB-BBE5-E603E4C91242}" type="presOf" srcId="{C339FBDC-90E6-48B8-8104-7071C33DDC4B}" destId="{38E889B0-9C9D-46DD-AFD3-5A16AE6A3835}" srcOrd="0" destOrd="0" presId="urn:microsoft.com/office/officeart/2005/8/layout/process1"/>
+    <dgm:cxn modelId="{077453C2-CEE5-42FD-996B-661B26CE6E66}" type="presOf" srcId="{28034F0E-C3E1-49F0-8D4E-3EEC5CA1A12C}" destId="{4A41E8BD-B6E3-4847-857B-D1FB6A047942}" srcOrd="0" destOrd="0" presId="urn:microsoft.com/office/officeart/2005/8/layout/process1"/>
+    <dgm:cxn modelId="{D5854DCE-535B-4F57-92FA-29CF930565AB}" srcId="{28034F0E-C3E1-49F0-8D4E-3EEC5CA1A12C}" destId="{ABE43D22-91F3-44BB-902B-E21879A03EB8}" srcOrd="0" destOrd="0" parTransId="{B4F686EA-3601-4C67-B723-69D8B35E4E43}" sibTransId="{A60681F6-DD58-46F7-94F3-497484130878}"/>
+    <dgm:cxn modelId="{4D2A0AE0-5F14-42BA-AFAB-B9A4A937ABF1}" type="presOf" srcId="{D5CB44E5-7342-410D-BB5F-761832733E66}" destId="{20154AB6-A649-440F-80B6-A97FAA34CD53}" srcOrd="0" destOrd="0" presId="urn:microsoft.com/office/officeart/2005/8/layout/process1"/>
+    <dgm:cxn modelId="{AB370AEB-5D3E-4A7D-B7A8-C6BB33A65FF7}" type="presOf" srcId="{82A8CCC7-1A9C-4078-8AD8-A139B3990619}" destId="{63127DAC-C9B0-4024-ACB1-AD87B0CA6045}" srcOrd="0" destOrd="0" presId="urn:microsoft.com/office/officeart/2005/8/layout/process1"/>
+    <dgm:cxn modelId="{E58F31EF-AE7A-4D9D-B16B-D399F1416808}" type="presOf" srcId="{64153B03-A017-459B-9A73-39F63151E9F1}" destId="{BA8CF6B7-AA92-420A-BDFA-A8A68B853520}" srcOrd="1" destOrd="0" presId="urn:microsoft.com/office/officeart/2005/8/layout/process1"/>
+    <dgm:cxn modelId="{157AF6F7-6A2F-4689-8DE8-DB957148D8C6}" type="presOf" srcId="{64153B03-A017-459B-9A73-39F63151E9F1}" destId="{EE94EF87-EB94-4BBF-9D07-37C8D0779BA1}" srcOrd="0" destOrd="0" presId="urn:microsoft.com/office/officeart/2005/8/layout/process1"/>
+    <dgm:cxn modelId="{5D9C73FC-C38E-453D-92D1-9771E52060E0}" srcId="{28034F0E-C3E1-49F0-8D4E-3EEC5CA1A12C}" destId="{C339FBDC-90E6-48B8-8104-7071C33DDC4B}" srcOrd="3" destOrd="0" parTransId="{F129E2A0-25FD-45CD-B7E3-3EC26C6A76D2}" sibTransId="{39EEDBF1-254A-4959-A8E6-9EFB9D7A701F}"/>
+    <dgm:cxn modelId="{8ED08342-BF3C-4AF9-8274-8E0DCB1D4B6B}" type="presParOf" srcId="{4A41E8BD-B6E3-4847-857B-D1FB6A047942}" destId="{E05C94DC-13E7-467D-9D87-2EC8FC6D96FF}" srcOrd="0" destOrd="0" presId="urn:microsoft.com/office/officeart/2005/8/layout/process1"/>
+    <dgm:cxn modelId="{DCA089A2-B2A4-4D5D-BE91-BCCC305F51BC}" type="presParOf" srcId="{4A41E8BD-B6E3-4847-857B-D1FB6A047942}" destId="{0E43107C-F2BA-4231-809B-2ED8EFB7EEF5}" srcOrd="1" destOrd="0" presId="urn:microsoft.com/office/officeart/2005/8/layout/process1"/>
+    <dgm:cxn modelId="{29D9CE98-DA73-4BC5-BA3B-942A269F7208}" type="presParOf" srcId="{0E43107C-F2BA-4231-809B-2ED8EFB7EEF5}" destId="{4173816C-0CB9-4B98-A21E-973400A2A983}" srcOrd="0" destOrd="0" presId="urn:microsoft.com/office/officeart/2005/8/layout/process1"/>
+    <dgm:cxn modelId="{950A079B-5EEF-4BBC-8735-BCED63960AD7}" type="presParOf" srcId="{4A41E8BD-B6E3-4847-857B-D1FB6A047942}" destId="{B291574C-C1BD-409D-B518-AA80910BF4D8}" srcOrd="2" destOrd="0" presId="urn:microsoft.com/office/officeart/2005/8/layout/process1"/>
+    <dgm:cxn modelId="{FCF6BF72-741B-44B2-AFA9-C488DB304C32}" type="presParOf" srcId="{4A41E8BD-B6E3-4847-857B-D1FB6A047942}" destId="{A5264863-9615-45BD-BC80-DFBF3FB512B4}" srcOrd="3" destOrd="0" presId="urn:microsoft.com/office/officeart/2005/8/layout/process1"/>
+    <dgm:cxn modelId="{91DF4C64-2178-4E33-B485-67C59D18DED8}" type="presParOf" srcId="{A5264863-9615-45BD-BC80-DFBF3FB512B4}" destId="{3D08A56D-3BDA-4E03-9464-0C732E9FE782}" srcOrd="0" destOrd="0" presId="urn:microsoft.com/office/officeart/2005/8/layout/process1"/>
+    <dgm:cxn modelId="{8A349FCC-DCC3-4077-A8B4-C6E0D4BBFDDB}" type="presParOf" srcId="{4A41E8BD-B6E3-4847-857B-D1FB6A047942}" destId="{20154AB6-A649-440F-80B6-A97FAA34CD53}" srcOrd="4" destOrd="0" presId="urn:microsoft.com/office/officeart/2005/8/layout/process1"/>
+    <dgm:cxn modelId="{AFE03CC9-56AE-4552-903F-CB642CBD9936}" type="presParOf" srcId="{4A41E8BD-B6E3-4847-857B-D1FB6A047942}" destId="{EE94EF87-EB94-4BBF-9D07-37C8D0779BA1}" srcOrd="5" destOrd="0" presId="urn:microsoft.com/office/officeart/2005/8/layout/process1"/>
+    <dgm:cxn modelId="{6767107B-99DE-4A80-93FA-5CC9B26EDDF2}" type="presParOf" srcId="{EE94EF87-EB94-4BBF-9D07-37C8D0779BA1}" destId="{BA8CF6B7-AA92-420A-BDFA-A8A68B853520}" srcOrd="0" destOrd="0" presId="urn:microsoft.com/office/officeart/2005/8/layout/process1"/>
+    <dgm:cxn modelId="{03397E99-9F96-43A4-BD54-05E00BCA3FB3}" type="presParOf" srcId="{4A41E8BD-B6E3-4847-857B-D1FB6A047942}" destId="{38E889B0-9C9D-46DD-AFD3-5A16AE6A3835}" srcOrd="6" destOrd="0" presId="urn:microsoft.com/office/officeart/2005/8/layout/process1"/>
+    <dgm:cxn modelId="{D72CB1B0-996C-4171-B6F7-0464C161590E}" type="presParOf" srcId="{4A41E8BD-B6E3-4847-857B-D1FB6A047942}" destId="{4984F496-28F9-463F-9418-2AC8A196F802}" srcOrd="7" destOrd="0" presId="urn:microsoft.com/office/officeart/2005/8/layout/process1"/>
+    <dgm:cxn modelId="{A468D4FB-A1F2-49E5-A96C-BAFE9976623E}" type="presParOf" srcId="{4984F496-28F9-463F-9418-2AC8A196F802}" destId="{CB1C2C37-574D-453B-80F4-342A9A8F788B}" srcOrd="0" destOrd="0" presId="urn:microsoft.com/office/officeart/2005/8/layout/process1"/>
+    <dgm:cxn modelId="{87844079-E612-4B88-B072-2E8FC1D9E7E2}" type="presParOf" srcId="{4A41E8BD-B6E3-4847-857B-D1FB6A047942}" destId="{67BC98C4-9376-4E48-B604-87C5CDEDDCE3}" srcOrd="8" destOrd="0" presId="urn:microsoft.com/office/officeart/2005/8/layout/process1"/>
+    <dgm:cxn modelId="{864B274D-2724-40EF-BB36-6CFC33908D07}" type="presParOf" srcId="{4A41E8BD-B6E3-4847-857B-D1FB6A047942}" destId="{63127DAC-C9B0-4024-ACB1-AD87B0CA6045}" srcOrd="9" destOrd="0" presId="urn:microsoft.com/office/officeart/2005/8/layout/process1"/>
+    <dgm:cxn modelId="{56F1C037-B7BA-48A4-81AD-7250670E6318}" type="presParOf" srcId="{63127DAC-C9B0-4024-ACB1-AD87B0CA6045}" destId="{EF93B48A-6797-4487-8AE2-CFAC045D6A99}" srcOrd="0" destOrd="0" presId="urn:microsoft.com/office/officeart/2005/8/layout/process1"/>
+    <dgm:cxn modelId="{B0A0720A-EBCC-4DF3-9B0E-849D59FE6935}" type="presParOf" srcId="{4A41E8BD-B6E3-4847-857B-D1FB6A047942}" destId="{40C18F29-8459-4215-A8CB-491DE55D414A}" srcOrd="10" destOrd="0" presId="urn:microsoft.com/office/officeart/2005/8/layout/process1"/>
+  </dgm:cxnLst>
+  <dgm:bg/>
+  <dgm:whole/>
+  <dgm:extLst>
+    <a:ext uri="http://schemas.microsoft.com/office/drawing/2008/diagram">
+      <dsp:dataModelExt xmlns:dsp="http://schemas.microsoft.com/office/drawing/2008/diagram" relId="rId6" minVer="http://schemas.openxmlformats.org/drawingml/2006/diagram"/>
+    </a:ext>
+  </dgm:extLst>
+</dgm:dataModel>
+</file>
+
+<file path=ppt/diagrams/drawing1.xml><?xml version="1.0" encoding="utf-8"?>
+<dsp:drawing xmlns:dgm="http://schemas.openxmlformats.org/drawingml/2006/diagram" xmlns:dsp="http://schemas.microsoft.com/office/drawing/2008/diagram" xmlns:a="http://schemas.openxmlformats.org/drawingml/2006/main">
+  <dsp:spTree>
+    <dsp:nvGrpSpPr>
+      <dsp:cNvPr id="0" name=""/>
+      <dsp:cNvGrpSpPr/>
+    </dsp:nvGrpSpPr>
+    <dsp:grpSpPr/>
+    <dsp:sp modelId="{E05C94DC-13E7-467D-9D87-2EC8FC6D96FF}">
+      <dsp:nvSpPr>
+        <dsp:cNvPr id="0" name=""/>
+        <dsp:cNvSpPr/>
+      </dsp:nvSpPr>
+      <dsp:spPr>
+        <a:xfrm>
+          <a:off x="63636" y="764853"/>
+          <a:ext cx="1060730" cy="621242"/>
+        </a:xfrm>
+        <a:prstGeom prst="roundRect">
+          <a:avLst>
+            <a:gd name="adj" fmla="val 10000"/>
+          </a:avLst>
+        </a:prstGeom>
+        <a:solidFill>
+          <a:schemeClr val="accent1">
+            <a:hueOff val="0"/>
+            <a:satOff val="0"/>
+            <a:lumOff val="0"/>
+            <a:alphaOff val="0"/>
+          </a:schemeClr>
+        </a:solidFill>
+        <a:ln w="15875" cap="rnd" cmpd="sng" algn="ctr">
+          <a:solidFill>
+            <a:schemeClr val="lt1">
+              <a:hueOff val="0"/>
+              <a:satOff val="0"/>
+              <a:lumOff val="0"/>
+              <a:alphaOff val="0"/>
+            </a:schemeClr>
+          </a:solidFill>
+          <a:prstDash val="solid"/>
+        </a:ln>
+        <a:effectLst/>
+      </dsp:spPr>
+      <dsp:style>
+        <a:lnRef idx="2">
+          <a:scrgbClr r="0" g="0" b="0"/>
+        </a:lnRef>
+        <a:fillRef idx="1">
+          <a:scrgbClr r="0" g="0" b="0"/>
+        </a:fillRef>
+        <a:effectRef idx="0">
+          <a:scrgbClr r="0" g="0" b="0"/>
+        </a:effectRef>
+        <a:fontRef idx="minor">
+          <a:schemeClr val="lt1"/>
+        </a:fontRef>
+      </dsp:style>
+      <dsp:txBody>
+        <a:bodyPr spcFirstLastPara="0" vert="horz" wrap="square" lIns="57150" tIns="57150" rIns="57150" bIns="57150" numCol="1" spcCol="1270" anchor="ctr" anchorCtr="0">
+          <a:noAutofit/>
+        </a:bodyPr>
+        <a:lstStyle/>
+        <a:p>
+          <a:pPr marL="0" lvl="0" indent="0" algn="ctr" defTabSz="666750">
+            <a:lnSpc>
+              <a:spcPct val="90000"/>
+            </a:lnSpc>
+            <a:spcBef>
+              <a:spcPct val="0"/>
+            </a:spcBef>
+            <a:spcAft>
+              <a:spcPct val="35000"/>
+            </a:spcAft>
+            <a:buNone/>
+          </a:pPr>
+          <a:r>
+            <a:rPr lang="zh-CN" altLang="en-US" sz="1500" kern="1200" dirty="0"/>
+            <a:t>词法分析</a:t>
+          </a:r>
+        </a:p>
+      </dsp:txBody>
+      <dsp:txXfrm>
+        <a:off x="81832" y="783049"/>
+        <a:ext cx="1024338" cy="584850"/>
+      </dsp:txXfrm>
+    </dsp:sp>
+    <dsp:sp modelId="{0E43107C-F2BA-4231-809B-2ED8EFB7EEF5}">
+      <dsp:nvSpPr>
+        <dsp:cNvPr id="0" name=""/>
+        <dsp:cNvSpPr/>
+      </dsp:nvSpPr>
+      <dsp:spPr>
+        <a:xfrm>
+          <a:off x="1194018" y="989106"/>
+          <a:ext cx="147661" cy="172735"/>
+        </a:xfrm>
+        <a:prstGeom prst="rightArrow">
+          <a:avLst>
+            <a:gd name="adj1" fmla="val 60000"/>
+            <a:gd name="adj2" fmla="val 50000"/>
+          </a:avLst>
+        </a:prstGeom>
+        <a:solidFill>
+          <a:schemeClr val="accent1">
+            <a:tint val="60000"/>
+            <a:hueOff val="0"/>
+            <a:satOff val="0"/>
+            <a:lumOff val="0"/>
+            <a:alphaOff val="0"/>
+          </a:schemeClr>
+        </a:solidFill>
+        <a:ln>
+          <a:noFill/>
+        </a:ln>
+        <a:effectLst/>
+      </dsp:spPr>
+      <dsp:style>
+        <a:lnRef idx="0">
+          <a:scrgbClr r="0" g="0" b="0"/>
+        </a:lnRef>
+        <a:fillRef idx="1">
+          <a:scrgbClr r="0" g="0" b="0"/>
+        </a:fillRef>
+        <a:effectRef idx="0">
+          <a:scrgbClr r="0" g="0" b="0"/>
+        </a:effectRef>
+        <a:fontRef idx="minor">
+          <a:schemeClr val="lt1"/>
+        </a:fontRef>
+      </dsp:style>
+      <dsp:txBody>
+        <a:bodyPr spcFirstLastPara="0" vert="horz" wrap="square" lIns="0" tIns="0" rIns="0" bIns="0" numCol="1" spcCol="1270" anchor="ctr" anchorCtr="0">
+          <a:noAutofit/>
+        </a:bodyPr>
+        <a:lstStyle/>
+        <a:p>
+          <a:pPr marL="0" lvl="0" indent="0" algn="ctr" defTabSz="311150">
+            <a:lnSpc>
+              <a:spcPct val="90000"/>
+            </a:lnSpc>
+            <a:spcBef>
+              <a:spcPct val="0"/>
+            </a:spcBef>
+            <a:spcAft>
+              <a:spcPct val="35000"/>
+            </a:spcAft>
+            <a:buNone/>
+          </a:pPr>
+          <a:endParaRPr lang="zh-CN" altLang="en-US" sz="700" kern="1200"/>
+        </a:p>
+      </dsp:txBody>
+      <dsp:txXfrm>
+        <a:off x="1194018" y="1023653"/>
+        <a:ext cx="103363" cy="103641"/>
+      </dsp:txXfrm>
+    </dsp:sp>
+    <dsp:sp modelId="{B291574C-C1BD-409D-B518-AA80910BF4D8}">
+      <dsp:nvSpPr>
+        <dsp:cNvPr id="0" name=""/>
+        <dsp:cNvSpPr/>
+      </dsp:nvSpPr>
+      <dsp:spPr>
+        <a:xfrm>
+          <a:off x="1402973" y="754875"/>
+          <a:ext cx="1104478" cy="641197"/>
+        </a:xfrm>
+        <a:prstGeom prst="roundRect">
+          <a:avLst>
+            <a:gd name="adj" fmla="val 10000"/>
+          </a:avLst>
+        </a:prstGeom>
+        <a:solidFill>
+          <a:schemeClr val="accent1">
+            <a:hueOff val="0"/>
+            <a:satOff val="0"/>
+            <a:lumOff val="0"/>
+            <a:alphaOff val="0"/>
+          </a:schemeClr>
+        </a:solidFill>
+        <a:ln w="15875" cap="rnd" cmpd="sng" algn="ctr">
+          <a:solidFill>
+            <a:schemeClr val="lt1">
+              <a:hueOff val="0"/>
+              <a:satOff val="0"/>
+              <a:lumOff val="0"/>
+              <a:alphaOff val="0"/>
+            </a:schemeClr>
+          </a:solidFill>
+          <a:prstDash val="solid"/>
+        </a:ln>
+        <a:effectLst/>
+      </dsp:spPr>
+      <dsp:style>
+        <a:lnRef idx="2">
+          <a:scrgbClr r="0" g="0" b="0"/>
+        </a:lnRef>
+        <a:fillRef idx="1">
+          <a:scrgbClr r="0" g="0" b="0"/>
+        </a:fillRef>
+        <a:effectRef idx="0">
+          <a:scrgbClr r="0" g="0" b="0"/>
+        </a:effectRef>
+        <a:fontRef idx="minor">
+          <a:schemeClr val="lt1"/>
+        </a:fontRef>
+      </dsp:style>
+      <dsp:txBody>
+        <a:bodyPr spcFirstLastPara="0" vert="horz" wrap="square" lIns="57150" tIns="57150" rIns="57150" bIns="57150" numCol="1" spcCol="1270" anchor="ctr" anchorCtr="0">
+          <a:noAutofit/>
+        </a:bodyPr>
+        <a:lstStyle/>
+        <a:p>
+          <a:pPr marL="0" lvl="0" indent="0" algn="ctr" defTabSz="666750">
+            <a:lnSpc>
+              <a:spcPct val="90000"/>
+            </a:lnSpc>
+            <a:spcBef>
+              <a:spcPct val="0"/>
+            </a:spcBef>
+            <a:spcAft>
+              <a:spcPct val="35000"/>
+            </a:spcAft>
+            <a:buNone/>
+          </a:pPr>
+          <a:r>
+            <a:rPr lang="zh-CN" altLang="en-US" sz="1500" kern="1200" dirty="0"/>
+            <a:t>语法分析</a:t>
+          </a:r>
+        </a:p>
+      </dsp:txBody>
+      <dsp:txXfrm>
+        <a:off x="1421753" y="773655"/>
+        <a:ext cx="1066918" cy="603637"/>
+      </dsp:txXfrm>
+    </dsp:sp>
+    <dsp:sp modelId="{A5264863-9615-45BD-BC80-DFBF3FB512B4}">
+      <dsp:nvSpPr>
+        <dsp:cNvPr id="0" name=""/>
+        <dsp:cNvSpPr/>
+      </dsp:nvSpPr>
+      <dsp:spPr>
+        <a:xfrm>
+          <a:off x="2577103" y="989106"/>
+          <a:ext cx="147661" cy="172735"/>
+        </a:xfrm>
+        <a:prstGeom prst="rightArrow">
+          <a:avLst>
+            <a:gd name="adj1" fmla="val 60000"/>
+            <a:gd name="adj2" fmla="val 50000"/>
+          </a:avLst>
+        </a:prstGeom>
+        <a:solidFill>
+          <a:schemeClr val="accent1">
+            <a:tint val="60000"/>
+            <a:hueOff val="0"/>
+            <a:satOff val="0"/>
+            <a:lumOff val="0"/>
+            <a:alphaOff val="0"/>
+          </a:schemeClr>
+        </a:solidFill>
+        <a:ln>
+          <a:noFill/>
+        </a:ln>
+        <a:effectLst/>
+      </dsp:spPr>
+      <dsp:style>
+        <a:lnRef idx="0">
+          <a:scrgbClr r="0" g="0" b="0"/>
+        </a:lnRef>
+        <a:fillRef idx="1">
+          <a:scrgbClr r="0" g="0" b="0"/>
+        </a:fillRef>
+        <a:effectRef idx="0">
+          <a:scrgbClr r="0" g="0" b="0"/>
+        </a:effectRef>
+        <a:fontRef idx="minor">
+          <a:schemeClr val="lt1"/>
+        </a:fontRef>
+      </dsp:style>
+      <dsp:txBody>
+        <a:bodyPr spcFirstLastPara="0" vert="horz" wrap="square" lIns="0" tIns="0" rIns="0" bIns="0" numCol="1" spcCol="1270" anchor="ctr" anchorCtr="0">
+          <a:noAutofit/>
+        </a:bodyPr>
+        <a:lstStyle/>
+        <a:p>
+          <a:pPr marL="0" lvl="0" indent="0" algn="ctr" defTabSz="311150">
+            <a:lnSpc>
+              <a:spcPct val="90000"/>
+            </a:lnSpc>
+            <a:spcBef>
+              <a:spcPct val="0"/>
+            </a:spcBef>
+            <a:spcAft>
+              <a:spcPct val="35000"/>
+            </a:spcAft>
+            <a:buNone/>
+          </a:pPr>
+          <a:endParaRPr lang="zh-CN" altLang="en-US" sz="700" kern="1200"/>
+        </a:p>
+      </dsp:txBody>
+      <dsp:txXfrm>
+        <a:off x="2577103" y="1023653"/>
+        <a:ext cx="103363" cy="103641"/>
+      </dsp:txXfrm>
+    </dsp:sp>
+    <dsp:sp modelId="{20154AB6-A649-440F-80B6-A97FAA34CD53}">
+      <dsp:nvSpPr>
+        <dsp:cNvPr id="0" name=""/>
+        <dsp:cNvSpPr/>
+      </dsp:nvSpPr>
+      <dsp:spPr>
+        <a:xfrm>
+          <a:off x="2786058" y="755958"/>
+          <a:ext cx="1187914" cy="639032"/>
+        </a:xfrm>
+        <a:prstGeom prst="roundRect">
+          <a:avLst>
+            <a:gd name="adj" fmla="val 10000"/>
+          </a:avLst>
+        </a:prstGeom>
+        <a:solidFill>
+          <a:schemeClr val="accent1">
+            <a:hueOff val="0"/>
+            <a:satOff val="0"/>
+            <a:lumOff val="0"/>
+            <a:alphaOff val="0"/>
+          </a:schemeClr>
+        </a:solidFill>
+        <a:ln w="15875" cap="rnd" cmpd="sng" algn="ctr">
+          <a:solidFill>
+            <a:schemeClr val="lt1">
+              <a:hueOff val="0"/>
+              <a:satOff val="0"/>
+              <a:lumOff val="0"/>
+              <a:alphaOff val="0"/>
+            </a:schemeClr>
+          </a:solidFill>
+          <a:prstDash val="solid"/>
+        </a:ln>
+        <a:effectLst/>
+      </dsp:spPr>
+      <dsp:style>
+        <a:lnRef idx="2">
+          <a:scrgbClr r="0" g="0" b="0"/>
+        </a:lnRef>
+        <a:fillRef idx="1">
+          <a:scrgbClr r="0" g="0" b="0"/>
+        </a:fillRef>
+        <a:effectRef idx="0">
+          <a:scrgbClr r="0" g="0" b="0"/>
+        </a:effectRef>
+        <a:fontRef idx="minor">
+          <a:schemeClr val="lt1"/>
+        </a:fontRef>
+      </dsp:style>
+      <dsp:txBody>
+        <a:bodyPr spcFirstLastPara="0" vert="horz" wrap="square" lIns="57150" tIns="57150" rIns="57150" bIns="57150" numCol="1" spcCol="1270" anchor="ctr" anchorCtr="0">
+          <a:noAutofit/>
+        </a:bodyPr>
+        <a:lstStyle/>
+        <a:p>
+          <a:pPr marL="0" lvl="0" indent="0" algn="ctr" defTabSz="666750">
+            <a:lnSpc>
+              <a:spcPct val="90000"/>
+            </a:lnSpc>
+            <a:spcBef>
+              <a:spcPct val="0"/>
+            </a:spcBef>
+            <a:spcAft>
+              <a:spcPct val="35000"/>
+            </a:spcAft>
+            <a:buNone/>
+          </a:pPr>
+          <a:r>
+            <a:rPr lang="zh-CN" altLang="en-US" sz="1500" kern="1200" dirty="0"/>
+            <a:t>作用域分析</a:t>
+          </a:r>
+        </a:p>
+      </dsp:txBody>
+      <dsp:txXfrm>
+        <a:off x="2804775" y="774675"/>
+        <a:ext cx="1150480" cy="601598"/>
+      </dsp:txXfrm>
+    </dsp:sp>
+    <dsp:sp modelId="{EE94EF87-EB94-4BBF-9D07-37C8D0779BA1}">
+      <dsp:nvSpPr>
+        <dsp:cNvPr id="0" name=""/>
+        <dsp:cNvSpPr/>
+      </dsp:nvSpPr>
+      <dsp:spPr>
+        <a:xfrm rot="5349994">
+          <a:off x="3327404" y="1423125"/>
+          <a:ext cx="117850" cy="172735"/>
+        </a:xfrm>
+        <a:prstGeom prst="rightArrow">
+          <a:avLst>
+            <a:gd name="adj1" fmla="val 60000"/>
+            <a:gd name="adj2" fmla="val 50000"/>
+          </a:avLst>
+        </a:prstGeom>
+        <a:solidFill>
+          <a:schemeClr val="accent1">
+            <a:tint val="60000"/>
+            <a:hueOff val="0"/>
+            <a:satOff val="0"/>
+            <a:lumOff val="0"/>
+            <a:alphaOff val="0"/>
+          </a:schemeClr>
+        </a:solidFill>
+        <a:ln>
+          <a:noFill/>
+        </a:ln>
+        <a:effectLst/>
+      </dsp:spPr>
+      <dsp:style>
+        <a:lnRef idx="0">
+          <a:scrgbClr r="0" g="0" b="0"/>
+        </a:lnRef>
+        <a:fillRef idx="1">
+          <a:scrgbClr r="0" g="0" b="0"/>
+        </a:fillRef>
+        <a:effectRef idx="0">
+          <a:scrgbClr r="0" g="0" b="0"/>
+        </a:effectRef>
+        <a:fontRef idx="minor">
+          <a:schemeClr val="lt1"/>
+        </a:fontRef>
+      </dsp:style>
+      <dsp:txBody>
+        <a:bodyPr spcFirstLastPara="0" vert="horz" wrap="square" lIns="0" tIns="0" rIns="0" bIns="0" numCol="1" spcCol="1270" anchor="ctr" anchorCtr="0">
+          <a:noAutofit/>
+        </a:bodyPr>
+        <a:lstStyle/>
+        <a:p>
+          <a:pPr marL="0" lvl="0" indent="0" algn="ctr" defTabSz="311150">
+            <a:lnSpc>
+              <a:spcPct val="90000"/>
+            </a:lnSpc>
+            <a:spcBef>
+              <a:spcPct val="0"/>
+            </a:spcBef>
+            <a:spcAft>
+              <a:spcPct val="35000"/>
+            </a:spcAft>
+            <a:buNone/>
+          </a:pPr>
+          <a:endParaRPr lang="zh-CN" altLang="en-US" sz="700" kern="1200"/>
+        </a:p>
+      </dsp:txBody>
+      <dsp:txXfrm>
+        <a:off x="3344824" y="1439996"/>
+        <a:ext cx="82495" cy="103641"/>
+      </dsp:txXfrm>
+    </dsp:sp>
+    <dsp:sp modelId="{38E889B0-9C9D-46DD-AFD3-5A16AE6A3835}">
+      <dsp:nvSpPr>
+        <dsp:cNvPr id="0" name=""/>
+        <dsp:cNvSpPr/>
+      </dsp:nvSpPr>
+      <dsp:spPr>
+        <a:xfrm>
+          <a:off x="2805571" y="1617326"/>
+          <a:ext cx="1172737" cy="555809"/>
+        </a:xfrm>
+        <a:prstGeom prst="roundRect">
+          <a:avLst>
+            <a:gd name="adj" fmla="val 10000"/>
+          </a:avLst>
+        </a:prstGeom>
+        <a:solidFill>
+          <a:schemeClr val="accent1">
+            <a:hueOff val="0"/>
+            <a:satOff val="0"/>
+            <a:lumOff val="0"/>
+            <a:alphaOff val="0"/>
+          </a:schemeClr>
+        </a:solidFill>
+        <a:ln w="15875" cap="rnd" cmpd="sng" algn="ctr">
+          <a:solidFill>
+            <a:schemeClr val="lt1">
+              <a:hueOff val="0"/>
+              <a:satOff val="0"/>
+              <a:lumOff val="0"/>
+              <a:alphaOff val="0"/>
+            </a:schemeClr>
+          </a:solidFill>
+          <a:prstDash val="solid"/>
+        </a:ln>
+        <a:effectLst/>
+      </dsp:spPr>
+      <dsp:style>
+        <a:lnRef idx="2">
+          <a:scrgbClr r="0" g="0" b="0"/>
+        </a:lnRef>
+        <a:fillRef idx="1">
+          <a:scrgbClr r="0" g="0" b="0"/>
+        </a:fillRef>
+        <a:effectRef idx="0">
+          <a:scrgbClr r="0" g="0" b="0"/>
+        </a:effectRef>
+        <a:fontRef idx="minor">
+          <a:schemeClr val="lt1"/>
+        </a:fontRef>
+      </dsp:style>
+      <dsp:txBody>
+        <a:bodyPr spcFirstLastPara="0" vert="horz" wrap="square" lIns="57150" tIns="57150" rIns="57150" bIns="57150" numCol="1" spcCol="1270" anchor="ctr" anchorCtr="0">
+          <a:noAutofit/>
+        </a:bodyPr>
+        <a:lstStyle/>
+        <a:p>
+          <a:pPr marL="0" lvl="0" indent="0" algn="ctr" defTabSz="666750">
+            <a:lnSpc>
+              <a:spcPct val="90000"/>
+            </a:lnSpc>
+            <a:spcBef>
+              <a:spcPct val="0"/>
+            </a:spcBef>
+            <a:spcAft>
+              <a:spcPct val="35000"/>
+            </a:spcAft>
+            <a:buNone/>
+          </a:pPr>
+          <a:r>
+            <a:rPr lang="zh-CN" altLang="en-US" sz="1500" kern="1200" dirty="0"/>
+            <a:t>抽象语法树</a:t>
+          </a:r>
+        </a:p>
+      </dsp:txBody>
+      <dsp:txXfrm>
+        <a:off x="2821850" y="1633605"/>
+        <a:ext cx="1140179" cy="523251"/>
+      </dsp:txXfrm>
+    </dsp:sp>
+    <dsp:sp modelId="{4984F496-28F9-463F-9418-2AC8A196F802}">
+      <dsp:nvSpPr>
+        <dsp:cNvPr id="0" name=""/>
+        <dsp:cNvSpPr/>
+      </dsp:nvSpPr>
+      <dsp:spPr>
+        <a:xfrm rot="19804">
+          <a:off x="4106883" y="1813767"/>
+          <a:ext cx="272586" cy="172735"/>
+        </a:xfrm>
+        <a:prstGeom prst="rightArrow">
+          <a:avLst>
+            <a:gd name="adj1" fmla="val 60000"/>
+            <a:gd name="adj2" fmla="val 50000"/>
+          </a:avLst>
+        </a:prstGeom>
+        <a:solidFill>
+          <a:schemeClr val="accent1">
+            <a:tint val="60000"/>
+            <a:hueOff val="0"/>
+            <a:satOff val="0"/>
+            <a:lumOff val="0"/>
+            <a:alphaOff val="0"/>
+          </a:schemeClr>
+        </a:solidFill>
+        <a:ln>
+          <a:noFill/>
+        </a:ln>
+        <a:effectLst/>
+      </dsp:spPr>
+      <dsp:style>
+        <a:lnRef idx="0">
+          <a:scrgbClr r="0" g="0" b="0"/>
+        </a:lnRef>
+        <a:fillRef idx="1">
+          <a:scrgbClr r="0" g="0" b="0"/>
+        </a:fillRef>
+        <a:effectRef idx="0">
+          <a:scrgbClr r="0" g="0" b="0"/>
+        </a:effectRef>
+        <a:fontRef idx="minor">
+          <a:schemeClr val="lt1"/>
+        </a:fontRef>
+      </dsp:style>
+      <dsp:txBody>
+        <a:bodyPr spcFirstLastPara="0" vert="horz" wrap="square" lIns="0" tIns="0" rIns="0" bIns="0" numCol="1" spcCol="1270" anchor="ctr" anchorCtr="0">
+          <a:noAutofit/>
+        </a:bodyPr>
+        <a:lstStyle/>
+        <a:p>
+          <a:pPr marL="0" lvl="0" indent="0" algn="ctr" defTabSz="311150">
+            <a:lnSpc>
+              <a:spcPct val="90000"/>
+            </a:lnSpc>
+            <a:spcBef>
+              <a:spcPct val="0"/>
+            </a:spcBef>
+            <a:spcAft>
+              <a:spcPct val="35000"/>
+            </a:spcAft>
+            <a:buNone/>
+          </a:pPr>
+          <a:endParaRPr lang="zh-CN" altLang="en-US" sz="700" kern="1200"/>
+        </a:p>
+      </dsp:txBody>
+      <dsp:txXfrm>
+        <a:off x="4106883" y="1848165"/>
+        <a:ext cx="220766" cy="103641"/>
+      </dsp:txXfrm>
+    </dsp:sp>
+    <dsp:sp modelId="{67BC98C4-9376-4E48-B604-87C5CDEDDCE3}">
+      <dsp:nvSpPr>
+        <dsp:cNvPr id="0" name=""/>
+        <dsp:cNvSpPr/>
+      </dsp:nvSpPr>
+      <dsp:spPr>
+        <a:xfrm>
+          <a:off x="4492614" y="1627744"/>
+          <a:ext cx="1415312" cy="555809"/>
+        </a:xfrm>
+        <a:prstGeom prst="roundRect">
+          <a:avLst>
+            <a:gd name="adj" fmla="val 10000"/>
+          </a:avLst>
+        </a:prstGeom>
+        <a:solidFill>
+          <a:schemeClr val="accent1">
+            <a:hueOff val="0"/>
+            <a:satOff val="0"/>
+            <a:lumOff val="0"/>
+            <a:alphaOff val="0"/>
+          </a:schemeClr>
+        </a:solidFill>
+        <a:ln w="15875" cap="rnd" cmpd="sng" algn="ctr">
+          <a:solidFill>
+            <a:schemeClr val="lt1">
+              <a:hueOff val="0"/>
+              <a:satOff val="0"/>
+              <a:lumOff val="0"/>
+              <a:alphaOff val="0"/>
+            </a:schemeClr>
+          </a:solidFill>
+          <a:prstDash val="solid"/>
+        </a:ln>
+        <a:effectLst/>
+      </dsp:spPr>
+      <dsp:style>
+        <a:lnRef idx="2">
+          <a:scrgbClr r="0" g="0" b="0"/>
+        </a:lnRef>
+        <a:fillRef idx="1">
+          <a:scrgbClr r="0" g="0" b="0"/>
+        </a:fillRef>
+        <a:effectRef idx="0">
+          <a:scrgbClr r="0" g="0" b="0"/>
+        </a:effectRef>
+        <a:fontRef idx="minor">
+          <a:schemeClr val="lt1"/>
+        </a:fontRef>
+      </dsp:style>
+      <dsp:txBody>
+        <a:bodyPr spcFirstLastPara="0" vert="horz" wrap="square" lIns="57150" tIns="57150" rIns="57150" bIns="57150" numCol="1" spcCol="1270" anchor="ctr" anchorCtr="0">
+          <a:noAutofit/>
+        </a:bodyPr>
+        <a:lstStyle/>
+        <a:p>
+          <a:pPr marL="0" lvl="0" indent="0" algn="ctr" defTabSz="666750">
+            <a:lnSpc>
+              <a:spcPct val="90000"/>
+            </a:lnSpc>
+            <a:spcBef>
+              <a:spcPct val="0"/>
+            </a:spcBef>
+            <a:spcAft>
+              <a:spcPct val="35000"/>
+            </a:spcAft>
+            <a:buNone/>
+          </a:pPr>
+          <a:r>
+            <a:rPr lang="en-US" altLang="zh-CN" sz="1500" kern="1200" dirty="0"/>
+            <a:t>JIT</a:t>
+          </a:r>
+          <a:endParaRPr lang="zh-CN" altLang="en-US" sz="1500" kern="1200" dirty="0"/>
+        </a:p>
+      </dsp:txBody>
+      <dsp:txXfrm>
+        <a:off x="4508893" y="1644023"/>
+        <a:ext cx="1382754" cy="523251"/>
+      </dsp:txXfrm>
+    </dsp:sp>
+    <dsp:sp modelId="{63127DAC-C9B0-4024-ACB1-AD87B0CA6045}">
+      <dsp:nvSpPr>
+        <dsp:cNvPr id="0" name=""/>
+        <dsp:cNvSpPr/>
+      </dsp:nvSpPr>
+      <dsp:spPr>
+        <a:xfrm rot="21548046">
+          <a:off x="6013735" y="1805290"/>
+          <a:ext cx="224365" cy="172735"/>
+        </a:xfrm>
+        <a:prstGeom prst="rightArrow">
+          <a:avLst>
+            <a:gd name="adj1" fmla="val 60000"/>
+            <a:gd name="adj2" fmla="val 50000"/>
+          </a:avLst>
+        </a:prstGeom>
+        <a:solidFill>
+          <a:schemeClr val="accent1">
+            <a:tint val="60000"/>
+            <a:hueOff val="0"/>
+            <a:satOff val="0"/>
+            <a:lumOff val="0"/>
+            <a:alphaOff val="0"/>
+          </a:schemeClr>
+        </a:solidFill>
+        <a:ln>
+          <a:noFill/>
+        </a:ln>
+        <a:effectLst/>
+      </dsp:spPr>
+      <dsp:style>
+        <a:lnRef idx="0">
+          <a:scrgbClr r="0" g="0" b="0"/>
+        </a:lnRef>
+        <a:fillRef idx="1">
+          <a:scrgbClr r="0" g="0" b="0"/>
+        </a:fillRef>
+        <a:effectRef idx="0">
+          <a:scrgbClr r="0" g="0" b="0"/>
+        </a:effectRef>
+        <a:fontRef idx="minor">
+          <a:schemeClr val="lt1"/>
+        </a:fontRef>
+      </dsp:style>
+      <dsp:txBody>
+        <a:bodyPr spcFirstLastPara="0" vert="horz" wrap="square" lIns="0" tIns="0" rIns="0" bIns="0" numCol="1" spcCol="1270" anchor="ctr" anchorCtr="0">
+          <a:noAutofit/>
+        </a:bodyPr>
+        <a:lstStyle/>
+        <a:p>
+          <a:pPr marL="0" lvl="0" indent="0" algn="ctr" defTabSz="311150">
+            <a:lnSpc>
+              <a:spcPct val="90000"/>
+            </a:lnSpc>
+            <a:spcBef>
+              <a:spcPct val="0"/>
+            </a:spcBef>
+            <a:spcAft>
+              <a:spcPct val="35000"/>
+            </a:spcAft>
+            <a:buNone/>
+          </a:pPr>
+          <a:endParaRPr lang="zh-CN" altLang="en-US" sz="700" kern="1200"/>
+        </a:p>
+      </dsp:txBody>
+      <dsp:txXfrm>
+        <a:off x="6013738" y="1840229"/>
+        <a:ext cx="172545" cy="103641"/>
+      </dsp:txXfrm>
+    </dsp:sp>
+    <dsp:sp modelId="{40C18F29-8459-4215-A8CB-491DE55D414A}">
+      <dsp:nvSpPr>
+        <dsp:cNvPr id="0" name=""/>
+        <dsp:cNvSpPr/>
+      </dsp:nvSpPr>
+      <dsp:spPr>
+        <a:xfrm>
+          <a:off x="6331211" y="1578355"/>
+          <a:ext cx="1567598" cy="596708"/>
+        </a:xfrm>
+        <a:prstGeom prst="roundRect">
+          <a:avLst>
+            <a:gd name="adj" fmla="val 10000"/>
+          </a:avLst>
+        </a:prstGeom>
+        <a:solidFill>
+          <a:schemeClr val="accent1">
+            <a:hueOff val="0"/>
+            <a:satOff val="0"/>
+            <a:lumOff val="0"/>
+            <a:alphaOff val="0"/>
+          </a:schemeClr>
+        </a:solidFill>
+        <a:ln w="15875" cap="rnd" cmpd="sng" algn="ctr">
+          <a:solidFill>
+            <a:schemeClr val="lt1">
+              <a:hueOff val="0"/>
+              <a:satOff val="0"/>
+              <a:lumOff val="0"/>
+              <a:alphaOff val="0"/>
+            </a:schemeClr>
+          </a:solidFill>
+          <a:prstDash val="solid"/>
+        </a:ln>
+        <a:effectLst/>
+      </dsp:spPr>
+      <dsp:style>
+        <a:lnRef idx="2">
+          <a:scrgbClr r="0" g="0" b="0"/>
+        </a:lnRef>
+        <a:fillRef idx="1">
+          <a:scrgbClr r="0" g="0" b="0"/>
+        </a:fillRef>
+        <a:effectRef idx="0">
+          <a:scrgbClr r="0" g="0" b="0"/>
+        </a:effectRef>
+        <a:fontRef idx="minor">
+          <a:schemeClr val="lt1"/>
+        </a:fontRef>
+      </dsp:style>
+      <dsp:txBody>
+        <a:bodyPr spcFirstLastPara="0" vert="horz" wrap="square" lIns="57150" tIns="57150" rIns="57150" bIns="57150" numCol="1" spcCol="1270" anchor="ctr" anchorCtr="0">
+          <a:noAutofit/>
+        </a:bodyPr>
+        <a:lstStyle/>
+        <a:p>
+          <a:pPr marL="0" lvl="0" indent="0" algn="ctr" defTabSz="666750">
+            <a:lnSpc>
+              <a:spcPct val="90000"/>
+            </a:lnSpc>
+            <a:spcBef>
+              <a:spcPct val="0"/>
+            </a:spcBef>
+            <a:spcAft>
+              <a:spcPct val="35000"/>
+            </a:spcAft>
+            <a:buNone/>
+          </a:pPr>
+          <a:r>
+            <a:rPr lang="zh-CN" altLang="en-US" sz="1500" kern="1200" dirty="0"/>
+            <a:t>本地代码</a:t>
+          </a:r>
+        </a:p>
+      </dsp:txBody>
+      <dsp:txXfrm>
+        <a:off x="6348688" y="1595832"/>
+        <a:ext cx="1532644" cy="561754"/>
+      </dsp:txXfrm>
+    </dsp:sp>
+  </dsp:spTree>
+</dsp:drawing>
+</file>
+
+<file path=ppt/diagrams/layout1.xml><?xml version="1.0" encoding="utf-8"?>
+<dgm:layoutDef xmlns:dgm="http://schemas.openxmlformats.org/drawingml/2006/diagram" xmlns:a="http://schemas.openxmlformats.org/drawingml/2006/main" uniqueId="urn:microsoft.com/office/officeart/2005/8/layout/process1">
+  <dgm:title val=""/>
+  <dgm:desc val=""/>
+  <dgm:catLst>
+    <dgm:cat type="process" pri="1000"/>
+    <dgm:cat type="convert" pri="15000"/>
+  </dgm:catLst>
+  <dgm:sampData useDef="1">
+    <dgm:dataModel>
+      <dgm:ptLst/>
+      <dgm:bg/>
+      <dgm:whole/>
+    </dgm:dataModel>
+  </dgm:sampData>
+  <dgm:styleData>
+    <dgm:dataModel>
+      <dgm:ptLst>
+        <dgm:pt modelId="0" type="doc"/>
+        <dgm:pt modelId="1"/>
+        <dgm:pt modelId="2"/>
+      </dgm:ptLst>
+      <dgm:cxnLst>
+        <dgm:cxn modelId="3" srcId="0" destId="1" srcOrd="0" destOrd="0"/>
+        <dgm:cxn modelId="4" srcId="0" destId="2" srcOrd="1" destOrd="0"/>
+      </dgm:cxnLst>
+      <dgm:bg/>
+      <dgm:whole/>
+    </dgm:dataModel>
+  </dgm:styleData>
+  <dgm:clrData>
+    <dgm:dataModel>
+      <dgm:ptLst>
+        <dgm:pt modelId="0" type="doc"/>
+        <dgm:pt modelId="1"/>
+        <dgm:pt modelId="2"/>
+        <dgm:pt modelId="3"/>
+        <dgm:pt modelId="4"/>
+      </dgm:ptLst>
+      <dgm:cxnLst>
+        <dgm:cxn modelId="5" srcId="0" destId="1" srcOrd="0" destOrd="0"/>
+        <dgm:cxn modelId="6" srcId="0" destId="2" srcOrd="1" destOrd="0"/>
+        <dgm:cxn modelId="7" srcId="0" destId="3" srcOrd="2" destOrd="0"/>
+        <dgm:cxn modelId="8" srcId="0" destId="4" srcOrd="3" destOrd="0"/>
+      </dgm:cxnLst>
+      <dgm:bg/>
+      <dgm:whole/>
+    </dgm:dataModel>
+  </dgm:clrData>
+  <dgm:layoutNode name="Name0">
+    <dgm:varLst>
+      <dgm:dir/>
+      <dgm:resizeHandles val="exact"/>
+    </dgm:varLst>
+    <dgm:choose name="Name1">
+      <dgm:if name="Name2" func="var" arg="dir" op="equ" val="norm">
+        <dgm:alg type="lin"/>
+      </dgm:if>
+      <dgm:else name="Name3">
+        <dgm:alg type="lin">
+          <dgm:param type="linDir" val="fromR"/>
+        </dgm:alg>
+      </dgm:else>
+    </dgm:choose>
+    <dgm:shape xmlns:r="http://schemas.openxmlformats.org/officeDocument/2006/relationships" r:blip="">
+      <dgm:adjLst/>
+    </dgm:shape>
+    <dgm:presOf/>
+    <dgm:constrLst>
+      <dgm:constr type="w" for="ch" ptType="node" refType="w"/>
+      <dgm:constr type="h" for="ch" ptType="node" op="equ"/>
+      <dgm:constr type="primFontSz" for="ch" ptType="node" op="equ" val="65"/>
+      <dgm:constr type="w" for="ch" ptType="sibTrans" refType="w" refFor="ch" refPtType="node" op="equ" fact="0.4"/>
+      <dgm:constr type="h" for="ch" ptType="sibTrans" op="equ"/>
+      <dgm:constr type="primFontSz" for="des" forName="connectorText" op="equ" val="55"/>
+      <dgm:constr type="primFontSz" for="des" forName="connectorText" refType="primFontSz" refFor="ch" refPtType="node" op="lte" fact="0.8"/>
+    </dgm:constrLst>
+    <dgm:ruleLst/>
+    <dgm:forEach name="nodesForEach" axis="ch" ptType="node">
+      <dgm:layoutNode name="node">
+        <dgm:varLst>
+          <dgm:bulletEnabled val="1"/>
+        </dgm:varLst>
+        <dgm:alg type="tx"/>
+        <dgm:shape xmlns:r="http://schemas.openxmlformats.org/officeDocument/2006/relationships" type="roundRect" r:blip="">
+          <dgm:adjLst>
+            <dgm:adj idx="1" val="0.1"/>
+          </dgm:adjLst>
+        </dgm:shape>
+        <dgm:presOf axis="desOrSelf" ptType="node"/>
+        <dgm:constrLst>
+          <dgm:constr type="h" refType="w" fact="0.6"/>
+          <dgm:constr type="tMarg" refType="primFontSz" fact="0.3"/>
+          <dgm:constr type="bMarg" refType="primFontSz" fact="0.3"/>
+          <dgm:constr type="lMarg" refType="primFontSz" fact="0.3"/>
+          <dgm:constr type="rMarg" refType="primFontSz" fact="0.3"/>
+        </dgm:constrLst>
+        <dgm:ruleLst>
+          <dgm:rule type="primFontSz" val="18" fact="NaN" max="NaN"/>
+          <dgm:rule type="h" val="NaN" fact="1.5" max="NaN"/>
+          <dgm:rule type="primFontSz" val="5" fact="NaN" max="NaN"/>
+          <dgm:rule type="h" val="INF" fact="NaN" max="NaN"/>
+        </dgm:ruleLst>
+      </dgm:layoutNode>
+      <dgm:forEach name="sibTransForEach" axis="followSib" ptType="sibTrans" cnt="1">
+        <dgm:layoutNode name="sibTrans">
+          <dgm:alg type="conn">
+            <dgm:param type="begPts" val="auto"/>
+            <dgm:param type="endPts" val="auto"/>
+          </dgm:alg>
+          <dgm:shape xmlns:r="http://schemas.openxmlformats.org/officeDocument/2006/relationships" type="conn" r:blip="">
+            <dgm:adjLst/>
+          </dgm:shape>
+          <dgm:presOf axis="self"/>
+          <dgm:constrLst>
+            <dgm:constr type="h" refType="w" fact="0.62"/>
+            <dgm:constr type="connDist"/>
+            <dgm:constr type="begPad" refType="connDist" fact="0.25"/>
+            <dgm:constr type="endPad" refType="connDist" fact="0.22"/>
+          </dgm:constrLst>
+          <dgm:ruleLst/>
+          <dgm:layoutNode name="connectorText">
+            <dgm:alg type="tx">
+              <dgm:param type="autoTxRot" val="grav"/>
+            </dgm:alg>
+            <dgm:shape xmlns:r="http://schemas.openxmlformats.org/officeDocument/2006/relationships" type="conn" r:blip="" hideGeom="1">
+              <dgm:adjLst/>
+            </dgm:shape>
+            <dgm:presOf axis="self"/>
+            <dgm:constrLst>
+              <dgm:constr type="lMarg"/>
+              <dgm:constr type="rMarg"/>
+              <dgm:constr type="tMarg"/>
+              <dgm:constr type="bMarg"/>
+            </dgm:constrLst>
+            <dgm:ruleLst>
+              <dgm:rule type="primFontSz" val="5" fact="NaN" max="NaN"/>
+            </dgm:ruleLst>
+          </dgm:layoutNode>
+        </dgm:layoutNode>
+      </dgm:forEach>
+    </dgm:forEach>
+  </dgm:layoutNode>
+</dgm:layoutDef>
+</file>
+
+<file path=ppt/diagrams/quickStyle1.xml><?xml version="1.0" encoding="utf-8"?>
+<dgm:styleDef xmlns:dgm="http://schemas.openxmlformats.org/drawingml/2006/diagram" xmlns:a="http://schemas.openxmlformats.org/drawingml/2006/main" uniqueId="urn:microsoft.com/office/officeart/2005/8/quickstyle/simple1">
+  <dgm:title val=""/>
+  <dgm:desc val=""/>
+  <dgm:catLst>
+    <dgm:cat type="simple" pri="10100"/>
+  </dgm:catLst>
+  <dgm:scene3d>
+    <a:camera prst="orthographicFront"/>
+    <a:lightRig rig="threePt" dir="t"/>
+  </dgm:scene3d>
+  <dgm:styleLbl name="node0">
+    <dgm:scene3d>
+      <a:camera prst="orthographicFront"/>
+      <a:lightRig rig="threePt" dir="t"/>
+    </dgm:scene3d>
+    <dgm:sp3d/>
+    <dgm:txPr/>
+    <dgm:style>
+      <a:lnRef idx="2">
+        <a:scrgbClr r="0" g="0" b="0"/>
+      </a:lnRef>
+      <a:fillRef idx="1">
+        <a:scrgbClr r="0" g="0" b="0"/>
+      </a:fillRef>
+      <a:effectRef idx="0">
+        <a:scrgbClr r="0" g="0" b="0"/>
+      </a:effectRef>
+      <a:fontRef idx="minor">
+        <a:schemeClr val="lt1"/>
+      </a:fontRef>
+    </dgm:style>
+  </dgm:styleLbl>
+  <dgm:styleLbl name="lnNode1">
+    <dgm:scene3d>
+      <a:camera prst="orthographicFront"/>
+      <a:lightRig rig="threePt" dir="t"/>
+    </dgm:scene3d>
+    <dgm:sp3d/>
+    <dgm:txPr/>
+    <dgm:style>
+      <a:lnRef idx="2">
+        <a:scrgbClr r="0" g="0" b="0"/>
+      </a:lnRef>
+      <a:fillRef idx="1">
+        <a:scrgbClr r="0" g="0" b="0"/>
+      </a:fillRef>
+      <a:effectRef idx="0">
+        <a:scrgbClr r="0" g="0" b="0"/>
+      </a:effectRef>
+      <a:fontRef idx="minor">
+        <a:schemeClr val="lt1"/>
+      </a:fontRef>
+    </dgm:style>
+  </dgm:styleLbl>
+  <dgm:styleLbl name="vennNode1">
+    <dgm:scene3d>
+      <a:camera prst="orthographicFront"/>
+      <a:lightRig rig="threePt" dir="t"/>
+    </dgm:scene3d>
+    <dgm:sp3d/>
+    <dgm:txPr/>
+    <dgm:style>
+      <a:lnRef idx="2">
+        <a:scrgbClr r="0" g="0" b="0"/>
+      </a:lnRef>
+      <a:fillRef idx="1">
+        <a:scrgbClr r="0" g="0" b="0"/>
+      </a:fillRef>
+      <a:effectRef idx="0">
+        <a:scrgbClr r="0" g="0" b="0"/>
+      </a:effectRef>
+      <a:fontRef idx="minor">
+        <a:schemeClr val="tx1"/>
+      </a:fontRef>
+    </dgm:style>
+  </dgm:styleLbl>
+  <dgm:styleLbl name="alignNode1">
+    <dgm:scene3d>
+      <a:camera prst="orthographicFront"/>
+      <a:lightRig rig="threePt" dir="t"/>
+    </dgm:scene3d>
+    <dgm:sp3d/>
+    <dgm:txPr/>
+    <dgm:style>
+      <a:lnRef idx="2">
+        <a:scrgbClr r="0" g="0" b="0"/>
+      </a:lnRef>
+      <a:fillRef idx="1">
+        <a:scrgbClr r="0" g="0" b="0"/>
+      </a:fillRef>
+      <a:effectRef idx="0">
+        <a:scrgbClr r="0" g="0" b="0"/>
+      </a:effectRef>
+      <a:fontRef idx="minor">
+        <a:schemeClr val="lt1"/>
+      </a:fontRef>
+    </dgm:style>
+  </dgm:styleLbl>
+  <dgm:styleLbl name="node1">
+    <dgm:scene3d>
+      <a:camera prst="orthographicFront"/>
+      <a:lightRig rig="threePt" dir="t"/>
+    </dgm:scene3d>
+    <dgm:sp3d/>
+    <dgm:txPr/>
+    <dgm:style>
+      <a:lnRef idx="2">
+        <a:scrgbClr r="0" g="0" b="0"/>
+      </a:lnRef>
+      <a:fillRef idx="1">
+        <a:scrgbClr r="0" g="0" b="0"/>
+      </a:fillRef>
+      <a:effectRef idx="0">
+        <a:scrgbClr r="0" g="0" b="0"/>
+      </a:effectRef>
+      <a:fontRef idx="minor">
+        <a:schemeClr val="lt1"/>
+      </a:fontRef>
+    </dgm:style>
+  </dgm:styleLbl>
+  <dgm:styleLbl name="node2">
+    <dgm:scene3d>
+      <a:camera prst="orthographicFront"/>
+      <a:lightRig rig="threePt" dir="t"/>
+    </dgm:scene3d>
+    <dgm:sp3d/>
+    <dgm:txPr/>
+    <dgm:style>
+      <a:lnRef idx="2">
+        <a:scrgbClr r="0" g="0" b="0"/>
+      </a:lnRef>
+      <a:fillRef idx="1">
+        <a:scrgbClr r="0" g="0" b="0"/>
+      </a:fillRef>
+      <a:effectRef idx="0">
+        <a:scrgbClr r="0" g="0" b="0"/>
+      </a:effectRef>
+      <a:fontRef idx="minor">
+        <a:schemeClr val="lt1"/>
+      </a:fontRef>
+    </dgm:style>
+  </dgm:styleLbl>
+  <dgm:styleLbl name="node3">
+    <dgm:scene3d>
+      <a:camera prst="orthographicFront"/>
+      <a:lightRig rig="threePt" dir="t"/>
+    </dgm:scene3d>
+    <dgm:sp3d/>
+    <dgm:txPr/>
+    <dgm:style>
+      <a:lnRef idx="2">
+        <a:scrgbClr r="0" g="0" b="0"/>
+      </a:lnRef>
+      <a:fillRef idx="1">
+        <a:scrgbClr r="0" g="0" b="0"/>
+      </a:fillRef>
+      <a:effectRef idx="0">
+        <a:scrgbClr r="0" g="0" b="0"/>
+      </a:effectRef>
+      <a:fontRef idx="minor">
+        <a:schemeClr val="lt1"/>
+      </a:fontRef>
+    </dgm:style>
+  </dgm:styleLbl>
+  <dgm:styleLbl name="node4">
+    <dgm:scene3d>
+      <a:camera prst="orthographicFront"/>
+      <a:lightRig rig="threePt" dir="t"/>
+    </dgm:scene3d>
+    <dgm:sp3d/>
+    <dgm:txPr/>
+    <dgm:style>
+      <a:lnRef idx="2">
+        <a:scrgbClr r="0" g="0" b="0"/>
+      </a:lnRef>
+      <a:fillRef idx="1">
+        <a:scrgbClr r="0" g="0" b="0"/>
+      </a:fillRef>
+      <a:effectRef idx="0">
+        <a:scrgbClr r="0" g="0" b="0"/>
+      </a:effectRef>
+      <a:fontRef idx="minor">
+        <a:schemeClr val="lt1"/>
+      </a:fontRef>
+    </dgm:style>
+  </dgm:styleLbl>
+  <dgm:styleLbl name="fgImgPlace1">
+    <dgm:scene3d>
+      <a:camera prst="orthographicFront"/>
+      <a:lightRig rig="threePt" dir="t"/>
+    </dgm:scene3d>
+    <dgm:sp3d/>
+    <dgm:txPr/>
+    <dgm:style>
+      <a:lnRef idx="2">
+        <a:scrgbClr r="0" g="0" b="0"/>
+      </a:lnRef>
+      <a:fillRef idx="1">
+        <a:scrgbClr r="0" g="0" b="0"/>
+      </a:fillRef>
+      <a:effectRef idx="0">
+        <a:scrgbClr r="0" g="0" b="0"/>
+      </a:effectRef>
+      <a:fontRef idx="minor"/>
+    </dgm:style>
+  </dgm:styleLbl>
+  <dgm:styleLbl name="alignImgPlace1">
+    <dgm:scene3d>
+      <a:camera prst="orthographicFront"/>
+      <a:lightRig rig="threePt" dir="t"/>
+    </dgm:scene3d>
+    <dgm:sp3d/>
+    <dgm:txPr/>
+    <dgm:style>
+      <a:lnRef idx="2">
+        <a:scrgbClr r="0" g="0" b="0"/>
+      </a:lnRef>
+      <a:fillRef idx="1">
+        <a:scrgbClr r="0" g="0" b="0"/>
+      </a:fillRef>
+      <a:effectRef idx="0">
+        <a:scrgbClr r="0" g="0" b="0"/>
+      </a:effectRef>
+      <a:fontRef idx="minor"/>
+    </dgm:style>
+  </dgm:styleLbl>
+  <dgm:styleLbl name="bgImgPlace1">
+    <dgm:scene3d>
+      <a:camera prst="orthographicFront"/>
+      <a:lightRig rig="threePt" dir="t"/>
+    </dgm:scene3d>
+    <dgm:sp3d/>
+    <dgm:txPr/>
+    <dgm:style>
+      <a:lnRef idx="2">
+        <a:scrgbClr r="0" g="0" b="0"/>
+      </a:lnRef>
+      <a:fillRef idx="1">
+        <a:scrgbClr r="0" g="0" b="0"/>
+      </a:fillRef>
+      <a:effectRef idx="0">
+        <a:scrgbClr r="0" g="0" b="0"/>
+      </a:effectRef>
+      <a:fontRef idx="minor"/>
+    </dgm:style>
+  </dgm:styleLbl>
+  <dgm:styleLbl name="sibTrans2D1">
+    <dgm:scene3d>
+      <a:camera prst="orthographicFront"/>
+      <a:lightRig rig="threePt" dir="t"/>
+    </dgm:scene3d>
+    <dgm:sp3d/>
+    <dgm:txPr/>
+    <dgm:style>
+      <a:lnRef idx="0">
+        <a:scrgbClr r="0" g="0" b="0"/>
+      </a:lnRef>
+      <a:fillRef idx="1">
+        <a:scrgbClr r="0" g="0" b="0"/>
+      </a:fillRef>
+      <a:effectRef idx="0">
+        <a:scrgbClr r="0" g="0" b="0"/>
+      </a:effectRef>
+      <a:fontRef idx="minor">
+        <a:schemeClr val="lt1"/>
+      </a:fontRef>
+    </dgm:style>
+  </dgm:styleLbl>
+  <dgm:styleLbl name="fgSibTrans2D1">
+    <dgm:scene3d>
+      <a:camera prst="orthographicFront"/>
+      <a:lightRig rig="threePt" dir="t"/>
+    </dgm:scene3d>
+    <dgm:sp3d/>
+    <dgm:txPr/>
+    <dgm:style>
+      <a:lnRef idx="0">
+        <a:scrgbClr r="0" g="0" b="0"/>
+      </a:lnRef>
+      <a:fillRef idx="1">
+        <a:scrgbClr r="0" g="0" b="0"/>
+      </a:fillRef>
+      <a:effectRef idx="0">
+        <a:scrgbClr r="0" g="0" b="0"/>
+      </a:effectRef>
+      <a:fontRef idx="minor">
+        <a:schemeClr val="lt1"/>
+      </a:fontRef>
+    </dgm:style>
+  </dgm:styleLbl>
+  <dgm:styleLbl name="bgSibTrans2D1">
+    <dgm:scene3d>
+      <a:camera prst="orthographicFront"/>
+      <a:lightRig rig="threePt" dir="t"/>
+    </dgm:scene3d>
+    <dgm:sp3d/>
+    <dgm:txPr/>
+    <dgm:style>
+      <a:lnRef idx="0">
+        <a:scrgbClr r="0" g="0" b="0"/>
+      </a:lnRef>
+      <a:fillRef idx="1">
+        <a:scrgbClr r="0" g="0" b="0"/>
+      </a:fillRef>
+      <a:effectRef idx="0">
+        <a:scrgbClr r="0" g="0" b="0"/>
+      </a:effectRef>
+      <a:fontRef idx="minor">
+        <a:schemeClr val="lt1"/>
+      </a:fontRef>
+    </dgm:style>
+  </dgm:styleLbl>
+  <dgm:styleLbl name="sibTrans1D1">
+    <dgm:scene3d>
+      <a:camera prst="orthographicFront"/>
+      <a:lightRig rig="threePt" dir="t"/>
+    </dgm:scene3d>
+    <dgm:sp3d/>
+    <dgm:txPr/>
+    <dgm:style>
+      <a:lnRef idx="1">
+        <a:scrgbClr r="0" g="0" b="0"/>
+      </a:lnRef>
+      <a:fillRef idx="0">
+        <a:scrgbClr r="0" g="0" b="0"/>
+      </a:fillRef>
+      <a:effectRef idx="0">
+        <a:scrgbClr r="0" g="0" b="0"/>
+      </a:effectRef>
+      <a:fontRef idx="minor"/>
+    </dgm:style>
+  </dgm:styleLbl>
+  <dgm:styleLbl name="callout">
+    <dgm:scene3d>
+      <a:camera prst="orthographicFront"/>
+      <a:lightRig rig="threePt" dir="t"/>
+    </dgm:scene3d>
+    <dgm:sp3d/>
+    <dgm:txPr/>
+    <dgm:style>
+      <a:lnRef idx="2">
+        <a:scrgbClr r="0" g="0" b="0"/>
+      </a:lnRef>
+      <a:fillRef idx="1">
+        <a:scrgbClr r="0" g="0" b="0"/>
+      </a:fillRef>
+      <a:effectRef idx="0">
+        <a:scrgbClr r="0" g="0" b="0"/>
+      </a:effectRef>
+      <a:fontRef idx="minor"/>
+    </dgm:style>
+  </dgm:styleLbl>
+  <dgm:styleLbl name="asst0">
+    <dgm:scene3d>
+      <a:camera prst="orthographicFront"/>
+      <a:lightRig rig="threePt" dir="t"/>
+    </dgm:scene3d>
+    <dgm:sp3d/>
+    <dgm:txPr/>
+    <dgm:style>
+      <a:lnRef idx="2">
+        <a:scrgbClr r="0" g="0" b="0"/>
+      </a:lnRef>
+      <a:fillRef idx="1">
+        <a:scrgbClr r="0" g="0" b="0"/>
+      </a:fillRef>
+      <a:effectRef idx="0">
+        <a:scrgbClr r="0" g="0" b="0"/>
+      </a:effectRef>
+      <a:fontRef idx="minor">
+        <a:schemeClr val="lt1"/>
+      </a:fontRef>
+    </dgm:style>
+  </dgm:styleLbl>
+  <dgm:styleLbl name="asst1">
+    <dgm:scene3d>
+      <a:camera prst="orthographicFront"/>
+      <a:lightRig rig="threePt" dir="t"/>
+    </dgm:scene3d>
+    <dgm:sp3d/>
+    <dgm:txPr/>
+    <dgm:style>
+      <a:lnRef idx="2">
+        <a:scrgbClr r="0" g="0" b="0"/>
+      </a:lnRef>
+      <a:fillRef idx="1">
+        <a:scrgbClr r="0" g="0" b="0"/>
+      </a:fillRef>
+      <a:effectRef idx="0">
+        <a:scrgbClr r="0" g="0" b="0"/>
+      </a:effectRef>
+      <a:fontRef idx="minor">
+        <a:schemeClr val="lt1"/>
+      </a:fontRef>
+    </dgm:style>
+  </dgm:styleLbl>
+  <dgm:styleLbl name="asst2">
+    <dgm:scene3d>
+      <a:camera prst="orthographicFront"/>
+      <a:lightRig rig="threePt" dir="t"/>
+    </dgm:scene3d>
+    <dgm:sp3d/>
+    <dgm:txPr/>
+    <dgm:style>
+      <a:lnRef idx="2">
+        <a:scrgbClr r="0" g="0" b="0"/>
+      </a:lnRef>
+      <a:fillRef idx="1">
+        <a:scrgbClr r="0" g="0" b="0"/>
+      </a:fillRef>
+      <a:effectRef idx="0">
+        <a:scrgbClr r="0" g="0" b="0"/>
+      </a:effectRef>
+      <a:fontRef idx="minor">
+        <a:schemeClr val="lt1"/>
+      </a:fontRef>
+    </dgm:style>
+  </dgm:styleLbl>
+  <dgm:styleLbl name="asst3">
+    <dgm:scene3d>
+      <a:camera prst="orthographicFront"/>
+      <a:lightRig rig="threePt" dir="t"/>
+    </dgm:scene3d>
+    <dgm:sp3d/>
+    <dgm:txPr/>
+    <dgm:style>
+      <a:lnRef idx="2">
+        <a:scrgbClr r="0" g="0" b="0"/>
+      </a:lnRef>
+      <a:fillRef idx="1">
+        <a:scrgbClr r="0" g="0" b="0"/>
+      </a:fillRef>
+      <a:effectRef idx="0">
+        <a:scrgbClr r="0" g="0" b="0"/>
+      </a:effectRef>
+      <a:fontRef idx="minor">
+        <a:schemeClr val="lt1"/>
+      </a:fontRef>
+    </dgm:style>
+  </dgm:styleLbl>
+  <dgm:styleLbl name="asst4">
+    <dgm:scene3d>
+      <a:camera prst="orthographicFront"/>
+      <a:lightRig rig="threePt" dir="t"/>
+    </dgm:scene3d>
+    <dgm:sp3d/>
+    <dgm:txPr/>
+    <dgm:style>
+      <a:lnRef idx="2">
+        <a:scrgbClr r="0" g="0" b="0"/>
+      </a:lnRef>
+      <a:fillRef idx="1">
+        <a:scrgbClr r="0" g="0" b="0"/>
+      </a:fillRef>
+      <a:effectRef idx="0">
+        <a:scrgbClr r="0" g="0" b="0"/>
+      </a:effectRef>
+      <a:fontRef idx="minor">
+        <a:schemeClr val="lt1"/>
+      </a:fontRef>
+    </dgm:style>
+  </dgm:styleLbl>
+  <dgm:styleLbl name="parChTrans2D1">
+    <dgm:scene3d>
+      <a:camera prst="orthographicFront"/>
+      <a:lightRig rig="threePt" dir="t"/>
+    </dgm:scene3d>
+    <dgm:sp3d/>
+    <dgm:txPr/>
+    <dgm:style>
+      <a:lnRef idx="2">
+        <a:scrgbClr r="0" g="0" b="0"/>
+      </a:lnRef>
+      <a:fillRef idx="1">
+        <a:scrgbClr r="0" g="0" b="0"/>
+      </a:fillRef>
+      <a:effectRef idx="0">
+        <a:scrgbClr r="0" g="0" b="0"/>
+      </a:effectRef>
+      <a:fontRef idx="minor">
+        <a:schemeClr val="lt1"/>
+      </a:fontRef>
+    </dgm:style>
+  </dgm:styleLbl>
+  <dgm:styleLbl name="parChTrans2D2">
+    <dgm:scene3d>
+      <a:camera prst="orthographicFront"/>
+      <a:lightRig rig="threePt" dir="t"/>
+    </dgm:scene3d>
+    <dgm:sp3d/>
+    <dgm:txPr/>
+    <dgm:style>
+      <a:lnRef idx="2">
+        <a:scrgbClr r="0" g="0" b="0"/>
+      </a:lnRef>
+      <a:fillRef idx="1">
+        <a:scrgbClr r="0" g="0" b="0"/>
+      </a:fillRef>
+      <a:effectRef idx="0">
+        <a:scrgbClr r="0" g="0" b="0"/>
+      </a:effectRef>
+      <a:fontRef idx="minor">
+        <a:schemeClr val="lt1"/>
+      </a:fontRef>
+    </dgm:style>
+  </dgm:styleLbl>
+  <dgm:styleLbl name="parChTrans2D3">
+    <dgm:scene3d>
+      <a:camera prst="orthographicFront"/>
+      <a:lightRig rig="threePt" dir="t"/>
+    </dgm:scene3d>
+    <dgm:sp3d/>
+    <dgm:txPr/>
+    <dgm:style>
+      <a:lnRef idx="2">
+        <a:scrgbClr r="0" g="0" b="0"/>
+      </a:lnRef>
+      <a:fillRef idx="1">
+        <a:scrgbClr r="0" g="0" b="0"/>
+      </a:fillRef>
+      <a:effectRef idx="0">
+        <a:scrgbClr r="0" g="0" b="0"/>
+      </a:effectRef>
+      <a:fontRef idx="minor">
+        <a:schemeClr val="lt1"/>
+      </a:fontRef>
+    </dgm:style>
+  </dgm:styleLbl>
+  <dgm:styleLbl name="parChTrans2D4">
+    <dgm:scene3d>
+      <a:camera prst="orthographicFront"/>
+      <a:lightRig rig="threePt" dir="t"/>
+    </dgm:scene3d>
+    <dgm:sp3d/>
+    <dgm:txPr/>
+    <dgm:style>
+      <a:lnRef idx="2">
+        <a:scrgbClr r="0" g="0" b="0"/>
+      </a:lnRef>
+      <a:fillRef idx="1">
+        <a:scrgbClr r="0" g="0" b="0"/>
+      </a:fillRef>
+      <a:effectRef idx="0">
+        <a:scrgbClr r="0" g="0" b="0"/>
+      </a:effectRef>
+      <a:fontRef idx="minor">
+        <a:schemeClr val="lt1"/>
+      </a:fontRef>
+    </dgm:style>
+  </dgm:styleLbl>
+  <dgm:styleLbl name="parChTrans1D1">
+    <dgm:scene3d>
+      <a:camera prst="orthographicFront"/>
+      <a:lightRig rig="threePt" dir="t"/>
+    </dgm:scene3d>
+    <dgm:sp3d/>
+    <dgm:txPr/>
+    <dgm:style>
+      <a:lnRef idx="2">
+        <a:scrgbClr r="0" g="0" b="0"/>
+      </a:lnRef>
+      <a:fillRef idx="0">
+        <a:scrgbClr r="0" g="0" b="0"/>
+      </a:fillRef>
+      <a:effectRef idx="0">
+        <a:scrgbClr r="0" g="0" b="0"/>
+      </a:effectRef>
+      <a:fontRef idx="minor"/>
+    </dgm:style>
+  </dgm:styleLbl>
+  <dgm:styleLbl name="parChTrans1D2">
+    <dgm:scene3d>
+      <a:camera prst="orthographicFront"/>
+      <a:lightRig rig="threePt" dir="t"/>
+    </dgm:scene3d>
+    <dgm:sp3d/>
+    <dgm:txPr/>
+    <dgm:style>
+      <a:lnRef idx="2">
+        <a:scrgbClr r="0" g="0" b="0"/>
+      </a:lnRef>
+      <a:fillRef idx="0">
+        <a:scrgbClr r="0" g="0" b="0"/>
+      </a:fillRef>
+      <a:effectRef idx="0">
+        <a:scrgbClr r="0" g="0" b="0"/>
+      </a:effectRef>
+      <a:fontRef idx="minor"/>
+    </dgm:style>
+  </dgm:styleLbl>
+  <dgm:styleLbl name="parChTrans1D3">
+    <dgm:scene3d>
+      <a:camera prst="orthographicFront"/>
+      <a:lightRig rig="threePt" dir="t"/>
+    </dgm:scene3d>
+    <dgm:sp3d/>
+    <dgm:txPr/>
+    <dgm:style>
+      <a:lnRef idx="2">
+        <a:scrgbClr r="0" g="0" b="0"/>
+      </a:lnRef>
+      <a:fillRef idx="0">
+        <a:scrgbClr r="0" g="0" b="0"/>
+      </a:fillRef>
+      <a:effectRef idx="0">
+        <a:scrgbClr r="0" g="0" b="0"/>
+      </a:effectRef>
+      <a:fontRef idx="minor"/>
+    </dgm:style>
+  </dgm:styleLbl>
+  <dgm:styleLbl name="parChTrans1D4">
+    <dgm:scene3d>
+      <a:camera prst="orthographicFront"/>
+      <a:lightRig rig="threePt" dir="t"/>
+    </dgm:scene3d>
+    <dgm:sp3d/>
+    <dgm:txPr/>
+    <dgm:style>
+      <a:lnRef idx="2">
+        <a:scrgbClr r="0" g="0" b="0"/>
+      </a:lnRef>
+      <a:fillRef idx="0">
+        <a:scrgbClr r="0" g="0" b="0"/>
+      </a:fillRef>
+      <a:effectRef idx="0">
+        <a:scrgbClr r="0" g="0" b="0"/>
+      </a:effectRef>
+      <a:fontRef idx="minor"/>
+    </dgm:style>
+  </dgm:styleLbl>
+  <dgm:styleLbl name="fgAcc1">
+    <dgm:scene3d>
+      <a:camera prst="orthographicFront"/>
+      <a:lightRig rig="threePt" dir="t"/>
+    </dgm:scene3d>
+    <dgm:sp3d/>
+    <dgm:txPr/>
+    <dgm:style>
+      <a:lnRef idx="2">
+        <a:scrgbClr r="0" g="0" b="0"/>
+      </a:lnRef>
+      <a:fillRef idx="1">
+        <a:scrgbClr r="0" g="0" b="0"/>
+      </a:fillRef>
+      <a:effectRef idx="0">
+        <a:scrgbClr r="0" g="0" b="0"/>
+      </a:effectRef>
+      <a:fontRef idx="minor"/>
+    </dgm:style>
+  </dgm:styleLbl>
+  <dgm:styleLbl name="conFgAcc1">
+    <dgm:scene3d>
+      <a:camera prst="orthographicFront"/>
+      <a:lightRig rig="threePt" dir="t"/>
+    </dgm:scene3d>
+    <dgm:sp3d/>
+    <dgm:txPr/>
+    <dgm:style>
+      <a:lnRef idx="2">
+        <a:scrgbClr r="0" g="0" b="0"/>
+      </a:lnRef>
+      <a:fillRef idx="1">
+        <a:scrgbClr r="0" g="0" b="0"/>
+      </a:fillRef>
+      <a:effectRef idx="0">
+        <a:scrgbClr r="0" g="0" b="0"/>
+      </a:effectRef>
+      <a:fontRef idx="minor"/>
+    </dgm:style>
+  </dgm:styleLbl>
+  <dgm:styleLbl name="alignAcc1">
+    <dgm:scene3d>
+      <a:camera prst="orthographicFront"/>
+      <a:lightRig rig="threePt" dir="t"/>
+    </dgm:scene3d>
+    <dgm:sp3d/>
+    <dgm:txPr/>
+    <dgm:style>
+      <a:lnRef idx="2">
+        <a:scrgbClr r="0" g="0" b="0"/>
+      </a:lnRef>
+      <a:fillRef idx="1">
+        <a:scrgbClr r="0" g="0" b="0"/>
+      </a:fillRef>
+      <a:effectRef idx="0">
+        <a:scrgbClr r="0" g="0" b="0"/>
+      </a:effectRef>
+      <a:fontRef idx="minor"/>
+    </dgm:style>
+  </dgm:styleLbl>
+  <dgm:styleLbl name="trAlignAcc1">
+    <dgm:scene3d>
+      <a:camera prst="orthographicFront"/>
+      <a:lightRig rig="threePt" dir="t"/>
+    </dgm:scene3d>
+    <dgm:sp3d/>
+    <dgm:txPr/>
+    <dgm:style>
+      <a:lnRef idx="1">
+        <a:scrgbClr r="0" g="0" b="0"/>
+      </a:lnRef>
+      <a:fillRef idx="1">
+        <a:scrgbClr r="0" g="0" b="0"/>
+      </a:fillRef>
+      <a:effectRef idx="0">
+        <a:scrgbClr r="0" g="0" b="0"/>
+      </a:effectRef>
+      <a:fontRef idx="minor"/>
+    </dgm:style>
+  </dgm:styleLbl>
+  <dgm:styleLbl name="bgAcc1">
+    <dgm:scene3d>
+      <a:camera prst="orthographicFront"/>
+      <a:lightRig rig="threePt" dir="t"/>
+    </dgm:scene3d>
+    <dgm:sp3d/>
+    <dgm:txPr/>
+    <dgm:style>
+      <a:lnRef idx="2">
+        <a:scrgbClr r="0" g="0" b="0"/>
+      </a:lnRef>
+      <a:fillRef idx="1">
+        <a:scrgbClr r="0" g="0" b="0"/>
+      </a:fillRef>
+      <a:effectRef idx="0">
+        <a:scrgbClr r="0" g="0" b="0"/>
+      </a:effectRef>
+      <a:fontRef idx="minor"/>
+    </dgm:style>
+  </dgm:styleLbl>
+  <dgm:styleLbl name="solidFgAcc1">
+    <dgm:scene3d>
+      <a:camera prst="orthographicFront"/>
+      <a:lightRig rig="threePt" dir="t"/>
+    </dgm:scene3d>
+    <dgm:sp3d/>
+    <dgm:txPr/>
+    <dgm:style>
+      <a:lnRef idx="2">
+        <a:scrgbClr r="0" g="0" b="0"/>
+      </a:lnRef>
+      <a:fillRef idx="1">
+        <a:scrgbClr r="0" g="0" b="0"/>
+      </a:fillRef>
+      <a:effectRef idx="0">
+        <a:scrgbClr r="0" g="0" b="0"/>
+      </a:effectRef>
+      <a:fontRef idx="minor"/>
+    </dgm:style>
+  </dgm:styleLbl>
+  <dgm:styleLbl name="solidAlignAcc1">
+    <dgm:scene3d>
+      <a:camera prst="orthographicFront"/>
+      <a:lightRig rig="threePt" dir="t"/>
+    </dgm:scene3d>
+    <dgm:sp3d/>
+    <dgm:txPr/>
+    <dgm:style>
+      <a:lnRef idx="2">
+        <a:scrgbClr r="0" g="0" b="0"/>
+      </a:lnRef>
+      <a:fillRef idx="1">
+        <a:scrgbClr r="0" g="0" b="0"/>
+      </a:fillRef>
+      <a:effectRef idx="0">
+        <a:scrgbClr r="0" g="0" b="0"/>
+      </a:effectRef>
+      <a:fontRef idx="minor"/>
+    </dgm:style>
+  </dgm:styleLbl>
+  <dgm:styleLbl name="solidBgAcc1">
+    <dgm:scene3d>
+      <a:camera prst="orthographicFront"/>
+      <a:lightRig rig="threePt" dir="t"/>
+    </dgm:scene3d>
+    <dgm:sp3d/>
+    <dgm:txPr/>
+    <dgm:style>
+      <a:lnRef idx="2">
+        <a:scrgbClr r="0" g="0" b="0"/>
+      </a:lnRef>
+      <a:fillRef idx="1">
+        <a:scrgbClr r="0" g="0" b="0"/>
+      </a:fillRef>
+      <a:effectRef idx="0">
+        <a:scrgbClr r="0" g="0" b="0"/>
+      </a:effectRef>
+      <a:fontRef idx="minor"/>
+    </dgm:style>
+  </dgm:styleLbl>
+  <dgm:styleLbl name="fgAccFollowNode1">
+    <dgm:scene3d>
+      <a:camera prst="orthographicFront"/>
+      <a:lightRig rig="threePt" dir="t"/>
+    </dgm:scene3d>
+    <dgm:sp3d/>
+    <dgm:txPr/>
+    <dgm:style>
+      <a:lnRef idx="2">
+        <a:scrgbClr r="0" g="0" b="0"/>
+      </a:lnRef>
+      <a:fillRef idx="1">
+        <a:scrgbClr r="0" g="0" b="0"/>
+      </a:fillRef>
+      <a:effectRef idx="0">
+        <a:scrgbClr r="0" g="0" b="0"/>
+      </a:effectRef>
+      <a:fontRef idx="minor"/>
+    </dgm:style>
+  </dgm:styleLbl>
+  <dgm:styleLbl name="alignAccFollowNode1">
+    <dgm:scene3d>
+      <a:camera prst="orthographicFront"/>
+      <a:lightRig rig="threePt" dir="t"/>
+    </dgm:scene3d>
+    <dgm:sp3d/>
+    <dgm:txPr/>
+    <dgm:style>
+      <a:lnRef idx="2">
+        <a:scrgbClr r="0" g="0" b="0"/>
+      </a:lnRef>
+      <a:fillRef idx="1">
+        <a:scrgbClr r="0" g="0" b="0"/>
+      </a:fillRef>
+      <a:effectRef idx="0">
+        <a:scrgbClr r="0" g="0" b="0"/>
+      </a:effectRef>
+      <a:fontRef idx="minor"/>
+    </dgm:style>
+  </dgm:styleLbl>
+  <dgm:styleLbl name="bgAccFollowNode1">
+    <dgm:scene3d>
+      <a:camera prst="orthographicFront"/>
+      <a:lightRig rig="threePt" dir="t"/>
+    </dgm:scene3d>
+    <dgm:sp3d/>
+    <dgm:txPr/>
+    <dgm:style>
+      <a:lnRef idx="2">
+        <a:scrgbClr r="0" g="0" b="0"/>
+      </a:lnRef>
+      <a:fillRef idx="1">
+        <a:scrgbClr r="0" g="0" b="0"/>
+      </a:fillRef>
+      <a:effectRef idx="0">
+        <a:scrgbClr r="0" g="0" b="0"/>
+      </a:effectRef>
+      <a:fontRef idx="minor"/>
+    </dgm:style>
+  </dgm:styleLbl>
+  <dgm:styleLbl name="fgAcc0">
+    <dgm:scene3d>
+      <a:camera prst="orthographicFront"/>
+      <a:lightRig rig="threePt" dir="t"/>
+    </dgm:scene3d>
+    <dgm:sp3d/>
+    <dgm:txPr/>
+    <dgm:style>
+      <a:lnRef idx="2">
+        <a:scrgbClr r="0" g="0" b="0"/>
+      </a:lnRef>
+      <a:fillRef idx="1">
+        <a:scrgbClr r="0" g="0" b="0"/>
+      </a:fillRef>
+      <a:effectRef idx="0">
+        <a:scrgbClr r="0" g="0" b="0"/>
+      </a:effectRef>
+      <a:fontRef idx="minor"/>
+    </dgm:style>
+  </dgm:styleLbl>
+  <dgm:styleLbl name="fgAcc2">
+    <dgm:scene3d>
+      <a:camera prst="orthographicFront"/>
+      <a:lightRig rig="threePt" dir="t"/>
+    </dgm:scene3d>
+    <dgm:sp3d/>
+    <dgm:txPr/>
+    <dgm:style>
+      <a:lnRef idx="2">
+        <a:scrgbClr r="0" g="0" b="0"/>
+      </a:lnRef>
+      <a:fillRef idx="1">
+        <a:scrgbClr r="0" g="0" b="0"/>
+      </a:fillRef>
+      <a:effectRef idx="0">
+        <a:scrgbClr r="0" g="0" b="0"/>
+      </a:effectRef>
+      <a:fontRef idx="minor"/>
+    </dgm:style>
+  </dgm:styleLbl>
+  <dgm:styleLbl name="fgAcc3">
+    <dgm:scene3d>
+      <a:camera prst="orthographicFront"/>
+      <a:lightRig rig="threePt" dir="t"/>
+    </dgm:scene3d>
+    <dgm:sp3d/>
+    <dgm:txPr/>
+    <dgm:style>
+      <a:lnRef idx="2">
+        <a:scrgbClr r="0" g="0" b="0"/>
+      </a:lnRef>
+      <a:fillRef idx="1">
+        <a:scrgbClr r="0" g="0" b="0"/>
+      </a:fillRef>
+      <a:effectRef idx="0">
+        <a:scrgbClr r="0" g="0" b="0"/>
+      </a:effectRef>
+      <a:fontRef idx="minor"/>
+    </dgm:style>
+  </dgm:styleLbl>
+  <dgm:styleLbl name="fgAcc4">
+    <dgm:scene3d>
+      <a:camera prst="orthographicFront"/>
+      <a:lightRig rig="threePt" dir="t"/>
+    </dgm:scene3d>
+    <dgm:sp3d/>
+    <dgm:txPr/>
+    <dgm:style>
+      <a:lnRef idx="2">
+        <a:scrgbClr r="0" g="0" b="0"/>
+      </a:lnRef>
+      <a:fillRef idx="1">
+        <a:scrgbClr r="0" g="0" b="0"/>
+      </a:fillRef>
+      <a:effectRef idx="0">
+        <a:scrgbClr r="0" g="0" b="0"/>
+      </a:effectRef>
+      <a:fontRef idx="minor"/>
+    </dgm:style>
+  </dgm:styleLbl>
+  <dgm:styleLbl name="bgShp">
+    <dgm:scene3d>
+      <a:camera prst="orthographicFront"/>
+      <a:lightRig rig="threePt" dir="t"/>
+    </dgm:scene3d>
+    <dgm:sp3d/>
+    <dgm:txPr/>
+    <dgm:style>
+      <a:lnRef idx="0">
+        <a:scrgbClr r="0" g="0" b="0"/>
+      </a:lnRef>
+      <a:fillRef idx="1">
+        <a:scrgbClr r="0" g="0" b="0"/>
+      </a:fillRef>
+      <a:effectRef idx="0">
+        <a:scrgbClr r="0" g="0" b="0"/>
+      </a:effectRef>
+      <a:fontRef idx="minor"/>
+    </dgm:style>
+  </dgm:styleLbl>
+  <dgm:styleLbl name="dkBgShp">
+    <dgm:scene3d>
+      <a:camera prst="orthographicFront"/>
+      <a:lightRig rig="threePt" dir="t"/>
+    </dgm:scene3d>
+    <dgm:sp3d/>
+    <dgm:txPr/>
+    <dgm:style>
+      <a:lnRef idx="0">
+        <a:scrgbClr r="0" g="0" b="0"/>
+      </a:lnRef>
+      <a:fillRef idx="1">
+        <a:scrgbClr r="0" g="0" b="0"/>
+      </a:fillRef>
+      <a:effectRef idx="0">
+        <a:scrgbClr r="0" g="0" b="0"/>
+      </a:effectRef>
+      <a:fontRef idx="minor"/>
+    </dgm:style>
+  </dgm:styleLbl>
+  <dgm:styleLbl name="trBgShp">
+    <dgm:scene3d>
+      <a:camera prst="orthographicFront"/>
+      <a:lightRig rig="threePt" dir="t"/>
+    </dgm:scene3d>
+    <dgm:sp3d/>
+    <dgm:txPr/>
+    <dgm:style>
+      <a:lnRef idx="0">
+        <a:scrgbClr r="0" g="0" b="0"/>
+      </a:lnRef>
+      <a:fillRef idx="1">
+        <a:scrgbClr r="0" g="0" b="0"/>
+      </a:fillRef>
+      <a:effectRef idx="0">
+        <a:scrgbClr r="0" g="0" b="0"/>
+      </a:effectRef>
+      <a:fontRef idx="minor"/>
+    </dgm:style>
+  </dgm:styleLbl>
+  <dgm:styleLbl name="fgShp">
+    <dgm:scene3d>
+      <a:camera prst="orthographicFront"/>
+      <a:lightRig rig="threePt" dir="t"/>
+    </dgm:scene3d>
+    <dgm:sp3d/>
+    <dgm:txPr/>
+    <dgm:style>
+      <a:lnRef idx="2">
+        <a:scrgbClr r="0" g="0" b="0"/>
+      </a:lnRef>
+      <a:fillRef idx="1">
+        <a:scrgbClr r="0" g="0" b="0"/>
+      </a:fillRef>
+      <a:effectRef idx="0">
+        <a:scrgbClr r="0" g="0" b="0"/>
+      </a:effectRef>
+      <a:fontRef idx="minor"/>
+    </dgm:style>
+  </dgm:styleLbl>
+  <dgm:styleLbl name="revTx">
+    <dgm:scene3d>
+      <a:camera prst="orthographicFront"/>
+      <a:lightRig rig="threePt" dir="t"/>
+    </dgm:scene3d>
+    <dgm:sp3d/>
+    <dgm:txPr/>
+    <dgm:style>
+      <a:lnRef idx="0">
+        <a:scrgbClr r="0" g="0" b="0"/>
+      </a:lnRef>
+      <a:fillRef idx="0">
+        <a:scrgbClr r="0" g="0" b="0"/>
+      </a:fillRef>
+      <a:effectRef idx="0">
+        <a:scrgbClr r="0" g="0" b="0"/>
+      </a:effectRef>
+      <a:fontRef idx="minor"/>
+    </dgm:style>
+  </dgm:styleLbl>
+</dgm:styleDef>
 </file>
 
 <file path=ppt/slideLayouts/slideLayout1.xml><?xml version="1.0" encoding="utf-8"?>
@@ -303,7 +3443,7 @@
             <a:fld id="{B61BEF0D-F0BB-DE4B-95CE-6DB70DBA9567}" type="datetimeFigureOut">
               <a:rPr lang="en-US" dirty="0"/>
               <a:pPr/>
-              <a:t>1/24/2021</a:t>
+              <a:t>1/30/2021</a:t>
             </a:fld>
             <a:endParaRPr lang="en-US" dirty="0"/>
           </a:p>
@@ -638,7 +3778,7 @@
             <a:fld id="{B61BEF0D-F0BB-DE4B-95CE-6DB70DBA9567}" type="datetimeFigureOut">
               <a:rPr lang="en-US" dirty="0"/>
               <a:pPr/>
-              <a:t>1/24/2021</a:t>
+              <a:t>1/30/2021</a:t>
             </a:fld>
             <a:endParaRPr lang="en-US" dirty="0"/>
           </a:p>
@@ -1036,7 +4176,7 @@
             <a:fld id="{B61BEF0D-F0BB-DE4B-95CE-6DB70DBA9567}" type="datetimeFigureOut">
               <a:rPr lang="en-US" dirty="0"/>
               <a:pPr/>
-              <a:t>1/24/2021</a:t>
+              <a:t>1/30/2021</a:t>
             </a:fld>
             <a:endParaRPr lang="en-US" dirty="0"/>
           </a:p>
@@ -1369,7 +4509,7 @@
             <a:fld id="{B61BEF0D-F0BB-DE4B-95CE-6DB70DBA9567}" type="datetimeFigureOut">
               <a:rPr lang="en-US" dirty="0"/>
               <a:pPr/>
-              <a:t>1/24/2021</a:t>
+              <a:t>1/30/2021</a:t>
             </a:fld>
             <a:endParaRPr lang="en-US" dirty="0"/>
           </a:p>
@@ -1686,7 +4826,7 @@
             <a:fld id="{B61BEF0D-F0BB-DE4B-95CE-6DB70DBA9567}" type="datetimeFigureOut">
               <a:rPr lang="en-US" dirty="0"/>
               <a:pPr/>
-              <a:t>1/24/2021</a:t>
+              <a:t>1/30/2021</a:t>
             </a:fld>
             <a:endParaRPr lang="en-US" dirty="0"/>
           </a:p>
@@ -2079,7 +5219,7 @@
             <a:fld id="{B61BEF0D-F0BB-DE4B-95CE-6DB70DBA9567}" type="datetimeFigureOut">
               <a:rPr lang="en-US" dirty="0"/>
               <a:pPr/>
-              <a:t>1/24/2021</a:t>
+              <a:t>1/30/2021</a:t>
             </a:fld>
             <a:endParaRPr lang="en-US" dirty="0"/>
           </a:p>
@@ -2333,7 +5473,7 @@
             <a:fld id="{B61BEF0D-F0BB-DE4B-95CE-6DB70DBA9567}" type="datetimeFigureOut">
               <a:rPr lang="en-US" dirty="0"/>
               <a:pPr/>
-              <a:t>1/24/2021</a:t>
+              <a:t>1/30/2021</a:t>
             </a:fld>
             <a:endParaRPr lang="en-US" dirty="0"/>
           </a:p>
@@ -2592,7 +5732,7 @@
             <a:fld id="{B61BEF0D-F0BB-DE4B-95CE-6DB70DBA9567}" type="datetimeFigureOut">
               <a:rPr lang="en-US" dirty="0"/>
               <a:pPr/>
-              <a:t>1/24/2021</a:t>
+              <a:t>1/30/2021</a:t>
             </a:fld>
             <a:endParaRPr lang="en-US" dirty="0"/>
           </a:p>
@@ -2851,7 +5991,7 @@
             <a:fld id="{B61BEF0D-F0BB-DE4B-95CE-6DB70DBA9567}" type="datetimeFigureOut">
               <a:rPr lang="en-US" dirty="0"/>
               <a:pPr/>
-              <a:t>1/24/2021</a:t>
+              <a:t>1/30/2021</a:t>
             </a:fld>
             <a:endParaRPr lang="en-US" dirty="0"/>
           </a:p>
@@ -3177,7 +6317,7 @@
             <a:fld id="{B61BEF0D-F0BB-DE4B-95CE-6DB70DBA9567}" type="datetimeFigureOut">
               <a:rPr lang="en-US" dirty="0"/>
               <a:pPr/>
-              <a:t>1/24/2021</a:t>
+              <a:t>1/30/2021</a:t>
             </a:fld>
             <a:endParaRPr lang="en-US" dirty="0"/>
           </a:p>
@@ -3497,7 +6637,7 @@
             <a:fld id="{B61BEF0D-F0BB-DE4B-95CE-6DB70DBA9567}" type="datetimeFigureOut">
               <a:rPr lang="en-US" dirty="0"/>
               <a:pPr/>
-              <a:t>1/24/2021</a:t>
+              <a:t>1/30/2021</a:t>
             </a:fld>
             <a:endParaRPr lang="en-US" dirty="0"/>
           </a:p>
@@ -3951,7 +7091,7 @@
             <a:fld id="{B61BEF0D-F0BB-DE4B-95CE-6DB70DBA9567}" type="datetimeFigureOut">
               <a:rPr lang="en-US" dirty="0"/>
               <a:pPr/>
-              <a:t>1/24/2021</a:t>
+              <a:t>1/30/2021</a:t>
             </a:fld>
             <a:endParaRPr lang="en-US" dirty="0"/>
           </a:p>
@@ -4153,7 +7293,7 @@
             <a:fld id="{B61BEF0D-F0BB-DE4B-95CE-6DB70DBA9567}" type="datetimeFigureOut">
               <a:rPr lang="en-US" dirty="0"/>
               <a:pPr/>
-              <a:t>1/24/2021</a:t>
+              <a:t>1/30/2021</a:t>
             </a:fld>
             <a:endParaRPr lang="en-US" dirty="0"/>
           </a:p>
@@ -4327,7 +7467,7 @@
             <a:fld id="{B61BEF0D-F0BB-DE4B-95CE-6DB70DBA9567}" type="datetimeFigureOut">
               <a:rPr lang="en-US" dirty="0"/>
               <a:pPr/>
-              <a:t>1/24/2021</a:t>
+              <a:t>1/30/2021</a:t>
             </a:fld>
             <a:endParaRPr lang="en-US" dirty="0"/>
           </a:p>
@@ -4657,7 +7797,7 @@
             <a:fld id="{B61BEF0D-F0BB-DE4B-95CE-6DB70DBA9567}" type="datetimeFigureOut">
               <a:rPr lang="en-US" dirty="0"/>
               <a:pPr/>
-              <a:t>1/24/2021</a:t>
+              <a:t>1/30/2021</a:t>
             </a:fld>
             <a:endParaRPr lang="en-US" dirty="0"/>
           </a:p>
@@ -4999,7 +8139,7 @@
             <a:fld id="{B61BEF0D-F0BB-DE4B-95CE-6DB70DBA9567}" type="datetimeFigureOut">
               <a:rPr lang="en-US" dirty="0"/>
               <a:pPr/>
-              <a:t>1/24/2021</a:t>
+              <a:t>1/30/2021</a:t>
             </a:fld>
             <a:endParaRPr lang="en-US" dirty="0"/>
           </a:p>
@@ -7113,7 +10253,7 @@
             <a:fld id="{B61BEF0D-F0BB-DE4B-95CE-6DB70DBA9567}" type="datetimeFigureOut">
               <a:rPr lang="en-US" dirty="0"/>
               <a:pPr/>
-              <a:t>1/24/2021</a:t>
+              <a:t>1/30/2021</a:t>
             </a:fld>
             <a:endParaRPr lang="en-US" dirty="0"/>
           </a:p>
@@ -7750,6 +10890,14 @@
           <a:p>
             <a:r>
               <a:rPr lang="zh-CN" altLang="en-US" sz="2400" b="1" dirty="0"/>
+              <a:t>序言</a:t>
+            </a:r>
+            <a:r>
+              <a:rPr lang="en-US" altLang="zh-CN" sz="2400" b="1" dirty="0"/>
+              <a:t>——</a:t>
+            </a:r>
+            <a:r>
+              <a:rPr lang="zh-CN" altLang="en-US" sz="2400" b="1" dirty="0"/>
               <a:t>渲染引擎</a:t>
             </a:r>
           </a:p>
@@ -7784,7 +10932,7 @@
           <a:graphicData uri="http://schemas.openxmlformats.org/presentationml/2006/ole">
             <mc:AlternateContent xmlns:mc="http://schemas.openxmlformats.org/markup-compatibility/2006">
               <mc:Choice xmlns:v="urn:schemas-microsoft-com:vml" Requires="v">
-                <p:oleObj spid="_x0000_s1033" name="Visio" r:id="rId3" imgW="5876913" imgH="4524430" progId="Visio.Drawing.11">
+                <p:oleObj spid="_x0000_s1049" name="Visio" r:id="rId3" imgW="5876913" imgH="4524430" progId="Visio.Drawing.11">
                   <p:embed/>
                 </p:oleObj>
               </mc:Choice>
@@ -7885,6 +11033,14 @@
           <a:p>
             <a:r>
               <a:rPr lang="zh-CN" altLang="en-US" sz="2400" b="1" dirty="0"/>
+              <a:t>序言</a:t>
+            </a:r>
+            <a:r>
+              <a:rPr lang="en-US" altLang="zh-CN" sz="2400" b="1" dirty="0"/>
+              <a:t>——</a:t>
+            </a:r>
+            <a:r>
+              <a:rPr lang="zh-CN" altLang="en-US" sz="2400" b="1" dirty="0"/>
               <a:t>渲染流程</a:t>
             </a:r>
           </a:p>
@@ -7919,7 +11075,7 @@
           <a:graphicData uri="http://schemas.openxmlformats.org/presentationml/2006/ole">
             <mc:AlternateContent xmlns:mc="http://schemas.openxmlformats.org/markup-compatibility/2006">
               <mc:Choice xmlns:v="urn:schemas-microsoft-com:vml" Requires="v">
-                <p:oleObj spid="_x0000_s2052" name="Visio" r:id="rId3" imgW="8143969" imgH="5429316" progId="Visio.Drawing.11">
+                <p:oleObj spid="_x0000_s2068" name="Visio" r:id="rId3" imgW="8143969" imgH="5429316" progId="Visio.Drawing.11">
                   <p:embed/>
                 </p:oleObj>
               </mc:Choice>
@@ -7958,6 +11114,1241 @@
     <p:extLst>
       <p:ext uri="{BB962C8B-B14F-4D97-AF65-F5344CB8AC3E}">
         <p14:creationId xmlns:p14="http://schemas.microsoft.com/office/powerpoint/2010/main" val="833326297"/>
+      </p:ext>
+    </p:extLst>
+  </p:cSld>
+  <p:clrMapOvr>
+    <a:masterClrMapping/>
+  </p:clrMapOvr>
+</p:sld>
+</file>
+
+<file path=ppt/slides/slide4.xml><?xml version="1.0" encoding="utf-8"?>
+<p:sld xmlns:a="http://schemas.openxmlformats.org/drawingml/2006/main" xmlns:r="http://schemas.openxmlformats.org/officeDocument/2006/relationships" xmlns:p="http://schemas.openxmlformats.org/presentationml/2006/main">
+  <p:cSld>
+    <p:spTree>
+      <p:nvGrpSpPr>
+        <p:cNvPr id="1" name=""/>
+        <p:cNvGrpSpPr/>
+        <p:nvPr/>
+      </p:nvGrpSpPr>
+      <p:grpSpPr>
+        <a:xfrm>
+          <a:off x="0" y="0"/>
+          <a:ext cx="0" cy="0"/>
+          <a:chOff x="0" y="0"/>
+          <a:chExt cx="0" cy="0"/>
+        </a:xfrm>
+      </p:grpSpPr>
+      <p:graphicFrame>
+        <p:nvGraphicFramePr>
+          <p:cNvPr id="6" name="内容占位符 5">
+            <a:extLst>
+              <a:ext uri="{FF2B5EF4-FFF2-40B4-BE49-F238E27FC236}">
+                <a16:creationId xmlns:a16="http://schemas.microsoft.com/office/drawing/2014/main" id="{E08DEEA4-CFF3-445C-A142-EFF790DCAFCE}"/>
+              </a:ext>
+            </a:extLst>
+          </p:cNvPr>
+          <p:cNvGraphicFramePr>
+            <a:graphicFrameLocks noGrp="1"/>
+          </p:cNvGraphicFramePr>
+          <p:nvPr>
+            <p:ph idx="1"/>
+            <p:extLst>
+              <p:ext uri="{D42A27DB-BD31-4B8C-83A1-F6EECF244321}">
+                <p14:modId xmlns:p14="http://schemas.microsoft.com/office/powerpoint/2010/main" val="2188212345"/>
+              </p:ext>
+            </p:extLst>
+          </p:nvPr>
+        </p:nvGraphicFramePr>
+        <p:xfrm>
+          <a:off x="1478044" y="721489"/>
+          <a:ext cx="8915400" cy="3778250"/>
+        </p:xfrm>
+        <a:graphic>
+          <a:graphicData uri="http://schemas.openxmlformats.org/drawingml/2006/diagram">
+            <dgm:relIds xmlns:dgm="http://schemas.openxmlformats.org/drawingml/2006/diagram" xmlns:r="http://schemas.openxmlformats.org/officeDocument/2006/relationships" r:dm="rId2" r:lo="rId3" r:qs="rId4" r:cs="rId5"/>
+          </a:graphicData>
+        </a:graphic>
+      </p:graphicFrame>
+      <p:sp>
+        <p:nvSpPr>
+          <p:cNvPr id="4" name="标题 1">
+            <a:extLst>
+              <a:ext uri="{FF2B5EF4-FFF2-40B4-BE49-F238E27FC236}">
+                <a16:creationId xmlns:a16="http://schemas.microsoft.com/office/drawing/2014/main" id="{786BFEA8-C179-415A-9B71-5F8C135D02AD}"/>
+              </a:ext>
+            </a:extLst>
+          </p:cNvPr>
+          <p:cNvSpPr>
+            <a:spLocks noGrp="1"/>
+          </p:cNvSpPr>
+          <p:nvPr>
+            <p:ph type="title"/>
+          </p:nvPr>
+        </p:nvSpPr>
+        <p:spPr>
+          <a:xfrm>
+            <a:off x="177103" y="-1"/>
+            <a:ext cx="8675349" cy="543339"/>
+          </a:xfrm>
+          <a:solidFill>
+            <a:schemeClr val="accent5">
+              <a:lumMod val="40000"/>
+              <a:lumOff val="60000"/>
+            </a:schemeClr>
+          </a:solidFill>
+        </p:spPr>
+        <p:txBody>
+          <a:bodyPr>
+            <a:noAutofit/>
+          </a:bodyPr>
+          <a:lstStyle/>
+          <a:p>
+            <a:r>
+              <a:rPr lang="en-US" altLang="zh-CN" sz="2400" b="1" dirty="0"/>
+              <a:t>FULL COMPILER</a:t>
+            </a:r>
+            <a:endParaRPr lang="zh-CN" altLang="en-US" sz="2400" b="1" dirty="0"/>
+          </a:p>
+        </p:txBody>
+      </p:sp>
+      <p:sp>
+        <p:nvSpPr>
+          <p:cNvPr id="2" name="文本框 1">
+            <a:extLst>
+              <a:ext uri="{FF2B5EF4-FFF2-40B4-BE49-F238E27FC236}">
+                <a16:creationId xmlns:a16="http://schemas.microsoft.com/office/drawing/2014/main" id="{CCCE697D-6BD2-4FF8-B8F3-5C38E3A461ED}"/>
+              </a:ext>
+            </a:extLst>
+          </p:cNvPr>
+          <p:cNvSpPr txBox="1"/>
+          <p:nvPr/>
+        </p:nvSpPr>
+        <p:spPr>
+          <a:xfrm>
+            <a:off x="7176304" y="856527"/>
+            <a:ext cx="4178461" cy="646331"/>
+          </a:xfrm>
+          <a:prstGeom prst="rect">
+            <a:avLst/>
+          </a:prstGeom>
+          <a:noFill/>
+        </p:spPr>
+        <p:txBody>
+          <a:bodyPr wrap="square" rtlCol="0">
+            <a:spAutoFit/>
+          </a:bodyPr>
+          <a:lstStyle/>
+          <a:p>
+            <a:r>
+              <a:rPr lang="en-US" altLang="zh-CN" dirty="0"/>
+              <a:t>V3.4</a:t>
+            </a:r>
+            <a:r>
+              <a:rPr lang="zh-CN" altLang="en-US" dirty="0"/>
+              <a:t>版本之前单线程，编译器运行打断执行脚本</a:t>
+            </a:r>
+          </a:p>
+        </p:txBody>
+      </p:sp>
+      <p:sp>
+        <p:nvSpPr>
+          <p:cNvPr id="3" name="文本框 2">
+            <a:extLst>
+              <a:ext uri="{FF2B5EF4-FFF2-40B4-BE49-F238E27FC236}">
+                <a16:creationId xmlns:a16="http://schemas.microsoft.com/office/drawing/2014/main" id="{2E6C9A06-7AC8-4CBB-8E4A-E09E4DF95932}"/>
+              </a:ext>
+            </a:extLst>
+          </p:cNvPr>
+          <p:cNvSpPr txBox="1"/>
+          <p:nvPr/>
+        </p:nvSpPr>
+        <p:spPr>
+          <a:xfrm>
+            <a:off x="1478044" y="3206187"/>
+            <a:ext cx="6045500" cy="646331"/>
+          </a:xfrm>
+          <a:prstGeom prst="rect">
+            <a:avLst/>
+          </a:prstGeom>
+          <a:noFill/>
+        </p:spPr>
+        <p:txBody>
+          <a:bodyPr wrap="square" rtlCol="0">
+            <a:spAutoFit/>
+          </a:bodyPr>
+          <a:lstStyle/>
+          <a:p>
+            <a:r>
+              <a:rPr lang="zh-CN" altLang="en-US" dirty="0"/>
+              <a:t>代码初次编译使用</a:t>
+            </a:r>
+            <a:r>
+              <a:rPr lang="en-US" altLang="zh-CN" dirty="0"/>
+              <a:t>FC</a:t>
+            </a:r>
+            <a:r>
+              <a:rPr lang="zh-CN" altLang="en-US" dirty="0"/>
+              <a:t>快速编译成原生代码，之后对频率使用高的函数使用</a:t>
+            </a:r>
+            <a:r>
+              <a:rPr lang="en-US" altLang="zh-CN" dirty="0"/>
+              <a:t>Crankshaft</a:t>
+            </a:r>
+            <a:r>
+              <a:rPr lang="zh-CN" altLang="en-US" dirty="0"/>
+              <a:t>优化</a:t>
+            </a:r>
+          </a:p>
+        </p:txBody>
+      </p:sp>
+      <p:sp>
+        <p:nvSpPr>
+          <p:cNvPr id="5" name="文本框 4">
+            <a:extLst>
+              <a:ext uri="{FF2B5EF4-FFF2-40B4-BE49-F238E27FC236}">
+                <a16:creationId xmlns:a16="http://schemas.microsoft.com/office/drawing/2014/main" id="{11078055-0A5E-45AE-9084-960894040E19}"/>
+              </a:ext>
+            </a:extLst>
+          </p:cNvPr>
+          <p:cNvSpPr txBox="1"/>
+          <p:nvPr/>
+        </p:nvSpPr>
+        <p:spPr>
+          <a:xfrm>
+            <a:off x="1620456" y="4224759"/>
+            <a:ext cx="6045500" cy="1200329"/>
+          </a:xfrm>
+          <a:prstGeom prst="rect">
+            <a:avLst/>
+          </a:prstGeom>
+          <a:noFill/>
+        </p:spPr>
+        <p:txBody>
+          <a:bodyPr wrap="square" rtlCol="0">
+            <a:spAutoFit/>
+          </a:bodyPr>
+          <a:lstStyle/>
+          <a:p>
+            <a:r>
+              <a:rPr lang="zh-CN" altLang="en-US" dirty="0"/>
+              <a:t>思考：</a:t>
+            </a:r>
+            <a:endParaRPr lang="en-US" altLang="zh-CN" dirty="0"/>
+          </a:p>
+          <a:p>
+            <a:r>
+              <a:rPr lang="zh-CN" altLang="en-US" dirty="0"/>
+              <a:t>执行效率？</a:t>
+            </a:r>
+            <a:endParaRPr lang="en-US" altLang="zh-CN" dirty="0"/>
+          </a:p>
+          <a:p>
+            <a:r>
+              <a:rPr lang="zh-CN" altLang="en-US" dirty="0"/>
+              <a:t>进一步优化？</a:t>
+            </a:r>
+            <a:endParaRPr lang="en-US" altLang="zh-CN" dirty="0"/>
+          </a:p>
+          <a:p>
+            <a:r>
+              <a:rPr lang="zh-CN" altLang="en-US" dirty="0"/>
+              <a:t>相比于编译型语言（</a:t>
+            </a:r>
+            <a:r>
+              <a:rPr lang="en-US" altLang="zh-CN" dirty="0"/>
+              <a:t>C++/Java</a:t>
+            </a:r>
+            <a:r>
+              <a:rPr lang="zh-CN" altLang="en-US" dirty="0"/>
+              <a:t>）的优缺点？</a:t>
+            </a:r>
+            <a:r>
+              <a:rPr lang="en-US" altLang="zh-CN" dirty="0"/>
+              <a:t>	    </a:t>
+            </a:r>
+            <a:endParaRPr lang="zh-CN" altLang="en-US" dirty="0"/>
+          </a:p>
+        </p:txBody>
+      </p:sp>
+    </p:spTree>
+    <p:extLst>
+      <p:ext uri="{BB962C8B-B14F-4D97-AF65-F5344CB8AC3E}">
+        <p14:creationId xmlns:p14="http://schemas.microsoft.com/office/powerpoint/2010/main" val="2550502907"/>
+      </p:ext>
+    </p:extLst>
+  </p:cSld>
+  <p:clrMapOvr>
+    <a:masterClrMapping/>
+  </p:clrMapOvr>
+</p:sld>
+</file>
+
+<file path=ppt/slides/slide5.xml><?xml version="1.0" encoding="utf-8"?>
+<p:sld xmlns:a="http://schemas.openxmlformats.org/drawingml/2006/main" xmlns:r="http://schemas.openxmlformats.org/officeDocument/2006/relationships" xmlns:p="http://schemas.openxmlformats.org/presentationml/2006/main">
+  <p:cSld>
+    <p:spTree>
+      <p:nvGrpSpPr>
+        <p:cNvPr id="1" name=""/>
+        <p:cNvGrpSpPr/>
+        <p:nvPr/>
+      </p:nvGrpSpPr>
+      <p:grpSpPr>
+        <a:xfrm>
+          <a:off x="0" y="0"/>
+          <a:ext cx="0" cy="0"/>
+          <a:chOff x="0" y="0"/>
+          <a:chExt cx="0" cy="0"/>
+        </a:xfrm>
+      </p:grpSpPr>
+      <p:sp>
+        <p:nvSpPr>
+          <p:cNvPr id="3" name="内容占位符 2">
+            <a:extLst>
+              <a:ext uri="{FF2B5EF4-FFF2-40B4-BE49-F238E27FC236}">
+                <a16:creationId xmlns:a16="http://schemas.microsoft.com/office/drawing/2014/main" id="{41BA8749-2AA8-466B-A060-870B913E6C98}"/>
+              </a:ext>
+            </a:extLst>
+          </p:cNvPr>
+          <p:cNvSpPr>
+            <a:spLocks noGrp="1"/>
+          </p:cNvSpPr>
+          <p:nvPr>
+            <p:ph idx="1"/>
+          </p:nvPr>
+        </p:nvSpPr>
+        <p:spPr>
+          <a:xfrm>
+            <a:off x="378447" y="1404395"/>
+            <a:ext cx="4934332" cy="2669894"/>
+          </a:xfrm>
+        </p:spPr>
+        <p:txBody>
+          <a:bodyPr/>
+          <a:lstStyle/>
+          <a:p>
+            <a:r>
+              <a:rPr lang="zh-CN" altLang="en-US" dirty="0"/>
+              <a:t>语言特性限制：</a:t>
+            </a:r>
+            <a:endParaRPr lang="en-US" altLang="zh-CN" dirty="0"/>
+          </a:p>
+          <a:p>
+            <a:pPr lvl="1"/>
+            <a:r>
+              <a:rPr lang="zh-CN" altLang="en-US" dirty="0"/>
+              <a:t>无类型</a:t>
+            </a:r>
+            <a:endParaRPr lang="en-US" altLang="zh-CN" dirty="0"/>
+          </a:p>
+          <a:p>
+            <a:pPr lvl="1"/>
+            <a:r>
+              <a:rPr lang="zh-CN" altLang="en-US" dirty="0"/>
+              <a:t>不完全编译，执行编译</a:t>
+            </a:r>
+            <a:endParaRPr lang="en-US" altLang="zh-CN" dirty="0"/>
+          </a:p>
+          <a:p>
+            <a:pPr lvl="0">
+              <a:buClr>
+                <a:srgbClr val="A53010"/>
+              </a:buClr>
+            </a:pPr>
+            <a:r>
+              <a:rPr lang="zh-CN" altLang="en-US" dirty="0">
+                <a:solidFill>
+                  <a:prstClr val="black">
+                    <a:lumMod val="75000"/>
+                    <a:lumOff val="25000"/>
+                  </a:prstClr>
+                </a:solidFill>
+              </a:rPr>
+              <a:t>导致的缺点：</a:t>
+            </a:r>
+            <a:endParaRPr lang="en-US" altLang="zh-CN" dirty="0">
+              <a:solidFill>
+                <a:prstClr val="black">
+                  <a:lumMod val="75000"/>
+                  <a:lumOff val="25000"/>
+                </a:prstClr>
+              </a:solidFill>
+            </a:endParaRPr>
+          </a:p>
+          <a:p>
+            <a:pPr lvl="1">
+              <a:buClr>
+                <a:srgbClr val="A53010"/>
+              </a:buClr>
+            </a:pPr>
+            <a:r>
+              <a:rPr lang="zh-CN" altLang="en-US" dirty="0">
+                <a:solidFill>
+                  <a:prstClr val="black">
+                    <a:lumMod val="75000"/>
+                    <a:lumOff val="25000"/>
+                  </a:prstClr>
+                </a:solidFill>
+              </a:rPr>
+              <a:t>编译时无法准确确定变量类型，运行时确定</a:t>
+            </a:r>
+            <a:endParaRPr lang="en-US" altLang="zh-CN" dirty="0">
+              <a:solidFill>
+                <a:prstClr val="black">
+                  <a:lumMod val="75000"/>
+                  <a:lumOff val="25000"/>
+                </a:prstClr>
+              </a:solidFill>
+            </a:endParaRPr>
+          </a:p>
+          <a:p>
+            <a:pPr lvl="1">
+              <a:buClr>
+                <a:srgbClr val="A53010"/>
+              </a:buClr>
+            </a:pPr>
+            <a:r>
+              <a:rPr lang="zh-CN" altLang="en-US" dirty="0">
+                <a:solidFill>
+                  <a:prstClr val="black">
+                    <a:lumMod val="75000"/>
+                    <a:lumOff val="25000"/>
+                  </a:prstClr>
+                </a:solidFill>
+              </a:rPr>
+              <a:t>通过属性名匹配存取变量，执行效率慢，占用更多内存</a:t>
+            </a:r>
+            <a:endParaRPr lang="en-US" altLang="zh-CN" dirty="0">
+              <a:solidFill>
+                <a:prstClr val="black">
+                  <a:lumMod val="75000"/>
+                  <a:lumOff val="25000"/>
+                </a:prstClr>
+              </a:solidFill>
+            </a:endParaRPr>
+          </a:p>
+          <a:p>
+            <a:pPr marL="457200" lvl="1" indent="0">
+              <a:buClr>
+                <a:srgbClr val="A53010"/>
+              </a:buClr>
+              <a:buNone/>
+            </a:pPr>
+            <a:endParaRPr lang="en-US" altLang="zh-CN" dirty="0">
+              <a:solidFill>
+                <a:prstClr val="black">
+                  <a:lumMod val="75000"/>
+                  <a:lumOff val="25000"/>
+                </a:prstClr>
+              </a:solidFill>
+            </a:endParaRPr>
+          </a:p>
+          <a:p>
+            <a:pPr marL="457200" lvl="1" indent="0">
+              <a:buNone/>
+            </a:pPr>
+            <a:endParaRPr lang="en-US" altLang="zh-CN" dirty="0"/>
+          </a:p>
+        </p:txBody>
+      </p:sp>
+      <p:sp>
+        <p:nvSpPr>
+          <p:cNvPr id="4" name="标题 1">
+            <a:extLst>
+              <a:ext uri="{FF2B5EF4-FFF2-40B4-BE49-F238E27FC236}">
+                <a16:creationId xmlns:a16="http://schemas.microsoft.com/office/drawing/2014/main" id="{174F8863-9BB1-48E7-861A-BF733F26E3A7}"/>
+              </a:ext>
+            </a:extLst>
+          </p:cNvPr>
+          <p:cNvSpPr txBox="1">
+            <a:spLocks/>
+          </p:cNvSpPr>
+          <p:nvPr/>
+        </p:nvSpPr>
+        <p:spPr>
+          <a:xfrm>
+            <a:off x="177103" y="-1"/>
+            <a:ext cx="8675349" cy="543339"/>
+          </a:xfrm>
+          <a:prstGeom prst="rect">
+            <a:avLst/>
+          </a:prstGeom>
+          <a:solidFill>
+            <a:schemeClr val="accent5">
+              <a:lumMod val="40000"/>
+              <a:lumOff val="60000"/>
+            </a:schemeClr>
+          </a:solidFill>
+        </p:spPr>
+        <p:txBody>
+          <a:bodyPr vert="horz" lIns="91440" tIns="45720" rIns="91440" bIns="45720" rtlCol="0" anchor="t">
+            <a:noAutofit/>
+          </a:bodyPr>
+          <a:lstStyle>
+            <a:lvl1pPr algn="l" defTabSz="457200" rtl="0" eaLnBrk="1" latinLnBrk="0" hangingPunct="1">
+              <a:spcBef>
+                <a:spcPct val="0"/>
+              </a:spcBef>
+              <a:buNone/>
+              <a:defRPr sz="3600" kern="1200">
+                <a:solidFill>
+                  <a:schemeClr val="tx1">
+                    <a:lumMod val="85000"/>
+                    <a:lumOff val="15000"/>
+                  </a:schemeClr>
+                </a:solidFill>
+                <a:latin typeface="+mj-lt"/>
+                <a:ea typeface="+mj-ea"/>
+                <a:cs typeface="+mj-cs"/>
+              </a:defRPr>
+            </a:lvl1pPr>
+            <a:lvl2pPr eaLnBrk="1" hangingPunct="1">
+              <a:defRPr>
+                <a:solidFill>
+                  <a:schemeClr val="tx2"/>
+                </a:solidFill>
+              </a:defRPr>
+            </a:lvl2pPr>
+            <a:lvl3pPr eaLnBrk="1" hangingPunct="1">
+              <a:defRPr>
+                <a:solidFill>
+                  <a:schemeClr val="tx2"/>
+                </a:solidFill>
+              </a:defRPr>
+            </a:lvl3pPr>
+            <a:lvl4pPr eaLnBrk="1" hangingPunct="1">
+              <a:defRPr>
+                <a:solidFill>
+                  <a:schemeClr val="tx2"/>
+                </a:solidFill>
+              </a:defRPr>
+            </a:lvl4pPr>
+            <a:lvl5pPr eaLnBrk="1" hangingPunct="1">
+              <a:defRPr>
+                <a:solidFill>
+                  <a:schemeClr val="tx2"/>
+                </a:solidFill>
+              </a:defRPr>
+            </a:lvl5pPr>
+            <a:lvl6pPr eaLnBrk="1" hangingPunct="1">
+              <a:defRPr>
+                <a:solidFill>
+                  <a:schemeClr val="tx2"/>
+                </a:solidFill>
+              </a:defRPr>
+            </a:lvl6pPr>
+            <a:lvl7pPr eaLnBrk="1" hangingPunct="1">
+              <a:defRPr>
+                <a:solidFill>
+                  <a:schemeClr val="tx2"/>
+                </a:solidFill>
+              </a:defRPr>
+            </a:lvl7pPr>
+            <a:lvl8pPr eaLnBrk="1" hangingPunct="1">
+              <a:defRPr>
+                <a:solidFill>
+                  <a:schemeClr val="tx2"/>
+                </a:solidFill>
+              </a:defRPr>
+            </a:lvl8pPr>
+            <a:lvl9pPr eaLnBrk="1" hangingPunct="1">
+              <a:defRPr>
+                <a:solidFill>
+                  <a:schemeClr val="tx2"/>
+                </a:solidFill>
+              </a:defRPr>
+            </a:lvl9pPr>
+          </a:lstStyle>
+          <a:p>
+            <a:r>
+              <a:rPr lang="en-US" altLang="zh-CN" sz="2400" b="1" dirty="0"/>
+              <a:t>ICS(</a:t>
+            </a:r>
+            <a:r>
+              <a:rPr lang="en-US" altLang="zh-CN" sz="2400" b="1" dirty="0" err="1"/>
+              <a:t>Iline</a:t>
+            </a:r>
+            <a:r>
+              <a:rPr lang="en-US" altLang="zh-CN" sz="2400" b="1" dirty="0"/>
+              <a:t> Caches) </a:t>
+            </a:r>
+            <a:r>
+              <a:rPr lang="zh-CN" altLang="en-US" sz="2400" b="1" dirty="0"/>
+              <a:t>内联缓存</a:t>
+            </a:r>
+          </a:p>
+        </p:txBody>
+      </p:sp>
+      <p:sp>
+        <p:nvSpPr>
+          <p:cNvPr id="6" name="内容占位符 2">
+            <a:extLst>
+              <a:ext uri="{FF2B5EF4-FFF2-40B4-BE49-F238E27FC236}">
+                <a16:creationId xmlns:a16="http://schemas.microsoft.com/office/drawing/2014/main" id="{465DDE0B-2437-4674-B4A1-FA860299BAFE}"/>
+              </a:ext>
+            </a:extLst>
+          </p:cNvPr>
+          <p:cNvSpPr txBox="1">
+            <a:spLocks/>
+          </p:cNvSpPr>
+          <p:nvPr/>
+        </p:nvSpPr>
+        <p:spPr>
+          <a:xfrm>
+            <a:off x="6261046" y="1404394"/>
+            <a:ext cx="2801931" cy="1113027"/>
+          </a:xfrm>
+          <a:prstGeom prst="rect">
+            <a:avLst/>
+          </a:prstGeom>
+        </p:spPr>
+        <p:txBody>
+          <a:bodyPr vert="horz" lIns="91440" tIns="45720" rIns="91440" bIns="45720" rtlCol="0">
+            <a:normAutofit/>
+          </a:bodyPr>
+          <a:lstStyle>
+            <a:lvl1pPr marL="342900" indent="-342900" algn="l" defTabSz="457200" rtl="0" eaLnBrk="1" latinLnBrk="0" hangingPunct="1">
+              <a:spcBef>
+                <a:spcPts val="1000"/>
+              </a:spcBef>
+              <a:spcAft>
+                <a:spcPts val="0"/>
+              </a:spcAft>
+              <a:buClr>
+                <a:schemeClr val="accent1"/>
+              </a:buClr>
+              <a:buFont typeface="Wingdings 3" charset="2"/>
+              <a:buChar char=""/>
+              <a:defRPr sz="1800" kern="1200">
+                <a:solidFill>
+                  <a:schemeClr val="tx1">
+                    <a:lumMod val="75000"/>
+                    <a:lumOff val="25000"/>
+                  </a:schemeClr>
+                </a:solidFill>
+                <a:latin typeface="+mn-lt"/>
+                <a:ea typeface="+mn-ea"/>
+                <a:cs typeface="+mn-cs"/>
+              </a:defRPr>
+            </a:lvl1pPr>
+            <a:lvl2pPr marL="742950" indent="-285750" algn="l" defTabSz="457200" rtl="0" eaLnBrk="1" latinLnBrk="0" hangingPunct="1">
+              <a:spcBef>
+                <a:spcPts val="1000"/>
+              </a:spcBef>
+              <a:spcAft>
+                <a:spcPts val="0"/>
+              </a:spcAft>
+              <a:buClr>
+                <a:schemeClr val="accent1"/>
+              </a:buClr>
+              <a:buFont typeface="Wingdings 3" charset="2"/>
+              <a:buChar char=""/>
+              <a:defRPr sz="1600" kern="1200">
+                <a:solidFill>
+                  <a:schemeClr val="tx1">
+                    <a:lumMod val="75000"/>
+                    <a:lumOff val="25000"/>
+                  </a:schemeClr>
+                </a:solidFill>
+                <a:latin typeface="+mn-lt"/>
+                <a:ea typeface="+mn-ea"/>
+                <a:cs typeface="+mn-cs"/>
+              </a:defRPr>
+            </a:lvl2pPr>
+            <a:lvl3pPr marL="1143000" indent="-228600" algn="l" defTabSz="457200" rtl="0" eaLnBrk="1" latinLnBrk="0" hangingPunct="1">
+              <a:spcBef>
+                <a:spcPts val="1000"/>
+              </a:spcBef>
+              <a:spcAft>
+                <a:spcPts val="0"/>
+              </a:spcAft>
+              <a:buClr>
+                <a:schemeClr val="accent1"/>
+              </a:buClr>
+              <a:buFont typeface="Wingdings 3" charset="2"/>
+              <a:buChar char=""/>
+              <a:defRPr sz="1400" kern="1200">
+                <a:solidFill>
+                  <a:schemeClr val="tx1">
+                    <a:lumMod val="75000"/>
+                    <a:lumOff val="25000"/>
+                  </a:schemeClr>
+                </a:solidFill>
+                <a:latin typeface="+mn-lt"/>
+                <a:ea typeface="+mn-ea"/>
+                <a:cs typeface="+mn-cs"/>
+              </a:defRPr>
+            </a:lvl3pPr>
+            <a:lvl4pPr marL="1600200" indent="-228600" algn="l" defTabSz="457200" rtl="0" eaLnBrk="1" latinLnBrk="0" hangingPunct="1">
+              <a:spcBef>
+                <a:spcPts val="1000"/>
+              </a:spcBef>
+              <a:spcAft>
+                <a:spcPts val="0"/>
+              </a:spcAft>
+              <a:buClr>
+                <a:schemeClr val="accent1"/>
+              </a:buClr>
+              <a:buFont typeface="Wingdings 3" charset="2"/>
+              <a:buChar char=""/>
+              <a:defRPr sz="1200" kern="1200">
+                <a:solidFill>
+                  <a:schemeClr val="tx1">
+                    <a:lumMod val="75000"/>
+                    <a:lumOff val="25000"/>
+                  </a:schemeClr>
+                </a:solidFill>
+                <a:latin typeface="+mn-lt"/>
+                <a:ea typeface="+mn-ea"/>
+                <a:cs typeface="+mn-cs"/>
+              </a:defRPr>
+            </a:lvl4pPr>
+            <a:lvl5pPr marL="2057400" indent="-228600" algn="l" defTabSz="457200" rtl="0" eaLnBrk="1" latinLnBrk="0" hangingPunct="1">
+              <a:spcBef>
+                <a:spcPts val="1000"/>
+              </a:spcBef>
+              <a:spcAft>
+                <a:spcPts val="0"/>
+              </a:spcAft>
+              <a:buClr>
+                <a:schemeClr val="accent1"/>
+              </a:buClr>
+              <a:buFont typeface="Wingdings 3" charset="2"/>
+              <a:buChar char=""/>
+              <a:defRPr sz="1200" kern="1200">
+                <a:solidFill>
+                  <a:schemeClr val="tx1">
+                    <a:lumMod val="75000"/>
+                    <a:lumOff val="25000"/>
+                  </a:schemeClr>
+                </a:solidFill>
+                <a:latin typeface="+mn-lt"/>
+                <a:ea typeface="+mn-ea"/>
+                <a:cs typeface="+mn-cs"/>
+              </a:defRPr>
+            </a:lvl5pPr>
+            <a:lvl6pPr marL="2514600" indent="-228600" algn="l" defTabSz="457200" rtl="0" eaLnBrk="1" latinLnBrk="0" hangingPunct="1">
+              <a:spcBef>
+                <a:spcPts val="1000"/>
+              </a:spcBef>
+              <a:spcAft>
+                <a:spcPts val="0"/>
+              </a:spcAft>
+              <a:buClr>
+                <a:schemeClr val="accent1"/>
+              </a:buClr>
+              <a:buFont typeface="Wingdings 3" charset="2"/>
+              <a:buChar char=""/>
+              <a:defRPr sz="1200" kern="1200">
+                <a:solidFill>
+                  <a:schemeClr val="tx1">
+                    <a:lumMod val="75000"/>
+                    <a:lumOff val="25000"/>
+                  </a:schemeClr>
+                </a:solidFill>
+                <a:latin typeface="+mn-lt"/>
+                <a:ea typeface="+mn-ea"/>
+                <a:cs typeface="+mn-cs"/>
+              </a:defRPr>
+            </a:lvl6pPr>
+            <a:lvl7pPr marL="2971800" indent="-228600" algn="l" defTabSz="457200" rtl="0" eaLnBrk="1" latinLnBrk="0" hangingPunct="1">
+              <a:spcBef>
+                <a:spcPts val="1000"/>
+              </a:spcBef>
+              <a:spcAft>
+                <a:spcPts val="0"/>
+              </a:spcAft>
+              <a:buClr>
+                <a:schemeClr val="accent1"/>
+              </a:buClr>
+              <a:buFont typeface="Wingdings 3" charset="2"/>
+              <a:buChar char=""/>
+              <a:defRPr sz="1200" kern="1200">
+                <a:solidFill>
+                  <a:schemeClr val="tx1">
+                    <a:lumMod val="75000"/>
+                    <a:lumOff val="25000"/>
+                  </a:schemeClr>
+                </a:solidFill>
+                <a:latin typeface="+mn-lt"/>
+                <a:ea typeface="+mn-ea"/>
+                <a:cs typeface="+mn-cs"/>
+              </a:defRPr>
+            </a:lvl7pPr>
+            <a:lvl8pPr marL="3429000" indent="-228600" algn="l" defTabSz="457200" rtl="0" eaLnBrk="1" latinLnBrk="0" hangingPunct="1">
+              <a:spcBef>
+                <a:spcPts val="1000"/>
+              </a:spcBef>
+              <a:spcAft>
+                <a:spcPts val="0"/>
+              </a:spcAft>
+              <a:buClr>
+                <a:schemeClr val="accent1"/>
+              </a:buClr>
+              <a:buFont typeface="Wingdings 3" charset="2"/>
+              <a:buChar char=""/>
+              <a:defRPr sz="1200" kern="1200">
+                <a:solidFill>
+                  <a:schemeClr val="tx1">
+                    <a:lumMod val="75000"/>
+                    <a:lumOff val="25000"/>
+                  </a:schemeClr>
+                </a:solidFill>
+                <a:latin typeface="+mn-lt"/>
+                <a:ea typeface="+mn-ea"/>
+                <a:cs typeface="+mn-cs"/>
+              </a:defRPr>
+            </a:lvl8pPr>
+            <a:lvl9pPr marL="3886200" indent="-228600" algn="l" defTabSz="457200" rtl="0" eaLnBrk="1" latinLnBrk="0" hangingPunct="1">
+              <a:spcBef>
+                <a:spcPts val="1000"/>
+              </a:spcBef>
+              <a:spcAft>
+                <a:spcPts val="0"/>
+              </a:spcAft>
+              <a:buClr>
+                <a:schemeClr val="accent1"/>
+              </a:buClr>
+              <a:buFont typeface="Wingdings 3" charset="2"/>
+              <a:buChar char=""/>
+              <a:defRPr sz="1200" kern="1200">
+                <a:solidFill>
+                  <a:schemeClr val="tx1">
+                    <a:lumMod val="75000"/>
+                    <a:lumOff val="25000"/>
+                  </a:schemeClr>
+                </a:solidFill>
+                <a:latin typeface="+mn-lt"/>
+                <a:ea typeface="+mn-ea"/>
+                <a:cs typeface="+mn-cs"/>
+              </a:defRPr>
+            </a:lvl9pPr>
+          </a:lstStyle>
+          <a:p>
+            <a:r>
+              <a:rPr lang="zh-CN" altLang="en-US" dirty="0"/>
+              <a:t>静态语言特性借鉴：</a:t>
+            </a:r>
+            <a:endParaRPr lang="en-US" altLang="zh-CN" dirty="0"/>
+          </a:p>
+          <a:p>
+            <a:pPr lvl="1"/>
+            <a:r>
+              <a:rPr lang="zh-CN" altLang="en-US" dirty="0"/>
+              <a:t>类和位置偏移</a:t>
+            </a:r>
+            <a:endParaRPr lang="en-US" altLang="zh-CN" dirty="0"/>
+          </a:p>
+          <a:p>
+            <a:pPr lvl="1"/>
+            <a:r>
+              <a:rPr lang="zh-CN" altLang="en-US" dirty="0"/>
+              <a:t>隐藏类</a:t>
+            </a:r>
+            <a:endParaRPr lang="en-US" altLang="zh-CN" dirty="0"/>
+          </a:p>
+          <a:p>
+            <a:pPr marL="457200" lvl="1" indent="0">
+              <a:buFont typeface="Wingdings 3" charset="2"/>
+              <a:buNone/>
+            </a:pPr>
+            <a:endParaRPr lang="en-US" altLang="zh-CN" dirty="0"/>
+          </a:p>
+        </p:txBody>
+      </p:sp>
+      <p:graphicFrame>
+        <p:nvGraphicFramePr>
+          <p:cNvPr id="7" name="对象 6">
+            <a:extLst>
+              <a:ext uri="{FF2B5EF4-FFF2-40B4-BE49-F238E27FC236}">
+                <a16:creationId xmlns:a16="http://schemas.microsoft.com/office/drawing/2014/main" id="{B2F37C5C-539E-4CDE-BCF8-C260CF49132A}"/>
+              </a:ext>
+            </a:extLst>
+          </p:cNvPr>
+          <p:cNvGraphicFramePr>
+            <a:graphicFrameLocks noChangeAspect="1"/>
+          </p:cNvGraphicFramePr>
+          <p:nvPr>
+            <p:extLst>
+              <p:ext uri="{D42A27DB-BD31-4B8C-83A1-F6EECF244321}">
+                <p14:modId xmlns:p14="http://schemas.microsoft.com/office/powerpoint/2010/main" val="2161219520"/>
+              </p:ext>
+            </p:extLst>
+          </p:nvPr>
+        </p:nvGraphicFramePr>
+        <p:xfrm>
+          <a:off x="3820229" y="3925696"/>
+          <a:ext cx="2524125" cy="2019300"/>
+        </p:xfrm>
+        <a:graphic>
+          <a:graphicData uri="http://schemas.openxmlformats.org/presentationml/2006/ole">
+            <mc:AlternateContent xmlns:mc="http://schemas.openxmlformats.org/markup-compatibility/2006">
+              <mc:Choice xmlns:v="urn:schemas-microsoft-com:vml" Requires="v">
+                <p:oleObj spid="_x0000_s3084" name="Visio" r:id="rId3" imgW="2524332" imgH="2019503" progId="Visio.Drawing.11">
+                  <p:embed/>
+                </p:oleObj>
+              </mc:Choice>
+              <mc:Fallback>
+                <p:oleObj name="Visio" r:id="rId3" imgW="2524332" imgH="2019503" progId="Visio.Drawing.11">
+                  <p:embed/>
+                  <p:pic>
+                    <p:nvPicPr>
+                      <p:cNvPr id="0" name=""/>
+                      <p:cNvPicPr/>
+                      <p:nvPr/>
+                    </p:nvPicPr>
+                    <p:blipFill>
+                      <a:blip r:embed="rId4"/>
+                      <a:stretch>
+                        <a:fillRect/>
+                      </a:stretch>
+                    </p:blipFill>
+                    <p:spPr>
+                      <a:xfrm>
+                        <a:off x="3820229" y="3925696"/>
+                        <a:ext cx="2524125" cy="2019300"/>
+                      </a:xfrm>
+                      <a:prstGeom prst="rect">
+                        <a:avLst/>
+                      </a:prstGeom>
+                    </p:spPr>
+                  </p:pic>
+                </p:oleObj>
+              </mc:Fallback>
+            </mc:AlternateContent>
+          </a:graphicData>
+        </a:graphic>
+      </p:graphicFrame>
+      <p:graphicFrame>
+        <p:nvGraphicFramePr>
+          <p:cNvPr id="8" name="对象 7">
+            <a:extLst>
+              <a:ext uri="{FF2B5EF4-FFF2-40B4-BE49-F238E27FC236}">
+                <a16:creationId xmlns:a16="http://schemas.microsoft.com/office/drawing/2014/main" id="{F728EBF5-667F-4F1D-A641-454334B8C0BA}"/>
+              </a:ext>
+            </a:extLst>
+          </p:cNvPr>
+          <p:cNvGraphicFramePr>
+            <a:graphicFrameLocks noChangeAspect="1"/>
+          </p:cNvGraphicFramePr>
+          <p:nvPr>
+            <p:extLst>
+              <p:ext uri="{D42A27DB-BD31-4B8C-83A1-F6EECF244321}">
+                <p14:modId xmlns:p14="http://schemas.microsoft.com/office/powerpoint/2010/main" val="390712270"/>
+              </p:ext>
+            </p:extLst>
+          </p:nvPr>
+        </p:nvGraphicFramePr>
+        <p:xfrm>
+          <a:off x="6376220" y="2411221"/>
+          <a:ext cx="4333875" cy="3533775"/>
+        </p:xfrm>
+        <a:graphic>
+          <a:graphicData uri="http://schemas.openxmlformats.org/presentationml/2006/ole">
+            <mc:AlternateContent xmlns:mc="http://schemas.openxmlformats.org/markup-compatibility/2006">
+              <mc:Choice xmlns:v="urn:schemas-microsoft-com:vml" Requires="v">
+                <p:oleObj spid="_x0000_s3085" name="Visio" r:id="rId5" imgW="4333681" imgH="3533707" progId="Visio.Drawing.11">
+                  <p:embed/>
+                </p:oleObj>
+              </mc:Choice>
+              <mc:Fallback>
+                <p:oleObj name="Visio" r:id="rId5" imgW="4333681" imgH="3533707" progId="Visio.Drawing.11">
+                  <p:embed/>
+                  <p:pic>
+                    <p:nvPicPr>
+                      <p:cNvPr id="0" name=""/>
+                      <p:cNvPicPr/>
+                      <p:nvPr/>
+                    </p:nvPicPr>
+                    <p:blipFill>
+                      <a:blip r:embed="rId6"/>
+                      <a:stretch>
+                        <a:fillRect/>
+                      </a:stretch>
+                    </p:blipFill>
+                    <p:spPr>
+                      <a:xfrm>
+                        <a:off x="6376220" y="2411221"/>
+                        <a:ext cx="4333875" cy="3533775"/>
+                      </a:xfrm>
+                      <a:prstGeom prst="rect">
+                        <a:avLst/>
+                      </a:prstGeom>
+                    </p:spPr>
+                  </p:pic>
+                </p:oleObj>
+              </mc:Fallback>
+            </mc:AlternateContent>
+          </a:graphicData>
+        </a:graphic>
+      </p:graphicFrame>
+    </p:spTree>
+    <p:extLst>
+      <p:ext uri="{BB962C8B-B14F-4D97-AF65-F5344CB8AC3E}">
+        <p14:creationId xmlns:p14="http://schemas.microsoft.com/office/powerpoint/2010/main" val="4102531770"/>
+      </p:ext>
+    </p:extLst>
+  </p:cSld>
+  <p:clrMapOvr>
+    <a:masterClrMapping/>
+  </p:clrMapOvr>
+</p:sld>
+</file>
+
+<file path=ppt/slides/slide6.xml><?xml version="1.0" encoding="utf-8"?>
+<p:sld xmlns:a="http://schemas.openxmlformats.org/drawingml/2006/main" xmlns:r="http://schemas.openxmlformats.org/officeDocument/2006/relationships" xmlns:p="http://schemas.openxmlformats.org/presentationml/2006/main">
+  <p:cSld>
+    <p:spTree>
+      <p:nvGrpSpPr>
+        <p:cNvPr id="1" name=""/>
+        <p:cNvGrpSpPr/>
+        <p:nvPr/>
+      </p:nvGrpSpPr>
+      <p:grpSpPr>
+        <a:xfrm>
+          <a:off x="0" y="0"/>
+          <a:ext cx="0" cy="0"/>
+          <a:chOff x="0" y="0"/>
+          <a:chExt cx="0" cy="0"/>
+        </a:xfrm>
+      </p:grpSpPr>
+      <p:sp>
+        <p:nvSpPr>
+          <p:cNvPr id="3" name="内容占位符 2">
+            <a:extLst>
+              <a:ext uri="{FF2B5EF4-FFF2-40B4-BE49-F238E27FC236}">
+                <a16:creationId xmlns:a16="http://schemas.microsoft.com/office/drawing/2014/main" id="{A8DE3D73-7E14-4520-8388-30A2836BCF37}"/>
+              </a:ext>
+            </a:extLst>
+          </p:cNvPr>
+          <p:cNvSpPr>
+            <a:spLocks noGrp="1"/>
+          </p:cNvSpPr>
+          <p:nvPr>
+            <p:ph idx="1"/>
+          </p:nvPr>
+        </p:nvSpPr>
+        <p:spPr>
+          <a:xfrm>
+            <a:off x="482620" y="1352666"/>
+            <a:ext cx="2158980" cy="543339"/>
+          </a:xfrm>
+        </p:spPr>
+        <p:txBody>
+          <a:bodyPr/>
+          <a:lstStyle/>
+          <a:p>
+            <a:r>
+              <a:rPr lang="zh-CN" altLang="en-US" dirty="0"/>
+              <a:t>占位</a:t>
+            </a:r>
+          </a:p>
+        </p:txBody>
+      </p:sp>
+      <p:sp>
+        <p:nvSpPr>
+          <p:cNvPr id="4" name="标题 1">
+            <a:extLst>
+              <a:ext uri="{FF2B5EF4-FFF2-40B4-BE49-F238E27FC236}">
+                <a16:creationId xmlns:a16="http://schemas.microsoft.com/office/drawing/2014/main" id="{DDEF3800-A88C-42E1-A1F8-54E2EB3B5A66}"/>
+              </a:ext>
+            </a:extLst>
+          </p:cNvPr>
+          <p:cNvSpPr txBox="1">
+            <a:spLocks/>
+          </p:cNvSpPr>
+          <p:nvPr/>
+        </p:nvSpPr>
+        <p:spPr>
+          <a:xfrm>
+            <a:off x="177103" y="-1"/>
+            <a:ext cx="8675349" cy="543339"/>
+          </a:xfrm>
+          <a:prstGeom prst="rect">
+            <a:avLst/>
+          </a:prstGeom>
+          <a:solidFill>
+            <a:schemeClr val="accent5">
+              <a:lumMod val="40000"/>
+              <a:lumOff val="60000"/>
+            </a:schemeClr>
+          </a:solidFill>
+        </p:spPr>
+        <p:txBody>
+          <a:bodyPr vert="horz" lIns="91440" tIns="45720" rIns="91440" bIns="45720" rtlCol="0" anchor="t">
+            <a:noAutofit/>
+          </a:bodyPr>
+          <a:lstStyle>
+            <a:lvl1pPr algn="l" defTabSz="457200" rtl="0" eaLnBrk="1" latinLnBrk="0" hangingPunct="1">
+              <a:spcBef>
+                <a:spcPct val="0"/>
+              </a:spcBef>
+              <a:buNone/>
+              <a:defRPr sz="3600" kern="1200">
+                <a:solidFill>
+                  <a:schemeClr val="tx1">
+                    <a:lumMod val="85000"/>
+                    <a:lumOff val="15000"/>
+                  </a:schemeClr>
+                </a:solidFill>
+                <a:latin typeface="+mj-lt"/>
+                <a:ea typeface="+mj-ea"/>
+                <a:cs typeface="+mj-cs"/>
+              </a:defRPr>
+            </a:lvl1pPr>
+            <a:lvl2pPr eaLnBrk="1" hangingPunct="1">
+              <a:defRPr>
+                <a:solidFill>
+                  <a:schemeClr val="tx2"/>
+                </a:solidFill>
+              </a:defRPr>
+            </a:lvl2pPr>
+            <a:lvl3pPr eaLnBrk="1" hangingPunct="1">
+              <a:defRPr>
+                <a:solidFill>
+                  <a:schemeClr val="tx2"/>
+                </a:solidFill>
+              </a:defRPr>
+            </a:lvl3pPr>
+            <a:lvl4pPr eaLnBrk="1" hangingPunct="1">
+              <a:defRPr>
+                <a:solidFill>
+                  <a:schemeClr val="tx2"/>
+                </a:solidFill>
+              </a:defRPr>
+            </a:lvl4pPr>
+            <a:lvl5pPr eaLnBrk="1" hangingPunct="1">
+              <a:defRPr>
+                <a:solidFill>
+                  <a:schemeClr val="tx2"/>
+                </a:solidFill>
+              </a:defRPr>
+            </a:lvl5pPr>
+            <a:lvl6pPr eaLnBrk="1" hangingPunct="1">
+              <a:defRPr>
+                <a:solidFill>
+                  <a:schemeClr val="tx2"/>
+                </a:solidFill>
+              </a:defRPr>
+            </a:lvl6pPr>
+            <a:lvl7pPr eaLnBrk="1" hangingPunct="1">
+              <a:defRPr>
+                <a:solidFill>
+                  <a:schemeClr val="tx2"/>
+                </a:solidFill>
+              </a:defRPr>
+            </a:lvl7pPr>
+            <a:lvl8pPr eaLnBrk="1" hangingPunct="1">
+              <a:defRPr>
+                <a:solidFill>
+                  <a:schemeClr val="tx2"/>
+                </a:solidFill>
+              </a:defRPr>
+            </a:lvl8pPr>
+            <a:lvl9pPr eaLnBrk="1" hangingPunct="1">
+              <a:defRPr>
+                <a:solidFill>
+                  <a:schemeClr val="tx2"/>
+                </a:solidFill>
+              </a:defRPr>
+            </a:lvl9pPr>
+          </a:lstStyle>
+          <a:p>
+            <a:r>
+              <a:rPr lang="en-US" altLang="zh-CN" sz="2400" b="1" dirty="0"/>
+              <a:t>PIC(</a:t>
+            </a:r>
+            <a:r>
+              <a:rPr lang="en-US" altLang="zh-CN" sz="2400" b="1" dirty="0" err="1"/>
+              <a:t>PolyMorphic</a:t>
+            </a:r>
+            <a:r>
+              <a:rPr lang="en-US" altLang="zh-CN" sz="2400" b="1" dirty="0"/>
+              <a:t> </a:t>
+            </a:r>
+            <a:r>
+              <a:rPr lang="en-US" altLang="zh-CN" sz="2400" b="1" dirty="0" err="1"/>
+              <a:t>Iline</a:t>
+            </a:r>
+            <a:r>
+              <a:rPr lang="en-US" altLang="zh-CN" sz="2400" b="1" dirty="0"/>
+              <a:t> Cache) </a:t>
+            </a:r>
+            <a:r>
+              <a:rPr lang="zh-CN" altLang="en-US" sz="2400" b="1" dirty="0"/>
+              <a:t>多态内联缓存</a:t>
+            </a:r>
+          </a:p>
+        </p:txBody>
+      </p:sp>
+      <p:graphicFrame>
+        <p:nvGraphicFramePr>
+          <p:cNvPr id="6" name="对象 5">
+            <a:extLst>
+              <a:ext uri="{FF2B5EF4-FFF2-40B4-BE49-F238E27FC236}">
+                <a16:creationId xmlns:a16="http://schemas.microsoft.com/office/drawing/2014/main" id="{EE93EDD9-50C0-4C7F-91B8-891DACF16690}"/>
+              </a:ext>
+            </a:extLst>
+          </p:cNvPr>
+          <p:cNvGraphicFramePr>
+            <a:graphicFrameLocks noChangeAspect="1"/>
+          </p:cNvGraphicFramePr>
+          <p:nvPr>
+            <p:extLst>
+              <p:ext uri="{D42A27DB-BD31-4B8C-83A1-F6EECF244321}">
+                <p14:modId xmlns:p14="http://schemas.microsoft.com/office/powerpoint/2010/main" val="1497525649"/>
+              </p:ext>
+            </p:extLst>
+          </p:nvPr>
+        </p:nvGraphicFramePr>
+        <p:xfrm>
+          <a:off x="482620" y="1896005"/>
+          <a:ext cx="2039970" cy="1532995"/>
+        </p:xfrm>
+        <a:graphic>
+          <a:graphicData uri="http://schemas.openxmlformats.org/presentationml/2006/ole">
+            <mc:AlternateContent xmlns:mc="http://schemas.openxmlformats.org/markup-compatibility/2006">
+              <mc:Choice xmlns:v="urn:schemas-microsoft-com:vml" Requires="v">
+                <p:oleObj spid="_x0000_s4098" name="Visio" r:id="rId3" imgW="1609761" imgH="1209756" progId="Visio.Drawing.11">
+                  <p:embed/>
+                </p:oleObj>
+              </mc:Choice>
+              <mc:Fallback>
+                <p:oleObj name="Visio" r:id="rId3" imgW="1609761" imgH="1209756" progId="Visio.Drawing.11">
+                  <p:embed/>
+                  <p:pic>
+                    <p:nvPicPr>
+                      <p:cNvPr id="0" name=""/>
+                      <p:cNvPicPr/>
+                      <p:nvPr/>
+                    </p:nvPicPr>
+                    <p:blipFill>
+                      <a:blip r:embed="rId4"/>
+                      <a:stretch>
+                        <a:fillRect/>
+                      </a:stretch>
+                    </p:blipFill>
+                    <p:spPr>
+                      <a:xfrm>
+                        <a:off x="482620" y="1896005"/>
+                        <a:ext cx="2039970" cy="1532995"/>
+                      </a:xfrm>
+                      <a:prstGeom prst="rect">
+                        <a:avLst/>
+                      </a:prstGeom>
+                    </p:spPr>
+                  </p:pic>
+                </p:oleObj>
+              </mc:Fallback>
+            </mc:AlternateContent>
+          </a:graphicData>
+        </a:graphic>
+      </p:graphicFrame>
+    </p:spTree>
+    <p:extLst>
+      <p:ext uri="{BB962C8B-B14F-4D97-AF65-F5344CB8AC3E}">
+        <p14:creationId xmlns:p14="http://schemas.microsoft.com/office/powerpoint/2010/main" val="3826802999"/>
       </p:ext>
     </p:extLst>
   </p:cSld>

--- a/Google V8引擎.pptx
+++ b/Google V8引擎.pptx
@@ -3443,7 +3443,7 @@
             <a:fld id="{B61BEF0D-F0BB-DE4B-95CE-6DB70DBA9567}" type="datetimeFigureOut">
               <a:rPr lang="en-US" dirty="0"/>
               <a:pPr/>
-              <a:t>1/30/2021</a:t>
+              <a:t>2/1/2021</a:t>
             </a:fld>
             <a:endParaRPr lang="en-US" dirty="0"/>
           </a:p>
@@ -3778,7 +3778,7 @@
             <a:fld id="{B61BEF0D-F0BB-DE4B-95CE-6DB70DBA9567}" type="datetimeFigureOut">
               <a:rPr lang="en-US" dirty="0"/>
               <a:pPr/>
-              <a:t>1/30/2021</a:t>
+              <a:t>2/1/2021</a:t>
             </a:fld>
             <a:endParaRPr lang="en-US" dirty="0"/>
           </a:p>
@@ -4176,7 +4176,7 @@
             <a:fld id="{B61BEF0D-F0BB-DE4B-95CE-6DB70DBA9567}" type="datetimeFigureOut">
               <a:rPr lang="en-US" dirty="0"/>
               <a:pPr/>
-              <a:t>1/30/2021</a:t>
+              <a:t>2/1/2021</a:t>
             </a:fld>
             <a:endParaRPr lang="en-US" dirty="0"/>
           </a:p>
@@ -4509,7 +4509,7 @@
             <a:fld id="{B61BEF0D-F0BB-DE4B-95CE-6DB70DBA9567}" type="datetimeFigureOut">
               <a:rPr lang="en-US" dirty="0"/>
               <a:pPr/>
-              <a:t>1/30/2021</a:t>
+              <a:t>2/1/2021</a:t>
             </a:fld>
             <a:endParaRPr lang="en-US" dirty="0"/>
           </a:p>
@@ -4826,7 +4826,7 @@
             <a:fld id="{B61BEF0D-F0BB-DE4B-95CE-6DB70DBA9567}" type="datetimeFigureOut">
               <a:rPr lang="en-US" dirty="0"/>
               <a:pPr/>
-              <a:t>1/30/2021</a:t>
+              <a:t>2/1/2021</a:t>
             </a:fld>
             <a:endParaRPr lang="en-US" dirty="0"/>
           </a:p>
@@ -5219,7 +5219,7 @@
             <a:fld id="{B61BEF0D-F0BB-DE4B-95CE-6DB70DBA9567}" type="datetimeFigureOut">
               <a:rPr lang="en-US" dirty="0"/>
               <a:pPr/>
-              <a:t>1/30/2021</a:t>
+              <a:t>2/1/2021</a:t>
             </a:fld>
             <a:endParaRPr lang="en-US" dirty="0"/>
           </a:p>
@@ -5473,7 +5473,7 @@
             <a:fld id="{B61BEF0D-F0BB-DE4B-95CE-6DB70DBA9567}" type="datetimeFigureOut">
               <a:rPr lang="en-US" dirty="0"/>
               <a:pPr/>
-              <a:t>1/30/2021</a:t>
+              <a:t>2/1/2021</a:t>
             </a:fld>
             <a:endParaRPr lang="en-US" dirty="0"/>
           </a:p>
@@ -5732,7 +5732,7 @@
             <a:fld id="{B61BEF0D-F0BB-DE4B-95CE-6DB70DBA9567}" type="datetimeFigureOut">
               <a:rPr lang="en-US" dirty="0"/>
               <a:pPr/>
-              <a:t>1/30/2021</a:t>
+              <a:t>2/1/2021</a:t>
             </a:fld>
             <a:endParaRPr lang="en-US" dirty="0"/>
           </a:p>
@@ -5991,7 +5991,7 @@
             <a:fld id="{B61BEF0D-F0BB-DE4B-95CE-6DB70DBA9567}" type="datetimeFigureOut">
               <a:rPr lang="en-US" dirty="0"/>
               <a:pPr/>
-              <a:t>1/30/2021</a:t>
+              <a:t>2/1/2021</a:t>
             </a:fld>
             <a:endParaRPr lang="en-US" dirty="0"/>
           </a:p>
@@ -6317,7 +6317,7 @@
             <a:fld id="{B61BEF0D-F0BB-DE4B-95CE-6DB70DBA9567}" type="datetimeFigureOut">
               <a:rPr lang="en-US" dirty="0"/>
               <a:pPr/>
-              <a:t>1/30/2021</a:t>
+              <a:t>2/1/2021</a:t>
             </a:fld>
             <a:endParaRPr lang="en-US" dirty="0"/>
           </a:p>
@@ -6637,7 +6637,7 @@
             <a:fld id="{B61BEF0D-F0BB-DE4B-95CE-6DB70DBA9567}" type="datetimeFigureOut">
               <a:rPr lang="en-US" dirty="0"/>
               <a:pPr/>
-              <a:t>1/30/2021</a:t>
+              <a:t>2/1/2021</a:t>
             </a:fld>
             <a:endParaRPr lang="en-US" dirty="0"/>
           </a:p>
@@ -7091,7 +7091,7 @@
             <a:fld id="{B61BEF0D-F0BB-DE4B-95CE-6DB70DBA9567}" type="datetimeFigureOut">
               <a:rPr lang="en-US" dirty="0"/>
               <a:pPr/>
-              <a:t>1/30/2021</a:t>
+              <a:t>2/1/2021</a:t>
             </a:fld>
             <a:endParaRPr lang="en-US" dirty="0"/>
           </a:p>
@@ -7293,7 +7293,7 @@
             <a:fld id="{B61BEF0D-F0BB-DE4B-95CE-6DB70DBA9567}" type="datetimeFigureOut">
               <a:rPr lang="en-US" dirty="0"/>
               <a:pPr/>
-              <a:t>1/30/2021</a:t>
+              <a:t>2/1/2021</a:t>
             </a:fld>
             <a:endParaRPr lang="en-US" dirty="0"/>
           </a:p>
@@ -7467,7 +7467,7 @@
             <a:fld id="{B61BEF0D-F0BB-DE4B-95CE-6DB70DBA9567}" type="datetimeFigureOut">
               <a:rPr lang="en-US" dirty="0"/>
               <a:pPr/>
-              <a:t>1/30/2021</a:t>
+              <a:t>2/1/2021</a:t>
             </a:fld>
             <a:endParaRPr lang="en-US" dirty="0"/>
           </a:p>
@@ -7797,7 +7797,7 @@
             <a:fld id="{B61BEF0D-F0BB-DE4B-95CE-6DB70DBA9567}" type="datetimeFigureOut">
               <a:rPr lang="en-US" dirty="0"/>
               <a:pPr/>
-              <a:t>1/30/2021</a:t>
+              <a:t>2/1/2021</a:t>
             </a:fld>
             <a:endParaRPr lang="en-US" dirty="0"/>
           </a:p>
@@ -8139,7 +8139,7 @@
             <a:fld id="{B61BEF0D-F0BB-DE4B-95CE-6DB70DBA9567}" type="datetimeFigureOut">
               <a:rPr lang="en-US" dirty="0"/>
               <a:pPr/>
-              <a:t>1/30/2021</a:t>
+              <a:t>2/1/2021</a:t>
             </a:fld>
             <a:endParaRPr lang="en-US" dirty="0"/>
           </a:p>
@@ -10253,7 +10253,7 @@
             <a:fld id="{B61BEF0D-F0BB-DE4B-95CE-6DB70DBA9567}" type="datetimeFigureOut">
               <a:rPr lang="en-US" dirty="0"/>
               <a:pPr/>
-              <a:t>1/30/2021</a:t>
+              <a:t>2/1/2021</a:t>
             </a:fld>
             <a:endParaRPr lang="en-US" dirty="0"/>
           </a:p>
@@ -10932,7 +10932,7 @@
           <a:graphicData uri="http://schemas.openxmlformats.org/presentationml/2006/ole">
             <mc:AlternateContent xmlns:mc="http://schemas.openxmlformats.org/markup-compatibility/2006">
               <mc:Choice xmlns:v="urn:schemas-microsoft-com:vml" Requires="v">
-                <p:oleObj spid="_x0000_s1049" name="Visio" r:id="rId3" imgW="5876913" imgH="4524430" progId="Visio.Drawing.11">
+                <p:oleObj spid="_x0000_s1053" name="Visio" r:id="rId3" imgW="5876913" imgH="4524430" progId="Visio.Drawing.11">
                   <p:embed/>
                 </p:oleObj>
               </mc:Choice>
@@ -11075,7 +11075,7 @@
           <a:graphicData uri="http://schemas.openxmlformats.org/presentationml/2006/ole">
             <mc:AlternateContent xmlns:mc="http://schemas.openxmlformats.org/markup-compatibility/2006">
               <mc:Choice xmlns:v="urn:schemas-microsoft-com:vml" Requires="v">
-                <p:oleObj spid="_x0000_s2068" name="Visio" r:id="rId3" imgW="8143969" imgH="5429316" progId="Visio.Drawing.11">
+                <p:oleObj spid="_x0000_s2072" name="Visio" r:id="rId3" imgW="8143969" imgH="5429316" progId="Visio.Drawing.11">
                   <p:embed/>
                 </p:oleObj>
               </mc:Choice>
@@ -11985,7 +11985,7 @@
           <a:graphicData uri="http://schemas.openxmlformats.org/presentationml/2006/ole">
             <mc:AlternateContent xmlns:mc="http://schemas.openxmlformats.org/markup-compatibility/2006">
               <mc:Choice xmlns:v="urn:schemas-microsoft-com:vml" Requires="v">
-                <p:oleObj spid="_x0000_s3084" name="Visio" r:id="rId3" imgW="2524332" imgH="2019503" progId="Visio.Drawing.11">
+                <p:oleObj spid="_x0000_s3092" name="Visio" r:id="rId3" imgW="2524332" imgH="2019503" progId="Visio.Drawing.11">
                   <p:embed/>
                 </p:oleObj>
               </mc:Choice>
@@ -12048,7 +12048,7 @@
           <a:graphicData uri="http://schemas.openxmlformats.org/presentationml/2006/ole">
             <mc:AlternateContent xmlns:mc="http://schemas.openxmlformats.org/markup-compatibility/2006">
               <mc:Choice xmlns:v="urn:schemas-microsoft-com:vml" Requires="v">
-                <p:oleObj spid="_x0000_s3085" name="Visio" r:id="rId5" imgW="4333681" imgH="3533707" progId="Visio.Drawing.11">
+                <p:oleObj spid="_x0000_s3093" name="Visio" r:id="rId5" imgW="4333681" imgH="3533707" progId="Visio.Drawing.11">
                   <p:embed/>
                 </p:oleObj>
               </mc:Choice>
@@ -12131,17 +12131,27 @@
         </p:nvSpPr>
         <p:spPr>
           <a:xfrm>
-            <a:off x="482620" y="1352666"/>
-            <a:ext cx="2158980" cy="543339"/>
+            <a:off x="5122353" y="1330089"/>
+            <a:ext cx="3400759" cy="1209912"/>
           </a:xfrm>
         </p:spPr>
         <p:txBody>
-          <a:bodyPr/>
+          <a:bodyPr>
+            <a:normAutofit/>
+          </a:bodyPr>
           <a:lstStyle/>
           <a:p>
             <a:r>
               <a:rPr lang="zh-CN" altLang="en-US" dirty="0"/>
-              <a:t>占位</a:t>
+              <a:t>单态内联缓存</a:t>
+            </a:r>
+            <a:endParaRPr lang="en-US" altLang="zh-CN" dirty="0"/>
+          </a:p>
+          <a:p>
+            <a:pPr lvl="1"/>
+            <a:r>
+              <a:rPr lang="zh-CN" altLang="en-US" dirty="0"/>
+              <a:t>缓存初次调用时的偏移地址，下次调用直接查找缓存。</a:t>
             </a:r>
           </a:p>
         </p:txBody>
@@ -12297,20 +12307,20 @@
           <p:nvPr>
             <p:extLst>
               <p:ext uri="{D42A27DB-BD31-4B8C-83A1-F6EECF244321}">
-                <p14:modId xmlns:p14="http://schemas.microsoft.com/office/powerpoint/2010/main" val="1497525649"/>
+                <p14:modId xmlns:p14="http://schemas.microsoft.com/office/powerpoint/2010/main" val="1051849592"/>
               </p:ext>
             </p:extLst>
           </p:nvPr>
         </p:nvGraphicFramePr>
         <p:xfrm>
-          <a:off x="482620" y="1896005"/>
+          <a:off x="506028" y="3013605"/>
           <a:ext cx="2039970" cy="1532995"/>
         </p:xfrm>
         <a:graphic>
           <a:graphicData uri="http://schemas.openxmlformats.org/presentationml/2006/ole">
             <mc:AlternateContent xmlns:mc="http://schemas.openxmlformats.org/markup-compatibility/2006">
               <mc:Choice xmlns:v="urn:schemas-microsoft-com:vml" Requires="v">
-                <p:oleObj spid="_x0000_s4098" name="Visio" r:id="rId3" imgW="1609761" imgH="1209756" progId="Visio.Drawing.11">
+                <p:oleObj spid="_x0000_s4105" name="Visio" r:id="rId3" imgW="1609761" imgH="1209756" progId="Visio.Drawing.11">
                   <p:embed/>
                 </p:oleObj>
               </mc:Choice>
@@ -12331,8 +12341,71 @@
                     </p:blipFill>
                     <p:spPr>
                       <a:xfrm>
-                        <a:off x="482620" y="1896005"/>
+                        <a:off x="506028" y="3013605"/>
                         <a:ext cx="2039970" cy="1532995"/>
+                      </a:xfrm>
+                      <a:prstGeom prst="rect">
+                        <a:avLst/>
+                      </a:prstGeom>
+                    </p:spPr>
+                  </p:pic>
+                </p:oleObj>
+              </mc:Fallback>
+            </mc:AlternateContent>
+          </a:graphicData>
+        </a:graphic>
+      </p:graphicFrame>
+      <p:graphicFrame>
+        <p:nvGraphicFramePr>
+          <p:cNvPr id="2" name="对象 1">
+            <a:extLst>
+              <a:ext uri="{FF2B5EF4-FFF2-40B4-BE49-F238E27FC236}">
+                <a16:creationId xmlns:a16="http://schemas.microsoft.com/office/drawing/2014/main" id="{F78E33DF-C43E-47C3-908C-7728634ED84B}"/>
+              </a:ext>
+            </a:extLst>
+          </p:cNvPr>
+          <p:cNvGraphicFramePr>
+            <a:graphicFrameLocks noChangeAspect="1"/>
+          </p:cNvGraphicFramePr>
+          <p:nvPr>
+            <p:extLst>
+              <p:ext uri="{D42A27DB-BD31-4B8C-83A1-F6EECF244321}">
+                <p14:modId xmlns:p14="http://schemas.microsoft.com/office/powerpoint/2010/main" val="3547369129"/>
+              </p:ext>
+            </p:extLst>
+          </p:nvPr>
+        </p:nvGraphicFramePr>
+        <p:xfrm>
+          <a:off x="4346574" y="2268538"/>
+          <a:ext cx="5276850" cy="2009775"/>
+        </p:xfrm>
+        <a:graphic>
+          <a:graphicData uri="http://schemas.openxmlformats.org/presentationml/2006/ole">
+            <mc:AlternateContent xmlns:mc="http://schemas.openxmlformats.org/markup-compatibility/2006">
+              <mc:Choice xmlns:v="urn:schemas-microsoft-com:vml" Requires="v">
+                <p:oleObj spid="_x0000_s4106" name="Visio" r:id="rId5" imgW="5276885" imgH="2009777" progId="Visio.Drawing.11">
+                  <p:embed/>
+                </p:oleObj>
+              </mc:Choice>
+              <mc:Fallback>
+                <p:oleObj name="Visio" r:id="rId5" imgW="5276885" imgH="2009777" progId="Visio.Drawing.11">
+                  <p:embed/>
+                  <p:pic>
+                    <p:nvPicPr>
+                      <p:cNvPr id="0" name=""/>
+                      <p:cNvPicPr/>
+                      <p:nvPr/>
+                    </p:nvPicPr>
+                    <p:blipFill>
+                      <a:blip r:embed="rId6"/>
+                      <a:stretch>
+                        <a:fillRect/>
+                      </a:stretch>
+                    </p:blipFill>
+                    <p:spPr>
+                      <a:xfrm>
+                        <a:off x="4346574" y="2268538"/>
+                        <a:ext cx="5276850" cy="2009775"/>
                       </a:xfrm>
                       <a:prstGeom prst="rect">
                         <a:avLst/>

--- a/Google V8引擎.pptx
+++ b/Google V8引擎.pptx
@@ -11,6 +11,8 @@
     <p:sldId id="259" r:id="rId5"/>
     <p:sldId id="260" r:id="rId6"/>
     <p:sldId id="261" r:id="rId7"/>
+    <p:sldId id="262" r:id="rId8"/>
+    <p:sldId id="263" r:id="rId9"/>
   </p:sldIdLst>
   <p:sldSz cx="12192000" cy="6858000"/>
   <p:notesSz cx="6858000" cy="9144000"/>
@@ -3443,7 +3445,7 @@
             <a:fld id="{B61BEF0D-F0BB-DE4B-95CE-6DB70DBA9567}" type="datetimeFigureOut">
               <a:rPr lang="en-US" dirty="0"/>
               <a:pPr/>
-              <a:t>2/1/2021</a:t>
+              <a:t>2/2/2021</a:t>
             </a:fld>
             <a:endParaRPr lang="en-US" dirty="0"/>
           </a:p>
@@ -3778,7 +3780,7 @@
             <a:fld id="{B61BEF0D-F0BB-DE4B-95CE-6DB70DBA9567}" type="datetimeFigureOut">
               <a:rPr lang="en-US" dirty="0"/>
               <a:pPr/>
-              <a:t>2/1/2021</a:t>
+              <a:t>2/2/2021</a:t>
             </a:fld>
             <a:endParaRPr lang="en-US" dirty="0"/>
           </a:p>
@@ -4176,7 +4178,7 @@
             <a:fld id="{B61BEF0D-F0BB-DE4B-95CE-6DB70DBA9567}" type="datetimeFigureOut">
               <a:rPr lang="en-US" dirty="0"/>
               <a:pPr/>
-              <a:t>2/1/2021</a:t>
+              <a:t>2/2/2021</a:t>
             </a:fld>
             <a:endParaRPr lang="en-US" dirty="0"/>
           </a:p>
@@ -4509,7 +4511,7 @@
             <a:fld id="{B61BEF0D-F0BB-DE4B-95CE-6DB70DBA9567}" type="datetimeFigureOut">
               <a:rPr lang="en-US" dirty="0"/>
               <a:pPr/>
-              <a:t>2/1/2021</a:t>
+              <a:t>2/2/2021</a:t>
             </a:fld>
             <a:endParaRPr lang="en-US" dirty="0"/>
           </a:p>
@@ -4826,7 +4828,7 @@
             <a:fld id="{B61BEF0D-F0BB-DE4B-95CE-6DB70DBA9567}" type="datetimeFigureOut">
               <a:rPr lang="en-US" dirty="0"/>
               <a:pPr/>
-              <a:t>2/1/2021</a:t>
+              <a:t>2/2/2021</a:t>
             </a:fld>
             <a:endParaRPr lang="en-US" dirty="0"/>
           </a:p>
@@ -5219,7 +5221,7 @@
             <a:fld id="{B61BEF0D-F0BB-DE4B-95CE-6DB70DBA9567}" type="datetimeFigureOut">
               <a:rPr lang="en-US" dirty="0"/>
               <a:pPr/>
-              <a:t>2/1/2021</a:t>
+              <a:t>2/2/2021</a:t>
             </a:fld>
             <a:endParaRPr lang="en-US" dirty="0"/>
           </a:p>
@@ -5473,7 +5475,7 @@
             <a:fld id="{B61BEF0D-F0BB-DE4B-95CE-6DB70DBA9567}" type="datetimeFigureOut">
               <a:rPr lang="en-US" dirty="0"/>
               <a:pPr/>
-              <a:t>2/1/2021</a:t>
+              <a:t>2/2/2021</a:t>
             </a:fld>
             <a:endParaRPr lang="en-US" dirty="0"/>
           </a:p>
@@ -5732,7 +5734,7 @@
             <a:fld id="{B61BEF0D-F0BB-DE4B-95CE-6DB70DBA9567}" type="datetimeFigureOut">
               <a:rPr lang="en-US" dirty="0"/>
               <a:pPr/>
-              <a:t>2/1/2021</a:t>
+              <a:t>2/2/2021</a:t>
             </a:fld>
             <a:endParaRPr lang="en-US" dirty="0"/>
           </a:p>
@@ -5991,7 +5993,7 @@
             <a:fld id="{B61BEF0D-F0BB-DE4B-95CE-6DB70DBA9567}" type="datetimeFigureOut">
               <a:rPr lang="en-US" dirty="0"/>
               <a:pPr/>
-              <a:t>2/1/2021</a:t>
+              <a:t>2/2/2021</a:t>
             </a:fld>
             <a:endParaRPr lang="en-US" dirty="0"/>
           </a:p>
@@ -6317,7 +6319,7 @@
             <a:fld id="{B61BEF0D-F0BB-DE4B-95CE-6DB70DBA9567}" type="datetimeFigureOut">
               <a:rPr lang="en-US" dirty="0"/>
               <a:pPr/>
-              <a:t>2/1/2021</a:t>
+              <a:t>2/2/2021</a:t>
             </a:fld>
             <a:endParaRPr lang="en-US" dirty="0"/>
           </a:p>
@@ -6637,7 +6639,7 @@
             <a:fld id="{B61BEF0D-F0BB-DE4B-95CE-6DB70DBA9567}" type="datetimeFigureOut">
               <a:rPr lang="en-US" dirty="0"/>
               <a:pPr/>
-              <a:t>2/1/2021</a:t>
+              <a:t>2/2/2021</a:t>
             </a:fld>
             <a:endParaRPr lang="en-US" dirty="0"/>
           </a:p>
@@ -7091,7 +7093,7 @@
             <a:fld id="{B61BEF0D-F0BB-DE4B-95CE-6DB70DBA9567}" type="datetimeFigureOut">
               <a:rPr lang="en-US" dirty="0"/>
               <a:pPr/>
-              <a:t>2/1/2021</a:t>
+              <a:t>2/2/2021</a:t>
             </a:fld>
             <a:endParaRPr lang="en-US" dirty="0"/>
           </a:p>
@@ -7293,7 +7295,7 @@
             <a:fld id="{B61BEF0D-F0BB-DE4B-95CE-6DB70DBA9567}" type="datetimeFigureOut">
               <a:rPr lang="en-US" dirty="0"/>
               <a:pPr/>
-              <a:t>2/1/2021</a:t>
+              <a:t>2/2/2021</a:t>
             </a:fld>
             <a:endParaRPr lang="en-US" dirty="0"/>
           </a:p>
@@ -7467,7 +7469,7 @@
             <a:fld id="{B61BEF0D-F0BB-DE4B-95CE-6DB70DBA9567}" type="datetimeFigureOut">
               <a:rPr lang="en-US" dirty="0"/>
               <a:pPr/>
-              <a:t>2/1/2021</a:t>
+              <a:t>2/2/2021</a:t>
             </a:fld>
             <a:endParaRPr lang="en-US" dirty="0"/>
           </a:p>
@@ -7797,7 +7799,7 @@
             <a:fld id="{B61BEF0D-F0BB-DE4B-95CE-6DB70DBA9567}" type="datetimeFigureOut">
               <a:rPr lang="en-US" dirty="0"/>
               <a:pPr/>
-              <a:t>2/1/2021</a:t>
+              <a:t>2/2/2021</a:t>
             </a:fld>
             <a:endParaRPr lang="en-US" dirty="0"/>
           </a:p>
@@ -8139,7 +8141,7 @@
             <a:fld id="{B61BEF0D-F0BB-DE4B-95CE-6DB70DBA9567}" type="datetimeFigureOut">
               <a:rPr lang="en-US" dirty="0"/>
               <a:pPr/>
-              <a:t>2/1/2021</a:t>
+              <a:t>2/2/2021</a:t>
             </a:fld>
             <a:endParaRPr lang="en-US" dirty="0"/>
           </a:p>
@@ -10253,7 +10255,7 @@
             <a:fld id="{B61BEF0D-F0BB-DE4B-95CE-6DB70DBA9567}" type="datetimeFigureOut">
               <a:rPr lang="en-US" dirty="0"/>
               <a:pPr/>
-              <a:t>2/1/2021</a:t>
+              <a:t>2/2/2021</a:t>
             </a:fld>
             <a:endParaRPr lang="en-US" dirty="0"/>
           </a:p>
@@ -10932,7 +10934,7 @@
           <a:graphicData uri="http://schemas.openxmlformats.org/presentationml/2006/ole">
             <mc:AlternateContent xmlns:mc="http://schemas.openxmlformats.org/markup-compatibility/2006">
               <mc:Choice xmlns:v="urn:schemas-microsoft-com:vml" Requires="v">
-                <p:oleObj spid="_x0000_s1053" name="Visio" r:id="rId3" imgW="5876913" imgH="4524430" progId="Visio.Drawing.11">
+                <p:oleObj spid="_x0000_s1060" name="Visio" r:id="rId3" imgW="5876913" imgH="4524430" progId="Visio.Drawing.11">
                   <p:embed/>
                 </p:oleObj>
               </mc:Choice>
@@ -11075,7 +11077,7 @@
           <a:graphicData uri="http://schemas.openxmlformats.org/presentationml/2006/ole">
             <mc:AlternateContent xmlns:mc="http://schemas.openxmlformats.org/markup-compatibility/2006">
               <mc:Choice xmlns:v="urn:schemas-microsoft-com:vml" Requires="v">
-                <p:oleObj spid="_x0000_s2072" name="Visio" r:id="rId3" imgW="8143969" imgH="5429316" progId="Visio.Drawing.11">
+                <p:oleObj spid="_x0000_s2079" name="Visio" r:id="rId3" imgW="8143969" imgH="5429316" progId="Visio.Drawing.11">
                   <p:embed/>
                 </p:oleObj>
               </mc:Choice>
@@ -11696,8 +11698,825 @@
         </p:nvSpPr>
         <p:spPr>
           <a:xfrm>
-            <a:off x="6261046" y="1404394"/>
-            <a:ext cx="2801931" cy="1113027"/>
+            <a:off x="5967535" y="936628"/>
+            <a:ext cx="3278065" cy="1738839"/>
+          </a:xfrm>
+          <a:prstGeom prst="rect">
+            <a:avLst/>
+          </a:prstGeom>
+        </p:spPr>
+        <p:txBody>
+          <a:bodyPr vert="horz" lIns="91440" tIns="45720" rIns="91440" bIns="45720" rtlCol="0">
+            <a:normAutofit fontScale="92500"/>
+          </a:bodyPr>
+          <a:lstStyle>
+            <a:lvl1pPr marL="342900" indent="-342900" algn="l" defTabSz="457200" rtl="0" eaLnBrk="1" latinLnBrk="0" hangingPunct="1">
+              <a:spcBef>
+                <a:spcPts val="1000"/>
+              </a:spcBef>
+              <a:spcAft>
+                <a:spcPts val="0"/>
+              </a:spcAft>
+              <a:buClr>
+                <a:schemeClr val="accent1"/>
+              </a:buClr>
+              <a:buFont typeface="Wingdings 3" charset="2"/>
+              <a:buChar char=""/>
+              <a:defRPr sz="1800" kern="1200">
+                <a:solidFill>
+                  <a:schemeClr val="tx1">
+                    <a:lumMod val="75000"/>
+                    <a:lumOff val="25000"/>
+                  </a:schemeClr>
+                </a:solidFill>
+                <a:latin typeface="+mn-lt"/>
+                <a:ea typeface="+mn-ea"/>
+                <a:cs typeface="+mn-cs"/>
+              </a:defRPr>
+            </a:lvl1pPr>
+            <a:lvl2pPr marL="742950" indent="-285750" algn="l" defTabSz="457200" rtl="0" eaLnBrk="1" latinLnBrk="0" hangingPunct="1">
+              <a:spcBef>
+                <a:spcPts val="1000"/>
+              </a:spcBef>
+              <a:spcAft>
+                <a:spcPts val="0"/>
+              </a:spcAft>
+              <a:buClr>
+                <a:schemeClr val="accent1"/>
+              </a:buClr>
+              <a:buFont typeface="Wingdings 3" charset="2"/>
+              <a:buChar char=""/>
+              <a:defRPr sz="1600" kern="1200">
+                <a:solidFill>
+                  <a:schemeClr val="tx1">
+                    <a:lumMod val="75000"/>
+                    <a:lumOff val="25000"/>
+                  </a:schemeClr>
+                </a:solidFill>
+                <a:latin typeface="+mn-lt"/>
+                <a:ea typeface="+mn-ea"/>
+                <a:cs typeface="+mn-cs"/>
+              </a:defRPr>
+            </a:lvl2pPr>
+            <a:lvl3pPr marL="1143000" indent="-228600" algn="l" defTabSz="457200" rtl="0" eaLnBrk="1" latinLnBrk="0" hangingPunct="1">
+              <a:spcBef>
+                <a:spcPts val="1000"/>
+              </a:spcBef>
+              <a:spcAft>
+                <a:spcPts val="0"/>
+              </a:spcAft>
+              <a:buClr>
+                <a:schemeClr val="accent1"/>
+              </a:buClr>
+              <a:buFont typeface="Wingdings 3" charset="2"/>
+              <a:buChar char=""/>
+              <a:defRPr sz="1400" kern="1200">
+                <a:solidFill>
+                  <a:schemeClr val="tx1">
+                    <a:lumMod val="75000"/>
+                    <a:lumOff val="25000"/>
+                  </a:schemeClr>
+                </a:solidFill>
+                <a:latin typeface="+mn-lt"/>
+                <a:ea typeface="+mn-ea"/>
+                <a:cs typeface="+mn-cs"/>
+              </a:defRPr>
+            </a:lvl3pPr>
+            <a:lvl4pPr marL="1600200" indent="-228600" algn="l" defTabSz="457200" rtl="0" eaLnBrk="1" latinLnBrk="0" hangingPunct="1">
+              <a:spcBef>
+                <a:spcPts val="1000"/>
+              </a:spcBef>
+              <a:spcAft>
+                <a:spcPts val="0"/>
+              </a:spcAft>
+              <a:buClr>
+                <a:schemeClr val="accent1"/>
+              </a:buClr>
+              <a:buFont typeface="Wingdings 3" charset="2"/>
+              <a:buChar char=""/>
+              <a:defRPr sz="1200" kern="1200">
+                <a:solidFill>
+                  <a:schemeClr val="tx1">
+                    <a:lumMod val="75000"/>
+                    <a:lumOff val="25000"/>
+                  </a:schemeClr>
+                </a:solidFill>
+                <a:latin typeface="+mn-lt"/>
+                <a:ea typeface="+mn-ea"/>
+                <a:cs typeface="+mn-cs"/>
+              </a:defRPr>
+            </a:lvl4pPr>
+            <a:lvl5pPr marL="2057400" indent="-228600" algn="l" defTabSz="457200" rtl="0" eaLnBrk="1" latinLnBrk="0" hangingPunct="1">
+              <a:spcBef>
+                <a:spcPts val="1000"/>
+              </a:spcBef>
+              <a:spcAft>
+                <a:spcPts val="0"/>
+              </a:spcAft>
+              <a:buClr>
+                <a:schemeClr val="accent1"/>
+              </a:buClr>
+              <a:buFont typeface="Wingdings 3" charset="2"/>
+              <a:buChar char=""/>
+              <a:defRPr sz="1200" kern="1200">
+                <a:solidFill>
+                  <a:schemeClr val="tx1">
+                    <a:lumMod val="75000"/>
+                    <a:lumOff val="25000"/>
+                  </a:schemeClr>
+                </a:solidFill>
+                <a:latin typeface="+mn-lt"/>
+                <a:ea typeface="+mn-ea"/>
+                <a:cs typeface="+mn-cs"/>
+              </a:defRPr>
+            </a:lvl5pPr>
+            <a:lvl6pPr marL="2514600" indent="-228600" algn="l" defTabSz="457200" rtl="0" eaLnBrk="1" latinLnBrk="0" hangingPunct="1">
+              <a:spcBef>
+                <a:spcPts val="1000"/>
+              </a:spcBef>
+              <a:spcAft>
+                <a:spcPts val="0"/>
+              </a:spcAft>
+              <a:buClr>
+                <a:schemeClr val="accent1"/>
+              </a:buClr>
+              <a:buFont typeface="Wingdings 3" charset="2"/>
+              <a:buChar char=""/>
+              <a:defRPr sz="1200" kern="1200">
+                <a:solidFill>
+                  <a:schemeClr val="tx1">
+                    <a:lumMod val="75000"/>
+                    <a:lumOff val="25000"/>
+                  </a:schemeClr>
+                </a:solidFill>
+                <a:latin typeface="+mn-lt"/>
+                <a:ea typeface="+mn-ea"/>
+                <a:cs typeface="+mn-cs"/>
+              </a:defRPr>
+            </a:lvl6pPr>
+            <a:lvl7pPr marL="2971800" indent="-228600" algn="l" defTabSz="457200" rtl="0" eaLnBrk="1" latinLnBrk="0" hangingPunct="1">
+              <a:spcBef>
+                <a:spcPts val="1000"/>
+              </a:spcBef>
+              <a:spcAft>
+                <a:spcPts val="0"/>
+              </a:spcAft>
+              <a:buClr>
+                <a:schemeClr val="accent1"/>
+              </a:buClr>
+              <a:buFont typeface="Wingdings 3" charset="2"/>
+              <a:buChar char=""/>
+              <a:defRPr sz="1200" kern="1200">
+                <a:solidFill>
+                  <a:schemeClr val="tx1">
+                    <a:lumMod val="75000"/>
+                    <a:lumOff val="25000"/>
+                  </a:schemeClr>
+                </a:solidFill>
+                <a:latin typeface="+mn-lt"/>
+                <a:ea typeface="+mn-ea"/>
+                <a:cs typeface="+mn-cs"/>
+              </a:defRPr>
+            </a:lvl7pPr>
+            <a:lvl8pPr marL="3429000" indent="-228600" algn="l" defTabSz="457200" rtl="0" eaLnBrk="1" latinLnBrk="0" hangingPunct="1">
+              <a:spcBef>
+                <a:spcPts val="1000"/>
+              </a:spcBef>
+              <a:spcAft>
+                <a:spcPts val="0"/>
+              </a:spcAft>
+              <a:buClr>
+                <a:schemeClr val="accent1"/>
+              </a:buClr>
+              <a:buFont typeface="Wingdings 3" charset="2"/>
+              <a:buChar char=""/>
+              <a:defRPr sz="1200" kern="1200">
+                <a:solidFill>
+                  <a:schemeClr val="tx1">
+                    <a:lumMod val="75000"/>
+                    <a:lumOff val="25000"/>
+                  </a:schemeClr>
+                </a:solidFill>
+                <a:latin typeface="+mn-lt"/>
+                <a:ea typeface="+mn-ea"/>
+                <a:cs typeface="+mn-cs"/>
+              </a:defRPr>
+            </a:lvl8pPr>
+            <a:lvl9pPr marL="3886200" indent="-228600" algn="l" defTabSz="457200" rtl="0" eaLnBrk="1" latinLnBrk="0" hangingPunct="1">
+              <a:spcBef>
+                <a:spcPts val="1000"/>
+              </a:spcBef>
+              <a:spcAft>
+                <a:spcPts val="0"/>
+              </a:spcAft>
+              <a:buClr>
+                <a:schemeClr val="accent1"/>
+              </a:buClr>
+              <a:buFont typeface="Wingdings 3" charset="2"/>
+              <a:buChar char=""/>
+              <a:defRPr sz="1200" kern="1200">
+                <a:solidFill>
+                  <a:schemeClr val="tx1">
+                    <a:lumMod val="75000"/>
+                    <a:lumOff val="25000"/>
+                  </a:schemeClr>
+                </a:solidFill>
+                <a:latin typeface="+mn-lt"/>
+                <a:ea typeface="+mn-ea"/>
+                <a:cs typeface="+mn-cs"/>
+              </a:defRPr>
+            </a:lvl9pPr>
+          </a:lstStyle>
+          <a:p>
+            <a:r>
+              <a:rPr lang="zh-CN" altLang="en-US" dirty="0"/>
+              <a:t>静态语言特性借鉴：</a:t>
+            </a:r>
+            <a:endParaRPr lang="en-US" altLang="zh-CN" dirty="0"/>
+          </a:p>
+          <a:p>
+            <a:pPr lvl="1"/>
+            <a:r>
+              <a:rPr lang="zh-CN" altLang="en-US" dirty="0"/>
+              <a:t>类和位置偏移</a:t>
+            </a:r>
+            <a:endParaRPr lang="en-US" altLang="zh-CN" dirty="0"/>
+          </a:p>
+          <a:p>
+            <a:pPr lvl="1"/>
+            <a:r>
+              <a:rPr lang="zh-CN" altLang="en-US" dirty="0"/>
+              <a:t>隐藏类</a:t>
+            </a:r>
+            <a:endParaRPr lang="en-US" altLang="zh-CN" dirty="0"/>
+          </a:p>
+          <a:p>
+            <a:pPr lvl="1"/>
+            <a:r>
+              <a:rPr lang="zh-CN" altLang="en-US" dirty="0"/>
+              <a:t>动态修改会导致隐藏类失效，从而创建一个新的隐藏类</a:t>
+            </a:r>
+            <a:endParaRPr lang="en-US" altLang="zh-CN" dirty="0"/>
+          </a:p>
+          <a:p>
+            <a:pPr lvl="1"/>
+            <a:endParaRPr lang="en-US" altLang="zh-CN" dirty="0"/>
+          </a:p>
+          <a:p>
+            <a:pPr lvl="1"/>
+            <a:endParaRPr lang="en-US" altLang="zh-CN" dirty="0"/>
+          </a:p>
+          <a:p>
+            <a:pPr marL="457200" lvl="1" indent="0">
+              <a:buFont typeface="Wingdings 3" charset="2"/>
+              <a:buNone/>
+            </a:pPr>
+            <a:endParaRPr lang="en-US" altLang="zh-CN" dirty="0"/>
+          </a:p>
+        </p:txBody>
+      </p:sp>
+      <p:graphicFrame>
+        <p:nvGraphicFramePr>
+          <p:cNvPr id="7" name="对象 6">
+            <a:extLst>
+              <a:ext uri="{FF2B5EF4-FFF2-40B4-BE49-F238E27FC236}">
+                <a16:creationId xmlns:a16="http://schemas.microsoft.com/office/drawing/2014/main" id="{B2F37C5C-539E-4CDE-BCF8-C260CF49132A}"/>
+              </a:ext>
+            </a:extLst>
+          </p:cNvPr>
+          <p:cNvGraphicFramePr>
+            <a:graphicFrameLocks noChangeAspect="1"/>
+          </p:cNvGraphicFramePr>
+          <p:nvPr>
+            <p:extLst>
+              <p:ext uri="{D42A27DB-BD31-4B8C-83A1-F6EECF244321}">
+                <p14:modId xmlns:p14="http://schemas.microsoft.com/office/powerpoint/2010/main" val="2161219520"/>
+              </p:ext>
+            </p:extLst>
+          </p:nvPr>
+        </p:nvGraphicFramePr>
+        <p:xfrm>
+          <a:off x="3820229" y="3925696"/>
+          <a:ext cx="2524125" cy="2019300"/>
+        </p:xfrm>
+        <a:graphic>
+          <a:graphicData uri="http://schemas.openxmlformats.org/presentationml/2006/ole">
+            <mc:AlternateContent xmlns:mc="http://schemas.openxmlformats.org/markup-compatibility/2006">
+              <mc:Choice xmlns:v="urn:schemas-microsoft-com:vml" Requires="v">
+                <p:oleObj spid="_x0000_s3108" name="Visio" r:id="rId3" imgW="2524332" imgH="2019503" progId="Visio.Drawing.11">
+                  <p:embed/>
+                </p:oleObj>
+              </mc:Choice>
+              <mc:Fallback>
+                <p:oleObj name="Visio" r:id="rId3" imgW="2524332" imgH="2019503" progId="Visio.Drawing.11">
+                  <p:embed/>
+                  <p:pic>
+                    <p:nvPicPr>
+                      <p:cNvPr id="0" name=""/>
+                      <p:cNvPicPr/>
+                      <p:nvPr/>
+                    </p:nvPicPr>
+                    <p:blipFill>
+                      <a:blip r:embed="rId4"/>
+                      <a:stretch>
+                        <a:fillRect/>
+                      </a:stretch>
+                    </p:blipFill>
+                    <p:spPr>
+                      <a:xfrm>
+                        <a:off x="3820229" y="3925696"/>
+                        <a:ext cx="2524125" cy="2019300"/>
+                      </a:xfrm>
+                      <a:prstGeom prst="rect">
+                        <a:avLst/>
+                      </a:prstGeom>
+                    </p:spPr>
+                  </p:pic>
+                </p:oleObj>
+              </mc:Fallback>
+            </mc:AlternateContent>
+          </a:graphicData>
+        </a:graphic>
+      </p:graphicFrame>
+      <p:graphicFrame>
+        <p:nvGraphicFramePr>
+          <p:cNvPr id="8" name="对象 7">
+            <a:extLst>
+              <a:ext uri="{FF2B5EF4-FFF2-40B4-BE49-F238E27FC236}">
+                <a16:creationId xmlns:a16="http://schemas.microsoft.com/office/drawing/2014/main" id="{F728EBF5-667F-4F1D-A641-454334B8C0BA}"/>
+              </a:ext>
+            </a:extLst>
+          </p:cNvPr>
+          <p:cNvGraphicFramePr>
+            <a:graphicFrameLocks noChangeAspect="1"/>
+          </p:cNvGraphicFramePr>
+          <p:nvPr>
+            <p:extLst>
+              <p:ext uri="{D42A27DB-BD31-4B8C-83A1-F6EECF244321}">
+                <p14:modId xmlns:p14="http://schemas.microsoft.com/office/powerpoint/2010/main" val="381018017"/>
+              </p:ext>
+            </p:extLst>
+          </p:nvPr>
+        </p:nvGraphicFramePr>
+        <p:xfrm>
+          <a:off x="6466531" y="3043399"/>
+          <a:ext cx="4333875" cy="3533775"/>
+        </p:xfrm>
+        <a:graphic>
+          <a:graphicData uri="http://schemas.openxmlformats.org/presentationml/2006/ole">
+            <mc:AlternateContent xmlns:mc="http://schemas.openxmlformats.org/markup-compatibility/2006">
+              <mc:Choice xmlns:v="urn:schemas-microsoft-com:vml" Requires="v">
+                <p:oleObj spid="_x0000_s3109" name="Visio" r:id="rId5" imgW="4333681" imgH="3533707" progId="Visio.Drawing.11">
+                  <p:embed/>
+                </p:oleObj>
+              </mc:Choice>
+              <mc:Fallback>
+                <p:oleObj name="Visio" r:id="rId5" imgW="4333681" imgH="3533707" progId="Visio.Drawing.11">
+                  <p:embed/>
+                  <p:pic>
+                    <p:nvPicPr>
+                      <p:cNvPr id="0" name=""/>
+                      <p:cNvPicPr/>
+                      <p:nvPr/>
+                    </p:nvPicPr>
+                    <p:blipFill>
+                      <a:blip r:embed="rId6"/>
+                      <a:stretch>
+                        <a:fillRect/>
+                      </a:stretch>
+                    </p:blipFill>
+                    <p:spPr>
+                      <a:xfrm>
+                        <a:off x="6466531" y="3043399"/>
+                        <a:ext cx="4333875" cy="3533775"/>
+                      </a:xfrm>
+                      <a:prstGeom prst="rect">
+                        <a:avLst/>
+                      </a:prstGeom>
+                    </p:spPr>
+                  </p:pic>
+                </p:oleObj>
+              </mc:Fallback>
+            </mc:AlternateContent>
+          </a:graphicData>
+        </a:graphic>
+      </p:graphicFrame>
+    </p:spTree>
+    <p:extLst>
+      <p:ext uri="{BB962C8B-B14F-4D97-AF65-F5344CB8AC3E}">
+        <p14:creationId xmlns:p14="http://schemas.microsoft.com/office/powerpoint/2010/main" val="4102531770"/>
+      </p:ext>
+    </p:extLst>
+  </p:cSld>
+  <p:clrMapOvr>
+    <a:masterClrMapping/>
+  </p:clrMapOvr>
+</p:sld>
+</file>
+
+<file path=ppt/slides/slide6.xml><?xml version="1.0" encoding="utf-8"?>
+<p:sld xmlns:a="http://schemas.openxmlformats.org/drawingml/2006/main" xmlns:r="http://schemas.openxmlformats.org/officeDocument/2006/relationships" xmlns:p="http://schemas.openxmlformats.org/presentationml/2006/main">
+  <p:cSld>
+    <p:spTree>
+      <p:nvGrpSpPr>
+        <p:cNvPr id="1" name=""/>
+        <p:cNvGrpSpPr/>
+        <p:nvPr/>
+      </p:nvGrpSpPr>
+      <p:grpSpPr>
+        <a:xfrm>
+          <a:off x="0" y="0"/>
+          <a:ext cx="0" cy="0"/>
+          <a:chOff x="0" y="0"/>
+          <a:chExt cx="0" cy="0"/>
+        </a:xfrm>
+      </p:grpSpPr>
+      <p:sp>
+        <p:nvSpPr>
+          <p:cNvPr id="3" name="内容占位符 2">
+            <a:extLst>
+              <a:ext uri="{FF2B5EF4-FFF2-40B4-BE49-F238E27FC236}">
+                <a16:creationId xmlns:a16="http://schemas.microsoft.com/office/drawing/2014/main" id="{A8DE3D73-7E14-4520-8388-30A2836BCF37}"/>
+              </a:ext>
+            </a:extLst>
+          </p:cNvPr>
+          <p:cNvSpPr>
+            <a:spLocks noGrp="1"/>
+          </p:cNvSpPr>
+          <p:nvPr>
+            <p:ph idx="1"/>
+          </p:nvPr>
+        </p:nvSpPr>
+        <p:spPr>
+          <a:xfrm>
+            <a:off x="5122353" y="1330089"/>
+            <a:ext cx="3400759" cy="1209912"/>
+          </a:xfrm>
+        </p:spPr>
+        <p:txBody>
+          <a:bodyPr>
+            <a:normAutofit/>
+          </a:bodyPr>
+          <a:lstStyle/>
+          <a:p>
+            <a:r>
+              <a:rPr lang="zh-CN" altLang="en-US" dirty="0"/>
+              <a:t>单态内联缓存</a:t>
+            </a:r>
+            <a:endParaRPr lang="en-US" altLang="zh-CN" dirty="0"/>
+          </a:p>
+          <a:p>
+            <a:pPr lvl="1"/>
+            <a:r>
+              <a:rPr lang="zh-CN" altLang="en-US" dirty="0"/>
+              <a:t>缓存初次调用时的偏移地址，下次调用直接查找缓存。</a:t>
+            </a:r>
+          </a:p>
+        </p:txBody>
+      </p:sp>
+      <p:sp>
+        <p:nvSpPr>
+          <p:cNvPr id="4" name="标题 1">
+            <a:extLst>
+              <a:ext uri="{FF2B5EF4-FFF2-40B4-BE49-F238E27FC236}">
+                <a16:creationId xmlns:a16="http://schemas.microsoft.com/office/drawing/2014/main" id="{DDEF3800-A88C-42E1-A1F8-54E2EB3B5A66}"/>
+              </a:ext>
+            </a:extLst>
+          </p:cNvPr>
+          <p:cNvSpPr txBox="1">
+            <a:spLocks/>
+          </p:cNvSpPr>
+          <p:nvPr/>
+        </p:nvSpPr>
+        <p:spPr>
+          <a:xfrm>
+            <a:off x="177103" y="-1"/>
+            <a:ext cx="8675349" cy="543339"/>
+          </a:xfrm>
+          <a:prstGeom prst="rect">
+            <a:avLst/>
+          </a:prstGeom>
+          <a:solidFill>
+            <a:schemeClr val="accent5">
+              <a:lumMod val="40000"/>
+              <a:lumOff val="60000"/>
+            </a:schemeClr>
+          </a:solidFill>
+        </p:spPr>
+        <p:txBody>
+          <a:bodyPr vert="horz" lIns="91440" tIns="45720" rIns="91440" bIns="45720" rtlCol="0" anchor="t">
+            <a:noAutofit/>
+          </a:bodyPr>
+          <a:lstStyle>
+            <a:lvl1pPr algn="l" defTabSz="457200" rtl="0" eaLnBrk="1" latinLnBrk="0" hangingPunct="1">
+              <a:spcBef>
+                <a:spcPct val="0"/>
+              </a:spcBef>
+              <a:buNone/>
+              <a:defRPr sz="3600" kern="1200">
+                <a:solidFill>
+                  <a:schemeClr val="tx1">
+                    <a:lumMod val="85000"/>
+                    <a:lumOff val="15000"/>
+                  </a:schemeClr>
+                </a:solidFill>
+                <a:latin typeface="+mj-lt"/>
+                <a:ea typeface="+mj-ea"/>
+                <a:cs typeface="+mj-cs"/>
+              </a:defRPr>
+            </a:lvl1pPr>
+            <a:lvl2pPr eaLnBrk="1" hangingPunct="1">
+              <a:defRPr>
+                <a:solidFill>
+                  <a:schemeClr val="tx2"/>
+                </a:solidFill>
+              </a:defRPr>
+            </a:lvl2pPr>
+            <a:lvl3pPr eaLnBrk="1" hangingPunct="1">
+              <a:defRPr>
+                <a:solidFill>
+                  <a:schemeClr val="tx2"/>
+                </a:solidFill>
+              </a:defRPr>
+            </a:lvl3pPr>
+            <a:lvl4pPr eaLnBrk="1" hangingPunct="1">
+              <a:defRPr>
+                <a:solidFill>
+                  <a:schemeClr val="tx2"/>
+                </a:solidFill>
+              </a:defRPr>
+            </a:lvl4pPr>
+            <a:lvl5pPr eaLnBrk="1" hangingPunct="1">
+              <a:defRPr>
+                <a:solidFill>
+                  <a:schemeClr val="tx2"/>
+                </a:solidFill>
+              </a:defRPr>
+            </a:lvl5pPr>
+            <a:lvl6pPr eaLnBrk="1" hangingPunct="1">
+              <a:defRPr>
+                <a:solidFill>
+                  <a:schemeClr val="tx2"/>
+                </a:solidFill>
+              </a:defRPr>
+            </a:lvl6pPr>
+            <a:lvl7pPr eaLnBrk="1" hangingPunct="1">
+              <a:defRPr>
+                <a:solidFill>
+                  <a:schemeClr val="tx2"/>
+                </a:solidFill>
+              </a:defRPr>
+            </a:lvl7pPr>
+            <a:lvl8pPr eaLnBrk="1" hangingPunct="1">
+              <a:defRPr>
+                <a:solidFill>
+                  <a:schemeClr val="tx2"/>
+                </a:solidFill>
+              </a:defRPr>
+            </a:lvl8pPr>
+            <a:lvl9pPr eaLnBrk="1" hangingPunct="1">
+              <a:defRPr>
+                <a:solidFill>
+                  <a:schemeClr val="tx2"/>
+                </a:solidFill>
+              </a:defRPr>
+            </a:lvl9pPr>
+          </a:lstStyle>
+          <a:p>
+            <a:r>
+              <a:rPr lang="en-US" altLang="zh-CN" sz="2400" b="1" dirty="0"/>
+              <a:t>PIC(</a:t>
+            </a:r>
+            <a:r>
+              <a:rPr lang="en-US" altLang="zh-CN" sz="2400" b="1" dirty="0" err="1"/>
+              <a:t>PolyMorphic</a:t>
+            </a:r>
+            <a:r>
+              <a:rPr lang="en-US" altLang="zh-CN" sz="2400" b="1" dirty="0"/>
+              <a:t> </a:t>
+            </a:r>
+            <a:r>
+              <a:rPr lang="en-US" altLang="zh-CN" sz="2400" b="1" dirty="0" err="1"/>
+              <a:t>Iline</a:t>
+            </a:r>
+            <a:r>
+              <a:rPr lang="en-US" altLang="zh-CN" sz="2400" b="1" dirty="0"/>
+              <a:t> Cache) </a:t>
+            </a:r>
+            <a:r>
+              <a:rPr lang="zh-CN" altLang="en-US" sz="2400" b="1" dirty="0"/>
+              <a:t>多态内联缓存</a:t>
+            </a:r>
+          </a:p>
+        </p:txBody>
+      </p:sp>
+      <p:graphicFrame>
+        <p:nvGraphicFramePr>
+          <p:cNvPr id="6" name="对象 5">
+            <a:extLst>
+              <a:ext uri="{FF2B5EF4-FFF2-40B4-BE49-F238E27FC236}">
+                <a16:creationId xmlns:a16="http://schemas.microsoft.com/office/drawing/2014/main" id="{EE93EDD9-50C0-4C7F-91B8-891DACF16690}"/>
+              </a:ext>
+            </a:extLst>
+          </p:cNvPr>
+          <p:cNvGraphicFramePr>
+            <a:graphicFrameLocks noChangeAspect="1"/>
+          </p:cNvGraphicFramePr>
+          <p:nvPr>
+            <p:extLst>
+              <p:ext uri="{D42A27DB-BD31-4B8C-83A1-F6EECF244321}">
+                <p14:modId xmlns:p14="http://schemas.microsoft.com/office/powerpoint/2010/main" val="1051849592"/>
+              </p:ext>
+            </p:extLst>
+          </p:nvPr>
+        </p:nvGraphicFramePr>
+        <p:xfrm>
+          <a:off x="506028" y="3013605"/>
+          <a:ext cx="2039970" cy="1532995"/>
+        </p:xfrm>
+        <a:graphic>
+          <a:graphicData uri="http://schemas.openxmlformats.org/presentationml/2006/ole">
+            <mc:AlternateContent xmlns:mc="http://schemas.openxmlformats.org/markup-compatibility/2006">
+              <mc:Choice xmlns:v="urn:schemas-microsoft-com:vml" Requires="v">
+                <p:oleObj spid="_x0000_s4128" name="Visio" r:id="rId3" imgW="1609761" imgH="1209756" progId="Visio.Drawing.11">
+                  <p:embed/>
+                </p:oleObj>
+              </mc:Choice>
+              <mc:Fallback>
+                <p:oleObj name="Visio" r:id="rId3" imgW="1609761" imgH="1209756" progId="Visio.Drawing.11">
+                  <p:embed/>
+                  <p:pic>
+                    <p:nvPicPr>
+                      <p:cNvPr id="0" name=""/>
+                      <p:cNvPicPr/>
+                      <p:nvPr/>
+                    </p:nvPicPr>
+                    <p:blipFill>
+                      <a:blip r:embed="rId4"/>
+                      <a:stretch>
+                        <a:fillRect/>
+                      </a:stretch>
+                    </p:blipFill>
+                    <p:spPr>
+                      <a:xfrm>
+                        <a:off x="506028" y="3013605"/>
+                        <a:ext cx="2039970" cy="1532995"/>
+                      </a:xfrm>
+                      <a:prstGeom prst="rect">
+                        <a:avLst/>
+                      </a:prstGeom>
+                    </p:spPr>
+                  </p:pic>
+                </p:oleObj>
+              </mc:Fallback>
+            </mc:AlternateContent>
+          </a:graphicData>
+        </a:graphic>
+      </p:graphicFrame>
+      <p:graphicFrame>
+        <p:nvGraphicFramePr>
+          <p:cNvPr id="2" name="对象 1">
+            <a:extLst>
+              <a:ext uri="{FF2B5EF4-FFF2-40B4-BE49-F238E27FC236}">
+                <a16:creationId xmlns:a16="http://schemas.microsoft.com/office/drawing/2014/main" id="{F78E33DF-C43E-47C3-908C-7728634ED84B}"/>
+              </a:ext>
+            </a:extLst>
+          </p:cNvPr>
+          <p:cNvGraphicFramePr>
+            <a:graphicFrameLocks noChangeAspect="1"/>
+          </p:cNvGraphicFramePr>
+          <p:nvPr>
+            <p:extLst>
+              <p:ext uri="{D42A27DB-BD31-4B8C-83A1-F6EECF244321}">
+                <p14:modId xmlns:p14="http://schemas.microsoft.com/office/powerpoint/2010/main" val="3547369129"/>
+              </p:ext>
+            </p:extLst>
+          </p:nvPr>
+        </p:nvGraphicFramePr>
+        <p:xfrm>
+          <a:off x="4346574" y="2268538"/>
+          <a:ext cx="5276850" cy="2009775"/>
+        </p:xfrm>
+        <a:graphic>
+          <a:graphicData uri="http://schemas.openxmlformats.org/presentationml/2006/ole">
+            <mc:AlternateContent xmlns:mc="http://schemas.openxmlformats.org/markup-compatibility/2006">
+              <mc:Choice xmlns:v="urn:schemas-microsoft-com:vml" Requires="v">
+                <p:oleObj spid="_x0000_s4129" name="Visio" r:id="rId5" imgW="5276885" imgH="2009777" progId="Visio.Drawing.11">
+                  <p:embed/>
+                </p:oleObj>
+              </mc:Choice>
+              <mc:Fallback>
+                <p:oleObj name="Visio" r:id="rId5" imgW="5276885" imgH="2009777" progId="Visio.Drawing.11">
+                  <p:embed/>
+                  <p:pic>
+                    <p:nvPicPr>
+                      <p:cNvPr id="0" name=""/>
+                      <p:cNvPicPr/>
+                      <p:nvPr/>
+                    </p:nvPicPr>
+                    <p:blipFill>
+                      <a:blip r:embed="rId6"/>
+                      <a:stretch>
+                        <a:fillRect/>
+                      </a:stretch>
+                    </p:blipFill>
+                    <p:spPr>
+                      <a:xfrm>
+                        <a:off x="4346574" y="2268538"/>
+                        <a:ext cx="5276850" cy="2009775"/>
+                      </a:xfrm>
+                      <a:prstGeom prst="rect">
+                        <a:avLst/>
+                      </a:prstGeom>
+                    </p:spPr>
+                  </p:pic>
+                </p:oleObj>
+              </mc:Fallback>
+            </mc:AlternateContent>
+          </a:graphicData>
+        </a:graphic>
+      </p:graphicFrame>
+      <p:graphicFrame>
+        <p:nvGraphicFramePr>
+          <p:cNvPr id="5" name="对象 4">
+            <a:extLst>
+              <a:ext uri="{FF2B5EF4-FFF2-40B4-BE49-F238E27FC236}">
+                <a16:creationId xmlns:a16="http://schemas.microsoft.com/office/drawing/2014/main" id="{EF4D2DFF-B4DA-4049-8B02-0AA22D1E4E5B}"/>
+              </a:ext>
+            </a:extLst>
+          </p:cNvPr>
+          <p:cNvGraphicFramePr>
+            <a:graphicFrameLocks noChangeAspect="1"/>
+          </p:cNvGraphicFramePr>
+          <p:nvPr>
+            <p:extLst>
+              <p:ext uri="{D42A27DB-BD31-4B8C-83A1-F6EECF244321}">
+                <p14:modId xmlns:p14="http://schemas.microsoft.com/office/powerpoint/2010/main" val="3222494796"/>
+              </p:ext>
+            </p:extLst>
+          </p:nvPr>
+        </p:nvGraphicFramePr>
+        <p:xfrm>
+          <a:off x="4346574" y="4278313"/>
+          <a:ext cx="7153275" cy="2552700"/>
+        </p:xfrm>
+        <a:graphic>
+          <a:graphicData uri="http://schemas.openxmlformats.org/presentationml/2006/ole">
+            <mc:AlternateContent xmlns:mc="http://schemas.openxmlformats.org/markup-compatibility/2006">
+              <mc:Choice xmlns:v="urn:schemas-microsoft-com:vml" Requires="v">
+                <p:oleObj spid="_x0000_s4130" name="Visio" r:id="rId7" imgW="7153185" imgH="2552709" progId="Visio.Drawing.11">
+                  <p:embed/>
+                </p:oleObj>
+              </mc:Choice>
+              <mc:Fallback>
+                <p:oleObj name="Visio" r:id="rId7" imgW="7153185" imgH="2552709" progId="Visio.Drawing.11">
+                  <p:embed/>
+                  <p:pic>
+                    <p:nvPicPr>
+                      <p:cNvPr id="0" name=""/>
+                      <p:cNvPicPr/>
+                      <p:nvPr/>
+                    </p:nvPicPr>
+                    <p:blipFill>
+                      <a:blip r:embed="rId8"/>
+                      <a:stretch>
+                        <a:fillRect/>
+                      </a:stretch>
+                    </p:blipFill>
+                    <p:spPr>
+                      <a:xfrm>
+                        <a:off x="4346574" y="4278313"/>
+                        <a:ext cx="7153275" cy="2552700"/>
+                      </a:xfrm>
+                      <a:prstGeom prst="rect">
+                        <a:avLst/>
+                      </a:prstGeom>
+                    </p:spPr>
+                  </p:pic>
+                </p:oleObj>
+              </mc:Fallback>
+            </mc:AlternateContent>
+          </a:graphicData>
+        </a:graphic>
+      </p:graphicFrame>
+      <p:sp>
+        <p:nvSpPr>
+          <p:cNvPr id="7" name="内容占位符 2">
+            <a:extLst>
+              <a:ext uri="{FF2B5EF4-FFF2-40B4-BE49-F238E27FC236}">
+                <a16:creationId xmlns:a16="http://schemas.microsoft.com/office/drawing/2014/main" id="{3952A950-46CE-4A27-A044-91025DB3D4C9}"/>
+              </a:ext>
+            </a:extLst>
+          </p:cNvPr>
+          <p:cNvSpPr txBox="1">
+            <a:spLocks/>
+          </p:cNvSpPr>
+          <p:nvPr/>
+        </p:nvSpPr>
+        <p:spPr>
+          <a:xfrm>
+            <a:off x="1114018" y="4611805"/>
+            <a:ext cx="3400759" cy="1404819"/>
           </a:xfrm>
           <a:prstGeom prst="rect">
             <a:avLst/>
@@ -11928,7 +12747,7 @@
           <a:p>
             <a:r>
               <a:rPr lang="zh-CN" altLang="en-US" dirty="0"/>
-              <a:t>静态语言特性借鉴：</a:t>
+              <a:t>多态内联缓存</a:t>
             </a:r>
             <a:endParaRPr lang="en-US" altLang="zh-CN" dirty="0"/>
           </a:p>
@@ -11936,7 +12755,7 @@
             <a:pPr lvl="1"/>
             <a:r>
               <a:rPr lang="zh-CN" altLang="en-US" dirty="0"/>
-              <a:t>类和位置偏移</a:t>
+              <a:t>缓存多次调用的地址</a:t>
             </a:r>
             <a:endParaRPr lang="en-US" altLang="zh-CN" dirty="0"/>
           </a:p>
@@ -11944,149 +12763,15 @@
             <a:pPr lvl="1"/>
             <a:r>
               <a:rPr lang="zh-CN" altLang="en-US" dirty="0"/>
-              <a:t>隐藏类</a:t>
-            </a:r>
-            <a:endParaRPr lang="en-US" altLang="zh-CN" dirty="0"/>
-          </a:p>
-          <a:p>
-            <a:pPr marL="457200" lvl="1" indent="0">
-              <a:buFont typeface="Wingdings 3" charset="2"/>
-              <a:buNone/>
-            </a:pPr>
-            <a:endParaRPr lang="en-US" altLang="zh-CN" dirty="0"/>
+              <a:t>缓存失效会进行扩展，可以包含实际存在的所有情况</a:t>
+            </a:r>
           </a:p>
         </p:txBody>
       </p:sp>
-      <p:graphicFrame>
-        <p:nvGraphicFramePr>
-          <p:cNvPr id="7" name="对象 6">
-            <a:extLst>
-              <a:ext uri="{FF2B5EF4-FFF2-40B4-BE49-F238E27FC236}">
-                <a16:creationId xmlns:a16="http://schemas.microsoft.com/office/drawing/2014/main" id="{B2F37C5C-539E-4CDE-BCF8-C260CF49132A}"/>
-              </a:ext>
-            </a:extLst>
-          </p:cNvPr>
-          <p:cNvGraphicFramePr>
-            <a:graphicFrameLocks noChangeAspect="1"/>
-          </p:cNvGraphicFramePr>
-          <p:nvPr>
-            <p:extLst>
-              <p:ext uri="{D42A27DB-BD31-4B8C-83A1-F6EECF244321}">
-                <p14:modId xmlns:p14="http://schemas.microsoft.com/office/powerpoint/2010/main" val="2161219520"/>
-              </p:ext>
-            </p:extLst>
-          </p:nvPr>
-        </p:nvGraphicFramePr>
-        <p:xfrm>
-          <a:off x="3820229" y="3925696"/>
-          <a:ext cx="2524125" cy="2019300"/>
-        </p:xfrm>
-        <a:graphic>
-          <a:graphicData uri="http://schemas.openxmlformats.org/presentationml/2006/ole">
-            <mc:AlternateContent xmlns:mc="http://schemas.openxmlformats.org/markup-compatibility/2006">
-              <mc:Choice xmlns:v="urn:schemas-microsoft-com:vml" Requires="v">
-                <p:oleObj spid="_x0000_s3092" name="Visio" r:id="rId3" imgW="2524332" imgH="2019503" progId="Visio.Drawing.11">
-                  <p:embed/>
-                </p:oleObj>
-              </mc:Choice>
-              <mc:Fallback>
-                <p:oleObj name="Visio" r:id="rId3" imgW="2524332" imgH="2019503" progId="Visio.Drawing.11">
-                  <p:embed/>
-                  <p:pic>
-                    <p:nvPicPr>
-                      <p:cNvPr id="0" name=""/>
-                      <p:cNvPicPr/>
-                      <p:nvPr/>
-                    </p:nvPicPr>
-                    <p:blipFill>
-                      <a:blip r:embed="rId4"/>
-                      <a:stretch>
-                        <a:fillRect/>
-                      </a:stretch>
-                    </p:blipFill>
-                    <p:spPr>
-                      <a:xfrm>
-                        <a:off x="3820229" y="3925696"/>
-                        <a:ext cx="2524125" cy="2019300"/>
-                      </a:xfrm>
-                      <a:prstGeom prst="rect">
-                        <a:avLst/>
-                      </a:prstGeom>
-                    </p:spPr>
-                  </p:pic>
-                </p:oleObj>
-              </mc:Fallback>
-            </mc:AlternateContent>
-          </a:graphicData>
-        </a:graphic>
-      </p:graphicFrame>
-      <p:graphicFrame>
-        <p:nvGraphicFramePr>
-          <p:cNvPr id="8" name="对象 7">
-            <a:extLst>
-              <a:ext uri="{FF2B5EF4-FFF2-40B4-BE49-F238E27FC236}">
-                <a16:creationId xmlns:a16="http://schemas.microsoft.com/office/drawing/2014/main" id="{F728EBF5-667F-4F1D-A641-454334B8C0BA}"/>
-              </a:ext>
-            </a:extLst>
-          </p:cNvPr>
-          <p:cNvGraphicFramePr>
-            <a:graphicFrameLocks noChangeAspect="1"/>
-          </p:cNvGraphicFramePr>
-          <p:nvPr>
-            <p:extLst>
-              <p:ext uri="{D42A27DB-BD31-4B8C-83A1-F6EECF244321}">
-                <p14:modId xmlns:p14="http://schemas.microsoft.com/office/powerpoint/2010/main" val="390712270"/>
-              </p:ext>
-            </p:extLst>
-          </p:nvPr>
-        </p:nvGraphicFramePr>
-        <p:xfrm>
-          <a:off x="6376220" y="2411221"/>
-          <a:ext cx="4333875" cy="3533775"/>
-        </p:xfrm>
-        <a:graphic>
-          <a:graphicData uri="http://schemas.openxmlformats.org/presentationml/2006/ole">
-            <mc:AlternateContent xmlns:mc="http://schemas.openxmlformats.org/markup-compatibility/2006">
-              <mc:Choice xmlns:v="urn:schemas-microsoft-com:vml" Requires="v">
-                <p:oleObj spid="_x0000_s3093" name="Visio" r:id="rId5" imgW="4333681" imgH="3533707" progId="Visio.Drawing.11">
-                  <p:embed/>
-                </p:oleObj>
-              </mc:Choice>
-              <mc:Fallback>
-                <p:oleObj name="Visio" r:id="rId5" imgW="4333681" imgH="3533707" progId="Visio.Drawing.11">
-                  <p:embed/>
-                  <p:pic>
-                    <p:nvPicPr>
-                      <p:cNvPr id="0" name=""/>
-                      <p:cNvPicPr/>
-                      <p:nvPr/>
-                    </p:nvPicPr>
-                    <p:blipFill>
-                      <a:blip r:embed="rId6"/>
-                      <a:stretch>
-                        <a:fillRect/>
-                      </a:stretch>
-                    </p:blipFill>
-                    <p:spPr>
-                      <a:xfrm>
-                        <a:off x="6376220" y="2411221"/>
-                        <a:ext cx="4333875" cy="3533775"/>
-                      </a:xfrm>
-                      <a:prstGeom prst="rect">
-                        <a:avLst/>
-                      </a:prstGeom>
-                    </p:spPr>
-                  </p:pic>
-                </p:oleObj>
-              </mc:Fallback>
-            </mc:AlternateContent>
-          </a:graphicData>
-        </a:graphic>
-      </p:graphicFrame>
     </p:spTree>
     <p:extLst>
       <p:ext uri="{BB962C8B-B14F-4D97-AF65-F5344CB8AC3E}">
-        <p14:creationId xmlns:p14="http://schemas.microsoft.com/office/powerpoint/2010/main" val="4102531770"/>
+        <p14:creationId xmlns:p14="http://schemas.microsoft.com/office/powerpoint/2010/main" val="3826802999"/>
       </p:ext>
     </p:extLst>
   </p:cSld>
@@ -12096,7 +12781,7 @@
 </p:sld>
 </file>
 
-<file path=ppt/slides/slide6.xml><?xml version="1.0" encoding="utf-8"?>
+<file path=ppt/slides/slide7.xml><?xml version="1.0" encoding="utf-8"?>
 <p:sld xmlns:a="http://schemas.openxmlformats.org/drawingml/2006/main" xmlns:r="http://schemas.openxmlformats.org/officeDocument/2006/relationships" xmlns:p="http://schemas.openxmlformats.org/presentationml/2006/main">
   <p:cSld>
     <p:spTree>
@@ -12118,7 +12803,7 @@
           <p:cNvPr id="3" name="内容占位符 2">
             <a:extLst>
               <a:ext uri="{FF2B5EF4-FFF2-40B4-BE49-F238E27FC236}">
-                <a16:creationId xmlns:a16="http://schemas.microsoft.com/office/drawing/2014/main" id="{A8DE3D73-7E14-4520-8388-30A2836BCF37}"/>
+                <a16:creationId xmlns:a16="http://schemas.microsoft.com/office/drawing/2014/main" id="{B0C572F5-816B-4669-ADD5-6F9A8C4CFC64}"/>
               </a:ext>
             </a:extLst>
           </p:cNvPr>
@@ -12131,8 +12816,8 @@
         </p:nvSpPr>
         <p:spPr>
           <a:xfrm>
-            <a:off x="5122353" y="1330089"/>
-            <a:ext cx="3400759" cy="1209912"/>
+            <a:off x="308856" y="1363134"/>
+            <a:ext cx="3371322" cy="2065866"/>
           </a:xfrm>
         </p:spPr>
         <p:txBody>
@@ -12143,7 +12828,7 @@
           <a:p>
             <a:r>
               <a:rPr lang="zh-CN" altLang="en-US" dirty="0"/>
-              <a:t>单态内联缓存</a:t>
+              <a:t>无中间代码，纯机器码</a:t>
             </a:r>
             <a:endParaRPr lang="en-US" altLang="zh-CN" dirty="0"/>
           </a:p>
@@ -12151,7 +12836,23 @@
             <a:pPr lvl="1"/>
             <a:r>
               <a:rPr lang="zh-CN" altLang="en-US" dirty="0"/>
-              <a:t>缓存初次调用时的偏移地址，下次调用直接查找缓存。</a:t>
+              <a:t>编译执行速度快，减少浏览器响应时间</a:t>
+            </a:r>
+            <a:endParaRPr lang="en-US" altLang="zh-CN" dirty="0"/>
+          </a:p>
+          <a:p>
+            <a:pPr lvl="1"/>
+            <a:r>
+              <a:rPr lang="zh-CN" altLang="en-US" dirty="0"/>
+              <a:t>代码复杂度高</a:t>
+            </a:r>
+            <a:endParaRPr lang="en-US" altLang="zh-CN" dirty="0"/>
+          </a:p>
+          <a:p>
+            <a:pPr lvl="1"/>
+            <a:r>
+              <a:rPr lang="zh-CN" altLang="en-US" dirty="0"/>
+              <a:t>机器码占用内存大，无法编译全部代码。</a:t>
             </a:r>
           </a:p>
         </p:txBody>
@@ -12161,7 +12862,7 @@
           <p:cNvPr id="4" name="标题 1">
             <a:extLst>
               <a:ext uri="{FF2B5EF4-FFF2-40B4-BE49-F238E27FC236}">
-                <a16:creationId xmlns:a16="http://schemas.microsoft.com/office/drawing/2014/main" id="{DDEF3800-A88C-42E1-A1F8-54E2EB3B5A66}"/>
+                <a16:creationId xmlns:a16="http://schemas.microsoft.com/office/drawing/2014/main" id="{6560C7FB-9A02-4C9D-9CC8-6B65B4E6E61C}"/>
               </a:ext>
             </a:extLst>
           </p:cNvPr>
@@ -12267,37 +12968,21 @@
           <a:p>
             <a:r>
               <a:rPr lang="en-US" altLang="zh-CN" sz="2400" b="1" dirty="0"/>
-              <a:t>PIC(</a:t>
-            </a:r>
-            <a:r>
-              <a:rPr lang="en-US" altLang="zh-CN" sz="2400" b="1" dirty="0" err="1"/>
-              <a:t>PolyMorphic</a:t>
-            </a:r>
-            <a:r>
-              <a:rPr lang="en-US" altLang="zh-CN" sz="2400" b="1" dirty="0"/>
-              <a:t> </a:t>
-            </a:r>
-            <a:r>
-              <a:rPr lang="en-US" altLang="zh-CN" sz="2400" b="1" dirty="0" err="1"/>
-              <a:t>Iline</a:t>
-            </a:r>
-            <a:r>
-              <a:rPr lang="en-US" altLang="zh-CN" sz="2400" b="1" dirty="0"/>
-              <a:t> Cache) </a:t>
+              <a:t>Ignition——</a:t>
             </a:r>
             <a:r>
               <a:rPr lang="zh-CN" altLang="en-US" sz="2400" b="1" dirty="0"/>
-              <a:t>多态内联缓存</a:t>
+              <a:t>字节码编译器</a:t>
             </a:r>
           </a:p>
         </p:txBody>
       </p:sp>
       <p:graphicFrame>
         <p:nvGraphicFramePr>
-          <p:cNvPr id="6" name="对象 5">
+          <p:cNvPr id="5" name="对象 4">
             <a:extLst>
               <a:ext uri="{FF2B5EF4-FFF2-40B4-BE49-F238E27FC236}">
-                <a16:creationId xmlns:a16="http://schemas.microsoft.com/office/drawing/2014/main" id="{EE93EDD9-50C0-4C7F-91B8-891DACF16690}"/>
+                <a16:creationId xmlns:a16="http://schemas.microsoft.com/office/drawing/2014/main" id="{A0DA0B45-2976-422E-BDE4-6C77CFE96AAD}"/>
               </a:ext>
             </a:extLst>
           </p:cNvPr>
@@ -12307,25 +12992,25 @@
           <p:nvPr>
             <p:extLst>
               <p:ext uri="{D42A27DB-BD31-4B8C-83A1-F6EECF244321}">
-                <p14:modId xmlns:p14="http://schemas.microsoft.com/office/powerpoint/2010/main" val="1051849592"/>
+                <p14:modId xmlns:p14="http://schemas.microsoft.com/office/powerpoint/2010/main" val="3696651781"/>
               </p:ext>
             </p:extLst>
           </p:nvPr>
         </p:nvGraphicFramePr>
         <p:xfrm>
-          <a:off x="506028" y="3013605"/>
-          <a:ext cx="2039970" cy="1532995"/>
+          <a:off x="3680178" y="1541816"/>
+          <a:ext cx="7639050" cy="4543425"/>
         </p:xfrm>
         <a:graphic>
           <a:graphicData uri="http://schemas.openxmlformats.org/presentationml/2006/ole">
             <mc:AlternateContent xmlns:mc="http://schemas.openxmlformats.org/markup-compatibility/2006">
               <mc:Choice xmlns:v="urn:schemas-microsoft-com:vml" Requires="v">
-                <p:oleObj spid="_x0000_s4105" name="Visio" r:id="rId3" imgW="1609761" imgH="1209756" progId="Visio.Drawing.11">
+                <p:oleObj spid="_x0000_s5127" name="Visio" r:id="rId3" imgW="7639103" imgH="4543458" progId="Visio.Drawing.11">
                   <p:embed/>
                 </p:oleObj>
               </mc:Choice>
               <mc:Fallback>
-                <p:oleObj name="Visio" r:id="rId3" imgW="1609761" imgH="1209756" progId="Visio.Drawing.11">
+                <p:oleObj name="Visio" r:id="rId3" imgW="7639103" imgH="4543458" progId="Visio.Drawing.11">
                   <p:embed/>
                   <p:pic>
                     <p:nvPicPr>
@@ -12341,71 +13026,8 @@
                     </p:blipFill>
                     <p:spPr>
                       <a:xfrm>
-                        <a:off x="506028" y="3013605"/>
-                        <a:ext cx="2039970" cy="1532995"/>
-                      </a:xfrm>
-                      <a:prstGeom prst="rect">
-                        <a:avLst/>
-                      </a:prstGeom>
-                    </p:spPr>
-                  </p:pic>
-                </p:oleObj>
-              </mc:Fallback>
-            </mc:AlternateContent>
-          </a:graphicData>
-        </a:graphic>
-      </p:graphicFrame>
-      <p:graphicFrame>
-        <p:nvGraphicFramePr>
-          <p:cNvPr id="2" name="对象 1">
-            <a:extLst>
-              <a:ext uri="{FF2B5EF4-FFF2-40B4-BE49-F238E27FC236}">
-                <a16:creationId xmlns:a16="http://schemas.microsoft.com/office/drawing/2014/main" id="{F78E33DF-C43E-47C3-908C-7728634ED84B}"/>
-              </a:ext>
-            </a:extLst>
-          </p:cNvPr>
-          <p:cNvGraphicFramePr>
-            <a:graphicFrameLocks noChangeAspect="1"/>
-          </p:cNvGraphicFramePr>
-          <p:nvPr>
-            <p:extLst>
-              <p:ext uri="{D42A27DB-BD31-4B8C-83A1-F6EECF244321}">
-                <p14:modId xmlns:p14="http://schemas.microsoft.com/office/powerpoint/2010/main" val="3547369129"/>
-              </p:ext>
-            </p:extLst>
-          </p:nvPr>
-        </p:nvGraphicFramePr>
-        <p:xfrm>
-          <a:off x="4346574" y="2268538"/>
-          <a:ext cx="5276850" cy="2009775"/>
-        </p:xfrm>
-        <a:graphic>
-          <a:graphicData uri="http://schemas.openxmlformats.org/presentationml/2006/ole">
-            <mc:AlternateContent xmlns:mc="http://schemas.openxmlformats.org/markup-compatibility/2006">
-              <mc:Choice xmlns:v="urn:schemas-microsoft-com:vml" Requires="v">
-                <p:oleObj spid="_x0000_s4106" name="Visio" r:id="rId5" imgW="5276885" imgH="2009777" progId="Visio.Drawing.11">
-                  <p:embed/>
-                </p:oleObj>
-              </mc:Choice>
-              <mc:Fallback>
-                <p:oleObj name="Visio" r:id="rId5" imgW="5276885" imgH="2009777" progId="Visio.Drawing.11">
-                  <p:embed/>
-                  <p:pic>
-                    <p:nvPicPr>
-                      <p:cNvPr id="0" name=""/>
-                      <p:cNvPicPr/>
-                      <p:nvPr/>
-                    </p:nvPicPr>
-                    <p:blipFill>
-                      <a:blip r:embed="rId6"/>
-                      <a:stretch>
-                        <a:fillRect/>
-                      </a:stretch>
-                    </p:blipFill>
-                    <p:spPr>
-                      <a:xfrm>
-                        <a:off x="4346574" y="2268538"/>
-                        <a:ext cx="5276850" cy="2009775"/>
+                        <a:off x="3680178" y="1541816"/>
+                        <a:ext cx="7639050" cy="4543425"/>
                       </a:xfrm>
                       <a:prstGeom prst="rect">
                         <a:avLst/>
@@ -12421,7 +13043,366 @@
     </p:spTree>
     <p:extLst>
       <p:ext uri="{BB962C8B-B14F-4D97-AF65-F5344CB8AC3E}">
-        <p14:creationId xmlns:p14="http://schemas.microsoft.com/office/powerpoint/2010/main" val="3826802999"/>
+        <p14:creationId xmlns:p14="http://schemas.microsoft.com/office/powerpoint/2010/main" val="4059752678"/>
+      </p:ext>
+    </p:extLst>
+  </p:cSld>
+  <p:clrMapOvr>
+    <a:masterClrMapping/>
+  </p:clrMapOvr>
+</p:sld>
+</file>
+
+<file path=ppt/slides/slide8.xml><?xml version="1.0" encoding="utf-8"?>
+<p:sld xmlns:a="http://schemas.openxmlformats.org/drawingml/2006/main" xmlns:r="http://schemas.openxmlformats.org/officeDocument/2006/relationships" xmlns:p="http://schemas.openxmlformats.org/presentationml/2006/main">
+  <p:cSld>
+    <p:spTree>
+      <p:nvGrpSpPr>
+        <p:cNvPr id="1" name=""/>
+        <p:cNvGrpSpPr/>
+        <p:nvPr/>
+      </p:nvGrpSpPr>
+      <p:grpSpPr>
+        <a:xfrm>
+          <a:off x="0" y="0"/>
+          <a:ext cx="0" cy="0"/>
+          <a:chOff x="0" y="0"/>
+          <a:chExt cx="0" cy="0"/>
+        </a:xfrm>
+      </p:grpSpPr>
+      <p:sp>
+        <p:nvSpPr>
+          <p:cNvPr id="3" name="内容占位符 2">
+            <a:extLst>
+              <a:ext uri="{FF2B5EF4-FFF2-40B4-BE49-F238E27FC236}">
+                <a16:creationId xmlns:a16="http://schemas.microsoft.com/office/drawing/2014/main" id="{ED40BCA6-90FB-4A9E-A2E1-455B7EF8E168}"/>
+              </a:ext>
+            </a:extLst>
+          </p:cNvPr>
+          <p:cNvSpPr>
+            <a:spLocks noGrp="1"/>
+          </p:cNvSpPr>
+          <p:nvPr>
+            <p:ph idx="1"/>
+          </p:nvPr>
+        </p:nvSpPr>
+        <p:spPr>
+          <a:xfrm>
+            <a:off x="466901" y="1399822"/>
+            <a:ext cx="5471055" cy="2483556"/>
+          </a:xfrm>
+        </p:spPr>
+        <p:txBody>
+          <a:bodyPr>
+            <a:normAutofit lnSpcReduction="10000"/>
+          </a:bodyPr>
+          <a:lstStyle/>
+          <a:p>
+            <a:r>
+              <a:rPr lang="en-US" altLang="zh-CN" dirty="0"/>
+              <a:t>Crankshaft </a:t>
+            </a:r>
+          </a:p>
+          <a:p>
+            <a:pPr lvl="1"/>
+            <a:r>
+              <a:rPr lang="en-US" altLang="zh-CN" dirty="0"/>
+              <a:t>JIT</a:t>
+            </a:r>
+            <a:r>
+              <a:rPr lang="zh-CN" altLang="en-US" dirty="0"/>
+              <a:t>优化编译器，对频繁执行的函数进行优化，生成高度优化的代码</a:t>
+            </a:r>
+            <a:endParaRPr lang="en-US" altLang="zh-CN" dirty="0"/>
+          </a:p>
+          <a:p>
+            <a:pPr lvl="1"/>
+            <a:r>
+              <a:rPr lang="zh-CN" altLang="en-US" dirty="0"/>
+              <a:t>仅仅只能优化一部分</a:t>
+            </a:r>
+            <a:r>
+              <a:rPr lang="en-US" altLang="zh-CN" dirty="0" err="1"/>
+              <a:t>js</a:t>
+            </a:r>
+            <a:r>
+              <a:rPr lang="zh-CN" altLang="en-US" dirty="0"/>
+              <a:t>代码，适配性差</a:t>
+            </a:r>
+            <a:endParaRPr lang="en-US" altLang="zh-CN" dirty="0"/>
+          </a:p>
+          <a:p>
+            <a:pPr lvl="0">
+              <a:buClr>
+                <a:srgbClr val="A53010"/>
+              </a:buClr>
+            </a:pPr>
+            <a:r>
+              <a:rPr lang="en-US" altLang="zh-CN" dirty="0" err="1">
+                <a:solidFill>
+                  <a:prstClr val="black">
+                    <a:lumMod val="75000"/>
+                    <a:lumOff val="25000"/>
+                  </a:prstClr>
+                </a:solidFill>
+              </a:rPr>
+              <a:t>TurboFan</a:t>
+            </a:r>
+            <a:endParaRPr lang="en-US" altLang="zh-CN" dirty="0">
+              <a:solidFill>
+                <a:prstClr val="black">
+                  <a:lumMod val="75000"/>
+                  <a:lumOff val="25000"/>
+                </a:prstClr>
+              </a:solidFill>
+            </a:endParaRPr>
+          </a:p>
+          <a:p>
+            <a:pPr lvl="1">
+              <a:buClr>
+                <a:srgbClr val="A53010"/>
+              </a:buClr>
+            </a:pPr>
+            <a:r>
+              <a:rPr lang="zh-CN" altLang="en-US" dirty="0">
+                <a:solidFill>
+                  <a:prstClr val="black">
+                    <a:lumMod val="75000"/>
+                    <a:lumOff val="25000"/>
+                  </a:prstClr>
+                </a:solidFill>
+              </a:rPr>
+              <a:t>分层编译</a:t>
+            </a:r>
+            <a:endParaRPr lang="en-US" altLang="zh-CN" dirty="0">
+              <a:solidFill>
+                <a:prstClr val="black">
+                  <a:lumMod val="75000"/>
+                  <a:lumOff val="25000"/>
+                </a:prstClr>
+              </a:solidFill>
+            </a:endParaRPr>
+          </a:p>
+          <a:p>
+            <a:pPr lvl="1">
+              <a:buClr>
+                <a:srgbClr val="A53010"/>
+              </a:buClr>
+            </a:pPr>
+            <a:r>
+              <a:rPr lang="zh-CN" altLang="en-US" dirty="0">
+                <a:solidFill>
+                  <a:prstClr val="black">
+                    <a:lumMod val="75000"/>
+                    <a:lumOff val="25000"/>
+                  </a:prstClr>
+                </a:solidFill>
+              </a:rPr>
+              <a:t>增加明确的指令编译选择阶段</a:t>
+            </a:r>
+            <a:endParaRPr lang="en-US" altLang="zh-CN" dirty="0">
+              <a:solidFill>
+                <a:prstClr val="black">
+                  <a:lumMod val="75000"/>
+                  <a:lumOff val="25000"/>
+                </a:prstClr>
+              </a:solidFill>
+            </a:endParaRPr>
+          </a:p>
+          <a:p>
+            <a:pPr lvl="1"/>
+            <a:endParaRPr lang="zh-CN" altLang="en-US" dirty="0"/>
+          </a:p>
+        </p:txBody>
+      </p:sp>
+      <p:sp>
+        <p:nvSpPr>
+          <p:cNvPr id="4" name="标题 1">
+            <a:extLst>
+              <a:ext uri="{FF2B5EF4-FFF2-40B4-BE49-F238E27FC236}">
+                <a16:creationId xmlns:a16="http://schemas.microsoft.com/office/drawing/2014/main" id="{418F1EB9-2AC5-4EB0-8E67-E976EF065F86}"/>
+              </a:ext>
+            </a:extLst>
+          </p:cNvPr>
+          <p:cNvSpPr txBox="1">
+            <a:spLocks/>
+          </p:cNvSpPr>
+          <p:nvPr/>
+        </p:nvSpPr>
+        <p:spPr>
+          <a:xfrm>
+            <a:off x="177103" y="-1"/>
+            <a:ext cx="8675349" cy="543339"/>
+          </a:xfrm>
+          <a:prstGeom prst="rect">
+            <a:avLst/>
+          </a:prstGeom>
+          <a:solidFill>
+            <a:schemeClr val="accent5">
+              <a:lumMod val="40000"/>
+              <a:lumOff val="60000"/>
+            </a:schemeClr>
+          </a:solidFill>
+        </p:spPr>
+        <p:txBody>
+          <a:bodyPr vert="horz" lIns="91440" tIns="45720" rIns="91440" bIns="45720" rtlCol="0" anchor="t">
+            <a:noAutofit/>
+          </a:bodyPr>
+          <a:lstStyle>
+            <a:lvl1pPr algn="l" defTabSz="457200" rtl="0" eaLnBrk="1" latinLnBrk="0" hangingPunct="1">
+              <a:spcBef>
+                <a:spcPct val="0"/>
+              </a:spcBef>
+              <a:buNone/>
+              <a:defRPr sz="3600" kern="1200">
+                <a:solidFill>
+                  <a:schemeClr val="tx1">
+                    <a:lumMod val="85000"/>
+                    <a:lumOff val="15000"/>
+                  </a:schemeClr>
+                </a:solidFill>
+                <a:latin typeface="+mj-lt"/>
+                <a:ea typeface="+mj-ea"/>
+                <a:cs typeface="+mj-cs"/>
+              </a:defRPr>
+            </a:lvl1pPr>
+            <a:lvl2pPr eaLnBrk="1" hangingPunct="1">
+              <a:defRPr>
+                <a:solidFill>
+                  <a:schemeClr val="tx2"/>
+                </a:solidFill>
+              </a:defRPr>
+            </a:lvl2pPr>
+            <a:lvl3pPr eaLnBrk="1" hangingPunct="1">
+              <a:defRPr>
+                <a:solidFill>
+                  <a:schemeClr val="tx2"/>
+                </a:solidFill>
+              </a:defRPr>
+            </a:lvl3pPr>
+            <a:lvl4pPr eaLnBrk="1" hangingPunct="1">
+              <a:defRPr>
+                <a:solidFill>
+                  <a:schemeClr val="tx2"/>
+                </a:solidFill>
+              </a:defRPr>
+            </a:lvl4pPr>
+            <a:lvl5pPr eaLnBrk="1" hangingPunct="1">
+              <a:defRPr>
+                <a:solidFill>
+                  <a:schemeClr val="tx2"/>
+                </a:solidFill>
+              </a:defRPr>
+            </a:lvl5pPr>
+            <a:lvl6pPr eaLnBrk="1" hangingPunct="1">
+              <a:defRPr>
+                <a:solidFill>
+                  <a:schemeClr val="tx2"/>
+                </a:solidFill>
+              </a:defRPr>
+            </a:lvl6pPr>
+            <a:lvl7pPr eaLnBrk="1" hangingPunct="1">
+              <a:defRPr>
+                <a:solidFill>
+                  <a:schemeClr val="tx2"/>
+                </a:solidFill>
+              </a:defRPr>
+            </a:lvl7pPr>
+            <a:lvl8pPr eaLnBrk="1" hangingPunct="1">
+              <a:defRPr>
+                <a:solidFill>
+                  <a:schemeClr val="tx2"/>
+                </a:solidFill>
+              </a:defRPr>
+            </a:lvl8pPr>
+            <a:lvl9pPr eaLnBrk="1" hangingPunct="1">
+              <a:defRPr>
+                <a:solidFill>
+                  <a:schemeClr val="tx2"/>
+                </a:solidFill>
+              </a:defRPr>
+            </a:lvl9pPr>
+          </a:lstStyle>
+          <a:p>
+            <a:r>
+              <a:rPr lang="en-US" altLang="zh-CN" sz="2400" b="1" dirty="0"/>
+              <a:t>Ignition + </a:t>
+            </a:r>
+            <a:r>
+              <a:rPr lang="en-US" altLang="zh-CN" sz="2400" b="1" dirty="0" err="1"/>
+              <a:t>TurboFan</a:t>
+            </a:r>
+            <a:endParaRPr lang="zh-CN" altLang="en-US" sz="2400" b="1" dirty="0"/>
+          </a:p>
+        </p:txBody>
+      </p:sp>
+      <p:graphicFrame>
+        <p:nvGraphicFramePr>
+          <p:cNvPr id="5" name="对象 4">
+            <a:extLst>
+              <a:ext uri="{FF2B5EF4-FFF2-40B4-BE49-F238E27FC236}">
+                <a16:creationId xmlns:a16="http://schemas.microsoft.com/office/drawing/2014/main" id="{40A5BD29-2974-4020-9216-E44A2E15CB78}"/>
+              </a:ext>
+            </a:extLst>
+          </p:cNvPr>
+          <p:cNvGraphicFramePr>
+            <a:graphicFrameLocks noChangeAspect="1"/>
+          </p:cNvGraphicFramePr>
+          <p:nvPr>
+            <p:extLst>
+              <p:ext uri="{D42A27DB-BD31-4B8C-83A1-F6EECF244321}">
+                <p14:modId xmlns:p14="http://schemas.microsoft.com/office/powerpoint/2010/main" val="3015243793"/>
+              </p:ext>
+            </p:extLst>
+          </p:nvPr>
+        </p:nvGraphicFramePr>
+        <p:xfrm>
+          <a:off x="4258734" y="2641600"/>
+          <a:ext cx="7659654" cy="3845631"/>
+        </p:xfrm>
+        <a:graphic>
+          <a:graphicData uri="http://schemas.openxmlformats.org/presentationml/2006/ole">
+            <mc:AlternateContent xmlns:mc="http://schemas.openxmlformats.org/markup-compatibility/2006">
+              <mc:Choice xmlns:v="urn:schemas-microsoft-com:vml" Requires="v">
+                <p:oleObj spid="_x0000_s6147" name="Visio" r:id="rId3" imgW="6924542" imgH="3476623" progId="Visio.Drawing.11">
+                  <p:embed/>
+                </p:oleObj>
+              </mc:Choice>
+              <mc:Fallback>
+                <p:oleObj name="Visio" r:id="rId3" imgW="6924542" imgH="3476623" progId="Visio.Drawing.11">
+                  <p:embed/>
+                  <p:pic>
+                    <p:nvPicPr>
+                      <p:cNvPr id="0" name=""/>
+                      <p:cNvPicPr/>
+                      <p:nvPr/>
+                    </p:nvPicPr>
+                    <p:blipFill>
+                      <a:blip r:embed="rId4"/>
+                      <a:stretch>
+                        <a:fillRect/>
+                      </a:stretch>
+                    </p:blipFill>
+                    <p:spPr>
+                      <a:xfrm>
+                        <a:off x="4258734" y="2641600"/>
+                        <a:ext cx="7659654" cy="3845631"/>
+                      </a:xfrm>
+                      <a:prstGeom prst="rect">
+                        <a:avLst/>
+                      </a:prstGeom>
+                    </p:spPr>
+                  </p:pic>
+                </p:oleObj>
+              </mc:Fallback>
+            </mc:AlternateContent>
+          </a:graphicData>
+        </a:graphic>
+      </p:graphicFrame>
+    </p:spTree>
+    <p:extLst>
+      <p:ext uri="{BB962C8B-B14F-4D97-AF65-F5344CB8AC3E}">
+        <p14:creationId xmlns:p14="http://schemas.microsoft.com/office/powerpoint/2010/main" val="719901511"/>
       </p:ext>
     </p:extLst>
   </p:cSld>

--- a/Google V8引擎.pptx
+++ b/Google V8引擎.pptx
@@ -13,6 +13,12 @@
     <p:sldId id="261" r:id="rId7"/>
     <p:sldId id="262" r:id="rId8"/>
     <p:sldId id="263" r:id="rId9"/>
+    <p:sldId id="264" r:id="rId10"/>
+    <p:sldId id="265" r:id="rId11"/>
+    <p:sldId id="266" r:id="rId12"/>
+    <p:sldId id="267" r:id="rId13"/>
+    <p:sldId id="268" r:id="rId14"/>
+    <p:sldId id="269" r:id="rId15"/>
   </p:sldIdLst>
   <p:sldSz cx="12192000" cy="6858000"/>
   <p:notesSz cx="6858000" cy="9144000"/>
@@ -3445,7 +3451,7 @@
             <a:fld id="{B61BEF0D-F0BB-DE4B-95CE-6DB70DBA9567}" type="datetimeFigureOut">
               <a:rPr lang="en-US" dirty="0"/>
               <a:pPr/>
-              <a:t>2/2/2021</a:t>
+              <a:t>2/3/2021</a:t>
             </a:fld>
             <a:endParaRPr lang="en-US" dirty="0"/>
           </a:p>
@@ -3780,7 +3786,7 @@
             <a:fld id="{B61BEF0D-F0BB-DE4B-95CE-6DB70DBA9567}" type="datetimeFigureOut">
               <a:rPr lang="en-US" dirty="0"/>
               <a:pPr/>
-              <a:t>2/2/2021</a:t>
+              <a:t>2/3/2021</a:t>
             </a:fld>
             <a:endParaRPr lang="en-US" dirty="0"/>
           </a:p>
@@ -4178,7 +4184,7 @@
             <a:fld id="{B61BEF0D-F0BB-DE4B-95CE-6DB70DBA9567}" type="datetimeFigureOut">
               <a:rPr lang="en-US" dirty="0"/>
               <a:pPr/>
-              <a:t>2/2/2021</a:t>
+              <a:t>2/3/2021</a:t>
             </a:fld>
             <a:endParaRPr lang="en-US" dirty="0"/>
           </a:p>
@@ -4511,7 +4517,7 @@
             <a:fld id="{B61BEF0D-F0BB-DE4B-95CE-6DB70DBA9567}" type="datetimeFigureOut">
               <a:rPr lang="en-US" dirty="0"/>
               <a:pPr/>
-              <a:t>2/2/2021</a:t>
+              <a:t>2/3/2021</a:t>
             </a:fld>
             <a:endParaRPr lang="en-US" dirty="0"/>
           </a:p>
@@ -4828,7 +4834,7 @@
             <a:fld id="{B61BEF0D-F0BB-DE4B-95CE-6DB70DBA9567}" type="datetimeFigureOut">
               <a:rPr lang="en-US" dirty="0"/>
               <a:pPr/>
-              <a:t>2/2/2021</a:t>
+              <a:t>2/3/2021</a:t>
             </a:fld>
             <a:endParaRPr lang="en-US" dirty="0"/>
           </a:p>
@@ -5221,7 +5227,7 @@
             <a:fld id="{B61BEF0D-F0BB-DE4B-95CE-6DB70DBA9567}" type="datetimeFigureOut">
               <a:rPr lang="en-US" dirty="0"/>
               <a:pPr/>
-              <a:t>2/2/2021</a:t>
+              <a:t>2/3/2021</a:t>
             </a:fld>
             <a:endParaRPr lang="en-US" dirty="0"/>
           </a:p>
@@ -5475,7 +5481,7 @@
             <a:fld id="{B61BEF0D-F0BB-DE4B-95CE-6DB70DBA9567}" type="datetimeFigureOut">
               <a:rPr lang="en-US" dirty="0"/>
               <a:pPr/>
-              <a:t>2/2/2021</a:t>
+              <a:t>2/3/2021</a:t>
             </a:fld>
             <a:endParaRPr lang="en-US" dirty="0"/>
           </a:p>
@@ -5734,7 +5740,7 @@
             <a:fld id="{B61BEF0D-F0BB-DE4B-95CE-6DB70DBA9567}" type="datetimeFigureOut">
               <a:rPr lang="en-US" dirty="0"/>
               <a:pPr/>
-              <a:t>2/2/2021</a:t>
+              <a:t>2/3/2021</a:t>
             </a:fld>
             <a:endParaRPr lang="en-US" dirty="0"/>
           </a:p>
@@ -5993,7 +5999,7 @@
             <a:fld id="{B61BEF0D-F0BB-DE4B-95CE-6DB70DBA9567}" type="datetimeFigureOut">
               <a:rPr lang="en-US" dirty="0"/>
               <a:pPr/>
-              <a:t>2/2/2021</a:t>
+              <a:t>2/3/2021</a:t>
             </a:fld>
             <a:endParaRPr lang="en-US" dirty="0"/>
           </a:p>
@@ -6319,7 +6325,7 @@
             <a:fld id="{B61BEF0D-F0BB-DE4B-95CE-6DB70DBA9567}" type="datetimeFigureOut">
               <a:rPr lang="en-US" dirty="0"/>
               <a:pPr/>
-              <a:t>2/2/2021</a:t>
+              <a:t>2/3/2021</a:t>
             </a:fld>
             <a:endParaRPr lang="en-US" dirty="0"/>
           </a:p>
@@ -6639,7 +6645,7 @@
             <a:fld id="{B61BEF0D-F0BB-DE4B-95CE-6DB70DBA9567}" type="datetimeFigureOut">
               <a:rPr lang="en-US" dirty="0"/>
               <a:pPr/>
-              <a:t>2/2/2021</a:t>
+              <a:t>2/3/2021</a:t>
             </a:fld>
             <a:endParaRPr lang="en-US" dirty="0"/>
           </a:p>
@@ -7093,7 +7099,7 @@
             <a:fld id="{B61BEF0D-F0BB-DE4B-95CE-6DB70DBA9567}" type="datetimeFigureOut">
               <a:rPr lang="en-US" dirty="0"/>
               <a:pPr/>
-              <a:t>2/2/2021</a:t>
+              <a:t>2/3/2021</a:t>
             </a:fld>
             <a:endParaRPr lang="en-US" dirty="0"/>
           </a:p>
@@ -7295,7 +7301,7 @@
             <a:fld id="{B61BEF0D-F0BB-DE4B-95CE-6DB70DBA9567}" type="datetimeFigureOut">
               <a:rPr lang="en-US" dirty="0"/>
               <a:pPr/>
-              <a:t>2/2/2021</a:t>
+              <a:t>2/3/2021</a:t>
             </a:fld>
             <a:endParaRPr lang="en-US" dirty="0"/>
           </a:p>
@@ -7469,7 +7475,7 @@
             <a:fld id="{B61BEF0D-F0BB-DE4B-95CE-6DB70DBA9567}" type="datetimeFigureOut">
               <a:rPr lang="en-US" dirty="0"/>
               <a:pPr/>
-              <a:t>2/2/2021</a:t>
+              <a:t>2/3/2021</a:t>
             </a:fld>
             <a:endParaRPr lang="en-US" dirty="0"/>
           </a:p>
@@ -7799,7 +7805,7 @@
             <a:fld id="{B61BEF0D-F0BB-DE4B-95CE-6DB70DBA9567}" type="datetimeFigureOut">
               <a:rPr lang="en-US" dirty="0"/>
               <a:pPr/>
-              <a:t>2/2/2021</a:t>
+              <a:t>2/3/2021</a:t>
             </a:fld>
             <a:endParaRPr lang="en-US" dirty="0"/>
           </a:p>
@@ -8141,7 +8147,7 @@
             <a:fld id="{B61BEF0D-F0BB-DE4B-95CE-6DB70DBA9567}" type="datetimeFigureOut">
               <a:rPr lang="en-US" dirty="0"/>
               <a:pPr/>
-              <a:t>2/2/2021</a:t>
+              <a:t>2/3/2021</a:t>
             </a:fld>
             <a:endParaRPr lang="en-US" dirty="0"/>
           </a:p>
@@ -10255,7 +10261,7 @@
             <a:fld id="{B61BEF0D-F0BB-DE4B-95CE-6DB70DBA9567}" type="datetimeFigureOut">
               <a:rPr lang="en-US" dirty="0"/>
               <a:pPr/>
-              <a:t>2/2/2021</a:t>
+              <a:t>2/3/2021</a:t>
             </a:fld>
             <a:endParaRPr lang="en-US" dirty="0"/>
           </a:p>
@@ -10839,6 +10845,1977 @@
 </p:sld>
 </file>
 
+<file path=ppt/slides/slide10.xml><?xml version="1.0" encoding="utf-8"?>
+<p:sld xmlns:a="http://schemas.openxmlformats.org/drawingml/2006/main" xmlns:r="http://schemas.openxmlformats.org/officeDocument/2006/relationships" xmlns:p="http://schemas.openxmlformats.org/presentationml/2006/main">
+  <p:cSld>
+    <p:spTree>
+      <p:nvGrpSpPr>
+        <p:cNvPr id="1" name=""/>
+        <p:cNvGrpSpPr/>
+        <p:nvPr/>
+      </p:nvGrpSpPr>
+      <p:grpSpPr>
+        <a:xfrm>
+          <a:off x="0" y="0"/>
+          <a:ext cx="0" cy="0"/>
+          <a:chOff x="0" y="0"/>
+          <a:chExt cx="0" cy="0"/>
+        </a:xfrm>
+      </p:grpSpPr>
+      <p:sp>
+        <p:nvSpPr>
+          <p:cNvPr id="3" name="内容占位符 2">
+            <a:extLst>
+              <a:ext uri="{FF2B5EF4-FFF2-40B4-BE49-F238E27FC236}">
+                <a16:creationId xmlns:a16="http://schemas.microsoft.com/office/drawing/2014/main" id="{F8D6FA3A-6360-4D4D-B395-74A4888F2768}"/>
+              </a:ext>
+            </a:extLst>
+          </p:cNvPr>
+          <p:cNvSpPr>
+            <a:spLocks noGrp="1"/>
+          </p:cNvSpPr>
+          <p:nvPr>
+            <p:ph idx="1"/>
+          </p:nvPr>
+        </p:nvSpPr>
+        <p:spPr>
+          <a:xfrm>
+            <a:off x="151624" y="2201333"/>
+            <a:ext cx="4567944" cy="1557866"/>
+          </a:xfrm>
+        </p:spPr>
+        <p:txBody>
+          <a:bodyPr/>
+          <a:lstStyle/>
+          <a:p>
+            <a:r>
+              <a:rPr lang="zh-CN" altLang="en-US" dirty="0"/>
+              <a:t>属性访问需要使用</a:t>
+            </a:r>
+            <a:r>
+              <a:rPr lang="en-US" altLang="zh-CN" dirty="0"/>
+              <a:t>hash</a:t>
+            </a:r>
+            <a:r>
+              <a:rPr lang="zh-CN" altLang="en-US" dirty="0"/>
+              <a:t>计算来对比键值</a:t>
+            </a:r>
+          </a:p>
+        </p:txBody>
+      </p:sp>
+      <p:sp>
+        <p:nvSpPr>
+          <p:cNvPr id="4" name="标题 1">
+            <a:extLst>
+              <a:ext uri="{FF2B5EF4-FFF2-40B4-BE49-F238E27FC236}">
+                <a16:creationId xmlns:a16="http://schemas.microsoft.com/office/drawing/2014/main" id="{D04C9D10-38A8-4BC5-88D2-51F56D600AD3}"/>
+              </a:ext>
+            </a:extLst>
+          </p:cNvPr>
+          <p:cNvSpPr txBox="1">
+            <a:spLocks/>
+          </p:cNvSpPr>
+          <p:nvPr/>
+        </p:nvSpPr>
+        <p:spPr>
+          <a:xfrm>
+            <a:off x="177103" y="-1"/>
+            <a:ext cx="8675349" cy="543339"/>
+          </a:xfrm>
+          <a:prstGeom prst="rect">
+            <a:avLst/>
+          </a:prstGeom>
+          <a:solidFill>
+            <a:schemeClr val="accent5">
+              <a:lumMod val="40000"/>
+              <a:lumOff val="60000"/>
+            </a:schemeClr>
+          </a:solidFill>
+        </p:spPr>
+        <p:txBody>
+          <a:bodyPr vert="horz" lIns="91440" tIns="45720" rIns="91440" bIns="45720" rtlCol="0" anchor="t">
+            <a:noAutofit/>
+          </a:bodyPr>
+          <a:lstStyle>
+            <a:lvl1pPr algn="l" defTabSz="457200" rtl="0" eaLnBrk="1" latinLnBrk="0" hangingPunct="1">
+              <a:spcBef>
+                <a:spcPct val="0"/>
+              </a:spcBef>
+              <a:buNone/>
+              <a:defRPr sz="3600" kern="1200">
+                <a:solidFill>
+                  <a:schemeClr val="tx1">
+                    <a:lumMod val="85000"/>
+                    <a:lumOff val="15000"/>
+                  </a:schemeClr>
+                </a:solidFill>
+                <a:latin typeface="+mj-lt"/>
+                <a:ea typeface="+mj-ea"/>
+                <a:cs typeface="+mj-cs"/>
+              </a:defRPr>
+            </a:lvl1pPr>
+            <a:lvl2pPr eaLnBrk="1" hangingPunct="1">
+              <a:defRPr>
+                <a:solidFill>
+                  <a:schemeClr val="tx2"/>
+                </a:solidFill>
+              </a:defRPr>
+            </a:lvl2pPr>
+            <a:lvl3pPr eaLnBrk="1" hangingPunct="1">
+              <a:defRPr>
+                <a:solidFill>
+                  <a:schemeClr val="tx2"/>
+                </a:solidFill>
+              </a:defRPr>
+            </a:lvl3pPr>
+            <a:lvl4pPr eaLnBrk="1" hangingPunct="1">
+              <a:defRPr>
+                <a:solidFill>
+                  <a:schemeClr val="tx2"/>
+                </a:solidFill>
+              </a:defRPr>
+            </a:lvl4pPr>
+            <a:lvl5pPr eaLnBrk="1" hangingPunct="1">
+              <a:defRPr>
+                <a:solidFill>
+                  <a:schemeClr val="tx2"/>
+                </a:solidFill>
+              </a:defRPr>
+            </a:lvl5pPr>
+            <a:lvl6pPr eaLnBrk="1" hangingPunct="1">
+              <a:defRPr>
+                <a:solidFill>
+                  <a:schemeClr val="tx2"/>
+                </a:solidFill>
+              </a:defRPr>
+            </a:lvl6pPr>
+            <a:lvl7pPr eaLnBrk="1" hangingPunct="1">
+              <a:defRPr>
+                <a:solidFill>
+                  <a:schemeClr val="tx2"/>
+                </a:solidFill>
+              </a:defRPr>
+            </a:lvl7pPr>
+            <a:lvl8pPr eaLnBrk="1" hangingPunct="1">
+              <a:defRPr>
+                <a:solidFill>
+                  <a:schemeClr val="tx2"/>
+                </a:solidFill>
+              </a:defRPr>
+            </a:lvl8pPr>
+            <a:lvl9pPr eaLnBrk="1" hangingPunct="1">
+              <a:defRPr>
+                <a:solidFill>
+                  <a:schemeClr val="tx2"/>
+                </a:solidFill>
+              </a:defRPr>
+            </a:lvl9pPr>
+          </a:lstStyle>
+          <a:p>
+            <a:r>
+              <a:rPr lang="zh-CN" altLang="en-US" sz="2400" b="1" dirty="0"/>
+              <a:t>对象表示</a:t>
+            </a:r>
+          </a:p>
+        </p:txBody>
+      </p:sp>
+      <p:graphicFrame>
+        <p:nvGraphicFramePr>
+          <p:cNvPr id="5" name="对象 4">
+            <a:extLst>
+              <a:ext uri="{FF2B5EF4-FFF2-40B4-BE49-F238E27FC236}">
+                <a16:creationId xmlns:a16="http://schemas.microsoft.com/office/drawing/2014/main" id="{55984031-E8EB-4C44-B16F-71107D239374}"/>
+              </a:ext>
+            </a:extLst>
+          </p:cNvPr>
+          <p:cNvGraphicFramePr>
+            <a:graphicFrameLocks noChangeAspect="1"/>
+          </p:cNvGraphicFramePr>
+          <p:nvPr>
+            <p:extLst>
+              <p:ext uri="{D42A27DB-BD31-4B8C-83A1-F6EECF244321}">
+                <p14:modId xmlns:p14="http://schemas.microsoft.com/office/powerpoint/2010/main" val="1999787095"/>
+              </p:ext>
+            </p:extLst>
+          </p:nvPr>
+        </p:nvGraphicFramePr>
+        <p:xfrm>
+          <a:off x="177103" y="2280356"/>
+          <a:ext cx="3401268" cy="3234267"/>
+        </p:xfrm>
+        <a:graphic>
+          <a:graphicData uri="http://schemas.openxmlformats.org/presentationml/2006/ole">
+            <mc:AlternateContent xmlns:mc="http://schemas.openxmlformats.org/markup-compatibility/2006">
+              <mc:Choice xmlns:v="urn:schemas-microsoft-com:vml" Requires="v">
+                <p:oleObj spid="_x0000_s8223" name="Visio" r:id="rId3" imgW="1923882" imgH="1828800" progId="Visio.Drawing.11">
+                  <p:embed/>
+                </p:oleObj>
+              </mc:Choice>
+              <mc:Fallback>
+                <p:oleObj name="Visio" r:id="rId3" imgW="1923882" imgH="1828800" progId="Visio.Drawing.11">
+                  <p:embed/>
+                  <p:pic>
+                    <p:nvPicPr>
+                      <p:cNvPr id="0" name=""/>
+                      <p:cNvPicPr/>
+                      <p:nvPr/>
+                    </p:nvPicPr>
+                    <p:blipFill>
+                      <a:blip r:embed="rId4"/>
+                      <a:stretch>
+                        <a:fillRect/>
+                      </a:stretch>
+                    </p:blipFill>
+                    <p:spPr>
+                      <a:xfrm>
+                        <a:off x="177103" y="2280356"/>
+                        <a:ext cx="3401268" cy="3234267"/>
+                      </a:xfrm>
+                      <a:prstGeom prst="rect">
+                        <a:avLst/>
+                      </a:prstGeom>
+                    </p:spPr>
+                  </p:pic>
+                </p:oleObj>
+              </mc:Fallback>
+            </mc:AlternateContent>
+          </a:graphicData>
+        </a:graphic>
+      </p:graphicFrame>
+      <p:sp>
+        <p:nvSpPr>
+          <p:cNvPr id="6" name="内容占位符 2">
+            <a:extLst>
+              <a:ext uri="{FF2B5EF4-FFF2-40B4-BE49-F238E27FC236}">
+                <a16:creationId xmlns:a16="http://schemas.microsoft.com/office/drawing/2014/main" id="{20941017-AEA1-4F10-B7E4-B8874C631AED}"/>
+              </a:ext>
+            </a:extLst>
+          </p:cNvPr>
+          <p:cNvSpPr txBox="1">
+            <a:spLocks/>
+          </p:cNvSpPr>
+          <p:nvPr/>
+        </p:nvSpPr>
+        <p:spPr>
+          <a:xfrm>
+            <a:off x="6096000" y="1422400"/>
+            <a:ext cx="5120710" cy="1557866"/>
+          </a:xfrm>
+          <a:prstGeom prst="rect">
+            <a:avLst/>
+          </a:prstGeom>
+        </p:spPr>
+        <p:txBody>
+          <a:bodyPr vert="horz" lIns="91440" tIns="45720" rIns="91440" bIns="45720" rtlCol="0">
+            <a:normAutofit/>
+          </a:bodyPr>
+          <a:lstStyle>
+            <a:lvl1pPr marL="342900" indent="-342900" algn="l" defTabSz="457200" rtl="0" eaLnBrk="1" latinLnBrk="0" hangingPunct="1">
+              <a:spcBef>
+                <a:spcPts val="1000"/>
+              </a:spcBef>
+              <a:spcAft>
+                <a:spcPts val="0"/>
+              </a:spcAft>
+              <a:buClr>
+                <a:schemeClr val="accent1"/>
+              </a:buClr>
+              <a:buFont typeface="Wingdings 3" charset="2"/>
+              <a:buChar char=""/>
+              <a:defRPr sz="1800" kern="1200">
+                <a:solidFill>
+                  <a:schemeClr val="tx1">
+                    <a:lumMod val="75000"/>
+                    <a:lumOff val="25000"/>
+                  </a:schemeClr>
+                </a:solidFill>
+                <a:latin typeface="+mn-lt"/>
+                <a:ea typeface="+mn-ea"/>
+                <a:cs typeface="+mn-cs"/>
+              </a:defRPr>
+            </a:lvl1pPr>
+            <a:lvl2pPr marL="742950" indent="-285750" algn="l" defTabSz="457200" rtl="0" eaLnBrk="1" latinLnBrk="0" hangingPunct="1">
+              <a:spcBef>
+                <a:spcPts val="1000"/>
+              </a:spcBef>
+              <a:spcAft>
+                <a:spcPts val="0"/>
+              </a:spcAft>
+              <a:buClr>
+                <a:schemeClr val="accent1"/>
+              </a:buClr>
+              <a:buFont typeface="Wingdings 3" charset="2"/>
+              <a:buChar char=""/>
+              <a:defRPr sz="1600" kern="1200">
+                <a:solidFill>
+                  <a:schemeClr val="tx1">
+                    <a:lumMod val="75000"/>
+                    <a:lumOff val="25000"/>
+                  </a:schemeClr>
+                </a:solidFill>
+                <a:latin typeface="+mn-lt"/>
+                <a:ea typeface="+mn-ea"/>
+                <a:cs typeface="+mn-cs"/>
+              </a:defRPr>
+            </a:lvl2pPr>
+            <a:lvl3pPr marL="1143000" indent="-228600" algn="l" defTabSz="457200" rtl="0" eaLnBrk="1" latinLnBrk="0" hangingPunct="1">
+              <a:spcBef>
+                <a:spcPts val="1000"/>
+              </a:spcBef>
+              <a:spcAft>
+                <a:spcPts val="0"/>
+              </a:spcAft>
+              <a:buClr>
+                <a:schemeClr val="accent1"/>
+              </a:buClr>
+              <a:buFont typeface="Wingdings 3" charset="2"/>
+              <a:buChar char=""/>
+              <a:defRPr sz="1400" kern="1200">
+                <a:solidFill>
+                  <a:schemeClr val="tx1">
+                    <a:lumMod val="75000"/>
+                    <a:lumOff val="25000"/>
+                  </a:schemeClr>
+                </a:solidFill>
+                <a:latin typeface="+mn-lt"/>
+                <a:ea typeface="+mn-ea"/>
+                <a:cs typeface="+mn-cs"/>
+              </a:defRPr>
+            </a:lvl3pPr>
+            <a:lvl4pPr marL="1600200" indent="-228600" algn="l" defTabSz="457200" rtl="0" eaLnBrk="1" latinLnBrk="0" hangingPunct="1">
+              <a:spcBef>
+                <a:spcPts val="1000"/>
+              </a:spcBef>
+              <a:spcAft>
+                <a:spcPts val="0"/>
+              </a:spcAft>
+              <a:buClr>
+                <a:schemeClr val="accent1"/>
+              </a:buClr>
+              <a:buFont typeface="Wingdings 3" charset="2"/>
+              <a:buChar char=""/>
+              <a:defRPr sz="1200" kern="1200">
+                <a:solidFill>
+                  <a:schemeClr val="tx1">
+                    <a:lumMod val="75000"/>
+                    <a:lumOff val="25000"/>
+                  </a:schemeClr>
+                </a:solidFill>
+                <a:latin typeface="+mn-lt"/>
+                <a:ea typeface="+mn-ea"/>
+                <a:cs typeface="+mn-cs"/>
+              </a:defRPr>
+            </a:lvl4pPr>
+            <a:lvl5pPr marL="2057400" indent="-228600" algn="l" defTabSz="457200" rtl="0" eaLnBrk="1" latinLnBrk="0" hangingPunct="1">
+              <a:spcBef>
+                <a:spcPts val="1000"/>
+              </a:spcBef>
+              <a:spcAft>
+                <a:spcPts val="0"/>
+              </a:spcAft>
+              <a:buClr>
+                <a:schemeClr val="accent1"/>
+              </a:buClr>
+              <a:buFont typeface="Wingdings 3" charset="2"/>
+              <a:buChar char=""/>
+              <a:defRPr sz="1200" kern="1200">
+                <a:solidFill>
+                  <a:schemeClr val="tx1">
+                    <a:lumMod val="75000"/>
+                    <a:lumOff val="25000"/>
+                  </a:schemeClr>
+                </a:solidFill>
+                <a:latin typeface="+mn-lt"/>
+                <a:ea typeface="+mn-ea"/>
+                <a:cs typeface="+mn-cs"/>
+              </a:defRPr>
+            </a:lvl5pPr>
+            <a:lvl6pPr marL="2514600" indent="-228600" algn="l" defTabSz="457200" rtl="0" eaLnBrk="1" latinLnBrk="0" hangingPunct="1">
+              <a:spcBef>
+                <a:spcPts val="1000"/>
+              </a:spcBef>
+              <a:spcAft>
+                <a:spcPts val="0"/>
+              </a:spcAft>
+              <a:buClr>
+                <a:schemeClr val="accent1"/>
+              </a:buClr>
+              <a:buFont typeface="Wingdings 3" charset="2"/>
+              <a:buChar char=""/>
+              <a:defRPr sz="1200" kern="1200">
+                <a:solidFill>
+                  <a:schemeClr val="tx1">
+                    <a:lumMod val="75000"/>
+                    <a:lumOff val="25000"/>
+                  </a:schemeClr>
+                </a:solidFill>
+                <a:latin typeface="+mn-lt"/>
+                <a:ea typeface="+mn-ea"/>
+                <a:cs typeface="+mn-cs"/>
+              </a:defRPr>
+            </a:lvl6pPr>
+            <a:lvl7pPr marL="2971800" indent="-228600" algn="l" defTabSz="457200" rtl="0" eaLnBrk="1" latinLnBrk="0" hangingPunct="1">
+              <a:spcBef>
+                <a:spcPts val="1000"/>
+              </a:spcBef>
+              <a:spcAft>
+                <a:spcPts val="0"/>
+              </a:spcAft>
+              <a:buClr>
+                <a:schemeClr val="accent1"/>
+              </a:buClr>
+              <a:buFont typeface="Wingdings 3" charset="2"/>
+              <a:buChar char=""/>
+              <a:defRPr sz="1200" kern="1200">
+                <a:solidFill>
+                  <a:schemeClr val="tx1">
+                    <a:lumMod val="75000"/>
+                    <a:lumOff val="25000"/>
+                  </a:schemeClr>
+                </a:solidFill>
+                <a:latin typeface="+mn-lt"/>
+                <a:ea typeface="+mn-ea"/>
+                <a:cs typeface="+mn-cs"/>
+              </a:defRPr>
+            </a:lvl7pPr>
+            <a:lvl8pPr marL="3429000" indent="-228600" algn="l" defTabSz="457200" rtl="0" eaLnBrk="1" latinLnBrk="0" hangingPunct="1">
+              <a:spcBef>
+                <a:spcPts val="1000"/>
+              </a:spcBef>
+              <a:spcAft>
+                <a:spcPts val="0"/>
+              </a:spcAft>
+              <a:buClr>
+                <a:schemeClr val="accent1"/>
+              </a:buClr>
+              <a:buFont typeface="Wingdings 3" charset="2"/>
+              <a:buChar char=""/>
+              <a:defRPr sz="1200" kern="1200">
+                <a:solidFill>
+                  <a:schemeClr val="tx1">
+                    <a:lumMod val="75000"/>
+                    <a:lumOff val="25000"/>
+                  </a:schemeClr>
+                </a:solidFill>
+                <a:latin typeface="+mn-lt"/>
+                <a:ea typeface="+mn-ea"/>
+                <a:cs typeface="+mn-cs"/>
+              </a:defRPr>
+            </a:lvl8pPr>
+            <a:lvl9pPr marL="3886200" indent="-228600" algn="l" defTabSz="457200" rtl="0" eaLnBrk="1" latinLnBrk="0" hangingPunct="1">
+              <a:spcBef>
+                <a:spcPts val="1000"/>
+              </a:spcBef>
+              <a:spcAft>
+                <a:spcPts val="0"/>
+              </a:spcAft>
+              <a:buClr>
+                <a:schemeClr val="accent1"/>
+              </a:buClr>
+              <a:buFont typeface="Wingdings 3" charset="2"/>
+              <a:buChar char=""/>
+              <a:defRPr sz="1200" kern="1200">
+                <a:solidFill>
+                  <a:schemeClr val="tx1">
+                    <a:lumMod val="75000"/>
+                    <a:lumOff val="25000"/>
+                  </a:schemeClr>
+                </a:solidFill>
+                <a:latin typeface="+mn-lt"/>
+                <a:ea typeface="+mn-ea"/>
+                <a:cs typeface="+mn-cs"/>
+              </a:defRPr>
+            </a:lvl9pPr>
+          </a:lstStyle>
+          <a:p>
+            <a:r>
+              <a:rPr lang="zh-CN" altLang="en-US" dirty="0"/>
+              <a:t>快速的对象内属性直接使用地址偏移查询比对</a:t>
+            </a:r>
+          </a:p>
+        </p:txBody>
+      </p:sp>
+      <p:graphicFrame>
+        <p:nvGraphicFramePr>
+          <p:cNvPr id="7" name="对象 6">
+            <a:extLst>
+              <a:ext uri="{FF2B5EF4-FFF2-40B4-BE49-F238E27FC236}">
+                <a16:creationId xmlns:a16="http://schemas.microsoft.com/office/drawing/2014/main" id="{3BED98AE-A822-41C7-8F99-971F91BB9282}"/>
+              </a:ext>
+            </a:extLst>
+          </p:cNvPr>
+          <p:cNvGraphicFramePr>
+            <a:graphicFrameLocks noChangeAspect="1"/>
+          </p:cNvGraphicFramePr>
+          <p:nvPr>
+            <p:extLst>
+              <p:ext uri="{D42A27DB-BD31-4B8C-83A1-F6EECF244321}">
+                <p14:modId xmlns:p14="http://schemas.microsoft.com/office/powerpoint/2010/main" val="2402225961"/>
+              </p:ext>
+            </p:extLst>
+          </p:nvPr>
+        </p:nvGraphicFramePr>
+        <p:xfrm>
+          <a:off x="5376777" y="1975555"/>
+          <a:ext cx="6638120" cy="4719461"/>
+        </p:xfrm>
+        <a:graphic>
+          <a:graphicData uri="http://schemas.openxmlformats.org/presentationml/2006/ole">
+            <mc:AlternateContent xmlns:mc="http://schemas.openxmlformats.org/markup-compatibility/2006">
+              <mc:Choice xmlns:v="urn:schemas-microsoft-com:vml" Requires="v">
+                <p:oleObj spid="_x0000_s8224" name="Visio" r:id="rId5" imgW="5734170" imgH="4076638" progId="Visio.Drawing.11">
+                  <p:embed/>
+                </p:oleObj>
+              </mc:Choice>
+              <mc:Fallback>
+                <p:oleObj name="Visio" r:id="rId5" imgW="5734170" imgH="4076638" progId="Visio.Drawing.11">
+                  <p:embed/>
+                  <p:pic>
+                    <p:nvPicPr>
+                      <p:cNvPr id="0" name=""/>
+                      <p:cNvPicPr/>
+                      <p:nvPr/>
+                    </p:nvPicPr>
+                    <p:blipFill>
+                      <a:blip r:embed="rId6"/>
+                      <a:stretch>
+                        <a:fillRect/>
+                      </a:stretch>
+                    </p:blipFill>
+                    <p:spPr>
+                      <a:xfrm>
+                        <a:off x="5376777" y="1975555"/>
+                        <a:ext cx="6638120" cy="4719461"/>
+                      </a:xfrm>
+                      <a:prstGeom prst="rect">
+                        <a:avLst/>
+                      </a:prstGeom>
+                    </p:spPr>
+                  </p:pic>
+                </p:oleObj>
+              </mc:Fallback>
+            </mc:AlternateContent>
+          </a:graphicData>
+        </a:graphic>
+      </p:graphicFrame>
+    </p:spTree>
+    <p:extLst>
+      <p:ext uri="{BB962C8B-B14F-4D97-AF65-F5344CB8AC3E}">
+        <p14:creationId xmlns:p14="http://schemas.microsoft.com/office/powerpoint/2010/main" val="1172331983"/>
+      </p:ext>
+    </p:extLst>
+  </p:cSld>
+  <p:clrMapOvr>
+    <a:masterClrMapping/>
+  </p:clrMapOvr>
+</p:sld>
+</file>
+
+<file path=ppt/slides/slide11.xml><?xml version="1.0" encoding="utf-8"?>
+<p:sld xmlns:a="http://schemas.openxmlformats.org/drawingml/2006/main" xmlns:r="http://schemas.openxmlformats.org/officeDocument/2006/relationships" xmlns:p="http://schemas.openxmlformats.org/presentationml/2006/main">
+  <p:cSld>
+    <p:spTree>
+      <p:nvGrpSpPr>
+        <p:cNvPr id="1" name=""/>
+        <p:cNvGrpSpPr/>
+        <p:nvPr/>
+      </p:nvGrpSpPr>
+      <p:grpSpPr>
+        <a:xfrm>
+          <a:off x="0" y="0"/>
+          <a:ext cx="0" cy="0"/>
+          <a:chOff x="0" y="0"/>
+          <a:chExt cx="0" cy="0"/>
+        </a:xfrm>
+      </p:grpSpPr>
+      <p:sp>
+        <p:nvSpPr>
+          <p:cNvPr id="3" name="内容占位符 2">
+            <a:extLst>
+              <a:ext uri="{FF2B5EF4-FFF2-40B4-BE49-F238E27FC236}">
+                <a16:creationId xmlns:a16="http://schemas.microsoft.com/office/drawing/2014/main" id="{6089D378-6AE1-4DC4-92BF-46249555A601}"/>
+              </a:ext>
+            </a:extLst>
+          </p:cNvPr>
+          <p:cNvSpPr>
+            <a:spLocks noGrp="1"/>
+          </p:cNvSpPr>
+          <p:nvPr>
+            <p:ph idx="1"/>
+          </p:nvPr>
+        </p:nvSpPr>
+        <p:spPr>
+          <a:xfrm>
+            <a:off x="177103" y="1309510"/>
+            <a:ext cx="4071232" cy="1984023"/>
+          </a:xfrm>
+        </p:spPr>
+        <p:txBody>
+          <a:bodyPr>
+            <a:normAutofit/>
+          </a:bodyPr>
+          <a:lstStyle/>
+          <a:p>
+            <a:r>
+              <a:rPr lang="zh-CN" altLang="en-US" dirty="0"/>
+              <a:t>同一个构造函数得出的随机赋值对象，会使得对象属性表示退换成</a:t>
+            </a:r>
+            <a:r>
+              <a:rPr lang="en-US" altLang="zh-CN" dirty="0"/>
+              <a:t>hash</a:t>
+            </a:r>
+            <a:r>
+              <a:rPr lang="zh-CN" altLang="en-US" dirty="0"/>
+              <a:t>字典表示，而内联缓存无法使用</a:t>
+            </a:r>
+            <a:r>
+              <a:rPr lang="en-US" altLang="zh-CN" dirty="0"/>
+              <a:t>directory</a:t>
+            </a:r>
+            <a:r>
+              <a:rPr lang="zh-CN" altLang="en-US" dirty="0"/>
+              <a:t>，导致属性查找变慢</a:t>
+            </a:r>
+          </a:p>
+        </p:txBody>
+      </p:sp>
+      <p:sp>
+        <p:nvSpPr>
+          <p:cNvPr id="4" name="标题 1">
+            <a:extLst>
+              <a:ext uri="{FF2B5EF4-FFF2-40B4-BE49-F238E27FC236}">
+                <a16:creationId xmlns:a16="http://schemas.microsoft.com/office/drawing/2014/main" id="{C3DFFE12-BC6E-44A8-8F90-6126619E5801}"/>
+              </a:ext>
+            </a:extLst>
+          </p:cNvPr>
+          <p:cNvSpPr txBox="1">
+            <a:spLocks/>
+          </p:cNvSpPr>
+          <p:nvPr/>
+        </p:nvSpPr>
+        <p:spPr>
+          <a:xfrm>
+            <a:off x="177103" y="-1"/>
+            <a:ext cx="8675349" cy="543339"/>
+          </a:xfrm>
+          <a:prstGeom prst="rect">
+            <a:avLst/>
+          </a:prstGeom>
+          <a:solidFill>
+            <a:schemeClr val="accent5">
+              <a:lumMod val="40000"/>
+              <a:lumOff val="60000"/>
+            </a:schemeClr>
+          </a:solidFill>
+        </p:spPr>
+        <p:txBody>
+          <a:bodyPr vert="horz" lIns="91440" tIns="45720" rIns="91440" bIns="45720" rtlCol="0" anchor="t">
+            <a:noAutofit/>
+          </a:bodyPr>
+          <a:lstStyle>
+            <a:lvl1pPr algn="l" defTabSz="457200" rtl="0" eaLnBrk="1" latinLnBrk="0" hangingPunct="1">
+              <a:spcBef>
+                <a:spcPct val="0"/>
+              </a:spcBef>
+              <a:buNone/>
+              <a:defRPr sz="3600" kern="1200">
+                <a:solidFill>
+                  <a:schemeClr val="tx1">
+                    <a:lumMod val="85000"/>
+                    <a:lumOff val="15000"/>
+                  </a:schemeClr>
+                </a:solidFill>
+                <a:latin typeface="+mj-lt"/>
+                <a:ea typeface="+mj-ea"/>
+                <a:cs typeface="+mj-cs"/>
+              </a:defRPr>
+            </a:lvl1pPr>
+            <a:lvl2pPr eaLnBrk="1" hangingPunct="1">
+              <a:defRPr>
+                <a:solidFill>
+                  <a:schemeClr val="tx2"/>
+                </a:solidFill>
+              </a:defRPr>
+            </a:lvl2pPr>
+            <a:lvl3pPr eaLnBrk="1" hangingPunct="1">
+              <a:defRPr>
+                <a:solidFill>
+                  <a:schemeClr val="tx2"/>
+                </a:solidFill>
+              </a:defRPr>
+            </a:lvl3pPr>
+            <a:lvl4pPr eaLnBrk="1" hangingPunct="1">
+              <a:defRPr>
+                <a:solidFill>
+                  <a:schemeClr val="tx2"/>
+                </a:solidFill>
+              </a:defRPr>
+            </a:lvl4pPr>
+            <a:lvl5pPr eaLnBrk="1" hangingPunct="1">
+              <a:defRPr>
+                <a:solidFill>
+                  <a:schemeClr val="tx2"/>
+                </a:solidFill>
+              </a:defRPr>
+            </a:lvl5pPr>
+            <a:lvl6pPr eaLnBrk="1" hangingPunct="1">
+              <a:defRPr>
+                <a:solidFill>
+                  <a:schemeClr val="tx2"/>
+                </a:solidFill>
+              </a:defRPr>
+            </a:lvl6pPr>
+            <a:lvl7pPr eaLnBrk="1" hangingPunct="1">
+              <a:defRPr>
+                <a:solidFill>
+                  <a:schemeClr val="tx2"/>
+                </a:solidFill>
+              </a:defRPr>
+            </a:lvl7pPr>
+            <a:lvl8pPr eaLnBrk="1" hangingPunct="1">
+              <a:defRPr>
+                <a:solidFill>
+                  <a:schemeClr val="tx2"/>
+                </a:solidFill>
+              </a:defRPr>
+            </a:lvl8pPr>
+            <a:lvl9pPr eaLnBrk="1" hangingPunct="1">
+              <a:defRPr>
+                <a:solidFill>
+                  <a:schemeClr val="tx2"/>
+                </a:solidFill>
+              </a:defRPr>
+            </a:lvl9pPr>
+          </a:lstStyle>
+          <a:p>
+            <a:r>
+              <a:rPr lang="zh-CN" altLang="en-US" sz="2400" b="1" dirty="0"/>
+              <a:t>对象表示</a:t>
+            </a:r>
+          </a:p>
+        </p:txBody>
+      </p:sp>
+      <p:graphicFrame>
+        <p:nvGraphicFramePr>
+          <p:cNvPr id="5" name="对象 4">
+            <a:extLst>
+              <a:ext uri="{FF2B5EF4-FFF2-40B4-BE49-F238E27FC236}">
+                <a16:creationId xmlns:a16="http://schemas.microsoft.com/office/drawing/2014/main" id="{876225C9-BF95-4626-9928-03A468A63378}"/>
+              </a:ext>
+            </a:extLst>
+          </p:cNvPr>
+          <p:cNvGraphicFramePr>
+            <a:graphicFrameLocks noChangeAspect="1"/>
+          </p:cNvGraphicFramePr>
+          <p:nvPr>
+            <p:extLst>
+              <p:ext uri="{D42A27DB-BD31-4B8C-83A1-F6EECF244321}">
+                <p14:modId xmlns:p14="http://schemas.microsoft.com/office/powerpoint/2010/main" val="3061402630"/>
+              </p:ext>
+            </p:extLst>
+          </p:nvPr>
+        </p:nvGraphicFramePr>
+        <p:xfrm>
+          <a:off x="399168" y="2478522"/>
+          <a:ext cx="3291417" cy="4074067"/>
+        </p:xfrm>
+        <a:graphic>
+          <a:graphicData uri="http://schemas.openxmlformats.org/presentationml/2006/ole">
+            <mc:AlternateContent xmlns:mc="http://schemas.openxmlformats.org/markup-compatibility/2006">
+              <mc:Choice xmlns:v="urn:schemas-microsoft-com:vml" Requires="v">
+                <p:oleObj spid="_x0000_s9238" name="Visio" r:id="rId3" imgW="2924351" imgH="3619544" progId="Visio.Drawing.11">
+                  <p:embed/>
+                </p:oleObj>
+              </mc:Choice>
+              <mc:Fallback>
+                <p:oleObj name="Visio" r:id="rId3" imgW="2924351" imgH="3619544" progId="Visio.Drawing.11">
+                  <p:embed/>
+                  <p:pic>
+                    <p:nvPicPr>
+                      <p:cNvPr id="0" name=""/>
+                      <p:cNvPicPr/>
+                      <p:nvPr/>
+                    </p:nvPicPr>
+                    <p:blipFill>
+                      <a:blip r:embed="rId4"/>
+                      <a:stretch>
+                        <a:fillRect/>
+                      </a:stretch>
+                    </p:blipFill>
+                    <p:spPr>
+                      <a:xfrm>
+                        <a:off x="399168" y="2478522"/>
+                        <a:ext cx="3291417" cy="4074067"/>
+                      </a:xfrm>
+                      <a:prstGeom prst="rect">
+                        <a:avLst/>
+                      </a:prstGeom>
+                    </p:spPr>
+                  </p:pic>
+                </p:oleObj>
+              </mc:Fallback>
+            </mc:AlternateContent>
+          </a:graphicData>
+        </a:graphic>
+      </p:graphicFrame>
+      <p:graphicFrame>
+        <p:nvGraphicFramePr>
+          <p:cNvPr id="6" name="对象 5">
+            <a:extLst>
+              <a:ext uri="{FF2B5EF4-FFF2-40B4-BE49-F238E27FC236}">
+                <a16:creationId xmlns:a16="http://schemas.microsoft.com/office/drawing/2014/main" id="{C8CB13EB-193B-4B46-9DE9-27A4C86DBC26}"/>
+              </a:ext>
+            </a:extLst>
+          </p:cNvPr>
+          <p:cNvGraphicFramePr>
+            <a:graphicFrameLocks noChangeAspect="1"/>
+          </p:cNvGraphicFramePr>
+          <p:nvPr>
+            <p:extLst>
+              <p:ext uri="{D42A27DB-BD31-4B8C-83A1-F6EECF244321}">
+                <p14:modId xmlns:p14="http://schemas.microsoft.com/office/powerpoint/2010/main" val="1412518516"/>
+              </p:ext>
+            </p:extLst>
+          </p:nvPr>
+        </p:nvGraphicFramePr>
+        <p:xfrm>
+          <a:off x="4514777" y="2109609"/>
+          <a:ext cx="7753350" cy="5286375"/>
+        </p:xfrm>
+        <a:graphic>
+          <a:graphicData uri="http://schemas.openxmlformats.org/presentationml/2006/ole">
+            <mc:AlternateContent xmlns:mc="http://schemas.openxmlformats.org/markup-compatibility/2006">
+              <mc:Choice xmlns:v="urn:schemas-microsoft-com:vml" Requires="v">
+                <p:oleObj spid="_x0000_s9239" name="Visio" r:id="rId5" imgW="7753214" imgH="5286395" progId="Visio.Drawing.11">
+                  <p:embed/>
+                </p:oleObj>
+              </mc:Choice>
+              <mc:Fallback>
+                <p:oleObj name="Visio" r:id="rId5" imgW="7753214" imgH="5286395" progId="Visio.Drawing.11">
+                  <p:embed/>
+                  <p:pic>
+                    <p:nvPicPr>
+                      <p:cNvPr id="0" name=""/>
+                      <p:cNvPicPr/>
+                      <p:nvPr/>
+                    </p:nvPicPr>
+                    <p:blipFill>
+                      <a:blip r:embed="rId6"/>
+                      <a:stretch>
+                        <a:fillRect/>
+                      </a:stretch>
+                    </p:blipFill>
+                    <p:spPr>
+                      <a:xfrm>
+                        <a:off x="4514777" y="2109609"/>
+                        <a:ext cx="7753350" cy="5286375"/>
+                      </a:xfrm>
+                      <a:prstGeom prst="rect">
+                        <a:avLst/>
+                      </a:prstGeom>
+                    </p:spPr>
+                  </p:pic>
+                </p:oleObj>
+              </mc:Fallback>
+            </mc:AlternateContent>
+          </a:graphicData>
+        </a:graphic>
+      </p:graphicFrame>
+      <p:sp>
+        <p:nvSpPr>
+          <p:cNvPr id="7" name="内容占位符 2">
+            <a:extLst>
+              <a:ext uri="{FF2B5EF4-FFF2-40B4-BE49-F238E27FC236}">
+                <a16:creationId xmlns:a16="http://schemas.microsoft.com/office/drawing/2014/main" id="{1640EBC2-60F7-4AAF-97F8-D79E73F7BE85}"/>
+              </a:ext>
+            </a:extLst>
+          </p:cNvPr>
+          <p:cNvSpPr txBox="1">
+            <a:spLocks/>
+          </p:cNvSpPr>
+          <p:nvPr/>
+        </p:nvSpPr>
+        <p:spPr>
+          <a:xfrm>
+            <a:off x="4082867" y="841022"/>
+            <a:ext cx="7721600" cy="1984023"/>
+          </a:xfrm>
+          <a:prstGeom prst="rect">
+            <a:avLst/>
+          </a:prstGeom>
+        </p:spPr>
+        <p:txBody>
+          <a:bodyPr vert="horz" lIns="91440" tIns="45720" rIns="91440" bIns="45720" rtlCol="0">
+            <a:normAutofit/>
+          </a:bodyPr>
+          <a:lstStyle>
+            <a:lvl1pPr marL="342900" indent="-342900" algn="l" defTabSz="457200" rtl="0" eaLnBrk="1" latinLnBrk="0" hangingPunct="1">
+              <a:spcBef>
+                <a:spcPts val="1000"/>
+              </a:spcBef>
+              <a:spcAft>
+                <a:spcPts val="0"/>
+              </a:spcAft>
+              <a:buClr>
+                <a:schemeClr val="accent1"/>
+              </a:buClr>
+              <a:buFont typeface="Wingdings 3" charset="2"/>
+              <a:buChar char=""/>
+              <a:defRPr sz="1800" kern="1200">
+                <a:solidFill>
+                  <a:schemeClr val="tx1">
+                    <a:lumMod val="75000"/>
+                    <a:lumOff val="25000"/>
+                  </a:schemeClr>
+                </a:solidFill>
+                <a:latin typeface="+mn-lt"/>
+                <a:ea typeface="+mn-ea"/>
+                <a:cs typeface="+mn-cs"/>
+              </a:defRPr>
+            </a:lvl1pPr>
+            <a:lvl2pPr marL="742950" indent="-285750" algn="l" defTabSz="457200" rtl="0" eaLnBrk="1" latinLnBrk="0" hangingPunct="1">
+              <a:spcBef>
+                <a:spcPts val="1000"/>
+              </a:spcBef>
+              <a:spcAft>
+                <a:spcPts val="0"/>
+              </a:spcAft>
+              <a:buClr>
+                <a:schemeClr val="accent1"/>
+              </a:buClr>
+              <a:buFont typeface="Wingdings 3" charset="2"/>
+              <a:buChar char=""/>
+              <a:defRPr sz="1600" kern="1200">
+                <a:solidFill>
+                  <a:schemeClr val="tx1">
+                    <a:lumMod val="75000"/>
+                    <a:lumOff val="25000"/>
+                  </a:schemeClr>
+                </a:solidFill>
+                <a:latin typeface="+mn-lt"/>
+                <a:ea typeface="+mn-ea"/>
+                <a:cs typeface="+mn-cs"/>
+              </a:defRPr>
+            </a:lvl2pPr>
+            <a:lvl3pPr marL="1143000" indent="-228600" algn="l" defTabSz="457200" rtl="0" eaLnBrk="1" latinLnBrk="0" hangingPunct="1">
+              <a:spcBef>
+                <a:spcPts val="1000"/>
+              </a:spcBef>
+              <a:spcAft>
+                <a:spcPts val="0"/>
+              </a:spcAft>
+              <a:buClr>
+                <a:schemeClr val="accent1"/>
+              </a:buClr>
+              <a:buFont typeface="Wingdings 3" charset="2"/>
+              <a:buChar char=""/>
+              <a:defRPr sz="1400" kern="1200">
+                <a:solidFill>
+                  <a:schemeClr val="tx1">
+                    <a:lumMod val="75000"/>
+                    <a:lumOff val="25000"/>
+                  </a:schemeClr>
+                </a:solidFill>
+                <a:latin typeface="+mn-lt"/>
+                <a:ea typeface="+mn-ea"/>
+                <a:cs typeface="+mn-cs"/>
+              </a:defRPr>
+            </a:lvl3pPr>
+            <a:lvl4pPr marL="1600200" indent="-228600" algn="l" defTabSz="457200" rtl="0" eaLnBrk="1" latinLnBrk="0" hangingPunct="1">
+              <a:spcBef>
+                <a:spcPts val="1000"/>
+              </a:spcBef>
+              <a:spcAft>
+                <a:spcPts val="0"/>
+              </a:spcAft>
+              <a:buClr>
+                <a:schemeClr val="accent1"/>
+              </a:buClr>
+              <a:buFont typeface="Wingdings 3" charset="2"/>
+              <a:buChar char=""/>
+              <a:defRPr sz="1200" kern="1200">
+                <a:solidFill>
+                  <a:schemeClr val="tx1">
+                    <a:lumMod val="75000"/>
+                    <a:lumOff val="25000"/>
+                  </a:schemeClr>
+                </a:solidFill>
+                <a:latin typeface="+mn-lt"/>
+                <a:ea typeface="+mn-ea"/>
+                <a:cs typeface="+mn-cs"/>
+              </a:defRPr>
+            </a:lvl4pPr>
+            <a:lvl5pPr marL="2057400" indent="-228600" algn="l" defTabSz="457200" rtl="0" eaLnBrk="1" latinLnBrk="0" hangingPunct="1">
+              <a:spcBef>
+                <a:spcPts val="1000"/>
+              </a:spcBef>
+              <a:spcAft>
+                <a:spcPts val="0"/>
+              </a:spcAft>
+              <a:buClr>
+                <a:schemeClr val="accent1"/>
+              </a:buClr>
+              <a:buFont typeface="Wingdings 3" charset="2"/>
+              <a:buChar char=""/>
+              <a:defRPr sz="1200" kern="1200">
+                <a:solidFill>
+                  <a:schemeClr val="tx1">
+                    <a:lumMod val="75000"/>
+                    <a:lumOff val="25000"/>
+                  </a:schemeClr>
+                </a:solidFill>
+                <a:latin typeface="+mn-lt"/>
+                <a:ea typeface="+mn-ea"/>
+                <a:cs typeface="+mn-cs"/>
+              </a:defRPr>
+            </a:lvl5pPr>
+            <a:lvl6pPr marL="2514600" indent="-228600" algn="l" defTabSz="457200" rtl="0" eaLnBrk="1" latinLnBrk="0" hangingPunct="1">
+              <a:spcBef>
+                <a:spcPts val="1000"/>
+              </a:spcBef>
+              <a:spcAft>
+                <a:spcPts val="0"/>
+              </a:spcAft>
+              <a:buClr>
+                <a:schemeClr val="accent1"/>
+              </a:buClr>
+              <a:buFont typeface="Wingdings 3" charset="2"/>
+              <a:buChar char=""/>
+              <a:defRPr sz="1200" kern="1200">
+                <a:solidFill>
+                  <a:schemeClr val="tx1">
+                    <a:lumMod val="75000"/>
+                    <a:lumOff val="25000"/>
+                  </a:schemeClr>
+                </a:solidFill>
+                <a:latin typeface="+mn-lt"/>
+                <a:ea typeface="+mn-ea"/>
+                <a:cs typeface="+mn-cs"/>
+              </a:defRPr>
+            </a:lvl6pPr>
+            <a:lvl7pPr marL="2971800" indent="-228600" algn="l" defTabSz="457200" rtl="0" eaLnBrk="1" latinLnBrk="0" hangingPunct="1">
+              <a:spcBef>
+                <a:spcPts val="1000"/>
+              </a:spcBef>
+              <a:spcAft>
+                <a:spcPts val="0"/>
+              </a:spcAft>
+              <a:buClr>
+                <a:schemeClr val="accent1"/>
+              </a:buClr>
+              <a:buFont typeface="Wingdings 3" charset="2"/>
+              <a:buChar char=""/>
+              <a:defRPr sz="1200" kern="1200">
+                <a:solidFill>
+                  <a:schemeClr val="tx1">
+                    <a:lumMod val="75000"/>
+                    <a:lumOff val="25000"/>
+                  </a:schemeClr>
+                </a:solidFill>
+                <a:latin typeface="+mn-lt"/>
+                <a:ea typeface="+mn-ea"/>
+                <a:cs typeface="+mn-cs"/>
+              </a:defRPr>
+            </a:lvl7pPr>
+            <a:lvl8pPr marL="3429000" indent="-228600" algn="l" defTabSz="457200" rtl="0" eaLnBrk="1" latinLnBrk="0" hangingPunct="1">
+              <a:spcBef>
+                <a:spcPts val="1000"/>
+              </a:spcBef>
+              <a:spcAft>
+                <a:spcPts val="0"/>
+              </a:spcAft>
+              <a:buClr>
+                <a:schemeClr val="accent1"/>
+              </a:buClr>
+              <a:buFont typeface="Wingdings 3" charset="2"/>
+              <a:buChar char=""/>
+              <a:defRPr sz="1200" kern="1200">
+                <a:solidFill>
+                  <a:schemeClr val="tx1">
+                    <a:lumMod val="75000"/>
+                    <a:lumOff val="25000"/>
+                  </a:schemeClr>
+                </a:solidFill>
+                <a:latin typeface="+mn-lt"/>
+                <a:ea typeface="+mn-ea"/>
+                <a:cs typeface="+mn-cs"/>
+              </a:defRPr>
+            </a:lvl8pPr>
+            <a:lvl9pPr marL="3886200" indent="-228600" algn="l" defTabSz="457200" rtl="0" eaLnBrk="1" latinLnBrk="0" hangingPunct="1">
+              <a:spcBef>
+                <a:spcPts val="1000"/>
+              </a:spcBef>
+              <a:spcAft>
+                <a:spcPts val="0"/>
+              </a:spcAft>
+              <a:buClr>
+                <a:schemeClr val="accent1"/>
+              </a:buClr>
+              <a:buFont typeface="Wingdings 3" charset="2"/>
+              <a:buChar char=""/>
+              <a:defRPr sz="1200" kern="1200">
+                <a:solidFill>
+                  <a:schemeClr val="tx1">
+                    <a:lumMod val="75000"/>
+                    <a:lumOff val="25000"/>
+                  </a:schemeClr>
+                </a:solidFill>
+                <a:latin typeface="+mn-lt"/>
+                <a:ea typeface="+mn-ea"/>
+                <a:cs typeface="+mn-cs"/>
+              </a:defRPr>
+            </a:lvl9pPr>
+          </a:lstStyle>
+          <a:p>
+            <a:pPr fontAlgn="base"/>
+            <a:r>
+              <a:rPr lang="zh-CN" altLang="en-US" dirty="0"/>
+              <a:t>成员函数与原型</a:t>
+            </a:r>
+            <a:endParaRPr lang="en-US" altLang="zh-CN" dirty="0"/>
+          </a:p>
+          <a:p>
+            <a:pPr lvl="1" fontAlgn="base"/>
+            <a:r>
+              <a:rPr lang="zh-CN" altLang="en-US" dirty="0"/>
+              <a:t>共有的成员函数使用</a:t>
+            </a:r>
+            <a:r>
+              <a:rPr lang="en-US" altLang="zh-CN" dirty="0"/>
+              <a:t>CONSTENT_FUNCTION</a:t>
+            </a:r>
+            <a:r>
+              <a:rPr lang="zh-CN" altLang="en-US" dirty="0"/>
+              <a:t>存储</a:t>
+            </a:r>
+            <a:endParaRPr lang="en-US" altLang="zh-CN" dirty="0"/>
+          </a:p>
+          <a:p>
+            <a:pPr lvl="1" fontAlgn="base"/>
+            <a:r>
+              <a:rPr lang="zh-CN" altLang="en-US" dirty="0"/>
+              <a:t>成员函数与被重新赋值，</a:t>
+            </a:r>
+            <a:r>
+              <a:rPr lang="en-US" altLang="zh-CN" dirty="0"/>
+              <a:t>TRANSITION</a:t>
+            </a:r>
+            <a:r>
+              <a:rPr lang="zh-CN" altLang="en-US" dirty="0"/>
+              <a:t>失效</a:t>
+            </a:r>
+            <a:endParaRPr lang="en-US" altLang="zh-CN" dirty="0"/>
+          </a:p>
+          <a:p>
+            <a:pPr lvl="1" fontAlgn="base"/>
+            <a:r>
+              <a:rPr lang="zh-CN" altLang="en-US" dirty="0"/>
+              <a:t>原型函数相比于调用自己对象的函数慢，因为编译器不仅要检查目标对象的</a:t>
+            </a:r>
+            <a:r>
+              <a:rPr lang="en-US" altLang="zh-CN" dirty="0"/>
+              <a:t>map,</a:t>
+            </a:r>
+            <a:r>
+              <a:rPr lang="zh-CN" altLang="en-US" dirty="0"/>
+              <a:t>还要检查原型链上的其他</a:t>
+            </a:r>
+            <a:r>
+              <a:rPr lang="en-US" altLang="zh-CN" dirty="0"/>
+              <a:t>map</a:t>
+            </a:r>
+            <a:endParaRPr lang="zh-CN" altLang="en-US" dirty="0"/>
+          </a:p>
+        </p:txBody>
+      </p:sp>
+    </p:spTree>
+    <p:extLst>
+      <p:ext uri="{BB962C8B-B14F-4D97-AF65-F5344CB8AC3E}">
+        <p14:creationId xmlns:p14="http://schemas.microsoft.com/office/powerpoint/2010/main" val="3131194380"/>
+      </p:ext>
+    </p:extLst>
+  </p:cSld>
+  <p:clrMapOvr>
+    <a:masterClrMapping/>
+  </p:clrMapOvr>
+</p:sld>
+</file>
+
+<file path=ppt/slides/slide12.xml><?xml version="1.0" encoding="utf-8"?>
+<p:sld xmlns:a="http://schemas.openxmlformats.org/drawingml/2006/main" xmlns:r="http://schemas.openxmlformats.org/officeDocument/2006/relationships" xmlns:p="http://schemas.openxmlformats.org/presentationml/2006/main">
+  <p:cSld>
+    <p:spTree>
+      <p:nvGrpSpPr>
+        <p:cNvPr id="1" name=""/>
+        <p:cNvGrpSpPr/>
+        <p:nvPr/>
+      </p:nvGrpSpPr>
+      <p:grpSpPr>
+        <a:xfrm>
+          <a:off x="0" y="0"/>
+          <a:ext cx="0" cy="0"/>
+          <a:chOff x="0" y="0"/>
+          <a:chExt cx="0" cy="0"/>
+        </a:xfrm>
+      </p:grpSpPr>
+      <p:sp>
+        <p:nvSpPr>
+          <p:cNvPr id="3" name="内容占位符 2">
+            <a:extLst>
+              <a:ext uri="{FF2B5EF4-FFF2-40B4-BE49-F238E27FC236}">
+                <a16:creationId xmlns:a16="http://schemas.microsoft.com/office/drawing/2014/main" id="{66246353-49BC-4829-AC8B-9AE0D6C1CE31}"/>
+              </a:ext>
+            </a:extLst>
+          </p:cNvPr>
+          <p:cNvSpPr>
+            <a:spLocks noGrp="1"/>
+          </p:cNvSpPr>
+          <p:nvPr>
+            <p:ph idx="1"/>
+          </p:nvPr>
+        </p:nvSpPr>
+        <p:spPr>
+          <a:xfrm>
+            <a:off x="1426456" y="2059478"/>
+            <a:ext cx="8915400" cy="3777622"/>
+          </a:xfrm>
+        </p:spPr>
+        <p:txBody>
+          <a:bodyPr>
+            <a:normAutofit lnSpcReduction="10000"/>
+          </a:bodyPr>
+          <a:lstStyle/>
+          <a:p>
+            <a:r>
+              <a:rPr lang="zh-CN" altLang="en-US" dirty="0"/>
+              <a:t>堆的构成</a:t>
+            </a:r>
+            <a:endParaRPr lang="en-US" altLang="zh-CN" dirty="0"/>
+          </a:p>
+          <a:p>
+            <a:pPr lvl="1"/>
+            <a:r>
+              <a:rPr lang="zh-CN" altLang="en-US" dirty="0"/>
+              <a:t>新生区：新对象分配内存的地方，垃圾回收非常频繁的地方</a:t>
+            </a:r>
+            <a:endParaRPr lang="en-US" altLang="zh-CN" dirty="0"/>
+          </a:p>
+          <a:p>
+            <a:pPr lvl="1"/>
+            <a:r>
+              <a:rPr lang="zh-CN" altLang="en-US" dirty="0"/>
+              <a:t>老生指针区：包含大多数可能存在指向其他对象的指针的对象，大多数在新生区存活一段时间后的对象被挪到该区</a:t>
+            </a:r>
+            <a:endParaRPr lang="en-US" altLang="zh-CN" dirty="0"/>
+          </a:p>
+          <a:p>
+            <a:pPr lvl="1"/>
+            <a:r>
+              <a:rPr lang="zh-CN" altLang="en-US" dirty="0"/>
+              <a:t>老生数据区：存放包含原始数据的对象。字符串、封箱的数字以及未封箱的双精度数字数组</a:t>
+            </a:r>
+            <a:endParaRPr lang="en-US" altLang="zh-CN" dirty="0"/>
+          </a:p>
+          <a:p>
+            <a:pPr lvl="1"/>
+            <a:r>
+              <a:rPr lang="zh-CN" altLang="en-US" dirty="0"/>
+              <a:t>大对象区：存放体积超越其他区大小的对象</a:t>
+            </a:r>
+            <a:endParaRPr lang="en-US" altLang="zh-CN" dirty="0"/>
+          </a:p>
+          <a:p>
+            <a:pPr lvl="1"/>
+            <a:r>
+              <a:rPr lang="zh-CN" altLang="en-US" dirty="0"/>
+              <a:t>代码区：代码对象，也就是包含</a:t>
+            </a:r>
+            <a:r>
+              <a:rPr lang="en-US" altLang="zh-CN" dirty="0"/>
+              <a:t>JIT</a:t>
+            </a:r>
+            <a:r>
+              <a:rPr lang="zh-CN" altLang="en-US" dirty="0"/>
+              <a:t>之后指令的对象，会被分配到这里。这是唯一拥有执行权限的内存区。代码对象因为过大而被放置在大对象区，这该区域的内存也拥有可执行权限</a:t>
+            </a:r>
+            <a:endParaRPr lang="en-US" altLang="zh-CN" dirty="0"/>
+          </a:p>
+          <a:p>
+            <a:pPr lvl="1"/>
+            <a:r>
+              <a:rPr lang="en-US" altLang="zh-CN" dirty="0"/>
+              <a:t>Cell</a:t>
+            </a:r>
+            <a:r>
+              <a:rPr lang="zh-CN" altLang="en-US" dirty="0"/>
+              <a:t>区、属性</a:t>
+            </a:r>
+            <a:r>
+              <a:rPr lang="en-US" altLang="zh-CN" dirty="0"/>
+              <a:t>Cell</a:t>
+            </a:r>
+            <a:r>
+              <a:rPr lang="zh-CN" altLang="en-US" dirty="0"/>
+              <a:t>区、</a:t>
+            </a:r>
+            <a:r>
+              <a:rPr lang="en-US" altLang="zh-CN" dirty="0"/>
+              <a:t>Map</a:t>
+            </a:r>
+            <a:r>
+              <a:rPr lang="zh-CN" altLang="en-US" dirty="0"/>
+              <a:t>区：这些区域存放</a:t>
+            </a:r>
+            <a:r>
+              <a:rPr lang="en-US" altLang="zh-CN" dirty="0"/>
+              <a:t>Cell</a:t>
+            </a:r>
+            <a:r>
+              <a:rPr lang="zh-CN" altLang="en-US" dirty="0"/>
+              <a:t>、属性</a:t>
+            </a:r>
+            <a:r>
+              <a:rPr lang="en-US" altLang="zh-CN" dirty="0"/>
+              <a:t>Cell</a:t>
+            </a:r>
+            <a:r>
+              <a:rPr lang="zh-CN" altLang="en-US" dirty="0"/>
+              <a:t>和</a:t>
+            </a:r>
+            <a:r>
+              <a:rPr lang="en-US" altLang="zh-CN" dirty="0"/>
+              <a:t>Map</a:t>
+            </a:r>
+            <a:r>
+              <a:rPr lang="zh-CN" altLang="en-US" dirty="0"/>
+              <a:t>，每个区域因为都是存放相同大小的元素，因此内存结构很简单。</a:t>
+            </a:r>
+            <a:endParaRPr lang="en-US" altLang="zh-CN" dirty="0"/>
+          </a:p>
+          <a:p>
+            <a:pPr lvl="1"/>
+            <a:endParaRPr lang="zh-CN" altLang="en-US" dirty="0"/>
+          </a:p>
+        </p:txBody>
+      </p:sp>
+      <p:sp>
+        <p:nvSpPr>
+          <p:cNvPr id="4" name="标题 1">
+            <a:extLst>
+              <a:ext uri="{FF2B5EF4-FFF2-40B4-BE49-F238E27FC236}">
+                <a16:creationId xmlns:a16="http://schemas.microsoft.com/office/drawing/2014/main" id="{5DBACB0E-651C-42C8-9A34-307D4D33397A}"/>
+              </a:ext>
+            </a:extLst>
+          </p:cNvPr>
+          <p:cNvSpPr txBox="1">
+            <a:spLocks/>
+          </p:cNvSpPr>
+          <p:nvPr/>
+        </p:nvSpPr>
+        <p:spPr>
+          <a:xfrm>
+            <a:off x="177103" y="-1"/>
+            <a:ext cx="8675349" cy="543339"/>
+          </a:xfrm>
+          <a:prstGeom prst="rect">
+            <a:avLst/>
+          </a:prstGeom>
+          <a:solidFill>
+            <a:schemeClr val="accent5">
+              <a:lumMod val="40000"/>
+              <a:lumOff val="60000"/>
+            </a:schemeClr>
+          </a:solidFill>
+        </p:spPr>
+        <p:txBody>
+          <a:bodyPr vert="horz" lIns="91440" tIns="45720" rIns="91440" bIns="45720" rtlCol="0" anchor="t">
+            <a:noAutofit/>
+          </a:bodyPr>
+          <a:lstStyle>
+            <a:lvl1pPr algn="l" defTabSz="457200" rtl="0" eaLnBrk="1" latinLnBrk="0" hangingPunct="1">
+              <a:spcBef>
+                <a:spcPct val="0"/>
+              </a:spcBef>
+              <a:buNone/>
+              <a:defRPr sz="3600" kern="1200">
+                <a:solidFill>
+                  <a:schemeClr val="tx1">
+                    <a:lumMod val="85000"/>
+                    <a:lumOff val="15000"/>
+                  </a:schemeClr>
+                </a:solidFill>
+                <a:latin typeface="+mj-lt"/>
+                <a:ea typeface="+mj-ea"/>
+                <a:cs typeface="+mj-cs"/>
+              </a:defRPr>
+            </a:lvl1pPr>
+            <a:lvl2pPr eaLnBrk="1" hangingPunct="1">
+              <a:defRPr>
+                <a:solidFill>
+                  <a:schemeClr val="tx2"/>
+                </a:solidFill>
+              </a:defRPr>
+            </a:lvl2pPr>
+            <a:lvl3pPr eaLnBrk="1" hangingPunct="1">
+              <a:defRPr>
+                <a:solidFill>
+                  <a:schemeClr val="tx2"/>
+                </a:solidFill>
+              </a:defRPr>
+            </a:lvl3pPr>
+            <a:lvl4pPr eaLnBrk="1" hangingPunct="1">
+              <a:defRPr>
+                <a:solidFill>
+                  <a:schemeClr val="tx2"/>
+                </a:solidFill>
+              </a:defRPr>
+            </a:lvl4pPr>
+            <a:lvl5pPr eaLnBrk="1" hangingPunct="1">
+              <a:defRPr>
+                <a:solidFill>
+                  <a:schemeClr val="tx2"/>
+                </a:solidFill>
+              </a:defRPr>
+            </a:lvl5pPr>
+            <a:lvl6pPr eaLnBrk="1" hangingPunct="1">
+              <a:defRPr>
+                <a:solidFill>
+                  <a:schemeClr val="tx2"/>
+                </a:solidFill>
+              </a:defRPr>
+            </a:lvl6pPr>
+            <a:lvl7pPr eaLnBrk="1" hangingPunct="1">
+              <a:defRPr>
+                <a:solidFill>
+                  <a:schemeClr val="tx2"/>
+                </a:solidFill>
+              </a:defRPr>
+            </a:lvl7pPr>
+            <a:lvl8pPr eaLnBrk="1" hangingPunct="1">
+              <a:defRPr>
+                <a:solidFill>
+                  <a:schemeClr val="tx2"/>
+                </a:solidFill>
+              </a:defRPr>
+            </a:lvl8pPr>
+            <a:lvl9pPr eaLnBrk="1" hangingPunct="1">
+              <a:defRPr>
+                <a:solidFill>
+                  <a:schemeClr val="tx2"/>
+                </a:solidFill>
+              </a:defRPr>
+            </a:lvl9pPr>
+          </a:lstStyle>
+          <a:p>
+            <a:r>
+              <a:rPr lang="zh-CN" altLang="en-US" sz="2400" b="1" dirty="0"/>
+              <a:t>垃圾回收</a:t>
+            </a:r>
+            <a:r>
+              <a:rPr lang="en-US" altLang="zh-CN" sz="2400" b="1" dirty="0"/>
+              <a:t>——</a:t>
+            </a:r>
+            <a:r>
+              <a:rPr lang="zh-CN" altLang="en-US" sz="2400" b="1" dirty="0"/>
+              <a:t>堆的构成</a:t>
+            </a:r>
+          </a:p>
+        </p:txBody>
+      </p:sp>
+    </p:spTree>
+    <p:extLst>
+      <p:ext uri="{BB962C8B-B14F-4D97-AF65-F5344CB8AC3E}">
+        <p14:creationId xmlns:p14="http://schemas.microsoft.com/office/powerpoint/2010/main" val="4213059894"/>
+      </p:ext>
+    </p:extLst>
+  </p:cSld>
+  <p:clrMapOvr>
+    <a:masterClrMapping/>
+  </p:clrMapOvr>
+</p:sld>
+</file>
+
+<file path=ppt/slides/slide13.xml><?xml version="1.0" encoding="utf-8"?>
+<p:sld xmlns:a="http://schemas.openxmlformats.org/drawingml/2006/main" xmlns:r="http://schemas.openxmlformats.org/officeDocument/2006/relationships" xmlns:p="http://schemas.openxmlformats.org/presentationml/2006/main">
+  <p:cSld>
+    <p:spTree>
+      <p:nvGrpSpPr>
+        <p:cNvPr id="1" name=""/>
+        <p:cNvGrpSpPr/>
+        <p:nvPr/>
+      </p:nvGrpSpPr>
+      <p:grpSpPr>
+        <a:xfrm>
+          <a:off x="0" y="0"/>
+          <a:ext cx="0" cy="0"/>
+          <a:chOff x="0" y="0"/>
+          <a:chExt cx="0" cy="0"/>
+        </a:xfrm>
+      </p:grpSpPr>
+      <p:sp>
+        <p:nvSpPr>
+          <p:cNvPr id="3" name="内容占位符 2">
+            <a:extLst>
+              <a:ext uri="{FF2B5EF4-FFF2-40B4-BE49-F238E27FC236}">
+                <a16:creationId xmlns:a16="http://schemas.microsoft.com/office/drawing/2014/main" id="{96A8B68A-0F09-4D68-8EFB-5C48961FDF44}"/>
+              </a:ext>
+            </a:extLst>
+          </p:cNvPr>
+          <p:cNvSpPr>
+            <a:spLocks noGrp="1"/>
+          </p:cNvSpPr>
+          <p:nvPr>
+            <p:ph idx="1"/>
+          </p:nvPr>
+        </p:nvSpPr>
+        <p:spPr>
+          <a:xfrm>
+            <a:off x="986190" y="2099734"/>
+            <a:ext cx="8915400" cy="3409244"/>
+          </a:xfrm>
+        </p:spPr>
+        <p:txBody>
+          <a:bodyPr/>
+          <a:lstStyle/>
+          <a:p>
+            <a:r>
+              <a:rPr lang="zh-CN" altLang="en-US" dirty="0"/>
+              <a:t>如何才能在堆中区分指针和数据？</a:t>
+            </a:r>
+            <a:endParaRPr lang="en-US" altLang="zh-CN" dirty="0"/>
+          </a:p>
+          <a:p>
+            <a:pPr lvl="1"/>
+            <a:r>
+              <a:rPr lang="zh-CN" altLang="en-US" b="1" dirty="0"/>
+              <a:t>保守法</a:t>
+            </a:r>
+            <a:r>
+              <a:rPr lang="zh-CN" altLang="en-US" dirty="0"/>
+              <a:t>：这种方法将所有堆上对齐的字都认为是指针，这就意味着有些数据也会被误认为是指针。于是某些实际是数字的假指针，会被误认为指向活跃的对象，则会时常出现一些奇异的内存泄漏。（</a:t>
+            </a:r>
+            <a:r>
+              <a:rPr lang="zh-CN" altLang="en-US" i="1" dirty="0"/>
+              <a:t>因为垃圾回收器会以为死对象仍然还有指针指向，错将死对象误认为活跃对象</a:t>
+            </a:r>
+            <a:r>
+              <a:rPr lang="zh-CN" altLang="en-US" dirty="0"/>
+              <a:t>）</a:t>
+            </a:r>
+            <a:endParaRPr lang="en-US" altLang="zh-CN" dirty="0"/>
+          </a:p>
+          <a:p>
+            <a:pPr lvl="1"/>
+            <a:r>
+              <a:rPr lang="zh-CN" altLang="en-US" b="1" dirty="0"/>
+              <a:t>编译器提示法</a:t>
+            </a:r>
+            <a:r>
+              <a:rPr lang="zh-CN" altLang="en-US" dirty="0"/>
+              <a:t>：静态语言编译器能够准确地告诉每个类当中指针的具体位置。而一旦知道对象是哪个类实例化得到的，就能知道对象中所有的指针。</a:t>
+            </a:r>
+            <a:endParaRPr lang="en-US" altLang="zh-CN" dirty="0"/>
+          </a:p>
+          <a:p>
+            <a:pPr lvl="1"/>
+            <a:r>
+              <a:rPr lang="zh-CN" altLang="en-US" b="1" dirty="0"/>
+              <a:t>标记指针法</a:t>
+            </a:r>
+            <a:r>
+              <a:rPr lang="zh-CN" altLang="en-US" dirty="0"/>
+              <a:t>：这种方法需要在每个字的末位预留一位来标记这个字代表的是指针抑或数据。这种方法需要一定的编译器支持，但实现简单，而且性能不俗</a:t>
+            </a:r>
+          </a:p>
+        </p:txBody>
+      </p:sp>
+      <p:sp>
+        <p:nvSpPr>
+          <p:cNvPr id="4" name="标题 1">
+            <a:extLst>
+              <a:ext uri="{FF2B5EF4-FFF2-40B4-BE49-F238E27FC236}">
+                <a16:creationId xmlns:a16="http://schemas.microsoft.com/office/drawing/2014/main" id="{86241BA7-1A55-43A8-A89A-77488BC1C4F2}"/>
+              </a:ext>
+            </a:extLst>
+          </p:cNvPr>
+          <p:cNvSpPr txBox="1">
+            <a:spLocks/>
+          </p:cNvSpPr>
+          <p:nvPr/>
+        </p:nvSpPr>
+        <p:spPr>
+          <a:xfrm>
+            <a:off x="177103" y="-1"/>
+            <a:ext cx="8675349" cy="543339"/>
+          </a:xfrm>
+          <a:prstGeom prst="rect">
+            <a:avLst/>
+          </a:prstGeom>
+          <a:solidFill>
+            <a:schemeClr val="accent5">
+              <a:lumMod val="40000"/>
+              <a:lumOff val="60000"/>
+            </a:schemeClr>
+          </a:solidFill>
+        </p:spPr>
+        <p:txBody>
+          <a:bodyPr vert="horz" lIns="91440" tIns="45720" rIns="91440" bIns="45720" rtlCol="0" anchor="t">
+            <a:noAutofit/>
+          </a:bodyPr>
+          <a:lstStyle>
+            <a:lvl1pPr algn="l" defTabSz="457200" rtl="0" eaLnBrk="1" latinLnBrk="0" hangingPunct="1">
+              <a:spcBef>
+                <a:spcPct val="0"/>
+              </a:spcBef>
+              <a:buNone/>
+              <a:defRPr sz="3600" kern="1200">
+                <a:solidFill>
+                  <a:schemeClr val="tx1">
+                    <a:lumMod val="85000"/>
+                    <a:lumOff val="15000"/>
+                  </a:schemeClr>
+                </a:solidFill>
+                <a:latin typeface="+mj-lt"/>
+                <a:ea typeface="+mj-ea"/>
+                <a:cs typeface="+mj-cs"/>
+              </a:defRPr>
+            </a:lvl1pPr>
+            <a:lvl2pPr eaLnBrk="1" hangingPunct="1">
+              <a:defRPr>
+                <a:solidFill>
+                  <a:schemeClr val="tx2"/>
+                </a:solidFill>
+              </a:defRPr>
+            </a:lvl2pPr>
+            <a:lvl3pPr eaLnBrk="1" hangingPunct="1">
+              <a:defRPr>
+                <a:solidFill>
+                  <a:schemeClr val="tx2"/>
+                </a:solidFill>
+              </a:defRPr>
+            </a:lvl3pPr>
+            <a:lvl4pPr eaLnBrk="1" hangingPunct="1">
+              <a:defRPr>
+                <a:solidFill>
+                  <a:schemeClr val="tx2"/>
+                </a:solidFill>
+              </a:defRPr>
+            </a:lvl4pPr>
+            <a:lvl5pPr eaLnBrk="1" hangingPunct="1">
+              <a:defRPr>
+                <a:solidFill>
+                  <a:schemeClr val="tx2"/>
+                </a:solidFill>
+              </a:defRPr>
+            </a:lvl5pPr>
+            <a:lvl6pPr eaLnBrk="1" hangingPunct="1">
+              <a:defRPr>
+                <a:solidFill>
+                  <a:schemeClr val="tx2"/>
+                </a:solidFill>
+              </a:defRPr>
+            </a:lvl6pPr>
+            <a:lvl7pPr eaLnBrk="1" hangingPunct="1">
+              <a:defRPr>
+                <a:solidFill>
+                  <a:schemeClr val="tx2"/>
+                </a:solidFill>
+              </a:defRPr>
+            </a:lvl7pPr>
+            <a:lvl8pPr eaLnBrk="1" hangingPunct="1">
+              <a:defRPr>
+                <a:solidFill>
+                  <a:schemeClr val="tx2"/>
+                </a:solidFill>
+              </a:defRPr>
+            </a:lvl8pPr>
+            <a:lvl9pPr eaLnBrk="1" hangingPunct="1">
+              <a:defRPr>
+                <a:solidFill>
+                  <a:schemeClr val="tx2"/>
+                </a:solidFill>
+              </a:defRPr>
+            </a:lvl9pPr>
+          </a:lstStyle>
+          <a:p>
+            <a:r>
+              <a:rPr lang="zh-CN" altLang="en-US" sz="2400" b="1" dirty="0"/>
+              <a:t>垃圾回收</a:t>
+            </a:r>
+            <a:r>
+              <a:rPr lang="en-US" altLang="zh-CN" sz="2400" b="1" dirty="0"/>
+              <a:t>——</a:t>
+            </a:r>
+            <a:r>
+              <a:rPr lang="zh-CN" altLang="en-US" sz="2400" b="1" dirty="0"/>
+              <a:t>指针识别</a:t>
+            </a:r>
+          </a:p>
+        </p:txBody>
+      </p:sp>
+    </p:spTree>
+    <p:extLst>
+      <p:ext uri="{BB962C8B-B14F-4D97-AF65-F5344CB8AC3E}">
+        <p14:creationId xmlns:p14="http://schemas.microsoft.com/office/powerpoint/2010/main" val="3576840989"/>
+      </p:ext>
+    </p:extLst>
+  </p:cSld>
+  <p:clrMapOvr>
+    <a:masterClrMapping/>
+  </p:clrMapOvr>
+</p:sld>
+</file>
+
+<file path=ppt/slides/slide14.xml><?xml version="1.0" encoding="utf-8"?>
+<p:sld xmlns:a="http://schemas.openxmlformats.org/drawingml/2006/main" xmlns:r="http://schemas.openxmlformats.org/officeDocument/2006/relationships" xmlns:p="http://schemas.openxmlformats.org/presentationml/2006/main">
+  <p:cSld>
+    <p:spTree>
+      <p:nvGrpSpPr>
+        <p:cNvPr id="1" name=""/>
+        <p:cNvGrpSpPr/>
+        <p:nvPr/>
+      </p:nvGrpSpPr>
+      <p:grpSpPr>
+        <a:xfrm>
+          <a:off x="0" y="0"/>
+          <a:ext cx="0" cy="0"/>
+          <a:chOff x="0" y="0"/>
+          <a:chExt cx="0" cy="0"/>
+        </a:xfrm>
+      </p:grpSpPr>
+      <p:sp>
+        <p:nvSpPr>
+          <p:cNvPr id="3" name="内容占位符 2">
+            <a:extLst>
+              <a:ext uri="{FF2B5EF4-FFF2-40B4-BE49-F238E27FC236}">
+                <a16:creationId xmlns:a16="http://schemas.microsoft.com/office/drawing/2014/main" id="{0FADE12D-22D3-4D9B-B2E9-AAA5FFBCCA3C}"/>
+              </a:ext>
+            </a:extLst>
+          </p:cNvPr>
+          <p:cNvSpPr>
+            <a:spLocks noGrp="1"/>
+          </p:cNvSpPr>
+          <p:nvPr>
+            <p:ph idx="1"/>
+          </p:nvPr>
+        </p:nvSpPr>
+        <p:spPr>
+          <a:xfrm>
+            <a:off x="760412" y="1445955"/>
+            <a:ext cx="1361900" cy="898211"/>
+          </a:xfrm>
+        </p:spPr>
+        <p:txBody>
+          <a:bodyPr/>
+          <a:lstStyle/>
+          <a:p>
+            <a:r>
+              <a:rPr lang="zh-CN" altLang="en-US" dirty="0"/>
+              <a:t>占位</a:t>
+            </a:r>
+          </a:p>
+        </p:txBody>
+      </p:sp>
+      <p:sp>
+        <p:nvSpPr>
+          <p:cNvPr id="4" name="标题 1">
+            <a:extLst>
+              <a:ext uri="{FF2B5EF4-FFF2-40B4-BE49-F238E27FC236}">
+                <a16:creationId xmlns:a16="http://schemas.microsoft.com/office/drawing/2014/main" id="{ABE39E2F-E1D8-4285-BC4C-2A180DB1441A}"/>
+              </a:ext>
+            </a:extLst>
+          </p:cNvPr>
+          <p:cNvSpPr txBox="1">
+            <a:spLocks/>
+          </p:cNvSpPr>
+          <p:nvPr/>
+        </p:nvSpPr>
+        <p:spPr>
+          <a:xfrm>
+            <a:off x="177103" y="-1"/>
+            <a:ext cx="8675349" cy="543339"/>
+          </a:xfrm>
+          <a:prstGeom prst="rect">
+            <a:avLst/>
+          </a:prstGeom>
+          <a:solidFill>
+            <a:schemeClr val="accent5">
+              <a:lumMod val="40000"/>
+              <a:lumOff val="60000"/>
+            </a:schemeClr>
+          </a:solidFill>
+        </p:spPr>
+        <p:txBody>
+          <a:bodyPr vert="horz" lIns="91440" tIns="45720" rIns="91440" bIns="45720" rtlCol="0" anchor="t">
+            <a:noAutofit/>
+          </a:bodyPr>
+          <a:lstStyle>
+            <a:lvl1pPr algn="l" defTabSz="457200" rtl="0" eaLnBrk="1" latinLnBrk="0" hangingPunct="1">
+              <a:spcBef>
+                <a:spcPct val="0"/>
+              </a:spcBef>
+              <a:buNone/>
+              <a:defRPr sz="3600" kern="1200">
+                <a:solidFill>
+                  <a:schemeClr val="tx1">
+                    <a:lumMod val="85000"/>
+                    <a:lumOff val="15000"/>
+                  </a:schemeClr>
+                </a:solidFill>
+                <a:latin typeface="+mj-lt"/>
+                <a:ea typeface="+mj-ea"/>
+                <a:cs typeface="+mj-cs"/>
+              </a:defRPr>
+            </a:lvl1pPr>
+            <a:lvl2pPr eaLnBrk="1" hangingPunct="1">
+              <a:defRPr>
+                <a:solidFill>
+                  <a:schemeClr val="tx2"/>
+                </a:solidFill>
+              </a:defRPr>
+            </a:lvl2pPr>
+            <a:lvl3pPr eaLnBrk="1" hangingPunct="1">
+              <a:defRPr>
+                <a:solidFill>
+                  <a:schemeClr val="tx2"/>
+                </a:solidFill>
+              </a:defRPr>
+            </a:lvl3pPr>
+            <a:lvl4pPr eaLnBrk="1" hangingPunct="1">
+              <a:defRPr>
+                <a:solidFill>
+                  <a:schemeClr val="tx2"/>
+                </a:solidFill>
+              </a:defRPr>
+            </a:lvl4pPr>
+            <a:lvl5pPr eaLnBrk="1" hangingPunct="1">
+              <a:defRPr>
+                <a:solidFill>
+                  <a:schemeClr val="tx2"/>
+                </a:solidFill>
+              </a:defRPr>
+            </a:lvl5pPr>
+            <a:lvl6pPr eaLnBrk="1" hangingPunct="1">
+              <a:defRPr>
+                <a:solidFill>
+                  <a:schemeClr val="tx2"/>
+                </a:solidFill>
+              </a:defRPr>
+            </a:lvl6pPr>
+            <a:lvl7pPr eaLnBrk="1" hangingPunct="1">
+              <a:defRPr>
+                <a:solidFill>
+                  <a:schemeClr val="tx2"/>
+                </a:solidFill>
+              </a:defRPr>
+            </a:lvl7pPr>
+            <a:lvl8pPr eaLnBrk="1" hangingPunct="1">
+              <a:defRPr>
+                <a:solidFill>
+                  <a:schemeClr val="tx2"/>
+                </a:solidFill>
+              </a:defRPr>
+            </a:lvl8pPr>
+            <a:lvl9pPr eaLnBrk="1" hangingPunct="1">
+              <a:defRPr>
+                <a:solidFill>
+                  <a:schemeClr val="tx2"/>
+                </a:solidFill>
+              </a:defRPr>
+            </a:lvl9pPr>
+          </a:lstStyle>
+          <a:p>
+            <a:r>
+              <a:rPr lang="zh-CN" altLang="en-US" sz="2400" b="1" dirty="0"/>
+              <a:t>垃圾回收</a:t>
+            </a:r>
+            <a:r>
+              <a:rPr lang="en-US" altLang="zh-CN" sz="2400" b="1" dirty="0"/>
+              <a:t>——</a:t>
+            </a:r>
+            <a:r>
+              <a:rPr lang="zh-CN" altLang="en-US" sz="2400" b="1" dirty="0"/>
+              <a:t>分代回收</a:t>
+            </a:r>
+          </a:p>
+        </p:txBody>
+      </p:sp>
+      <p:graphicFrame>
+        <p:nvGraphicFramePr>
+          <p:cNvPr id="5" name="对象 4">
+            <a:extLst>
+              <a:ext uri="{FF2B5EF4-FFF2-40B4-BE49-F238E27FC236}">
+                <a16:creationId xmlns:a16="http://schemas.microsoft.com/office/drawing/2014/main" id="{D3B0AE5E-5966-4AF5-9321-A031C46058BE}"/>
+              </a:ext>
+            </a:extLst>
+          </p:cNvPr>
+          <p:cNvGraphicFramePr>
+            <a:graphicFrameLocks noChangeAspect="1"/>
+          </p:cNvGraphicFramePr>
+          <p:nvPr>
+            <p:extLst>
+              <p:ext uri="{D42A27DB-BD31-4B8C-83A1-F6EECF244321}">
+                <p14:modId xmlns:p14="http://schemas.microsoft.com/office/powerpoint/2010/main" val="2618382115"/>
+              </p:ext>
+            </p:extLst>
+          </p:nvPr>
+        </p:nvGraphicFramePr>
+        <p:xfrm>
+          <a:off x="2795814" y="1445955"/>
+          <a:ext cx="6600372" cy="4081639"/>
+        </p:xfrm>
+        <a:graphic>
+          <a:graphicData uri="http://schemas.openxmlformats.org/presentationml/2006/ole">
+            <mc:AlternateContent xmlns:mc="http://schemas.openxmlformats.org/markup-compatibility/2006">
+              <mc:Choice xmlns:v="urn:schemas-microsoft-com:vml" Requires="v">
+                <p:oleObj spid="_x0000_s10243" name="Visio" r:id="rId3" imgW="4867181" imgH="3009803" progId="Visio.Drawing.11">
+                  <p:embed/>
+                </p:oleObj>
+              </mc:Choice>
+              <mc:Fallback>
+                <p:oleObj name="Visio" r:id="rId3" imgW="4867181" imgH="3009803" progId="Visio.Drawing.11">
+                  <p:embed/>
+                  <p:pic>
+                    <p:nvPicPr>
+                      <p:cNvPr id="0" name=""/>
+                      <p:cNvPicPr/>
+                      <p:nvPr/>
+                    </p:nvPicPr>
+                    <p:blipFill>
+                      <a:blip r:embed="rId4"/>
+                      <a:stretch>
+                        <a:fillRect/>
+                      </a:stretch>
+                    </p:blipFill>
+                    <p:spPr>
+                      <a:xfrm>
+                        <a:off x="2795814" y="1445955"/>
+                        <a:ext cx="6600372" cy="4081639"/>
+                      </a:xfrm>
+                      <a:prstGeom prst="rect">
+                        <a:avLst/>
+                      </a:prstGeom>
+                    </p:spPr>
+                  </p:pic>
+                </p:oleObj>
+              </mc:Fallback>
+            </mc:AlternateContent>
+          </a:graphicData>
+        </a:graphic>
+      </p:graphicFrame>
+    </p:spTree>
+    <p:extLst>
+      <p:ext uri="{BB962C8B-B14F-4D97-AF65-F5344CB8AC3E}">
+        <p14:creationId xmlns:p14="http://schemas.microsoft.com/office/powerpoint/2010/main" val="722466333"/>
+      </p:ext>
+    </p:extLst>
+  </p:cSld>
+  <p:clrMapOvr>
+    <a:masterClrMapping/>
+  </p:clrMapOvr>
+</p:sld>
+</file>
+
 <file path=ppt/slides/slide2.xml><?xml version="1.0" encoding="utf-8"?>
 <p:sld xmlns:a="http://schemas.openxmlformats.org/drawingml/2006/main" xmlns:r="http://schemas.openxmlformats.org/officeDocument/2006/relationships" xmlns:p="http://schemas.openxmlformats.org/presentationml/2006/main">
   <p:cSld>
@@ -10934,7 +12911,7 @@
           <a:graphicData uri="http://schemas.openxmlformats.org/presentationml/2006/ole">
             <mc:AlternateContent xmlns:mc="http://schemas.openxmlformats.org/markup-compatibility/2006">
               <mc:Choice xmlns:v="urn:schemas-microsoft-com:vml" Requires="v">
-                <p:oleObj spid="_x0000_s1060" name="Visio" r:id="rId3" imgW="5876913" imgH="4524430" progId="Visio.Drawing.11">
+                <p:oleObj spid="_x0000_s1074" name="Visio" r:id="rId3" imgW="5876913" imgH="4524430" progId="Visio.Drawing.11">
                   <p:embed/>
                 </p:oleObj>
               </mc:Choice>
@@ -11077,7 +13054,7 @@
           <a:graphicData uri="http://schemas.openxmlformats.org/presentationml/2006/ole">
             <mc:AlternateContent xmlns:mc="http://schemas.openxmlformats.org/markup-compatibility/2006">
               <mc:Choice xmlns:v="urn:schemas-microsoft-com:vml" Requires="v">
-                <p:oleObj spid="_x0000_s2079" name="Visio" r:id="rId3" imgW="8143969" imgH="5429316" progId="Visio.Drawing.11">
+                <p:oleObj spid="_x0000_s2093" name="Visio" r:id="rId3" imgW="8143969" imgH="5429316" progId="Visio.Drawing.11">
                   <p:embed/>
                 </p:oleObj>
               </mc:Choice>
@@ -12003,7 +13980,7 @@
           <a:graphicData uri="http://schemas.openxmlformats.org/presentationml/2006/ole">
             <mc:AlternateContent xmlns:mc="http://schemas.openxmlformats.org/markup-compatibility/2006">
               <mc:Choice xmlns:v="urn:schemas-microsoft-com:vml" Requires="v">
-                <p:oleObj spid="_x0000_s3108" name="Visio" r:id="rId3" imgW="2524332" imgH="2019503" progId="Visio.Drawing.11">
+                <p:oleObj spid="_x0000_s3136" name="Visio" r:id="rId3" imgW="2524332" imgH="2019503" progId="Visio.Drawing.11">
                   <p:embed/>
                 </p:oleObj>
               </mc:Choice>
@@ -12066,7 +14043,7 @@
           <a:graphicData uri="http://schemas.openxmlformats.org/presentationml/2006/ole">
             <mc:AlternateContent xmlns:mc="http://schemas.openxmlformats.org/markup-compatibility/2006">
               <mc:Choice xmlns:v="urn:schemas-microsoft-com:vml" Requires="v">
-                <p:oleObj spid="_x0000_s3109" name="Visio" r:id="rId5" imgW="4333681" imgH="3533707" progId="Visio.Drawing.11">
+                <p:oleObj spid="_x0000_s3137" name="Visio" r:id="rId5" imgW="4333681" imgH="3533707" progId="Visio.Drawing.11">
                   <p:embed/>
                 </p:oleObj>
               </mc:Choice>
@@ -12338,7 +14315,7 @@
           <a:graphicData uri="http://schemas.openxmlformats.org/presentationml/2006/ole">
             <mc:AlternateContent xmlns:mc="http://schemas.openxmlformats.org/markup-compatibility/2006">
               <mc:Choice xmlns:v="urn:schemas-microsoft-com:vml" Requires="v">
-                <p:oleObj spid="_x0000_s4128" name="Visio" r:id="rId3" imgW="1609761" imgH="1209756" progId="Visio.Drawing.11">
+                <p:oleObj spid="_x0000_s4170" name="Visio" r:id="rId3" imgW="1609761" imgH="1209756" progId="Visio.Drawing.11">
                   <p:embed/>
                 </p:oleObj>
               </mc:Choice>
@@ -12401,7 +14378,7 @@
           <a:graphicData uri="http://schemas.openxmlformats.org/presentationml/2006/ole">
             <mc:AlternateContent xmlns:mc="http://schemas.openxmlformats.org/markup-compatibility/2006">
               <mc:Choice xmlns:v="urn:schemas-microsoft-com:vml" Requires="v">
-                <p:oleObj spid="_x0000_s4129" name="Visio" r:id="rId5" imgW="5276885" imgH="2009777" progId="Visio.Drawing.11">
+                <p:oleObj spid="_x0000_s4171" name="Visio" r:id="rId5" imgW="5276885" imgH="2009777" progId="Visio.Drawing.11">
                   <p:embed/>
                 </p:oleObj>
               </mc:Choice>
@@ -12464,7 +14441,7 @@
           <a:graphicData uri="http://schemas.openxmlformats.org/presentationml/2006/ole">
             <mc:AlternateContent xmlns:mc="http://schemas.openxmlformats.org/markup-compatibility/2006">
               <mc:Choice xmlns:v="urn:schemas-microsoft-com:vml" Requires="v">
-                <p:oleObj spid="_x0000_s4130" name="Visio" r:id="rId7" imgW="7153185" imgH="2552709" progId="Visio.Drawing.11">
+                <p:oleObj spid="_x0000_s4172" name="Visio" r:id="rId7" imgW="7153185" imgH="2552709" progId="Visio.Drawing.11">
                   <p:embed/>
                 </p:oleObj>
               </mc:Choice>
@@ -13005,7 +14982,7 @@
           <a:graphicData uri="http://schemas.openxmlformats.org/presentationml/2006/ole">
             <mc:AlternateContent xmlns:mc="http://schemas.openxmlformats.org/markup-compatibility/2006">
               <mc:Choice xmlns:v="urn:schemas-microsoft-com:vml" Requires="v">
-                <p:oleObj spid="_x0000_s5127" name="Visio" r:id="rId3" imgW="7639103" imgH="4543458" progId="Visio.Drawing.11">
+                <p:oleObj spid="_x0000_s5141" name="Visio" r:id="rId3" imgW="7639103" imgH="4543458" progId="Visio.Drawing.11">
                   <p:embed/>
                 </p:oleObj>
               </mc:Choice>
@@ -13351,20 +15328,20 @@
           <p:nvPr>
             <p:extLst>
               <p:ext uri="{D42A27DB-BD31-4B8C-83A1-F6EECF244321}">
-                <p14:modId xmlns:p14="http://schemas.microsoft.com/office/powerpoint/2010/main" val="3015243793"/>
+                <p14:modId xmlns:p14="http://schemas.microsoft.com/office/powerpoint/2010/main" val="1966755475"/>
               </p:ext>
             </p:extLst>
           </p:nvPr>
         </p:nvGraphicFramePr>
         <p:xfrm>
-          <a:off x="4258734" y="2641600"/>
-          <a:ext cx="7659654" cy="3845631"/>
+          <a:off x="3756335" y="2641600"/>
+          <a:ext cx="8162053" cy="4097867"/>
         </p:xfrm>
         <a:graphic>
           <a:graphicData uri="http://schemas.openxmlformats.org/presentationml/2006/ole">
             <mc:AlternateContent xmlns:mc="http://schemas.openxmlformats.org/markup-compatibility/2006">
               <mc:Choice xmlns:v="urn:schemas-microsoft-com:vml" Requires="v">
-                <p:oleObj spid="_x0000_s6147" name="Visio" r:id="rId3" imgW="6924542" imgH="3476623" progId="Visio.Drawing.11">
+                <p:oleObj spid="_x0000_s6166" name="Visio" r:id="rId3" imgW="6924542" imgH="3476623" progId="Visio.Drawing.11">
                   <p:embed/>
                 </p:oleObj>
               </mc:Choice>
@@ -13385,8 +15362,8 @@
                     </p:blipFill>
                     <p:spPr>
                       <a:xfrm>
-                        <a:off x="4258734" y="2641600"/>
-                        <a:ext cx="7659654" cy="3845631"/>
+                        <a:off x="3756335" y="2641600"/>
+                        <a:ext cx="8162053" cy="4097867"/>
                       </a:xfrm>
                       <a:prstGeom prst="rect">
                         <a:avLst/>
@@ -13403,6 +15380,299 @@
     <p:extLst>
       <p:ext uri="{BB962C8B-B14F-4D97-AF65-F5344CB8AC3E}">
         <p14:creationId xmlns:p14="http://schemas.microsoft.com/office/powerpoint/2010/main" val="719901511"/>
+      </p:ext>
+    </p:extLst>
+  </p:cSld>
+  <p:clrMapOvr>
+    <a:masterClrMapping/>
+  </p:clrMapOvr>
+</p:sld>
+</file>
+
+<file path=ppt/slides/slide9.xml><?xml version="1.0" encoding="utf-8"?>
+<p:sld xmlns:a="http://schemas.openxmlformats.org/drawingml/2006/main" xmlns:r="http://schemas.openxmlformats.org/officeDocument/2006/relationships" xmlns:p="http://schemas.openxmlformats.org/presentationml/2006/main">
+  <p:cSld>
+    <p:spTree>
+      <p:nvGrpSpPr>
+        <p:cNvPr id="1" name=""/>
+        <p:cNvGrpSpPr/>
+        <p:nvPr/>
+      </p:nvGrpSpPr>
+      <p:grpSpPr>
+        <a:xfrm>
+          <a:off x="0" y="0"/>
+          <a:ext cx="0" cy="0"/>
+          <a:chOff x="0" y="0"/>
+          <a:chExt cx="0" cy="0"/>
+        </a:xfrm>
+      </p:grpSpPr>
+      <p:sp>
+        <p:nvSpPr>
+          <p:cNvPr id="3" name="内容占位符 2">
+            <a:extLst>
+              <a:ext uri="{FF2B5EF4-FFF2-40B4-BE49-F238E27FC236}">
+                <a16:creationId xmlns:a16="http://schemas.microsoft.com/office/drawing/2014/main" id="{38F561F0-3975-4E7D-9BBF-D16724AEB5E9}"/>
+              </a:ext>
+            </a:extLst>
+          </p:cNvPr>
+          <p:cNvSpPr>
+            <a:spLocks noGrp="1"/>
+          </p:cNvSpPr>
+          <p:nvPr>
+            <p:ph idx="1"/>
+          </p:nvPr>
+        </p:nvSpPr>
+        <p:spPr>
+          <a:xfrm>
+            <a:off x="355298" y="1323372"/>
+            <a:ext cx="3550658" cy="2368095"/>
+          </a:xfrm>
+        </p:spPr>
+        <p:txBody>
+          <a:bodyPr/>
+          <a:lstStyle/>
+          <a:p>
+            <a:r>
+              <a:rPr lang="en-US" altLang="zh-CN" dirty="0"/>
+              <a:t>Extra Properties(</a:t>
+            </a:r>
+            <a:r>
+              <a:rPr lang="zh-CN" altLang="en-US" dirty="0"/>
+              <a:t>额外的属性</a:t>
+            </a:r>
+            <a:r>
+              <a:rPr lang="en-US" altLang="zh-CN" dirty="0"/>
+              <a:t>)</a:t>
+            </a:r>
+          </a:p>
+          <a:p>
+            <a:r>
+              <a:rPr lang="en-US" altLang="zh-CN" dirty="0"/>
+              <a:t>Elements(</a:t>
+            </a:r>
+            <a:r>
+              <a:rPr lang="zh-CN" altLang="en-US" dirty="0"/>
+              <a:t>数值类属性</a:t>
+            </a:r>
+            <a:r>
+              <a:rPr lang="en-US" altLang="zh-CN" dirty="0"/>
+              <a:t>)</a:t>
+            </a:r>
+          </a:p>
+          <a:p>
+            <a:r>
+              <a:rPr lang="en-US" altLang="zh-CN" dirty="0"/>
+              <a:t>“a”, “b”(</a:t>
+            </a:r>
+            <a:r>
+              <a:rPr lang="zh-CN" altLang="en-US" dirty="0"/>
+              <a:t>对象内属性</a:t>
+            </a:r>
+            <a:r>
+              <a:rPr lang="en-US" altLang="zh-CN" dirty="0"/>
+              <a:t>)</a:t>
+            </a:r>
+          </a:p>
+          <a:p>
+            <a:r>
+              <a:rPr lang="en-US" altLang="zh-CN" dirty="0"/>
+              <a:t>Length(</a:t>
+            </a:r>
+            <a:r>
+              <a:rPr lang="zh-CN" altLang="en-US" dirty="0"/>
+              <a:t>计算数组属性名中的最大值加</a:t>
+            </a:r>
+            <a:r>
+              <a:rPr lang="en-US" altLang="zh-CN" dirty="0"/>
+              <a:t>1)</a:t>
+            </a:r>
+            <a:endParaRPr lang="zh-CN" altLang="en-US" dirty="0"/>
+          </a:p>
+        </p:txBody>
+      </p:sp>
+      <p:sp>
+        <p:nvSpPr>
+          <p:cNvPr id="4" name="标题 1">
+            <a:extLst>
+              <a:ext uri="{FF2B5EF4-FFF2-40B4-BE49-F238E27FC236}">
+                <a16:creationId xmlns:a16="http://schemas.microsoft.com/office/drawing/2014/main" id="{76BC9D15-8B13-43AE-B782-02513A1A6DCE}"/>
+              </a:ext>
+            </a:extLst>
+          </p:cNvPr>
+          <p:cNvSpPr txBox="1">
+            <a:spLocks/>
+          </p:cNvSpPr>
+          <p:nvPr/>
+        </p:nvSpPr>
+        <p:spPr>
+          <a:xfrm>
+            <a:off x="177103" y="-1"/>
+            <a:ext cx="8675349" cy="543339"/>
+          </a:xfrm>
+          <a:prstGeom prst="rect">
+            <a:avLst/>
+          </a:prstGeom>
+          <a:solidFill>
+            <a:schemeClr val="accent5">
+              <a:lumMod val="40000"/>
+              <a:lumOff val="60000"/>
+            </a:schemeClr>
+          </a:solidFill>
+        </p:spPr>
+        <p:txBody>
+          <a:bodyPr vert="horz" lIns="91440" tIns="45720" rIns="91440" bIns="45720" rtlCol="0" anchor="t">
+            <a:noAutofit/>
+          </a:bodyPr>
+          <a:lstStyle>
+            <a:lvl1pPr algn="l" defTabSz="457200" rtl="0" eaLnBrk="1" latinLnBrk="0" hangingPunct="1">
+              <a:spcBef>
+                <a:spcPct val="0"/>
+              </a:spcBef>
+              <a:buNone/>
+              <a:defRPr sz="3600" kern="1200">
+                <a:solidFill>
+                  <a:schemeClr val="tx1">
+                    <a:lumMod val="85000"/>
+                    <a:lumOff val="15000"/>
+                  </a:schemeClr>
+                </a:solidFill>
+                <a:latin typeface="+mj-lt"/>
+                <a:ea typeface="+mj-ea"/>
+                <a:cs typeface="+mj-cs"/>
+              </a:defRPr>
+            </a:lvl1pPr>
+            <a:lvl2pPr eaLnBrk="1" hangingPunct="1">
+              <a:defRPr>
+                <a:solidFill>
+                  <a:schemeClr val="tx2"/>
+                </a:solidFill>
+              </a:defRPr>
+            </a:lvl2pPr>
+            <a:lvl3pPr eaLnBrk="1" hangingPunct="1">
+              <a:defRPr>
+                <a:solidFill>
+                  <a:schemeClr val="tx2"/>
+                </a:solidFill>
+              </a:defRPr>
+            </a:lvl3pPr>
+            <a:lvl4pPr eaLnBrk="1" hangingPunct="1">
+              <a:defRPr>
+                <a:solidFill>
+                  <a:schemeClr val="tx2"/>
+                </a:solidFill>
+              </a:defRPr>
+            </a:lvl4pPr>
+            <a:lvl5pPr eaLnBrk="1" hangingPunct="1">
+              <a:defRPr>
+                <a:solidFill>
+                  <a:schemeClr val="tx2"/>
+                </a:solidFill>
+              </a:defRPr>
+            </a:lvl5pPr>
+            <a:lvl6pPr eaLnBrk="1" hangingPunct="1">
+              <a:defRPr>
+                <a:solidFill>
+                  <a:schemeClr val="tx2"/>
+                </a:solidFill>
+              </a:defRPr>
+            </a:lvl6pPr>
+            <a:lvl7pPr eaLnBrk="1" hangingPunct="1">
+              <a:defRPr>
+                <a:solidFill>
+                  <a:schemeClr val="tx2"/>
+                </a:solidFill>
+              </a:defRPr>
+            </a:lvl7pPr>
+            <a:lvl8pPr eaLnBrk="1" hangingPunct="1">
+              <a:defRPr>
+                <a:solidFill>
+                  <a:schemeClr val="tx2"/>
+                </a:solidFill>
+              </a:defRPr>
+            </a:lvl8pPr>
+            <a:lvl9pPr eaLnBrk="1" hangingPunct="1">
+              <a:defRPr>
+                <a:solidFill>
+                  <a:schemeClr val="tx2"/>
+                </a:solidFill>
+              </a:defRPr>
+            </a:lvl9pPr>
+          </a:lstStyle>
+          <a:p>
+            <a:r>
+              <a:rPr lang="zh-CN" altLang="en-US" sz="2400" b="1" dirty="0"/>
+              <a:t>对象表示</a:t>
+            </a:r>
+          </a:p>
+        </p:txBody>
+      </p:sp>
+      <p:graphicFrame>
+        <p:nvGraphicFramePr>
+          <p:cNvPr id="6" name="对象 5">
+            <a:extLst>
+              <a:ext uri="{FF2B5EF4-FFF2-40B4-BE49-F238E27FC236}">
+                <a16:creationId xmlns:a16="http://schemas.microsoft.com/office/drawing/2014/main" id="{1AE330AD-38E0-4030-B113-D1EF4A5624AA}"/>
+              </a:ext>
+            </a:extLst>
+          </p:cNvPr>
+          <p:cNvGraphicFramePr>
+            <a:graphicFrameLocks noChangeAspect="1"/>
+          </p:cNvGraphicFramePr>
+          <p:nvPr>
+            <p:extLst>
+              <p:ext uri="{D42A27DB-BD31-4B8C-83A1-F6EECF244321}">
+                <p14:modId xmlns:p14="http://schemas.microsoft.com/office/powerpoint/2010/main" val="1168735052"/>
+              </p:ext>
+            </p:extLst>
+          </p:nvPr>
+        </p:nvGraphicFramePr>
+        <p:xfrm>
+          <a:off x="4544962" y="1114813"/>
+          <a:ext cx="5334779" cy="4958609"/>
+        </p:xfrm>
+        <a:graphic>
+          <a:graphicData uri="http://schemas.openxmlformats.org/presentationml/2006/ole">
+            <mc:AlternateContent xmlns:mc="http://schemas.openxmlformats.org/markup-compatibility/2006">
+              <mc:Choice xmlns:v="urn:schemas-microsoft-com:vml" Requires="v">
+                <p:oleObj spid="_x0000_s7186" name="Visio" r:id="rId3" imgW="4457898" imgH="4143448" progId="Visio.Drawing.11">
+                  <p:embed/>
+                </p:oleObj>
+              </mc:Choice>
+              <mc:Fallback>
+                <p:oleObj name="Visio" r:id="rId3" imgW="4457898" imgH="4143448" progId="Visio.Drawing.11">
+                  <p:embed/>
+                  <p:pic>
+                    <p:nvPicPr>
+                      <p:cNvPr id="0" name=""/>
+                      <p:cNvPicPr/>
+                      <p:nvPr/>
+                    </p:nvPicPr>
+                    <p:blipFill>
+                      <a:blip r:embed="rId4"/>
+                      <a:stretch>
+                        <a:fillRect/>
+                      </a:stretch>
+                    </p:blipFill>
+                    <p:spPr>
+                      <a:xfrm>
+                        <a:off x="4544962" y="1114813"/>
+                        <a:ext cx="5334779" cy="4958609"/>
+                      </a:xfrm>
+                      <a:prstGeom prst="rect">
+                        <a:avLst/>
+                      </a:prstGeom>
+                    </p:spPr>
+                  </p:pic>
+                </p:oleObj>
+              </mc:Fallback>
+            </mc:AlternateContent>
+          </a:graphicData>
+        </a:graphic>
+      </p:graphicFrame>
+    </p:spTree>
+    <p:extLst>
+      <p:ext uri="{BB962C8B-B14F-4D97-AF65-F5344CB8AC3E}">
+        <p14:creationId xmlns:p14="http://schemas.microsoft.com/office/powerpoint/2010/main" val="139593981"/>
       </p:ext>
     </p:extLst>
   </p:cSld>
